--- a/yeast_screens/yeast_screens_epistasis_summary.pptx
+++ b/yeast_screens/yeast_screens_epistasis_summary.pptx
@@ -4,6 +4,9 @@
   <p:sldMasterIdLst>
     <p:sldMasterId id="2147483648" r:id="rId1"/>
   </p:sldMasterIdLst>
+  <p:notesMasterIdLst>
+    <p:notesMasterId r:id="rId32"/>
+  </p:notesMasterIdLst>
   <p:sldIdLst>
     <p:sldId id="256" r:id="rId2"/>
     <p:sldId id="265" r:id="rId3"/>
@@ -21,10 +24,20 @@
     <p:sldId id="261" r:id="rId15"/>
     <p:sldId id="268" r:id="rId16"/>
     <p:sldId id="272" r:id="rId17"/>
-    <p:sldId id="273" r:id="rId18"/>
-    <p:sldId id="274" r:id="rId19"/>
-    <p:sldId id="275" r:id="rId20"/>
-    <p:sldId id="276" r:id="rId21"/>
+    <p:sldId id="277" r:id="rId18"/>
+    <p:sldId id="273" r:id="rId19"/>
+    <p:sldId id="274" r:id="rId20"/>
+    <p:sldId id="275" r:id="rId21"/>
+    <p:sldId id="276" r:id="rId22"/>
+    <p:sldId id="278" r:id="rId23"/>
+    <p:sldId id="284" r:id="rId24"/>
+    <p:sldId id="279" r:id="rId25"/>
+    <p:sldId id="280" r:id="rId26"/>
+    <p:sldId id="281" r:id="rId27"/>
+    <p:sldId id="282" r:id="rId28"/>
+    <p:sldId id="283" r:id="rId29"/>
+    <p:sldId id="285" r:id="rId30"/>
+    <p:sldId id="286" r:id="rId31"/>
   </p:sldIdLst>
   <p:sldSz cx="12192000" cy="6858000"/>
   <p:notesSz cx="6858000" cy="9144000"/>
@@ -142,6 +155,1260 @@
 </p:presentation>
 </file>
 
+<file path=ppt/notesMasters/notesMaster1.xml><?xml version="1.0" encoding="utf-8"?>
+<p:notesMaster xmlns:a="http://schemas.openxmlformats.org/drawingml/2006/main" xmlns:r="http://schemas.openxmlformats.org/officeDocument/2006/relationships" xmlns:p="http://schemas.openxmlformats.org/presentationml/2006/main">
+  <p:cSld>
+    <p:bg>
+      <p:bgRef idx="1001">
+        <a:schemeClr val="bg1"/>
+      </p:bgRef>
+    </p:bg>
+    <p:spTree>
+      <p:nvGrpSpPr>
+        <p:cNvPr id="1" name=""/>
+        <p:cNvGrpSpPr/>
+        <p:nvPr/>
+      </p:nvGrpSpPr>
+      <p:grpSpPr>
+        <a:xfrm>
+          <a:off x="0" y="0"/>
+          <a:ext cx="0" cy="0"/>
+          <a:chOff x="0" y="0"/>
+          <a:chExt cx="0" cy="0"/>
+        </a:xfrm>
+      </p:grpSpPr>
+      <p:sp>
+        <p:nvSpPr>
+          <p:cNvPr id="2" name="Header Placeholder 1"/>
+          <p:cNvSpPr>
+            <a:spLocks noGrp="1"/>
+          </p:cNvSpPr>
+          <p:nvPr>
+            <p:ph type="hdr" sz="quarter"/>
+          </p:nvPr>
+        </p:nvSpPr>
+        <p:spPr>
+          <a:xfrm>
+            <a:off x="0" y="0"/>
+            <a:ext cx="2971800" cy="458788"/>
+          </a:xfrm>
+          <a:prstGeom prst="rect">
+            <a:avLst/>
+          </a:prstGeom>
+        </p:spPr>
+        <p:txBody>
+          <a:bodyPr vert="horz" lIns="91440" tIns="45720" rIns="91440" bIns="45720" rtlCol="0"/>
+          <a:lstStyle>
+            <a:lvl1pPr algn="l">
+              <a:defRPr sz="1200"/>
+            </a:lvl1pPr>
+          </a:lstStyle>
+          <a:p>
+            <a:endParaRPr lang="en-US"/>
+          </a:p>
+        </p:txBody>
+      </p:sp>
+      <p:sp>
+        <p:nvSpPr>
+          <p:cNvPr id="3" name="Date Placeholder 2"/>
+          <p:cNvSpPr>
+            <a:spLocks noGrp="1"/>
+          </p:cNvSpPr>
+          <p:nvPr>
+            <p:ph type="dt" idx="1"/>
+          </p:nvPr>
+        </p:nvSpPr>
+        <p:spPr>
+          <a:xfrm>
+            <a:off x="3884613" y="0"/>
+            <a:ext cx="2971800" cy="458788"/>
+          </a:xfrm>
+          <a:prstGeom prst="rect">
+            <a:avLst/>
+          </a:prstGeom>
+        </p:spPr>
+        <p:txBody>
+          <a:bodyPr vert="horz" lIns="91440" tIns="45720" rIns="91440" bIns="45720" rtlCol="0"/>
+          <a:lstStyle>
+            <a:lvl1pPr algn="r">
+              <a:defRPr sz="1200"/>
+            </a:lvl1pPr>
+          </a:lstStyle>
+          <a:p>
+            <a:fld id="{31441B64-47E5-C645-B76C-D0153FC89EF9}" type="datetimeFigureOut">
+              <a:rPr lang="en-US" smtClean="0"/>
+              <a:t>7/6/22</a:t>
+            </a:fld>
+            <a:endParaRPr lang="en-US"/>
+          </a:p>
+        </p:txBody>
+      </p:sp>
+      <p:sp>
+        <p:nvSpPr>
+          <p:cNvPr id="4" name="Slide Image Placeholder 3"/>
+          <p:cNvSpPr>
+            <a:spLocks noGrp="1" noRot="1" noChangeAspect="1"/>
+          </p:cNvSpPr>
+          <p:nvPr>
+            <p:ph type="sldImg" idx="2"/>
+          </p:nvPr>
+        </p:nvSpPr>
+        <p:spPr>
+          <a:xfrm>
+            <a:off x="685800" y="1143000"/>
+            <a:ext cx="5486400" cy="3086100"/>
+          </a:xfrm>
+          <a:prstGeom prst="rect">
+            <a:avLst/>
+          </a:prstGeom>
+          <a:noFill/>
+          <a:ln w="12700">
+            <a:solidFill>
+              <a:prstClr val="black"/>
+            </a:solidFill>
+          </a:ln>
+        </p:spPr>
+        <p:txBody>
+          <a:bodyPr vert="horz" lIns="91440" tIns="45720" rIns="91440" bIns="45720" rtlCol="0" anchor="ctr"/>
+          <a:lstStyle/>
+          <a:p>
+            <a:endParaRPr lang="en-US"/>
+          </a:p>
+        </p:txBody>
+      </p:sp>
+      <p:sp>
+        <p:nvSpPr>
+          <p:cNvPr id="5" name="Notes Placeholder 4"/>
+          <p:cNvSpPr>
+            <a:spLocks noGrp="1"/>
+          </p:cNvSpPr>
+          <p:nvPr>
+            <p:ph type="body" sz="quarter" idx="3"/>
+          </p:nvPr>
+        </p:nvSpPr>
+        <p:spPr>
+          <a:xfrm>
+            <a:off x="685800" y="4400550"/>
+            <a:ext cx="5486400" cy="3600450"/>
+          </a:xfrm>
+          <a:prstGeom prst="rect">
+            <a:avLst/>
+          </a:prstGeom>
+        </p:spPr>
+        <p:txBody>
+          <a:bodyPr vert="horz" lIns="91440" tIns="45720" rIns="91440" bIns="45720" rtlCol="0"/>
+          <a:lstStyle/>
+          <a:p>
+            <a:pPr lvl="0"/>
+            <a:r>
+              <a:rPr lang="en-US"/>
+              <a:t>Click to edit Master text styles</a:t>
+            </a:r>
+          </a:p>
+          <a:p>
+            <a:pPr lvl="1"/>
+            <a:r>
+              <a:rPr lang="en-US"/>
+              <a:t>Second level</a:t>
+            </a:r>
+          </a:p>
+          <a:p>
+            <a:pPr lvl="2"/>
+            <a:r>
+              <a:rPr lang="en-US"/>
+              <a:t>Third level</a:t>
+            </a:r>
+          </a:p>
+          <a:p>
+            <a:pPr lvl="3"/>
+            <a:r>
+              <a:rPr lang="en-US"/>
+              <a:t>Fourth level</a:t>
+            </a:r>
+          </a:p>
+          <a:p>
+            <a:pPr lvl="4"/>
+            <a:r>
+              <a:rPr lang="en-US"/>
+              <a:t>Fifth level</a:t>
+            </a:r>
+          </a:p>
+        </p:txBody>
+      </p:sp>
+      <p:sp>
+        <p:nvSpPr>
+          <p:cNvPr id="6" name="Footer Placeholder 5"/>
+          <p:cNvSpPr>
+            <a:spLocks noGrp="1"/>
+          </p:cNvSpPr>
+          <p:nvPr>
+            <p:ph type="ftr" sz="quarter" idx="4"/>
+          </p:nvPr>
+        </p:nvSpPr>
+        <p:spPr>
+          <a:xfrm>
+            <a:off x="0" y="8685213"/>
+            <a:ext cx="2971800" cy="458787"/>
+          </a:xfrm>
+          <a:prstGeom prst="rect">
+            <a:avLst/>
+          </a:prstGeom>
+        </p:spPr>
+        <p:txBody>
+          <a:bodyPr vert="horz" lIns="91440" tIns="45720" rIns="91440" bIns="45720" rtlCol="0" anchor="b"/>
+          <a:lstStyle>
+            <a:lvl1pPr algn="l">
+              <a:defRPr sz="1200"/>
+            </a:lvl1pPr>
+          </a:lstStyle>
+          <a:p>
+            <a:endParaRPr lang="en-US"/>
+          </a:p>
+        </p:txBody>
+      </p:sp>
+      <p:sp>
+        <p:nvSpPr>
+          <p:cNvPr id="7" name="Slide Number Placeholder 6"/>
+          <p:cNvSpPr>
+            <a:spLocks noGrp="1"/>
+          </p:cNvSpPr>
+          <p:nvPr>
+            <p:ph type="sldNum" sz="quarter" idx="5"/>
+          </p:nvPr>
+        </p:nvSpPr>
+        <p:spPr>
+          <a:xfrm>
+            <a:off x="3884613" y="8685213"/>
+            <a:ext cx="2971800" cy="458787"/>
+          </a:xfrm>
+          <a:prstGeom prst="rect">
+            <a:avLst/>
+          </a:prstGeom>
+        </p:spPr>
+        <p:txBody>
+          <a:bodyPr vert="horz" lIns="91440" tIns="45720" rIns="91440" bIns="45720" rtlCol="0" anchor="b"/>
+          <a:lstStyle>
+            <a:lvl1pPr algn="r">
+              <a:defRPr sz="1200"/>
+            </a:lvl1pPr>
+          </a:lstStyle>
+          <a:p>
+            <a:fld id="{4966CB9B-264C-824C-B08F-850F289C237E}" type="slidenum">
+              <a:rPr lang="en-US" smtClean="0"/>
+              <a:t>‹#›</a:t>
+            </a:fld>
+            <a:endParaRPr lang="en-US"/>
+          </a:p>
+        </p:txBody>
+      </p:sp>
+    </p:spTree>
+    <p:extLst>
+      <p:ext uri="{BB962C8B-B14F-4D97-AF65-F5344CB8AC3E}">
+        <p14:creationId xmlns:p14="http://schemas.microsoft.com/office/powerpoint/2010/main" val="2330586551"/>
+      </p:ext>
+    </p:extLst>
+  </p:cSld>
+  <p:clrMap bg1="lt1" tx1="dk1" bg2="lt2" tx2="dk2" accent1="accent1" accent2="accent2" accent3="accent3" accent4="accent4" accent5="accent5" accent6="accent6" hlink="hlink" folHlink="folHlink"/>
+  <p:notesStyle>
+    <a:lvl1pPr marL="0" algn="l" defTabSz="914400" rtl="0" eaLnBrk="1" latinLnBrk="0" hangingPunct="1">
+      <a:defRPr sz="1200" kern="1200">
+        <a:solidFill>
+          <a:schemeClr val="tx1"/>
+        </a:solidFill>
+        <a:latin typeface="+mn-lt"/>
+        <a:ea typeface="+mn-ea"/>
+        <a:cs typeface="+mn-cs"/>
+      </a:defRPr>
+    </a:lvl1pPr>
+    <a:lvl2pPr marL="457200" algn="l" defTabSz="914400" rtl="0" eaLnBrk="1" latinLnBrk="0" hangingPunct="1">
+      <a:defRPr sz="1200" kern="1200">
+        <a:solidFill>
+          <a:schemeClr val="tx1"/>
+        </a:solidFill>
+        <a:latin typeface="+mn-lt"/>
+        <a:ea typeface="+mn-ea"/>
+        <a:cs typeface="+mn-cs"/>
+      </a:defRPr>
+    </a:lvl2pPr>
+    <a:lvl3pPr marL="914400" algn="l" defTabSz="914400" rtl="0" eaLnBrk="1" latinLnBrk="0" hangingPunct="1">
+      <a:defRPr sz="1200" kern="1200">
+        <a:solidFill>
+          <a:schemeClr val="tx1"/>
+        </a:solidFill>
+        <a:latin typeface="+mn-lt"/>
+        <a:ea typeface="+mn-ea"/>
+        <a:cs typeface="+mn-cs"/>
+      </a:defRPr>
+    </a:lvl3pPr>
+    <a:lvl4pPr marL="1371600" algn="l" defTabSz="914400" rtl="0" eaLnBrk="1" latinLnBrk="0" hangingPunct="1">
+      <a:defRPr sz="1200" kern="1200">
+        <a:solidFill>
+          <a:schemeClr val="tx1"/>
+        </a:solidFill>
+        <a:latin typeface="+mn-lt"/>
+        <a:ea typeface="+mn-ea"/>
+        <a:cs typeface="+mn-cs"/>
+      </a:defRPr>
+    </a:lvl4pPr>
+    <a:lvl5pPr marL="1828800" algn="l" defTabSz="914400" rtl="0" eaLnBrk="1" latinLnBrk="0" hangingPunct="1">
+      <a:defRPr sz="1200" kern="1200">
+        <a:solidFill>
+          <a:schemeClr val="tx1"/>
+        </a:solidFill>
+        <a:latin typeface="+mn-lt"/>
+        <a:ea typeface="+mn-ea"/>
+        <a:cs typeface="+mn-cs"/>
+      </a:defRPr>
+    </a:lvl5pPr>
+    <a:lvl6pPr marL="2286000" algn="l" defTabSz="914400" rtl="0" eaLnBrk="1" latinLnBrk="0" hangingPunct="1">
+      <a:defRPr sz="1200" kern="1200">
+        <a:solidFill>
+          <a:schemeClr val="tx1"/>
+        </a:solidFill>
+        <a:latin typeface="+mn-lt"/>
+        <a:ea typeface="+mn-ea"/>
+        <a:cs typeface="+mn-cs"/>
+      </a:defRPr>
+    </a:lvl6pPr>
+    <a:lvl7pPr marL="2743200" algn="l" defTabSz="914400" rtl="0" eaLnBrk="1" latinLnBrk="0" hangingPunct="1">
+      <a:defRPr sz="1200" kern="1200">
+        <a:solidFill>
+          <a:schemeClr val="tx1"/>
+        </a:solidFill>
+        <a:latin typeface="+mn-lt"/>
+        <a:ea typeface="+mn-ea"/>
+        <a:cs typeface="+mn-cs"/>
+      </a:defRPr>
+    </a:lvl7pPr>
+    <a:lvl8pPr marL="3200400" algn="l" defTabSz="914400" rtl="0" eaLnBrk="1" latinLnBrk="0" hangingPunct="1">
+      <a:defRPr sz="1200" kern="1200">
+        <a:solidFill>
+          <a:schemeClr val="tx1"/>
+        </a:solidFill>
+        <a:latin typeface="+mn-lt"/>
+        <a:ea typeface="+mn-ea"/>
+        <a:cs typeface="+mn-cs"/>
+      </a:defRPr>
+    </a:lvl8pPr>
+    <a:lvl9pPr marL="3657600" algn="l" defTabSz="914400" rtl="0" eaLnBrk="1" latinLnBrk="0" hangingPunct="1">
+      <a:defRPr sz="1200" kern="1200">
+        <a:solidFill>
+          <a:schemeClr val="tx1"/>
+        </a:solidFill>
+        <a:latin typeface="+mn-lt"/>
+        <a:ea typeface="+mn-ea"/>
+        <a:cs typeface="+mn-cs"/>
+      </a:defRPr>
+    </a:lvl9pPr>
+  </p:notesStyle>
+</p:notesMaster>
+</file>
+
+<file path=ppt/notesSlides/notesSlide1.xml><?xml version="1.0" encoding="utf-8"?>
+<p:notes xmlns:a="http://schemas.openxmlformats.org/drawingml/2006/main" xmlns:r="http://schemas.openxmlformats.org/officeDocument/2006/relationships" xmlns:p="http://schemas.openxmlformats.org/presentationml/2006/main">
+  <p:cSld>
+    <p:spTree>
+      <p:nvGrpSpPr>
+        <p:cNvPr id="1" name=""/>
+        <p:cNvGrpSpPr/>
+        <p:nvPr/>
+      </p:nvGrpSpPr>
+      <p:grpSpPr>
+        <a:xfrm>
+          <a:off x="0" y="0"/>
+          <a:ext cx="0" cy="0"/>
+          <a:chOff x="0" y="0"/>
+          <a:chExt cx="0" cy="0"/>
+        </a:xfrm>
+      </p:grpSpPr>
+      <p:sp>
+        <p:nvSpPr>
+          <p:cNvPr id="2" name="Slide Image Placeholder 1"/>
+          <p:cNvSpPr>
+            <a:spLocks noGrp="1" noRot="1" noChangeAspect="1"/>
+          </p:cNvSpPr>
+          <p:nvPr>
+            <p:ph type="sldImg"/>
+          </p:nvPr>
+        </p:nvSpPr>
+        <p:spPr/>
+      </p:sp>
+      <p:sp>
+        <p:nvSpPr>
+          <p:cNvPr id="3" name="Notes Placeholder 2"/>
+          <p:cNvSpPr>
+            <a:spLocks noGrp="1"/>
+          </p:cNvSpPr>
+          <p:nvPr>
+            <p:ph type="body" idx="1"/>
+          </p:nvPr>
+        </p:nvSpPr>
+        <p:spPr/>
+        <p:txBody>
+          <a:bodyPr/>
+          <a:lstStyle/>
+          <a:p>
+            <a:r>
+              <a:rPr lang="en-US" dirty="0"/>
+              <a:t>expand, </a:t>
+            </a:r>
+            <a:r>
+              <a:rPr lang="en-US" dirty="0" err="1"/>
+              <a:t>cofirm</a:t>
+            </a:r>
+            <a:r>
+              <a:rPr lang="en-US" dirty="0"/>
+              <a:t> it equals </a:t>
+            </a:r>
+            <a:r>
+              <a:rPr lang="en-US" dirty="0" err="1"/>
+              <a:t>isserlis</a:t>
+            </a:r>
+            <a:endParaRPr lang="en-US" dirty="0"/>
+          </a:p>
+        </p:txBody>
+      </p:sp>
+      <p:sp>
+        <p:nvSpPr>
+          <p:cNvPr id="4" name="Slide Number Placeholder 3"/>
+          <p:cNvSpPr>
+            <a:spLocks noGrp="1"/>
+          </p:cNvSpPr>
+          <p:nvPr>
+            <p:ph type="sldNum" sz="quarter" idx="5"/>
+          </p:nvPr>
+        </p:nvSpPr>
+        <p:spPr/>
+        <p:txBody>
+          <a:bodyPr/>
+          <a:lstStyle/>
+          <a:p>
+            <a:fld id="{4966CB9B-264C-824C-B08F-850F289C237E}" type="slidenum">
+              <a:rPr lang="en-US" smtClean="0"/>
+              <a:t>18</a:t>
+            </a:fld>
+            <a:endParaRPr lang="en-US"/>
+          </a:p>
+        </p:txBody>
+      </p:sp>
+    </p:spTree>
+    <p:extLst>
+      <p:ext uri="{BB962C8B-B14F-4D97-AF65-F5344CB8AC3E}">
+        <p14:creationId xmlns:p14="http://schemas.microsoft.com/office/powerpoint/2010/main" val="1395978927"/>
+      </p:ext>
+    </p:extLst>
+  </p:cSld>
+  <p:clrMapOvr>
+    <a:masterClrMapping/>
+  </p:clrMapOvr>
+</p:notes>
+</file>
+
+<file path=ppt/notesSlides/notesSlide2.xml><?xml version="1.0" encoding="utf-8"?>
+<p:notes xmlns:a="http://schemas.openxmlformats.org/drawingml/2006/main" xmlns:r="http://schemas.openxmlformats.org/officeDocument/2006/relationships" xmlns:p="http://schemas.openxmlformats.org/presentationml/2006/main">
+  <p:cSld>
+    <p:spTree>
+      <p:nvGrpSpPr>
+        <p:cNvPr id="1" name=""/>
+        <p:cNvGrpSpPr/>
+        <p:nvPr/>
+      </p:nvGrpSpPr>
+      <p:grpSpPr>
+        <a:xfrm>
+          <a:off x="0" y="0"/>
+          <a:ext cx="0" cy="0"/>
+          <a:chOff x="0" y="0"/>
+          <a:chExt cx="0" cy="0"/>
+        </a:xfrm>
+      </p:grpSpPr>
+      <p:sp>
+        <p:nvSpPr>
+          <p:cNvPr id="2" name="Slide Image Placeholder 1"/>
+          <p:cNvSpPr>
+            <a:spLocks noGrp="1" noRot="1" noChangeAspect="1"/>
+          </p:cNvSpPr>
+          <p:nvPr>
+            <p:ph type="sldImg"/>
+          </p:nvPr>
+        </p:nvSpPr>
+        <p:spPr/>
+      </p:sp>
+      <p:sp>
+        <p:nvSpPr>
+          <p:cNvPr id="3" name="Notes Placeholder 2"/>
+          <p:cNvSpPr>
+            <a:spLocks noGrp="1"/>
+          </p:cNvSpPr>
+          <p:nvPr>
+            <p:ph type="body" idx="1"/>
+          </p:nvPr>
+        </p:nvSpPr>
+        <p:spPr/>
+        <p:txBody>
+          <a:bodyPr/>
+          <a:lstStyle/>
+          <a:p>
+            <a:r>
+              <a:rPr lang="en-US" dirty="0"/>
+              <a:t>this is strange and we should </a:t>
+            </a:r>
+            <a:r>
+              <a:rPr lang="en-US" dirty="0" err="1"/>
+              <a:t>prolly</a:t>
+            </a:r>
+            <a:r>
+              <a:rPr lang="en-US" dirty="0"/>
+              <a:t> understand it</a:t>
+            </a:r>
+          </a:p>
+        </p:txBody>
+      </p:sp>
+      <p:sp>
+        <p:nvSpPr>
+          <p:cNvPr id="4" name="Slide Number Placeholder 3"/>
+          <p:cNvSpPr>
+            <a:spLocks noGrp="1"/>
+          </p:cNvSpPr>
+          <p:nvPr>
+            <p:ph type="sldNum" sz="quarter" idx="5"/>
+          </p:nvPr>
+        </p:nvSpPr>
+        <p:spPr/>
+        <p:txBody>
+          <a:bodyPr/>
+          <a:lstStyle/>
+          <a:p>
+            <a:fld id="{4966CB9B-264C-824C-B08F-850F289C237E}" type="slidenum">
+              <a:rPr lang="en-US" smtClean="0"/>
+              <a:t>19</a:t>
+            </a:fld>
+            <a:endParaRPr lang="en-US"/>
+          </a:p>
+        </p:txBody>
+      </p:sp>
+    </p:spTree>
+    <p:extLst>
+      <p:ext uri="{BB962C8B-B14F-4D97-AF65-F5344CB8AC3E}">
+        <p14:creationId xmlns:p14="http://schemas.microsoft.com/office/powerpoint/2010/main" val="2575008009"/>
+      </p:ext>
+    </p:extLst>
+  </p:cSld>
+  <p:clrMapOvr>
+    <a:masterClrMapping/>
+  </p:clrMapOvr>
+</p:notes>
+</file>
+
+<file path=ppt/notesSlides/notesSlide3.xml><?xml version="1.0" encoding="utf-8"?>
+<p:notes xmlns:a="http://schemas.openxmlformats.org/drawingml/2006/main" xmlns:r="http://schemas.openxmlformats.org/officeDocument/2006/relationships" xmlns:p="http://schemas.openxmlformats.org/presentationml/2006/main">
+  <p:cSld>
+    <p:spTree>
+      <p:nvGrpSpPr>
+        <p:cNvPr id="1" name=""/>
+        <p:cNvGrpSpPr/>
+        <p:nvPr/>
+      </p:nvGrpSpPr>
+      <p:grpSpPr>
+        <a:xfrm>
+          <a:off x="0" y="0"/>
+          <a:ext cx="0" cy="0"/>
+          <a:chOff x="0" y="0"/>
+          <a:chExt cx="0" cy="0"/>
+        </a:xfrm>
+      </p:grpSpPr>
+      <p:sp>
+        <p:nvSpPr>
+          <p:cNvPr id="2" name="Slide Image Placeholder 1"/>
+          <p:cNvSpPr>
+            <a:spLocks noGrp="1" noRot="1" noChangeAspect="1"/>
+          </p:cNvSpPr>
+          <p:nvPr>
+            <p:ph type="sldImg"/>
+          </p:nvPr>
+        </p:nvSpPr>
+        <p:spPr/>
+      </p:sp>
+      <p:sp>
+        <p:nvSpPr>
+          <p:cNvPr id="3" name="Notes Placeholder 2"/>
+          <p:cNvSpPr>
+            <a:spLocks noGrp="1"/>
+          </p:cNvSpPr>
+          <p:nvPr>
+            <p:ph type="body" idx="1"/>
+          </p:nvPr>
+        </p:nvSpPr>
+        <p:spPr/>
+        <p:txBody>
+          <a:bodyPr/>
+          <a:lstStyle/>
+          <a:p>
+            <a:r>
+              <a:rPr lang="en-US" dirty="0"/>
+              <a:t>spearman </a:t>
+            </a:r>
+            <a:r>
+              <a:rPr lang="en-US" dirty="0" err="1"/>
+              <a:t>corr</a:t>
+            </a:r>
+            <a:r>
+              <a:rPr lang="en-US" dirty="0"/>
+              <a:t> higher, how do ranks change?, list ranks in order, compare</a:t>
+            </a:r>
+          </a:p>
+          <a:p>
+            <a:endParaRPr lang="en-US" dirty="0"/>
+          </a:p>
+          <a:p>
+            <a:r>
+              <a:rPr lang="en-US" dirty="0"/>
+              <a:t>just use the reported </a:t>
+            </a:r>
+            <a:r>
+              <a:rPr lang="en-US" dirty="0" err="1"/>
+              <a:t>dbl</a:t>
+            </a:r>
+            <a:r>
+              <a:rPr lang="en-US" dirty="0"/>
+              <a:t> mutant </a:t>
+            </a:r>
+            <a:r>
+              <a:rPr lang="en-US" dirty="0" err="1"/>
+              <a:t>fitnesses</a:t>
+            </a:r>
+            <a:r>
+              <a:rPr lang="en-US" dirty="0"/>
+              <a:t>, and compare their reported results with multiplicative formula</a:t>
+            </a:r>
+          </a:p>
+          <a:p>
+            <a:r>
+              <a:rPr lang="en-US" dirty="0"/>
+              <a:t>is there an additional measurement we aren’t using?</a:t>
+            </a:r>
+          </a:p>
+          <a:p>
+            <a:endParaRPr lang="en-US" dirty="0"/>
+          </a:p>
+          <a:p>
+            <a:r>
+              <a:rPr lang="en-US" dirty="0"/>
+              <a:t>story: cumulant doesn’t measure multiplicative effects</a:t>
+            </a:r>
+          </a:p>
+        </p:txBody>
+      </p:sp>
+      <p:sp>
+        <p:nvSpPr>
+          <p:cNvPr id="4" name="Slide Number Placeholder 3"/>
+          <p:cNvSpPr>
+            <a:spLocks noGrp="1"/>
+          </p:cNvSpPr>
+          <p:nvPr>
+            <p:ph type="sldNum" sz="quarter" idx="5"/>
+          </p:nvPr>
+        </p:nvSpPr>
+        <p:spPr/>
+        <p:txBody>
+          <a:bodyPr/>
+          <a:lstStyle/>
+          <a:p>
+            <a:fld id="{4966CB9B-264C-824C-B08F-850F289C237E}" type="slidenum">
+              <a:rPr lang="en-US" smtClean="0"/>
+              <a:t>21</a:t>
+            </a:fld>
+            <a:endParaRPr lang="en-US"/>
+          </a:p>
+        </p:txBody>
+      </p:sp>
+    </p:spTree>
+    <p:extLst>
+      <p:ext uri="{BB962C8B-B14F-4D97-AF65-F5344CB8AC3E}">
+        <p14:creationId xmlns:p14="http://schemas.microsoft.com/office/powerpoint/2010/main" val="1247338747"/>
+      </p:ext>
+    </p:extLst>
+  </p:cSld>
+  <p:clrMapOvr>
+    <a:masterClrMapping/>
+  </p:clrMapOvr>
+</p:notes>
+</file>
+
+<file path=ppt/notesSlides/notesSlide4.xml><?xml version="1.0" encoding="utf-8"?>
+<p:notes xmlns:a="http://schemas.openxmlformats.org/drawingml/2006/main" xmlns:r="http://schemas.openxmlformats.org/officeDocument/2006/relationships" xmlns:p="http://schemas.openxmlformats.org/presentationml/2006/main">
+  <p:cSld>
+    <p:spTree>
+      <p:nvGrpSpPr>
+        <p:cNvPr id="1" name=""/>
+        <p:cNvGrpSpPr/>
+        <p:nvPr/>
+      </p:nvGrpSpPr>
+      <p:grpSpPr>
+        <a:xfrm>
+          <a:off x="0" y="0"/>
+          <a:ext cx="0" cy="0"/>
+          <a:chOff x="0" y="0"/>
+          <a:chExt cx="0" cy="0"/>
+        </a:xfrm>
+      </p:grpSpPr>
+      <p:sp>
+        <p:nvSpPr>
+          <p:cNvPr id="2" name="Slide Image Placeholder 1"/>
+          <p:cNvSpPr>
+            <a:spLocks noGrp="1" noRot="1" noChangeAspect="1"/>
+          </p:cNvSpPr>
+          <p:nvPr>
+            <p:ph type="sldImg"/>
+          </p:nvPr>
+        </p:nvSpPr>
+        <p:spPr/>
+      </p:sp>
+      <p:sp>
+        <p:nvSpPr>
+          <p:cNvPr id="3" name="Notes Placeholder 2"/>
+          <p:cNvSpPr>
+            <a:spLocks noGrp="1"/>
+          </p:cNvSpPr>
+          <p:nvPr>
+            <p:ph type="body" idx="1"/>
+          </p:nvPr>
+        </p:nvSpPr>
+        <p:spPr/>
+        <p:txBody>
+          <a:bodyPr/>
+          <a:lstStyle/>
+          <a:p>
+            <a:r>
+              <a:rPr lang="en-US" dirty="0"/>
+              <a:t>this is strange and we should </a:t>
+            </a:r>
+            <a:r>
+              <a:rPr lang="en-US" dirty="0" err="1"/>
+              <a:t>prolly</a:t>
+            </a:r>
+            <a:r>
+              <a:rPr lang="en-US" dirty="0"/>
+              <a:t> understand it</a:t>
+            </a:r>
+          </a:p>
+        </p:txBody>
+      </p:sp>
+      <p:sp>
+        <p:nvSpPr>
+          <p:cNvPr id="4" name="Slide Number Placeholder 3"/>
+          <p:cNvSpPr>
+            <a:spLocks noGrp="1"/>
+          </p:cNvSpPr>
+          <p:nvPr>
+            <p:ph type="sldNum" sz="quarter" idx="5"/>
+          </p:nvPr>
+        </p:nvSpPr>
+        <p:spPr/>
+        <p:txBody>
+          <a:bodyPr/>
+          <a:lstStyle/>
+          <a:p>
+            <a:fld id="{4966CB9B-264C-824C-B08F-850F289C237E}" type="slidenum">
+              <a:rPr lang="en-US" smtClean="0"/>
+              <a:t>23</a:t>
+            </a:fld>
+            <a:endParaRPr lang="en-US"/>
+          </a:p>
+        </p:txBody>
+      </p:sp>
+    </p:spTree>
+    <p:extLst>
+      <p:ext uri="{BB962C8B-B14F-4D97-AF65-F5344CB8AC3E}">
+        <p14:creationId xmlns:p14="http://schemas.microsoft.com/office/powerpoint/2010/main" val="94096727"/>
+      </p:ext>
+    </p:extLst>
+  </p:cSld>
+  <p:clrMapOvr>
+    <a:masterClrMapping/>
+  </p:clrMapOvr>
+</p:notes>
+</file>
+
+<file path=ppt/notesSlides/notesSlide5.xml><?xml version="1.0" encoding="utf-8"?>
+<p:notes xmlns:a="http://schemas.openxmlformats.org/drawingml/2006/main" xmlns:r="http://schemas.openxmlformats.org/officeDocument/2006/relationships" xmlns:p="http://schemas.openxmlformats.org/presentationml/2006/main">
+  <p:cSld>
+    <p:spTree>
+      <p:nvGrpSpPr>
+        <p:cNvPr id="1" name=""/>
+        <p:cNvGrpSpPr/>
+        <p:nvPr/>
+      </p:nvGrpSpPr>
+      <p:grpSpPr>
+        <a:xfrm>
+          <a:off x="0" y="0"/>
+          <a:ext cx="0" cy="0"/>
+          <a:chOff x="0" y="0"/>
+          <a:chExt cx="0" cy="0"/>
+        </a:xfrm>
+      </p:grpSpPr>
+      <p:sp>
+        <p:nvSpPr>
+          <p:cNvPr id="2" name="Slide Image Placeholder 1"/>
+          <p:cNvSpPr>
+            <a:spLocks noGrp="1" noRot="1" noChangeAspect="1"/>
+          </p:cNvSpPr>
+          <p:nvPr>
+            <p:ph type="sldImg"/>
+          </p:nvPr>
+        </p:nvSpPr>
+        <p:spPr/>
+      </p:sp>
+      <p:sp>
+        <p:nvSpPr>
+          <p:cNvPr id="3" name="Notes Placeholder 2"/>
+          <p:cNvSpPr>
+            <a:spLocks noGrp="1"/>
+          </p:cNvSpPr>
+          <p:nvPr>
+            <p:ph type="body" idx="1"/>
+          </p:nvPr>
+        </p:nvSpPr>
+        <p:spPr/>
+        <p:txBody>
+          <a:bodyPr/>
+          <a:lstStyle/>
+          <a:p>
+            <a:r>
+              <a:rPr lang="en-US" dirty="0"/>
+              <a:t>when multiplicative is significant but cumulant not, are these less likely to be in protein complexes (physical interactions)</a:t>
+            </a:r>
+          </a:p>
+        </p:txBody>
+      </p:sp>
+      <p:sp>
+        <p:nvSpPr>
+          <p:cNvPr id="4" name="Slide Number Placeholder 3"/>
+          <p:cNvSpPr>
+            <a:spLocks noGrp="1"/>
+          </p:cNvSpPr>
+          <p:nvPr>
+            <p:ph type="sldNum" sz="quarter" idx="5"/>
+          </p:nvPr>
+        </p:nvSpPr>
+        <p:spPr/>
+        <p:txBody>
+          <a:bodyPr/>
+          <a:lstStyle/>
+          <a:p>
+            <a:fld id="{4966CB9B-264C-824C-B08F-850F289C237E}" type="slidenum">
+              <a:rPr lang="en-US" smtClean="0"/>
+              <a:t>25</a:t>
+            </a:fld>
+            <a:endParaRPr lang="en-US"/>
+          </a:p>
+        </p:txBody>
+      </p:sp>
+    </p:spTree>
+    <p:extLst>
+      <p:ext uri="{BB962C8B-B14F-4D97-AF65-F5344CB8AC3E}">
+        <p14:creationId xmlns:p14="http://schemas.microsoft.com/office/powerpoint/2010/main" val="1088587957"/>
+      </p:ext>
+    </p:extLst>
+  </p:cSld>
+  <p:clrMapOvr>
+    <a:masterClrMapping/>
+  </p:clrMapOvr>
+</p:notes>
+</file>
+
+<file path=ppt/notesSlides/notesSlide6.xml><?xml version="1.0" encoding="utf-8"?>
+<p:notes xmlns:a="http://schemas.openxmlformats.org/drawingml/2006/main" xmlns:r="http://schemas.openxmlformats.org/officeDocument/2006/relationships" xmlns:p="http://schemas.openxmlformats.org/presentationml/2006/main">
+  <p:cSld>
+    <p:spTree>
+      <p:nvGrpSpPr>
+        <p:cNvPr id="1" name=""/>
+        <p:cNvGrpSpPr/>
+        <p:nvPr/>
+      </p:nvGrpSpPr>
+      <p:grpSpPr>
+        <a:xfrm>
+          <a:off x="0" y="0"/>
+          <a:ext cx="0" cy="0"/>
+          <a:chOff x="0" y="0"/>
+          <a:chExt cx="0" cy="0"/>
+        </a:xfrm>
+      </p:grpSpPr>
+      <p:sp>
+        <p:nvSpPr>
+          <p:cNvPr id="2" name="Slide Image Placeholder 1"/>
+          <p:cNvSpPr>
+            <a:spLocks noGrp="1" noRot="1" noChangeAspect="1"/>
+          </p:cNvSpPr>
+          <p:nvPr>
+            <p:ph type="sldImg"/>
+          </p:nvPr>
+        </p:nvSpPr>
+        <p:spPr/>
+      </p:sp>
+      <p:sp>
+        <p:nvSpPr>
+          <p:cNvPr id="3" name="Notes Placeholder 2"/>
+          <p:cNvSpPr>
+            <a:spLocks noGrp="1"/>
+          </p:cNvSpPr>
+          <p:nvPr>
+            <p:ph type="body" idx="1"/>
+          </p:nvPr>
+        </p:nvSpPr>
+        <p:spPr/>
+        <p:txBody>
+          <a:bodyPr/>
+          <a:lstStyle/>
+          <a:p>
+            <a:r>
+              <a:rPr lang="en-US" dirty="0"/>
+              <a:t>if pairwise signal is strong, then triple signal </a:t>
+            </a:r>
+            <a:r>
+              <a:rPr lang="en-US" dirty="0" err="1"/>
+              <a:t>Iis</a:t>
+            </a:r>
+            <a:r>
+              <a:rPr lang="en-US" dirty="0"/>
+              <a:t> strong, i.e. if there’s experimental noise, underestimate digenic score would overestimate </a:t>
+            </a:r>
+            <a:r>
+              <a:rPr lang="en-US" dirty="0" err="1"/>
+              <a:t>trigenic</a:t>
+            </a:r>
+            <a:r>
+              <a:rPr lang="en-US" dirty="0"/>
+              <a:t> score</a:t>
+            </a:r>
+          </a:p>
+          <a:p>
+            <a:r>
+              <a:rPr lang="en-US" dirty="0"/>
+              <a:t>do they have physical </a:t>
+            </a:r>
+            <a:r>
+              <a:rPr lang="en-US" dirty="0" err="1"/>
+              <a:t>interctions</a:t>
+            </a:r>
+            <a:r>
+              <a:rPr lang="en-US" dirty="0"/>
+              <a:t>, see database for physical interactions, look at correspondence b/t physical and genetic interactions</a:t>
+            </a:r>
+          </a:p>
+          <a:p>
+            <a:r>
+              <a:rPr lang="en-US" dirty="0"/>
+              <a:t>protein complexes</a:t>
+            </a:r>
+          </a:p>
+          <a:p>
+            <a:endParaRPr lang="en-US" dirty="0"/>
+          </a:p>
+          <a:p>
+            <a:r>
+              <a:rPr lang="en-US" dirty="0"/>
+              <a:t>linear regression to see if not accurately estimating digenic score leads to over/under </a:t>
+            </a:r>
+            <a:r>
+              <a:rPr lang="en-US" dirty="0" err="1"/>
+              <a:t>estiamtion</a:t>
+            </a:r>
+            <a:r>
+              <a:rPr lang="en-US" dirty="0"/>
+              <a:t> of </a:t>
+            </a:r>
+            <a:r>
+              <a:rPr lang="en-US" dirty="0" err="1"/>
+              <a:t>trigenic</a:t>
+            </a:r>
+            <a:r>
+              <a:rPr lang="en-US" dirty="0"/>
+              <a:t> score. e.g. to explain many </a:t>
+            </a:r>
+            <a:r>
+              <a:rPr lang="en-US" dirty="0" err="1"/>
+              <a:t>trigenic</a:t>
+            </a:r>
+            <a:r>
+              <a:rPr lang="en-US" dirty="0"/>
+              <a:t> scores that all have same 2 genes, could correcting them by some constant make them all insignificant</a:t>
+            </a:r>
+          </a:p>
+          <a:p>
+            <a:endParaRPr lang="en-US" dirty="0"/>
+          </a:p>
+          <a:p>
+            <a:r>
+              <a:rPr lang="en-US" dirty="0"/>
+              <a:t>our list is “better” than their list in terms of…. how do they claim that their list is reasonable, what analyses do they do? see 2018 and 2020 papers</a:t>
+            </a:r>
+          </a:p>
+        </p:txBody>
+      </p:sp>
+      <p:sp>
+        <p:nvSpPr>
+          <p:cNvPr id="4" name="Slide Number Placeholder 3"/>
+          <p:cNvSpPr>
+            <a:spLocks noGrp="1"/>
+          </p:cNvSpPr>
+          <p:nvPr>
+            <p:ph type="sldNum" sz="quarter" idx="5"/>
+          </p:nvPr>
+        </p:nvSpPr>
+        <p:spPr/>
+        <p:txBody>
+          <a:bodyPr/>
+          <a:lstStyle/>
+          <a:p>
+            <a:fld id="{4966CB9B-264C-824C-B08F-850F289C237E}" type="slidenum">
+              <a:rPr lang="en-US" smtClean="0"/>
+              <a:t>27</a:t>
+            </a:fld>
+            <a:endParaRPr lang="en-US"/>
+          </a:p>
+        </p:txBody>
+      </p:sp>
+    </p:spTree>
+    <p:extLst>
+      <p:ext uri="{BB962C8B-B14F-4D97-AF65-F5344CB8AC3E}">
+        <p14:creationId xmlns:p14="http://schemas.microsoft.com/office/powerpoint/2010/main" val="3971610808"/>
+      </p:ext>
+    </p:extLst>
+  </p:cSld>
+  <p:clrMapOvr>
+    <a:masterClrMapping/>
+  </p:clrMapOvr>
+</p:notes>
+</file>
+
+<file path=ppt/notesSlides/notesSlide7.xml><?xml version="1.0" encoding="utf-8"?>
+<p:notes xmlns:a="http://schemas.openxmlformats.org/drawingml/2006/main" xmlns:r="http://schemas.openxmlformats.org/officeDocument/2006/relationships" xmlns:p="http://schemas.openxmlformats.org/presentationml/2006/main">
+  <p:cSld>
+    <p:spTree>
+      <p:nvGrpSpPr>
+        <p:cNvPr id="1" name=""/>
+        <p:cNvGrpSpPr/>
+        <p:nvPr/>
+      </p:nvGrpSpPr>
+      <p:grpSpPr>
+        <a:xfrm>
+          <a:off x="0" y="0"/>
+          <a:ext cx="0" cy="0"/>
+          <a:chOff x="0" y="0"/>
+          <a:chExt cx="0" cy="0"/>
+        </a:xfrm>
+      </p:grpSpPr>
+      <p:sp>
+        <p:nvSpPr>
+          <p:cNvPr id="2" name="Slide Image Placeholder 1"/>
+          <p:cNvSpPr>
+            <a:spLocks noGrp="1" noRot="1" noChangeAspect="1"/>
+          </p:cNvSpPr>
+          <p:nvPr>
+            <p:ph type="sldImg"/>
+          </p:nvPr>
+        </p:nvSpPr>
+        <p:spPr/>
+      </p:sp>
+      <p:sp>
+        <p:nvSpPr>
+          <p:cNvPr id="3" name="Notes Placeholder 2"/>
+          <p:cNvSpPr>
+            <a:spLocks noGrp="1"/>
+          </p:cNvSpPr>
+          <p:nvPr>
+            <p:ph type="body" idx="1"/>
+          </p:nvPr>
+        </p:nvSpPr>
+        <p:spPr/>
+        <p:txBody>
+          <a:bodyPr/>
+          <a:lstStyle/>
+          <a:p>
+            <a:r>
+              <a:rPr lang="en-US" dirty="0"/>
+              <a:t>if you change pairwise genetic score does interaction go away</a:t>
+            </a:r>
+          </a:p>
+          <a:p>
+            <a:endParaRPr lang="en-US" dirty="0"/>
+          </a:p>
+          <a:p>
+            <a:r>
+              <a:rPr lang="en-US" dirty="0" err="1"/>
+              <a:t>e_ij</a:t>
+            </a:r>
+            <a:r>
+              <a:rPr lang="en-US" dirty="0"/>
+              <a:t> + delta makes many </a:t>
+            </a:r>
+            <a:r>
+              <a:rPr lang="en-US" dirty="0" err="1"/>
+              <a:t>trigenic</a:t>
+            </a:r>
+            <a:r>
+              <a:rPr lang="en-US" dirty="0"/>
+              <a:t> scores </a:t>
+            </a:r>
+            <a:r>
+              <a:rPr lang="en-US" dirty="0" err="1"/>
+              <a:t>disappaear</a:t>
+            </a:r>
+            <a:endParaRPr lang="en-US" dirty="0"/>
+          </a:p>
+          <a:p>
+            <a:r>
+              <a:rPr lang="en-US" dirty="0"/>
+              <a:t>robustness analysis, are </a:t>
+            </a:r>
+            <a:r>
+              <a:rPr lang="en-US" dirty="0" err="1"/>
+              <a:t>tigenic</a:t>
+            </a:r>
+            <a:r>
+              <a:rPr lang="en-US" dirty="0"/>
+              <a:t> scores stable under some small perturbation of pairwise scores</a:t>
+            </a:r>
+          </a:p>
+        </p:txBody>
+      </p:sp>
+      <p:sp>
+        <p:nvSpPr>
+          <p:cNvPr id="4" name="Slide Number Placeholder 3"/>
+          <p:cNvSpPr>
+            <a:spLocks noGrp="1"/>
+          </p:cNvSpPr>
+          <p:nvPr>
+            <p:ph type="sldNum" sz="quarter" idx="5"/>
+          </p:nvPr>
+        </p:nvSpPr>
+        <p:spPr/>
+        <p:txBody>
+          <a:bodyPr/>
+          <a:lstStyle/>
+          <a:p>
+            <a:fld id="{4966CB9B-264C-824C-B08F-850F289C237E}" type="slidenum">
+              <a:rPr lang="en-US" smtClean="0"/>
+              <a:t>28</a:t>
+            </a:fld>
+            <a:endParaRPr lang="en-US"/>
+          </a:p>
+        </p:txBody>
+      </p:sp>
+    </p:spTree>
+    <p:extLst>
+      <p:ext uri="{BB962C8B-B14F-4D97-AF65-F5344CB8AC3E}">
+        <p14:creationId xmlns:p14="http://schemas.microsoft.com/office/powerpoint/2010/main" val="856401662"/>
+      </p:ext>
+    </p:extLst>
+  </p:cSld>
+  <p:clrMapOvr>
+    <a:masterClrMapping/>
+  </p:clrMapOvr>
+</p:notes>
+</file>
+
+<file path=ppt/notesSlides/notesSlide8.xml><?xml version="1.0" encoding="utf-8"?>
+<p:notes xmlns:a="http://schemas.openxmlformats.org/drawingml/2006/main" xmlns:r="http://schemas.openxmlformats.org/officeDocument/2006/relationships" xmlns:p="http://schemas.openxmlformats.org/presentationml/2006/main">
+  <p:cSld>
+    <p:spTree>
+      <p:nvGrpSpPr>
+        <p:cNvPr id="1" name=""/>
+        <p:cNvGrpSpPr/>
+        <p:nvPr/>
+      </p:nvGrpSpPr>
+      <p:grpSpPr>
+        <a:xfrm>
+          <a:off x="0" y="0"/>
+          <a:ext cx="0" cy="0"/>
+          <a:chOff x="0" y="0"/>
+          <a:chExt cx="0" cy="0"/>
+        </a:xfrm>
+      </p:grpSpPr>
+      <p:sp>
+        <p:nvSpPr>
+          <p:cNvPr id="2" name="Slide Image Placeholder 1"/>
+          <p:cNvSpPr>
+            <a:spLocks noGrp="1" noRot="1" noChangeAspect="1"/>
+          </p:cNvSpPr>
+          <p:nvPr>
+            <p:ph type="sldImg"/>
+          </p:nvPr>
+        </p:nvSpPr>
+        <p:spPr/>
+      </p:sp>
+      <p:sp>
+        <p:nvSpPr>
+          <p:cNvPr id="3" name="Notes Placeholder 2"/>
+          <p:cNvSpPr>
+            <a:spLocks noGrp="1"/>
+          </p:cNvSpPr>
+          <p:nvPr>
+            <p:ph type="body" idx="1"/>
+          </p:nvPr>
+        </p:nvSpPr>
+        <p:spPr/>
+        <p:txBody>
+          <a:bodyPr/>
+          <a:lstStyle/>
+          <a:p>
+            <a:r>
+              <a:rPr lang="en-US" dirty="0"/>
+              <a:t>get PPI from:</a:t>
+            </a:r>
+          </a:p>
+          <a:p>
+            <a:r>
+              <a:rPr lang="en-US" dirty="0"/>
+              <a:t>http://</a:t>
+            </a:r>
+            <a:r>
+              <a:rPr lang="en-US" dirty="0" err="1"/>
+              <a:t>sgd-archive.yeastgenome.org</a:t>
+            </a:r>
+            <a:r>
+              <a:rPr lang="en-US" dirty="0"/>
+              <a:t>/curation/literature/</a:t>
+            </a:r>
+          </a:p>
+        </p:txBody>
+      </p:sp>
+      <p:sp>
+        <p:nvSpPr>
+          <p:cNvPr id="4" name="Slide Number Placeholder 3"/>
+          <p:cNvSpPr>
+            <a:spLocks noGrp="1"/>
+          </p:cNvSpPr>
+          <p:nvPr>
+            <p:ph type="sldNum" sz="quarter" idx="5"/>
+          </p:nvPr>
+        </p:nvSpPr>
+        <p:spPr/>
+        <p:txBody>
+          <a:bodyPr/>
+          <a:lstStyle/>
+          <a:p>
+            <a:fld id="{4966CB9B-264C-824C-B08F-850F289C237E}" type="slidenum">
+              <a:rPr lang="en-US" smtClean="0"/>
+              <a:t>30</a:t>
+            </a:fld>
+            <a:endParaRPr lang="en-US"/>
+          </a:p>
+        </p:txBody>
+      </p:sp>
+    </p:spTree>
+    <p:extLst>
+      <p:ext uri="{BB962C8B-B14F-4D97-AF65-F5344CB8AC3E}">
+        <p14:creationId xmlns:p14="http://schemas.microsoft.com/office/powerpoint/2010/main" val="403126815"/>
+      </p:ext>
+    </p:extLst>
+  </p:cSld>
+  <p:clrMapOvr>
+    <a:masterClrMapping/>
+  </p:clrMapOvr>
+</p:notes>
+</file>
+
 <file path=ppt/slideLayouts/slideLayout1.xml><?xml version="1.0" encoding="utf-8"?>
 <p:sldLayout xmlns:a="http://schemas.openxmlformats.org/drawingml/2006/main" xmlns:r="http://schemas.openxmlformats.org/officeDocument/2006/relationships" xmlns:p="http://schemas.openxmlformats.org/presentationml/2006/main" type="title" preserve="1">
   <p:cSld name="Title Slide">
@@ -289,7 +1556,7 @@
           <a:p>
             <a:fld id="{3EFD25D9-D117-F747-8A2A-6AA688CEC479}" type="datetimeFigureOut">
               <a:rPr lang="en-US" smtClean="0"/>
-              <a:t>6/7/22</a:t>
+              <a:t>7/6/22</a:t>
             </a:fld>
             <a:endParaRPr lang="en-US"/>
           </a:p>
@@ -487,7 +1754,7 @@
           <a:p>
             <a:fld id="{3EFD25D9-D117-F747-8A2A-6AA688CEC479}" type="datetimeFigureOut">
               <a:rPr lang="en-US" smtClean="0"/>
-              <a:t>6/7/22</a:t>
+              <a:t>7/6/22</a:t>
             </a:fld>
             <a:endParaRPr lang="en-US"/>
           </a:p>
@@ -695,7 +1962,7 @@
           <a:p>
             <a:fld id="{3EFD25D9-D117-F747-8A2A-6AA688CEC479}" type="datetimeFigureOut">
               <a:rPr lang="en-US" smtClean="0"/>
-              <a:t>6/7/22</a:t>
+              <a:t>7/6/22</a:t>
             </a:fld>
             <a:endParaRPr lang="en-US"/>
           </a:p>
@@ -893,7 +2160,7 @@
           <a:p>
             <a:fld id="{3EFD25D9-D117-F747-8A2A-6AA688CEC479}" type="datetimeFigureOut">
               <a:rPr lang="en-US" smtClean="0"/>
-              <a:t>6/7/22</a:t>
+              <a:t>7/6/22</a:t>
             </a:fld>
             <a:endParaRPr lang="en-US"/>
           </a:p>
@@ -1168,7 +2435,7 @@
           <a:p>
             <a:fld id="{3EFD25D9-D117-F747-8A2A-6AA688CEC479}" type="datetimeFigureOut">
               <a:rPr lang="en-US" smtClean="0"/>
-              <a:t>6/7/22</a:t>
+              <a:t>7/6/22</a:t>
             </a:fld>
             <a:endParaRPr lang="en-US"/>
           </a:p>
@@ -1433,7 +2700,7 @@
           <a:p>
             <a:fld id="{3EFD25D9-D117-F747-8A2A-6AA688CEC479}" type="datetimeFigureOut">
               <a:rPr lang="en-US" smtClean="0"/>
-              <a:t>6/7/22</a:t>
+              <a:t>7/6/22</a:t>
             </a:fld>
             <a:endParaRPr lang="en-US"/>
           </a:p>
@@ -1845,7 +3112,7 @@
           <a:p>
             <a:fld id="{3EFD25D9-D117-F747-8A2A-6AA688CEC479}" type="datetimeFigureOut">
               <a:rPr lang="en-US" smtClean="0"/>
-              <a:t>6/7/22</a:t>
+              <a:t>7/6/22</a:t>
             </a:fld>
             <a:endParaRPr lang="en-US"/>
           </a:p>
@@ -1986,7 +3253,7 @@
           <a:p>
             <a:fld id="{3EFD25D9-D117-F747-8A2A-6AA688CEC479}" type="datetimeFigureOut">
               <a:rPr lang="en-US" smtClean="0"/>
-              <a:t>6/7/22</a:t>
+              <a:t>7/6/22</a:t>
             </a:fld>
             <a:endParaRPr lang="en-US"/>
           </a:p>
@@ -2099,7 +3366,7 @@
           <a:p>
             <a:fld id="{3EFD25D9-D117-F747-8A2A-6AA688CEC479}" type="datetimeFigureOut">
               <a:rPr lang="en-US" smtClean="0"/>
-              <a:t>6/7/22</a:t>
+              <a:t>7/6/22</a:t>
             </a:fld>
             <a:endParaRPr lang="en-US"/>
           </a:p>
@@ -2410,7 +3677,7 @@
           <a:p>
             <a:fld id="{3EFD25D9-D117-F747-8A2A-6AA688CEC479}" type="datetimeFigureOut">
               <a:rPr lang="en-US" smtClean="0"/>
-              <a:t>6/7/22</a:t>
+              <a:t>7/6/22</a:t>
             </a:fld>
             <a:endParaRPr lang="en-US"/>
           </a:p>
@@ -2698,7 +3965,7 @@
           <a:p>
             <a:fld id="{3EFD25D9-D117-F747-8A2A-6AA688CEC479}" type="datetimeFigureOut">
               <a:rPr lang="en-US" smtClean="0"/>
-              <a:t>6/7/22</a:t>
+              <a:t>7/6/22</a:t>
             </a:fld>
             <a:endParaRPr lang="en-US"/>
           </a:p>
@@ -2939,7 +4206,7 @@
           <a:p>
             <a:fld id="{3EFD25D9-D117-F747-8A2A-6AA688CEC479}" type="datetimeFigureOut">
               <a:rPr lang="en-US" smtClean="0"/>
-              <a:t>6/7/22</a:t>
+              <a:t>7/6/22</a:t>
             </a:fld>
             <a:endParaRPr lang="en-US"/>
           </a:p>
@@ -5570,6 +6837,79 @@
       </p:grpSpPr>
       <p:sp>
         <p:nvSpPr>
+          <p:cNvPr id="4" name="Title 3">
+            <a:extLst>
+              <a:ext uri="{FF2B5EF4-FFF2-40B4-BE49-F238E27FC236}">
+                <a16:creationId xmlns:a16="http://schemas.microsoft.com/office/drawing/2014/main" id="{38EB0D8B-DF93-D215-0301-C8CF60E04853}"/>
+              </a:ext>
+            </a:extLst>
+          </p:cNvPr>
+          <p:cNvSpPr txBox="1">
+            <a:spLocks noGrp="1"/>
+          </p:cNvSpPr>
+          <p:nvPr>
+            <p:ph type="title"/>
+          </p:nvPr>
+        </p:nvSpPr>
+        <p:spPr>
+          <a:xfrm>
+            <a:off x="838200" y="677041"/>
+            <a:ext cx="4562659" cy="701731"/>
+          </a:xfrm>
+          <a:prstGeom prst="rect">
+            <a:avLst/>
+          </a:prstGeom>
+          <a:noFill/>
+        </p:spPr>
+        <p:txBody>
+          <a:bodyPr wrap="none" rtlCol="0">
+            <a:spAutoFit/>
+          </a:bodyPr>
+          <a:lstStyle/>
+          <a:p>
+            <a:r>
+              <a:rPr lang="en-US" dirty="0" err="1"/>
+              <a:t>Kuzmin</a:t>
+            </a:r>
+            <a:r>
+              <a:rPr lang="en-US" dirty="0"/>
+              <a:t> 2020 paper</a:t>
+            </a:r>
+          </a:p>
+        </p:txBody>
+      </p:sp>
+    </p:spTree>
+    <p:extLst>
+      <p:ext uri="{BB962C8B-B14F-4D97-AF65-F5344CB8AC3E}">
+        <p14:creationId xmlns:p14="http://schemas.microsoft.com/office/powerpoint/2010/main" val="3078603898"/>
+      </p:ext>
+    </p:extLst>
+  </p:cSld>
+  <p:clrMapOvr>
+    <a:masterClrMapping/>
+  </p:clrMapOvr>
+</p:sld>
+</file>
+
+<file path=ppt/slides/slide18.xml><?xml version="1.0" encoding="utf-8"?>
+<p:sld xmlns:a="http://schemas.openxmlformats.org/drawingml/2006/main" xmlns:r="http://schemas.openxmlformats.org/officeDocument/2006/relationships" xmlns:p="http://schemas.openxmlformats.org/presentationml/2006/main">
+  <p:cSld>
+    <p:spTree>
+      <p:nvGrpSpPr>
+        <p:cNvPr id="1" name=""/>
+        <p:cNvGrpSpPr/>
+        <p:nvPr/>
+      </p:nvGrpSpPr>
+      <p:grpSpPr>
+        <a:xfrm>
+          <a:off x="0" y="0"/>
+          <a:ext cx="0" cy="0"/>
+          <a:chOff x="0" y="0"/>
+          <a:chExt cx="0" cy="0"/>
+        </a:xfrm>
+      </p:grpSpPr>
+      <p:sp>
+        <p:nvSpPr>
           <p:cNvPr id="4" name="TextBox 3">
             <a:extLst>
               <a:ext uri="{FF2B5EF4-FFF2-40B4-BE49-F238E27FC236}">
@@ -5607,8 +6947,8 @@
           </a:p>
         </p:txBody>
       </p:sp>
-      <mc:AlternateContent xmlns:mc="http://schemas.openxmlformats.org/markup-compatibility/2006">
-        <mc:Choice xmlns:a14="http://schemas.microsoft.com/office/drawing/2010/main" Requires="a14">
+      <mc:AlternateContent xmlns:mc="http://schemas.openxmlformats.org/markup-compatibility/2006" xmlns:a14="http://schemas.microsoft.com/office/drawing/2010/main">
+        <mc:Choice Requires="a14">
           <p:sp>
             <p:nvSpPr>
               <p:cNvPr id="7" name="TextBox 6">
@@ -5864,7 +7204,7 @@
             </p:txBody>
           </p:sp>
         </mc:Choice>
-        <mc:Fallback>
+        <mc:Fallback xmlns="">
           <p:sp>
             <p:nvSpPr>
               <p:cNvPr id="7" name="TextBox 6">
@@ -5888,7 +7228,7 @@
                 <a:avLst/>
               </a:prstGeom>
               <a:blipFill>
-                <a:blip r:embed="rId2"/>
+                <a:blip r:embed="rId3"/>
                 <a:stretch>
                   <a:fillRect l="-459" t="-4167" r="-917" b="-29167"/>
                 </a:stretch>
@@ -5909,8 +7249,8 @@
           </p:sp>
         </mc:Fallback>
       </mc:AlternateContent>
-      <mc:AlternateContent xmlns:mc="http://schemas.openxmlformats.org/markup-compatibility/2006">
-        <mc:Choice xmlns:a14="http://schemas.microsoft.com/office/drawing/2010/main" Requires="a14">
+      <mc:AlternateContent xmlns:mc="http://schemas.openxmlformats.org/markup-compatibility/2006" xmlns:a14="http://schemas.microsoft.com/office/drawing/2010/main">
+        <mc:Choice Requires="a14">
           <p:sp>
             <p:nvSpPr>
               <p:cNvPr id="8" name="TextBox 7">
@@ -5939,7 +7279,6 @@
               </a:bodyPr>
               <a:lstStyle/>
               <a:p>
-                <a:pPr/>
                 <a:r>
                   <a:rPr lang="en-US" dirty="0">
                     <a:solidFill>
@@ -6133,7 +7472,7 @@
             </p:txBody>
           </p:sp>
         </mc:Choice>
-        <mc:Fallback>
+        <mc:Fallback xmlns="">
           <p:sp>
             <p:nvSpPr>
               <p:cNvPr id="8" name="TextBox 7">
@@ -6157,7 +7496,7 @@
                 <a:avLst/>
               </a:prstGeom>
               <a:blipFill>
-                <a:blip r:embed="rId3"/>
+                <a:blip r:embed="rId4"/>
                 <a:stretch>
                   <a:fillRect l="-6250" t="-20000" r="-521" b="-40000"/>
                 </a:stretch>
@@ -6178,8 +7517,8 @@
           </p:sp>
         </mc:Fallback>
       </mc:AlternateContent>
-      <mc:AlternateContent xmlns:mc="http://schemas.openxmlformats.org/markup-compatibility/2006">
-        <mc:Choice xmlns:a14="http://schemas.microsoft.com/office/drawing/2010/main" Requires="a14">
+      <mc:AlternateContent xmlns:mc="http://schemas.openxmlformats.org/markup-compatibility/2006" xmlns:a14="http://schemas.microsoft.com/office/drawing/2010/main">
+        <mc:Choice Requires="a14">
           <p:sp>
             <p:nvSpPr>
               <p:cNvPr id="9" name="TextBox 8">
@@ -6464,7 +7803,7 @@
             </p:txBody>
           </p:sp>
         </mc:Choice>
-        <mc:Fallback>
+        <mc:Fallback xmlns="">
           <p:sp>
             <p:nvSpPr>
               <p:cNvPr id="9" name="TextBox 8">
@@ -6488,7 +7827,7 @@
                 <a:avLst/>
               </a:prstGeom>
               <a:blipFill>
-                <a:blip r:embed="rId4"/>
+                <a:blip r:embed="rId5"/>
                 <a:stretch>
                   <a:fillRect l="-375" t="-8000" r="-375" b="-28000"/>
                 </a:stretch>
@@ -6524,7 +7863,7 @@
           <p:nvPr/>
         </p:nvPicPr>
         <p:blipFill>
-          <a:blip r:embed="rId5"/>
+          <a:blip r:embed="rId6"/>
           <a:stretch>
             <a:fillRect/>
           </a:stretch>
@@ -6613,7 +7952,7 @@
           <p:nvPr/>
         </p:nvPicPr>
         <p:blipFill>
-          <a:blip r:embed="rId6"/>
+          <a:blip r:embed="rId7"/>
           <a:stretch>
             <a:fillRect/>
           </a:stretch>
@@ -6641,7 +7980,7 @@
 </p:sld>
 </file>
 
-<file path=ppt/slides/slide18.xml><?xml version="1.0" encoding="utf-8"?>
+<file path=ppt/slides/slide19.xml><?xml version="1.0" encoding="utf-8"?>
 <p:sld xmlns:a="http://schemas.openxmlformats.org/drawingml/2006/main" xmlns:r="http://schemas.openxmlformats.org/officeDocument/2006/relationships" xmlns:p="http://schemas.openxmlformats.org/presentationml/2006/main">
   <p:cSld>
     <p:spTree>
@@ -6697,8 +8036,8 @@
           </a:p>
         </p:txBody>
       </p:sp>
-      <mc:AlternateContent xmlns:mc="http://schemas.openxmlformats.org/markup-compatibility/2006">
-        <mc:Choice xmlns:a14="http://schemas.microsoft.com/office/drawing/2010/main" Requires="a14">
+      <mc:AlternateContent xmlns:mc="http://schemas.openxmlformats.org/markup-compatibility/2006" xmlns:a14="http://schemas.microsoft.com/office/drawing/2010/main">
+        <mc:Choice Requires="a14">
           <p:sp>
             <p:nvSpPr>
               <p:cNvPr id="9" name="TextBox 8">
@@ -6976,13 +8315,7 @@
                             <a:rPr lang="en-US" b="0" i="1" smtClean="0">
                               <a:latin typeface="Cambria Math" panose="02040503050406030204" pitchFamily="18" charset="0"/>
                             </a:rPr>
-                            <m:t>𝑖</m:t>
-                          </m:r>
-                          <m:r>
-                            <a:rPr lang="en-US" b="0" i="1" smtClean="0">
-                              <a:latin typeface="Cambria Math" panose="02040503050406030204" pitchFamily="18" charset="0"/>
-                            </a:rPr>
-                            <m:t>𝑘</m:t>
+                            <m:t>𝑖𝑘</m:t>
                           </m:r>
                         </m:sub>
                       </m:sSub>
@@ -7038,13 +8371,7 @@
                             <a:rPr lang="en-US" b="0" i="1" smtClean="0">
                               <a:latin typeface="Cambria Math" panose="02040503050406030204" pitchFamily="18" charset="0"/>
                             </a:rPr>
-                            <m:t>𝑗</m:t>
-                          </m:r>
-                          <m:r>
-                            <a:rPr lang="en-US" b="0" i="1" smtClean="0">
-                              <a:latin typeface="Cambria Math" panose="02040503050406030204" pitchFamily="18" charset="0"/>
-                            </a:rPr>
-                            <m:t>𝑘</m:t>
+                            <m:t>𝑗𝑘</m:t>
                           </m:r>
                         </m:sub>
                       </m:sSub>
@@ -7085,7 +8412,7 @@
             </p:txBody>
           </p:sp>
         </mc:Choice>
-        <mc:Fallback>
+        <mc:Fallback xmlns="">
           <p:sp>
             <p:nvSpPr>
               <p:cNvPr id="9" name="TextBox 8">
@@ -7109,7 +8436,7 @@
                 <a:avLst/>
               </a:prstGeom>
               <a:blipFill>
-                <a:blip r:embed="rId2"/>
+                <a:blip r:embed="rId3"/>
                 <a:stretch>
                   <a:fillRect l="-292" t="-8333" r="-585" b="-29167"/>
                 </a:stretch>
@@ -7188,7 +8515,7 @@
           <p:nvPr/>
         </p:nvPicPr>
         <p:blipFill>
-          <a:blip r:embed="rId3"/>
+          <a:blip r:embed="rId4"/>
           <a:stretch>
             <a:fillRect/>
           </a:stretch>
@@ -7203,8 +8530,8 @@
           </a:prstGeom>
         </p:spPr>
       </p:pic>
-      <mc:AlternateContent xmlns:mc="http://schemas.openxmlformats.org/markup-compatibility/2006">
-        <mc:Choice xmlns:a14="http://schemas.microsoft.com/office/drawing/2010/main" Requires="a14">
+      <mc:AlternateContent xmlns:mc="http://schemas.openxmlformats.org/markup-compatibility/2006" xmlns:a14="http://schemas.microsoft.com/office/drawing/2010/main">
+        <mc:Choice Requires="a14">
           <p:sp>
             <p:nvSpPr>
               <p:cNvPr id="5" name="TextBox 4">
@@ -7308,7 +8635,7 @@
             </p:txBody>
           </p:sp>
         </mc:Choice>
-        <mc:Fallback>
+        <mc:Fallback xmlns="">
           <p:sp>
             <p:nvSpPr>
               <p:cNvPr id="5" name="TextBox 4">
@@ -7332,7 +8659,7 @@
                 <a:avLst/>
               </a:prstGeom>
               <a:blipFill>
-                <a:blip r:embed="rId4"/>
+                <a:blip r:embed="rId5"/>
                 <a:stretch>
                   <a:fillRect l="-1078" t="-1316"/>
                 </a:stretch>
@@ -7353,8 +8680,8 @@
           </p:sp>
         </mc:Fallback>
       </mc:AlternateContent>
-      <mc:AlternateContent xmlns:mc="http://schemas.openxmlformats.org/markup-compatibility/2006">
-        <mc:Choice xmlns:a14="http://schemas.microsoft.com/office/drawing/2010/main" Requires="a14">
+      <mc:AlternateContent xmlns:mc="http://schemas.openxmlformats.org/markup-compatibility/2006" xmlns:a14="http://schemas.microsoft.com/office/drawing/2010/main">
+        <mc:Choice Requires="a14">
           <p:sp>
             <p:nvSpPr>
               <p:cNvPr id="13" name="TextBox 12">
@@ -7639,7 +8966,7 @@
             </p:txBody>
           </p:sp>
         </mc:Choice>
-        <mc:Fallback>
+        <mc:Fallback xmlns="">
           <p:sp>
             <p:nvSpPr>
               <p:cNvPr id="13" name="TextBox 12">
@@ -7663,7 +8990,7 @@
                 <a:avLst/>
               </a:prstGeom>
               <a:blipFill>
-                <a:blip r:embed="rId5"/>
+                <a:blip r:embed="rId6"/>
                 <a:stretch>
                   <a:fillRect l="-376" t="-8000" r="-752" b="-24000"/>
                 </a:stretch>
@@ -7684,8 +9011,8 @@
           </p:sp>
         </mc:Fallback>
       </mc:AlternateContent>
-      <mc:AlternateContent xmlns:mc="http://schemas.openxmlformats.org/markup-compatibility/2006">
-        <mc:Choice xmlns:a14="http://schemas.microsoft.com/office/drawing/2010/main" Requires="a14">
+      <mc:AlternateContent xmlns:mc="http://schemas.openxmlformats.org/markup-compatibility/2006" xmlns:a14="http://schemas.microsoft.com/office/drawing/2010/main">
+        <mc:Choice Requires="a14">
           <p:sp>
             <p:nvSpPr>
               <p:cNvPr id="14" name="TextBox 13">
@@ -7946,16 +9273,7 @@
                               </a:solidFill>
                               <a:latin typeface="Cambria Math" panose="02040503050406030204" pitchFamily="18" charset="0"/>
                             </a:rPr>
-                            <m:t>−</m:t>
-                          </m:r>
-                          <m:r>
-                            <a:rPr lang="en-US" b="0" i="1" smtClean="0">
-                              <a:solidFill>
-                                <a:schemeClr val="tx1"/>
-                              </a:solidFill>
-                              <a:latin typeface="Cambria Math" panose="02040503050406030204" pitchFamily="18" charset="0"/>
-                            </a:rPr>
-                            <m:t>(</m:t>
+                            <m:t>−(</m:t>
                           </m:r>
                           <m:r>
                             <a:rPr lang="en-US" b="0" i="1" smtClean="0">
@@ -8199,7 +9517,7 @@
             </p:txBody>
           </p:sp>
         </mc:Choice>
-        <mc:Fallback>
+        <mc:Fallback xmlns="">
           <p:sp>
             <p:nvSpPr>
               <p:cNvPr id="14" name="TextBox 13">
@@ -8223,7 +9541,7 @@
                 <a:avLst/>
               </a:prstGeom>
               <a:blipFill>
-                <a:blip r:embed="rId6"/>
+                <a:blip r:embed="rId7"/>
                 <a:stretch>
                   <a:fillRect t="-8333" b="-29167"/>
                 </a:stretch>
@@ -8259,7 +9577,7 @@
           <p:nvPr/>
         </p:nvPicPr>
         <p:blipFill>
-          <a:blip r:embed="rId7"/>
+          <a:blip r:embed="rId8"/>
           <a:stretch>
             <a:fillRect/>
           </a:stretch>
@@ -8274,8 +9592,8 @@
           </a:prstGeom>
         </p:spPr>
       </p:pic>
-      <mc:AlternateContent xmlns:mc="http://schemas.openxmlformats.org/markup-compatibility/2006">
-        <mc:Choice xmlns:a14="http://schemas.microsoft.com/office/drawing/2010/main" Requires="a14">
+      <mc:AlternateContent xmlns:mc="http://schemas.openxmlformats.org/markup-compatibility/2006" xmlns:a14="http://schemas.microsoft.com/office/drawing/2010/main">
+        <mc:Choice Requires="a14">
           <p:sp>
             <p:nvSpPr>
               <p:cNvPr id="15" name="TextBox 14">
@@ -8447,7 +9765,7 @@
             </p:txBody>
           </p:sp>
         </mc:Choice>
-        <mc:Fallback>
+        <mc:Fallback xmlns="">
           <p:sp>
             <p:nvSpPr>
               <p:cNvPr id="15" name="TextBox 14">
@@ -8471,7 +9789,7 @@
                 <a:avLst/>
               </a:prstGeom>
               <a:blipFill>
-                <a:blip r:embed="rId8"/>
+                <a:blip r:embed="rId9"/>
                 <a:stretch>
                   <a:fillRect l="-1149" t="-3226" r="-1724" b="-22581"/>
                 </a:stretch>
@@ -8492,8 +9810,8 @@
           </p:sp>
         </mc:Fallback>
       </mc:AlternateContent>
-      <mc:AlternateContent xmlns:mc="http://schemas.openxmlformats.org/markup-compatibility/2006">
-        <mc:Choice xmlns:a14="http://schemas.microsoft.com/office/drawing/2010/main" Requires="a14">
+      <mc:AlternateContent xmlns:mc="http://schemas.openxmlformats.org/markup-compatibility/2006" xmlns:a14="http://schemas.microsoft.com/office/drawing/2010/main">
+        <mc:Choice Requires="a14">
           <p:sp>
             <p:nvSpPr>
               <p:cNvPr id="16" name="TextBox 15">
@@ -8659,7 +9977,7 @@
             </p:txBody>
           </p:sp>
         </mc:Choice>
-        <mc:Fallback>
+        <mc:Fallback xmlns="">
           <p:sp>
             <p:nvSpPr>
               <p:cNvPr id="16" name="TextBox 15">
@@ -8683,7 +10001,7 @@
                 <a:avLst/>
               </a:prstGeom>
               <a:blipFill>
-                <a:blip r:embed="rId9"/>
+                <a:blip r:embed="rId10"/>
                 <a:stretch>
                   <a:fillRect l="-1136" t="-6250" r="-1136" b="-18750"/>
                 </a:stretch>
@@ -8758,7 +10076,315 @@
 </p:sld>
 </file>
 
-<file path=ppt/slides/slide19.xml><?xml version="1.0" encoding="utf-8"?>
+<file path=ppt/slides/slide2.xml><?xml version="1.0" encoding="utf-8"?>
+<p:sld xmlns:a="http://schemas.openxmlformats.org/drawingml/2006/main" xmlns:r="http://schemas.openxmlformats.org/officeDocument/2006/relationships" xmlns:p="http://schemas.openxmlformats.org/presentationml/2006/main">
+  <p:cSld>
+    <p:spTree>
+      <p:nvGrpSpPr>
+        <p:cNvPr id="1" name=""/>
+        <p:cNvGrpSpPr/>
+        <p:nvPr/>
+      </p:nvGrpSpPr>
+      <p:grpSpPr>
+        <a:xfrm>
+          <a:off x="0" y="0"/>
+          <a:ext cx="0" cy="0"/>
+          <a:chOff x="0" y="0"/>
+          <a:chExt cx="0" cy="0"/>
+        </a:xfrm>
+      </p:grpSpPr>
+      <p:sp>
+        <p:nvSpPr>
+          <p:cNvPr id="4" name="TextBox 3">
+            <a:extLst>
+              <a:ext uri="{FF2B5EF4-FFF2-40B4-BE49-F238E27FC236}">
+                <a16:creationId xmlns:a16="http://schemas.microsoft.com/office/drawing/2014/main" id="{E3799252-8EA0-CBDE-5EBE-0CA8E0568A44}"/>
+              </a:ext>
+            </a:extLst>
+          </p:cNvPr>
+          <p:cNvSpPr txBox="1"/>
+          <p:nvPr/>
+        </p:nvSpPr>
+        <p:spPr>
+          <a:xfrm>
+            <a:off x="0" y="23673"/>
+            <a:ext cx="4845494" cy="523220"/>
+          </a:xfrm>
+          <a:prstGeom prst="rect">
+            <a:avLst/>
+          </a:prstGeom>
+          <a:noFill/>
+        </p:spPr>
+        <p:txBody>
+          <a:bodyPr wrap="none" rtlCol="0">
+            <a:spAutoFit/>
+          </a:bodyPr>
+          <a:lstStyle/>
+          <a:p>
+            <a:r>
+              <a:rPr lang="en-US" sz="2800" dirty="0" err="1"/>
+              <a:t>kuzmin</a:t>
+            </a:r>
+            <a:r>
+              <a:rPr lang="en-US" sz="2800" dirty="0"/>
+              <a:t> et al experimental setup</a:t>
+            </a:r>
+          </a:p>
+        </p:txBody>
+      </p:sp>
+      <p:sp>
+        <p:nvSpPr>
+          <p:cNvPr id="5" name="TextBox 4">
+            <a:extLst>
+              <a:ext uri="{FF2B5EF4-FFF2-40B4-BE49-F238E27FC236}">
+                <a16:creationId xmlns:a16="http://schemas.microsoft.com/office/drawing/2014/main" id="{F2F3BBFB-0539-BB70-2220-ED7560430C6E}"/>
+              </a:ext>
+            </a:extLst>
+          </p:cNvPr>
+          <p:cNvSpPr txBox="1"/>
+          <p:nvPr/>
+        </p:nvSpPr>
+        <p:spPr>
+          <a:xfrm>
+            <a:off x="190500" y="966408"/>
+            <a:ext cx="11253019" cy="1200329"/>
+          </a:xfrm>
+          <a:prstGeom prst="rect">
+            <a:avLst/>
+          </a:prstGeom>
+          <a:noFill/>
+        </p:spPr>
+        <p:txBody>
+          <a:bodyPr wrap="square" rtlCol="0">
+            <a:spAutoFit/>
+          </a:bodyPr>
+          <a:lstStyle/>
+          <a:p>
+            <a:pPr marL="285750" indent="-285750">
+              <a:buFont typeface="Arial" panose="020B0604020202020204" pitchFamily="34" charset="0"/>
+              <a:buChar char="•"/>
+            </a:pPr>
+            <a:r>
+              <a:rPr lang="en-US" dirty="0"/>
+              <a:t>focused on deleterious</a:t>
+            </a:r>
+            <a:r>
+              <a:rPr lang="en-US" b="1" dirty="0"/>
+              <a:t> negative </a:t>
+            </a:r>
+            <a:r>
+              <a:rPr lang="en-US" dirty="0" err="1"/>
+              <a:t>trigenic</a:t>
+            </a:r>
+            <a:r>
+              <a:rPr lang="en-US" dirty="0"/>
+              <a:t> interactions</a:t>
+            </a:r>
+          </a:p>
+          <a:p>
+            <a:pPr marL="742950" lvl="1" indent="-285750">
+              <a:buFont typeface="Arial" panose="020B0604020202020204" pitchFamily="34" charset="0"/>
+              <a:buChar char="•"/>
+            </a:pPr>
+            <a:r>
+              <a:rPr lang="en-US" dirty="0"/>
+              <a:t>more accurately scored than positive interactions?</a:t>
+            </a:r>
+          </a:p>
+          <a:p>
+            <a:pPr marL="742950" lvl="1" indent="-285750">
+              <a:buFont typeface="Arial" panose="020B0604020202020204" pitchFamily="34" charset="0"/>
+              <a:buChar char="•"/>
+            </a:pPr>
+            <a:r>
+              <a:rPr lang="en-US" dirty="0"/>
+              <a:t>“generally more functionally informative than positive digenic interactions”? so more mechanistic insight into function/wiring</a:t>
+            </a:r>
+          </a:p>
+        </p:txBody>
+      </p:sp>
+      <p:pic>
+        <p:nvPicPr>
+          <p:cNvPr id="8" name="Picture 7">
+            <a:extLst>
+              <a:ext uri="{FF2B5EF4-FFF2-40B4-BE49-F238E27FC236}">
+                <a16:creationId xmlns:a16="http://schemas.microsoft.com/office/drawing/2014/main" id="{EA508835-7B67-0E6E-7834-2F7E0B302165}"/>
+              </a:ext>
+            </a:extLst>
+          </p:cNvPr>
+          <p:cNvPicPr>
+            <a:picLocks noChangeAspect="1"/>
+          </p:cNvPicPr>
+          <p:nvPr/>
+        </p:nvPicPr>
+        <p:blipFill>
+          <a:blip r:embed="rId2"/>
+          <a:stretch>
+            <a:fillRect/>
+          </a:stretch>
+        </p:blipFill>
+        <p:spPr>
+          <a:xfrm>
+            <a:off x="7302636" y="2510563"/>
+            <a:ext cx="5032574" cy="3607689"/>
+          </a:xfrm>
+          <a:prstGeom prst="rect">
+            <a:avLst/>
+          </a:prstGeom>
+        </p:spPr>
+      </p:pic>
+      <p:sp>
+        <p:nvSpPr>
+          <p:cNvPr id="9" name="TextBox 8">
+            <a:extLst>
+              <a:ext uri="{FF2B5EF4-FFF2-40B4-BE49-F238E27FC236}">
+                <a16:creationId xmlns:a16="http://schemas.microsoft.com/office/drawing/2014/main" id="{2A767399-DC94-3D98-D302-60F4956B94DD}"/>
+              </a:ext>
+            </a:extLst>
+          </p:cNvPr>
+          <p:cNvSpPr txBox="1"/>
+          <p:nvPr/>
+        </p:nvSpPr>
+        <p:spPr>
+          <a:xfrm>
+            <a:off x="7717450" y="5933586"/>
+            <a:ext cx="4202945" cy="369332"/>
+          </a:xfrm>
+          <a:prstGeom prst="rect">
+            <a:avLst/>
+          </a:prstGeom>
+          <a:noFill/>
+        </p:spPr>
+        <p:txBody>
+          <a:bodyPr wrap="none" rtlCol="0">
+            <a:spAutoFit/>
+          </a:bodyPr>
+          <a:lstStyle/>
+          <a:p>
+            <a:r>
+              <a:rPr lang="en-US" dirty="0"/>
+              <a:t>Collins … Weissman 2006, Genome Biology</a:t>
+            </a:r>
+          </a:p>
+        </p:txBody>
+      </p:sp>
+      <p:pic>
+        <p:nvPicPr>
+          <p:cNvPr id="11" name="Picture 10">
+            <a:extLst>
+              <a:ext uri="{FF2B5EF4-FFF2-40B4-BE49-F238E27FC236}">
+                <a16:creationId xmlns:a16="http://schemas.microsoft.com/office/drawing/2014/main" id="{B7F33D56-C376-A312-EE00-4ED84727E559}"/>
+              </a:ext>
+            </a:extLst>
+          </p:cNvPr>
+          <p:cNvPicPr>
+            <a:picLocks noChangeAspect="1"/>
+          </p:cNvPicPr>
+          <p:nvPr/>
+        </p:nvPicPr>
+        <p:blipFill>
+          <a:blip r:embed="rId3"/>
+          <a:stretch>
+            <a:fillRect/>
+          </a:stretch>
+        </p:blipFill>
+        <p:spPr>
+          <a:xfrm>
+            <a:off x="190499" y="3206852"/>
+            <a:ext cx="6485269" cy="1738127"/>
+          </a:xfrm>
+          <a:prstGeom prst="rect">
+            <a:avLst/>
+          </a:prstGeom>
+        </p:spPr>
+      </p:pic>
+      <p:sp>
+        <p:nvSpPr>
+          <p:cNvPr id="12" name="TextBox 11">
+            <a:extLst>
+              <a:ext uri="{FF2B5EF4-FFF2-40B4-BE49-F238E27FC236}">
+                <a16:creationId xmlns:a16="http://schemas.microsoft.com/office/drawing/2014/main" id="{9C06CBDB-7A3E-BE76-6060-827D9FE73DBC}"/>
+              </a:ext>
+            </a:extLst>
+          </p:cNvPr>
+          <p:cNvSpPr txBox="1"/>
+          <p:nvPr/>
+        </p:nvSpPr>
+        <p:spPr>
+          <a:xfrm>
+            <a:off x="596942" y="6464995"/>
+            <a:ext cx="4056047" cy="369332"/>
+          </a:xfrm>
+          <a:prstGeom prst="rect">
+            <a:avLst/>
+          </a:prstGeom>
+          <a:noFill/>
+        </p:spPr>
+        <p:txBody>
+          <a:bodyPr wrap="none" rtlCol="0">
+            <a:spAutoFit/>
+          </a:bodyPr>
+          <a:lstStyle/>
+          <a:p>
+            <a:r>
+              <a:rPr lang="en-US" dirty="0"/>
+              <a:t>﻿</a:t>
+            </a:r>
+            <a:r>
+              <a:rPr lang="en-US" dirty="0" err="1"/>
+              <a:t>Baryshnikova</a:t>
+            </a:r>
+            <a:r>
+              <a:rPr lang="en-US" dirty="0"/>
+              <a:t> et al 2010, Nature Methods</a:t>
+            </a:r>
+          </a:p>
+        </p:txBody>
+      </p:sp>
+      <p:pic>
+        <p:nvPicPr>
+          <p:cNvPr id="13" name="Picture 12">
+            <a:extLst>
+              <a:ext uri="{FF2B5EF4-FFF2-40B4-BE49-F238E27FC236}">
+                <a16:creationId xmlns:a16="http://schemas.microsoft.com/office/drawing/2014/main" id="{9BFD303E-3B65-4604-9F52-78779FD84B1A}"/>
+              </a:ext>
+            </a:extLst>
+          </p:cNvPr>
+          <p:cNvPicPr>
+            <a:picLocks noChangeAspect="1"/>
+          </p:cNvPicPr>
+          <p:nvPr/>
+        </p:nvPicPr>
+        <p:blipFill>
+          <a:blip r:embed="rId4"/>
+          <a:stretch>
+            <a:fillRect/>
+          </a:stretch>
+        </p:blipFill>
+        <p:spPr>
+          <a:xfrm>
+            <a:off x="202587" y="4995145"/>
+            <a:ext cx="6473181" cy="1123107"/>
+          </a:xfrm>
+          <a:prstGeom prst="rect">
+            <a:avLst/>
+          </a:prstGeom>
+        </p:spPr>
+      </p:pic>
+    </p:spTree>
+    <p:extLst>
+      <p:ext uri="{BB962C8B-B14F-4D97-AF65-F5344CB8AC3E}">
+        <p14:creationId xmlns:p14="http://schemas.microsoft.com/office/powerpoint/2010/main" val="3773619516"/>
+      </p:ext>
+    </p:extLst>
+  </p:cSld>
+  <p:clrMapOvr>
+    <a:masterClrMapping/>
+  </p:clrMapOvr>
+</p:sld>
+</file>
+
+<file path=ppt/slides/slide20.xml><?xml version="1.0" encoding="utf-8"?>
 <p:sld xmlns:a="http://schemas.openxmlformats.org/drawingml/2006/main" xmlns:r="http://schemas.openxmlformats.org/officeDocument/2006/relationships" xmlns:p="http://schemas.openxmlformats.org/presentationml/2006/main">
   <p:cSld>
     <p:spTree>
@@ -8844,8 +10470,8 @@
           </a:prstGeom>
         </p:spPr>
       </p:pic>
-      <mc:AlternateContent xmlns:mc="http://schemas.openxmlformats.org/markup-compatibility/2006">
-        <mc:Choice xmlns:a14="http://schemas.microsoft.com/office/drawing/2010/main" Requires="a14">
+      <mc:AlternateContent xmlns:mc="http://schemas.openxmlformats.org/markup-compatibility/2006" xmlns:a14="http://schemas.microsoft.com/office/drawing/2010/main">
+        <mc:Choice Requires="a14">
           <p:sp>
             <p:nvSpPr>
               <p:cNvPr id="17" name="TextBox 16">
@@ -8902,13 +10528,7 @@
                             <a:rPr lang="en-US" b="0" i="1" smtClean="0">
                               <a:latin typeface="Cambria Math" panose="02040503050406030204" pitchFamily="18" charset="0"/>
                             </a:rPr>
-                            <m:t>𝑗</m:t>
-                          </m:r>
-                          <m:r>
-                            <a:rPr lang="en-US" b="0" i="1" smtClean="0">
-                              <a:latin typeface="Cambria Math" panose="02040503050406030204" pitchFamily="18" charset="0"/>
-                            </a:rPr>
-                            <m:t>𝑘</m:t>
+                            <m:t>𝑗𝑘</m:t>
                           </m:r>
                         </m:sub>
                       </m:sSub>
@@ -8924,7 +10544,7 @@
             </p:txBody>
           </p:sp>
         </mc:Choice>
-        <mc:Fallback>
+        <mc:Fallback xmlns="">
           <p:sp>
             <p:nvSpPr>
               <p:cNvPr id="17" name="TextBox 16">
@@ -8969,8 +10589,8 @@
           </p:sp>
         </mc:Fallback>
       </mc:AlternateContent>
-      <mc:AlternateContent xmlns:mc="http://schemas.openxmlformats.org/markup-compatibility/2006">
-        <mc:Choice xmlns:a14="http://schemas.microsoft.com/office/drawing/2010/main" Requires="a14">
+      <mc:AlternateContent xmlns:mc="http://schemas.openxmlformats.org/markup-compatibility/2006" xmlns:a14="http://schemas.microsoft.com/office/drawing/2010/main">
+        <mc:Choice Requires="a14">
           <p:sp>
             <p:nvSpPr>
               <p:cNvPr id="18" name="TextBox 17">
@@ -9102,7 +10722,7 @@
             </p:txBody>
           </p:sp>
         </mc:Choice>
-        <mc:Fallback>
+        <mc:Fallback xmlns="">
           <p:sp>
             <p:nvSpPr>
               <p:cNvPr id="18" name="TextBox 17">
@@ -9147,8 +10767,8 @@
           </p:sp>
         </mc:Fallback>
       </mc:AlternateContent>
-      <mc:AlternateContent xmlns:mc="http://schemas.openxmlformats.org/markup-compatibility/2006">
-        <mc:Choice xmlns:a14="http://schemas.microsoft.com/office/drawing/2010/main" Requires="a14">
+      <mc:AlternateContent xmlns:mc="http://schemas.openxmlformats.org/markup-compatibility/2006" xmlns:a14="http://schemas.microsoft.com/office/drawing/2010/main">
+        <mc:Choice Requires="a14">
           <p:sp>
             <p:nvSpPr>
               <p:cNvPr id="19" name="TextBox 18">
@@ -9221,7 +10841,7 @@
             </p:txBody>
           </p:sp>
         </mc:Choice>
-        <mc:Fallback>
+        <mc:Fallback xmlns="">
           <p:sp>
             <p:nvSpPr>
               <p:cNvPr id="19" name="TextBox 18">
@@ -9266,8 +10886,8 @@
           </p:sp>
         </mc:Fallback>
       </mc:AlternateContent>
-      <mc:AlternateContent xmlns:mc="http://schemas.openxmlformats.org/markup-compatibility/2006">
-        <mc:Choice xmlns:a14="http://schemas.microsoft.com/office/drawing/2010/main" Requires="a14">
+      <mc:AlternateContent xmlns:mc="http://schemas.openxmlformats.org/markup-compatibility/2006" xmlns:a14="http://schemas.microsoft.com/office/drawing/2010/main">
+        <mc:Choice Requires="a14">
           <p:sp>
             <p:nvSpPr>
               <p:cNvPr id="20" name="TextBox 19">
@@ -9383,13 +11003,7 @@
                             <a:rPr lang="en-US" b="0" i="1" smtClean="0">
                               <a:latin typeface="Cambria Math" panose="02040503050406030204" pitchFamily="18" charset="0"/>
                             </a:rPr>
-                            <m:t>𝑖</m:t>
-                          </m:r>
-                          <m:r>
-                            <a:rPr lang="en-US" b="0" i="1" smtClean="0">
-                              <a:latin typeface="Cambria Math" panose="02040503050406030204" pitchFamily="18" charset="0"/>
-                            </a:rPr>
-                            <m:t>𝑘</m:t>
+                            <m:t>𝑖𝑘</m:t>
                           </m:r>
                         </m:sub>
                       </m:sSub>
@@ -9405,7 +11019,7 @@
             </p:txBody>
           </p:sp>
         </mc:Choice>
-        <mc:Fallback>
+        <mc:Fallback xmlns="">
           <p:sp>
             <p:nvSpPr>
               <p:cNvPr id="20" name="TextBox 19">
@@ -9491,8 +11105,8 @@
           </a:p>
         </p:txBody>
       </p:sp>
-      <mc:AlternateContent xmlns:mc="http://schemas.openxmlformats.org/markup-compatibility/2006">
-        <mc:Choice xmlns:a14="http://schemas.microsoft.com/office/drawing/2010/main" Requires="a14">
+      <mc:AlternateContent xmlns:mc="http://schemas.openxmlformats.org/markup-compatibility/2006" xmlns:a14="http://schemas.microsoft.com/office/drawing/2010/main">
+        <mc:Choice Requires="a14">
           <p:sp>
             <p:nvSpPr>
               <p:cNvPr id="21" name="TextBox 20">
@@ -9773,16 +11387,7 @@
                               </a:solidFill>
                               <a:latin typeface="Cambria Math" panose="02040503050406030204" pitchFamily="18" charset="0"/>
                             </a:rPr>
-                            <m:t>𝑖</m:t>
-                          </m:r>
-                          <m:r>
-                            <a:rPr lang="en-US" b="0" i="1" smtClean="0">
-                              <a:solidFill>
-                                <a:srgbClr val="FF0000"/>
-                              </a:solidFill>
-                              <a:latin typeface="Cambria Math" panose="02040503050406030204" pitchFamily="18" charset="0"/>
-                            </a:rPr>
-                            <m:t>𝑘</m:t>
+                            <m:t>𝑖𝑘</m:t>
                           </m:r>
                         </m:sub>
                       </m:sSub>
@@ -9847,16 +11452,7 @@
                               </a:solidFill>
                               <a:latin typeface="Cambria Math" panose="02040503050406030204" pitchFamily="18" charset="0"/>
                             </a:rPr>
-                            <m:t>𝑗</m:t>
-                          </m:r>
-                          <m:r>
-                            <a:rPr lang="en-US" b="0" i="1" smtClean="0">
-                              <a:solidFill>
-                                <a:srgbClr val="FF0000"/>
-                              </a:solidFill>
-                              <a:latin typeface="Cambria Math" panose="02040503050406030204" pitchFamily="18" charset="0"/>
-                            </a:rPr>
-                            <m:t>𝑘</m:t>
+                            <m:t>𝑗𝑘</m:t>
                           </m:r>
                         </m:sub>
                       </m:sSub>
@@ -9897,7 +11493,7 @@
             </p:txBody>
           </p:sp>
         </mc:Choice>
-        <mc:Fallback>
+        <mc:Fallback xmlns="">
           <p:sp>
             <p:nvSpPr>
               <p:cNvPr id="21" name="TextBox 20">
@@ -9955,315 +11551,7 @@
 </p:sld>
 </file>
 
-<file path=ppt/slides/slide2.xml><?xml version="1.0" encoding="utf-8"?>
-<p:sld xmlns:a="http://schemas.openxmlformats.org/drawingml/2006/main" xmlns:r="http://schemas.openxmlformats.org/officeDocument/2006/relationships" xmlns:p="http://schemas.openxmlformats.org/presentationml/2006/main">
-  <p:cSld>
-    <p:spTree>
-      <p:nvGrpSpPr>
-        <p:cNvPr id="1" name=""/>
-        <p:cNvGrpSpPr/>
-        <p:nvPr/>
-      </p:nvGrpSpPr>
-      <p:grpSpPr>
-        <a:xfrm>
-          <a:off x="0" y="0"/>
-          <a:ext cx="0" cy="0"/>
-          <a:chOff x="0" y="0"/>
-          <a:chExt cx="0" cy="0"/>
-        </a:xfrm>
-      </p:grpSpPr>
-      <p:sp>
-        <p:nvSpPr>
-          <p:cNvPr id="4" name="TextBox 3">
-            <a:extLst>
-              <a:ext uri="{FF2B5EF4-FFF2-40B4-BE49-F238E27FC236}">
-                <a16:creationId xmlns:a16="http://schemas.microsoft.com/office/drawing/2014/main" id="{E3799252-8EA0-CBDE-5EBE-0CA8E0568A44}"/>
-              </a:ext>
-            </a:extLst>
-          </p:cNvPr>
-          <p:cNvSpPr txBox="1"/>
-          <p:nvPr/>
-        </p:nvSpPr>
-        <p:spPr>
-          <a:xfrm>
-            <a:off x="0" y="23673"/>
-            <a:ext cx="4845494" cy="523220"/>
-          </a:xfrm>
-          <a:prstGeom prst="rect">
-            <a:avLst/>
-          </a:prstGeom>
-          <a:noFill/>
-        </p:spPr>
-        <p:txBody>
-          <a:bodyPr wrap="none" rtlCol="0">
-            <a:spAutoFit/>
-          </a:bodyPr>
-          <a:lstStyle/>
-          <a:p>
-            <a:r>
-              <a:rPr lang="en-US" sz="2800" dirty="0" err="1"/>
-              <a:t>kuzmin</a:t>
-            </a:r>
-            <a:r>
-              <a:rPr lang="en-US" sz="2800" dirty="0"/>
-              <a:t> et al experimental setup</a:t>
-            </a:r>
-          </a:p>
-        </p:txBody>
-      </p:sp>
-      <p:sp>
-        <p:nvSpPr>
-          <p:cNvPr id="5" name="TextBox 4">
-            <a:extLst>
-              <a:ext uri="{FF2B5EF4-FFF2-40B4-BE49-F238E27FC236}">
-                <a16:creationId xmlns:a16="http://schemas.microsoft.com/office/drawing/2014/main" id="{F2F3BBFB-0539-BB70-2220-ED7560430C6E}"/>
-              </a:ext>
-            </a:extLst>
-          </p:cNvPr>
-          <p:cNvSpPr txBox="1"/>
-          <p:nvPr/>
-        </p:nvSpPr>
-        <p:spPr>
-          <a:xfrm>
-            <a:off x="190500" y="966408"/>
-            <a:ext cx="11253019" cy="1200329"/>
-          </a:xfrm>
-          <a:prstGeom prst="rect">
-            <a:avLst/>
-          </a:prstGeom>
-          <a:noFill/>
-        </p:spPr>
-        <p:txBody>
-          <a:bodyPr wrap="square" rtlCol="0">
-            <a:spAutoFit/>
-          </a:bodyPr>
-          <a:lstStyle/>
-          <a:p>
-            <a:pPr marL="285750" indent="-285750">
-              <a:buFont typeface="Arial" panose="020B0604020202020204" pitchFamily="34" charset="0"/>
-              <a:buChar char="•"/>
-            </a:pPr>
-            <a:r>
-              <a:rPr lang="en-US" dirty="0"/>
-              <a:t>focused on deleterious</a:t>
-            </a:r>
-            <a:r>
-              <a:rPr lang="en-US" b="1" dirty="0"/>
-              <a:t> negative </a:t>
-            </a:r>
-            <a:r>
-              <a:rPr lang="en-US" dirty="0" err="1"/>
-              <a:t>trigenic</a:t>
-            </a:r>
-            <a:r>
-              <a:rPr lang="en-US" dirty="0"/>
-              <a:t> interactions</a:t>
-            </a:r>
-          </a:p>
-          <a:p>
-            <a:pPr marL="742950" lvl="1" indent="-285750">
-              <a:buFont typeface="Arial" panose="020B0604020202020204" pitchFamily="34" charset="0"/>
-              <a:buChar char="•"/>
-            </a:pPr>
-            <a:r>
-              <a:rPr lang="en-US" dirty="0"/>
-              <a:t>more accurately scored than positive interactions?</a:t>
-            </a:r>
-          </a:p>
-          <a:p>
-            <a:pPr marL="742950" lvl="1" indent="-285750">
-              <a:buFont typeface="Arial" panose="020B0604020202020204" pitchFamily="34" charset="0"/>
-              <a:buChar char="•"/>
-            </a:pPr>
-            <a:r>
-              <a:rPr lang="en-US" dirty="0"/>
-              <a:t>“generally more functionally informative than positive digenic interactions”? so more mechanistic insight into function/wiring</a:t>
-            </a:r>
-          </a:p>
-        </p:txBody>
-      </p:sp>
-      <p:pic>
-        <p:nvPicPr>
-          <p:cNvPr id="8" name="Picture 7">
-            <a:extLst>
-              <a:ext uri="{FF2B5EF4-FFF2-40B4-BE49-F238E27FC236}">
-                <a16:creationId xmlns:a16="http://schemas.microsoft.com/office/drawing/2014/main" id="{EA508835-7B67-0E6E-7834-2F7E0B302165}"/>
-              </a:ext>
-            </a:extLst>
-          </p:cNvPr>
-          <p:cNvPicPr>
-            <a:picLocks noChangeAspect="1"/>
-          </p:cNvPicPr>
-          <p:nvPr/>
-        </p:nvPicPr>
-        <p:blipFill>
-          <a:blip r:embed="rId2"/>
-          <a:stretch>
-            <a:fillRect/>
-          </a:stretch>
-        </p:blipFill>
-        <p:spPr>
-          <a:xfrm>
-            <a:off x="7302636" y="2510563"/>
-            <a:ext cx="5032574" cy="3607689"/>
-          </a:xfrm>
-          <a:prstGeom prst="rect">
-            <a:avLst/>
-          </a:prstGeom>
-        </p:spPr>
-      </p:pic>
-      <p:sp>
-        <p:nvSpPr>
-          <p:cNvPr id="9" name="TextBox 8">
-            <a:extLst>
-              <a:ext uri="{FF2B5EF4-FFF2-40B4-BE49-F238E27FC236}">
-                <a16:creationId xmlns:a16="http://schemas.microsoft.com/office/drawing/2014/main" id="{2A767399-DC94-3D98-D302-60F4956B94DD}"/>
-              </a:ext>
-            </a:extLst>
-          </p:cNvPr>
-          <p:cNvSpPr txBox="1"/>
-          <p:nvPr/>
-        </p:nvSpPr>
-        <p:spPr>
-          <a:xfrm>
-            <a:off x="7717450" y="5933586"/>
-            <a:ext cx="4202945" cy="369332"/>
-          </a:xfrm>
-          <a:prstGeom prst="rect">
-            <a:avLst/>
-          </a:prstGeom>
-          <a:noFill/>
-        </p:spPr>
-        <p:txBody>
-          <a:bodyPr wrap="none" rtlCol="0">
-            <a:spAutoFit/>
-          </a:bodyPr>
-          <a:lstStyle/>
-          <a:p>
-            <a:r>
-              <a:rPr lang="en-US" dirty="0"/>
-              <a:t>Collins … Weissman 2006, Genome Biology</a:t>
-            </a:r>
-          </a:p>
-        </p:txBody>
-      </p:sp>
-      <p:pic>
-        <p:nvPicPr>
-          <p:cNvPr id="11" name="Picture 10">
-            <a:extLst>
-              <a:ext uri="{FF2B5EF4-FFF2-40B4-BE49-F238E27FC236}">
-                <a16:creationId xmlns:a16="http://schemas.microsoft.com/office/drawing/2014/main" id="{B7F33D56-C376-A312-EE00-4ED84727E559}"/>
-              </a:ext>
-            </a:extLst>
-          </p:cNvPr>
-          <p:cNvPicPr>
-            <a:picLocks noChangeAspect="1"/>
-          </p:cNvPicPr>
-          <p:nvPr/>
-        </p:nvPicPr>
-        <p:blipFill>
-          <a:blip r:embed="rId3"/>
-          <a:stretch>
-            <a:fillRect/>
-          </a:stretch>
-        </p:blipFill>
-        <p:spPr>
-          <a:xfrm>
-            <a:off x="190499" y="3206852"/>
-            <a:ext cx="6485269" cy="1738127"/>
-          </a:xfrm>
-          <a:prstGeom prst="rect">
-            <a:avLst/>
-          </a:prstGeom>
-        </p:spPr>
-      </p:pic>
-      <p:sp>
-        <p:nvSpPr>
-          <p:cNvPr id="12" name="TextBox 11">
-            <a:extLst>
-              <a:ext uri="{FF2B5EF4-FFF2-40B4-BE49-F238E27FC236}">
-                <a16:creationId xmlns:a16="http://schemas.microsoft.com/office/drawing/2014/main" id="{9C06CBDB-7A3E-BE76-6060-827D9FE73DBC}"/>
-              </a:ext>
-            </a:extLst>
-          </p:cNvPr>
-          <p:cNvSpPr txBox="1"/>
-          <p:nvPr/>
-        </p:nvSpPr>
-        <p:spPr>
-          <a:xfrm>
-            <a:off x="596942" y="6464995"/>
-            <a:ext cx="4056047" cy="369332"/>
-          </a:xfrm>
-          <a:prstGeom prst="rect">
-            <a:avLst/>
-          </a:prstGeom>
-          <a:noFill/>
-        </p:spPr>
-        <p:txBody>
-          <a:bodyPr wrap="none" rtlCol="0">
-            <a:spAutoFit/>
-          </a:bodyPr>
-          <a:lstStyle/>
-          <a:p>
-            <a:r>
-              <a:rPr lang="en-US" dirty="0"/>
-              <a:t>﻿</a:t>
-            </a:r>
-            <a:r>
-              <a:rPr lang="en-US" dirty="0" err="1"/>
-              <a:t>Baryshnikova</a:t>
-            </a:r>
-            <a:r>
-              <a:rPr lang="en-US" dirty="0"/>
-              <a:t> et al 2010, Nature Methods</a:t>
-            </a:r>
-          </a:p>
-        </p:txBody>
-      </p:sp>
-      <p:pic>
-        <p:nvPicPr>
-          <p:cNvPr id="13" name="Picture 12">
-            <a:extLst>
-              <a:ext uri="{FF2B5EF4-FFF2-40B4-BE49-F238E27FC236}">
-                <a16:creationId xmlns:a16="http://schemas.microsoft.com/office/drawing/2014/main" id="{9BFD303E-3B65-4604-9F52-78779FD84B1A}"/>
-              </a:ext>
-            </a:extLst>
-          </p:cNvPr>
-          <p:cNvPicPr>
-            <a:picLocks noChangeAspect="1"/>
-          </p:cNvPicPr>
-          <p:nvPr/>
-        </p:nvPicPr>
-        <p:blipFill>
-          <a:blip r:embed="rId4"/>
-          <a:stretch>
-            <a:fillRect/>
-          </a:stretch>
-        </p:blipFill>
-        <p:spPr>
-          <a:xfrm>
-            <a:off x="202587" y="4995145"/>
-            <a:ext cx="6473181" cy="1123107"/>
-          </a:xfrm>
-          <a:prstGeom prst="rect">
-            <a:avLst/>
-          </a:prstGeom>
-        </p:spPr>
-      </p:pic>
-    </p:spTree>
-    <p:extLst>
-      <p:ext uri="{BB962C8B-B14F-4D97-AF65-F5344CB8AC3E}">
-        <p14:creationId xmlns:p14="http://schemas.microsoft.com/office/powerpoint/2010/main" val="3773619516"/>
-      </p:ext>
-    </p:extLst>
-  </p:cSld>
-  <p:clrMapOvr>
-    <a:masterClrMapping/>
-  </p:clrMapOvr>
-</p:sld>
-</file>
-
-<file path=ppt/slides/slide20.xml><?xml version="1.0" encoding="utf-8"?>
+<file path=ppt/slides/slide21.xml><?xml version="1.0" encoding="utf-8"?>
 <p:sld xmlns:a="http://schemas.openxmlformats.org/drawingml/2006/main" xmlns:r="http://schemas.openxmlformats.org/officeDocument/2006/relationships" xmlns:p="http://schemas.openxmlformats.org/presentationml/2006/main">
   <p:cSld>
     <p:spTree>
@@ -10333,7 +11621,7 @@
         </p:nvSpPr>
         <p:spPr>
           <a:xfrm>
-            <a:off x="152400" y="702912"/>
+            <a:off x="0" y="503193"/>
             <a:ext cx="7637284" cy="3139321"/>
           </a:xfrm>
           <a:prstGeom prst="rect">
@@ -10565,8 +11853,8 @@
           </a:p>
         </p:txBody>
       </p:sp>
-      <mc:AlternateContent xmlns:mc="http://schemas.openxmlformats.org/markup-compatibility/2006">
-        <mc:Choice xmlns:a14="http://schemas.microsoft.com/office/drawing/2010/main" Requires="a14">
+      <mc:AlternateContent xmlns:mc="http://schemas.openxmlformats.org/markup-compatibility/2006" xmlns:a14="http://schemas.microsoft.com/office/drawing/2010/main">
+        <mc:Choice Requires="a14">
           <p:sp>
             <p:nvSpPr>
               <p:cNvPr id="11" name="TextBox 10">
@@ -10581,7 +11869,7 @@
             </p:nvSpPr>
             <p:spPr>
               <a:xfrm>
-                <a:off x="1152868" y="2078597"/>
+                <a:off x="695703" y="1795049"/>
                 <a:ext cx="1608902" cy="612668"/>
               </a:xfrm>
               <a:prstGeom prst="rect">
@@ -10830,7 +12118,7 @@
             </p:txBody>
           </p:sp>
         </mc:Choice>
-        <mc:Fallback>
+        <mc:Fallback xmlns="">
           <p:sp>
             <p:nvSpPr>
               <p:cNvPr id="11" name="TextBox 10">
@@ -10847,16 +12135,2105 @@
             </p:nvSpPr>
             <p:spPr>
               <a:xfrm>
-                <a:off x="1152868" y="2078597"/>
+                <a:off x="695703" y="1795049"/>
                 <a:ext cx="1608902" cy="612668"/>
               </a:xfrm>
               <a:prstGeom prst="rect">
                 <a:avLst/>
               </a:prstGeom>
               <a:blipFill>
-                <a:blip r:embed="rId2"/>
+                <a:blip r:embed="rId3"/>
                 <a:stretch>
-                  <a:fillRect l="-781" r="-781" b="-14286"/>
+                  <a:fillRect l="-781" t="-2041" r="-781" b="-14286"/>
+                </a:stretch>
+              </a:blipFill>
+            </p:spPr>
+            <p:txBody>
+              <a:bodyPr/>
+              <a:lstStyle/>
+              <a:p>
+                <a:r>
+                  <a:rPr lang="en-US">
+                    <a:noFill/>
+                  </a:rPr>
+                  <a:t> </a:t>
+                </a:r>
+              </a:p>
+            </p:txBody>
+          </p:sp>
+        </mc:Fallback>
+      </mc:AlternateContent>
+      <p:graphicFrame>
+        <p:nvGraphicFramePr>
+          <p:cNvPr id="13" name="Table 5">
+            <a:extLst>
+              <a:ext uri="{FF2B5EF4-FFF2-40B4-BE49-F238E27FC236}">
+                <a16:creationId xmlns:a16="http://schemas.microsoft.com/office/drawing/2014/main" id="{B229BCC3-E07F-0244-85A7-540A3C91FADD}"/>
+              </a:ext>
+            </a:extLst>
+          </p:cNvPr>
+          <p:cNvGraphicFramePr>
+            <a:graphicFrameLocks noGrp="1"/>
+          </p:cNvGraphicFramePr>
+          <p:nvPr>
+            <p:extLst>
+              <p:ext uri="{D42A27DB-BD31-4B8C-83A1-F6EECF244321}">
+                <p14:modId xmlns:p14="http://schemas.microsoft.com/office/powerpoint/2010/main" val="3873566100"/>
+              </p:ext>
+            </p:extLst>
+          </p:nvPr>
+        </p:nvGraphicFramePr>
+        <p:xfrm>
+          <a:off x="5859645" y="1580353"/>
+          <a:ext cx="6332355" cy="1654728"/>
+        </p:xfrm>
+        <a:graphic>
+          <a:graphicData uri="http://schemas.openxmlformats.org/drawingml/2006/table">
+            <a:tbl>
+              <a:tblPr firstRow="1" bandRow="1">
+                <a:tableStyleId>{5C22544A-7EE6-4342-B048-85BDC9FD1C3A}</a:tableStyleId>
+              </a:tblPr>
+              <a:tblGrid>
+                <a:gridCol w="2110785">
+                  <a:extLst>
+                    <a:ext uri="{9D8B030D-6E8A-4147-A177-3AD203B41FA5}">
+                      <a16:colId xmlns:a16="http://schemas.microsoft.com/office/drawing/2014/main" val="3500012502"/>
+                    </a:ext>
+                  </a:extLst>
+                </a:gridCol>
+                <a:gridCol w="2110785">
+                  <a:extLst>
+                    <a:ext uri="{9D8B030D-6E8A-4147-A177-3AD203B41FA5}">
+                      <a16:colId xmlns:a16="http://schemas.microsoft.com/office/drawing/2014/main" val="260473047"/>
+                    </a:ext>
+                  </a:extLst>
+                </a:gridCol>
+                <a:gridCol w="2110785">
+                  <a:extLst>
+                    <a:ext uri="{9D8B030D-6E8A-4147-A177-3AD203B41FA5}">
+                      <a16:colId xmlns:a16="http://schemas.microsoft.com/office/drawing/2014/main" val="785468259"/>
+                    </a:ext>
+                  </a:extLst>
+                </a:gridCol>
+              </a:tblGrid>
+              <a:tr h="413682">
+                <a:tc>
+                  <a:txBody>
+                    <a:bodyPr/>
+                    <a:lstStyle/>
+                    <a:p>
+                      <a:pPr algn="ctr"/>
+                      <a:r>
+                        <a:rPr lang="en-US" dirty="0"/>
+                        <a:t>statistic</a:t>
+                      </a:r>
+                    </a:p>
+                  </a:txBody>
+                  <a:tcPr/>
+                </a:tc>
+                <a:tc>
+                  <a:txBody>
+                    <a:bodyPr/>
+                    <a:lstStyle/>
+                    <a:p>
+                      <a:pPr algn="ctr"/>
+                      <a:r>
+                        <a:rPr lang="en-US" dirty="0" err="1"/>
+                        <a:t>tau_reported</a:t>
+                      </a:r>
+                      <a:endParaRPr lang="en-US" dirty="0"/>
+                    </a:p>
+                  </a:txBody>
+                  <a:tcPr/>
+                </a:tc>
+                <a:tc>
+                  <a:txBody>
+                    <a:bodyPr/>
+                    <a:lstStyle/>
+                    <a:p>
+                      <a:pPr algn="ctr"/>
+                      <a:r>
+                        <a:rPr lang="en-US" dirty="0" err="1"/>
+                        <a:t>tau_multiplicative</a:t>
+                      </a:r>
+                      <a:endParaRPr lang="en-US" dirty="0"/>
+                    </a:p>
+                  </a:txBody>
+                  <a:tcPr/>
+                </a:tc>
+                <a:extLst>
+                  <a:ext uri="{0D108BD9-81ED-4DB2-BD59-A6C34878D82A}">
+                    <a16:rowId xmlns:a16="http://schemas.microsoft.com/office/drawing/2014/main" val="2058219579"/>
+                  </a:ext>
+                </a:extLst>
+              </a:tr>
+              <a:tr h="413682">
+                <a:tc>
+                  <a:txBody>
+                    <a:bodyPr/>
+                    <a:lstStyle/>
+                    <a:p>
+                      <a:pPr algn="ctr"/>
+                      <a:r>
+                        <a:rPr lang="en-US" b="1" dirty="0"/>
+                        <a:t>mean</a:t>
+                      </a:r>
+                    </a:p>
+                  </a:txBody>
+                  <a:tcPr/>
+                </a:tc>
+                <a:tc>
+                  <a:txBody>
+                    <a:bodyPr/>
+                    <a:lstStyle/>
+                    <a:p>
+                      <a:pPr algn="ctr"/>
+                      <a:r>
+                        <a:rPr lang="en-US" sz="1800" b="0" i="0" kern="1200" dirty="0">
+                          <a:solidFill>
+                            <a:schemeClr val="dk1"/>
+                          </a:solidFill>
+                          <a:effectLst/>
+                          <a:latin typeface="+mn-lt"/>
+                          <a:ea typeface="+mn-ea"/>
+                          <a:cs typeface="+mn-cs"/>
+                        </a:rPr>
+                        <a:t>0.0044771370</a:t>
+                      </a:r>
+                      <a:endParaRPr lang="en-US" dirty="0"/>
+                    </a:p>
+                  </a:txBody>
+                  <a:tcPr/>
+                </a:tc>
+                <a:tc>
+                  <a:txBody>
+                    <a:bodyPr/>
+                    <a:lstStyle/>
+                    <a:p>
+                      <a:pPr algn="ctr"/>
+                      <a:r>
+                        <a:rPr lang="en-US" sz="1800" b="0" i="0" kern="1200" dirty="0">
+                          <a:solidFill>
+                            <a:schemeClr val="dk1"/>
+                          </a:solidFill>
+                          <a:effectLst/>
+                          <a:latin typeface="+mn-lt"/>
+                          <a:ea typeface="+mn-ea"/>
+                          <a:cs typeface="+mn-cs"/>
+                        </a:rPr>
+                        <a:t>1.0127539478</a:t>
+                      </a:r>
+                      <a:endParaRPr lang="en-US" dirty="0"/>
+                    </a:p>
+                  </a:txBody>
+                  <a:tcPr/>
+                </a:tc>
+                <a:extLst>
+                  <a:ext uri="{0D108BD9-81ED-4DB2-BD59-A6C34878D82A}">
+                    <a16:rowId xmlns:a16="http://schemas.microsoft.com/office/drawing/2014/main" val="125614809"/>
+                  </a:ext>
+                </a:extLst>
+              </a:tr>
+              <a:tr h="413682">
+                <a:tc>
+                  <a:txBody>
+                    <a:bodyPr/>
+                    <a:lstStyle/>
+                    <a:p>
+                      <a:pPr algn="ctr"/>
+                      <a:r>
+                        <a:rPr lang="en-US" b="1" dirty="0"/>
+                        <a:t>median</a:t>
+                      </a:r>
+                    </a:p>
+                  </a:txBody>
+                  <a:tcPr/>
+                </a:tc>
+                <a:tc>
+                  <a:txBody>
+                    <a:bodyPr/>
+                    <a:lstStyle/>
+                    <a:p>
+                      <a:pPr algn="ctr"/>
+                      <a:r>
+                        <a:rPr lang="en-US" sz="1800" b="0" i="0" kern="1200" dirty="0">
+                          <a:solidFill>
+                            <a:schemeClr val="dk1"/>
+                          </a:solidFill>
+                          <a:effectLst/>
+                          <a:latin typeface="+mn-lt"/>
+                          <a:ea typeface="+mn-ea"/>
+                          <a:cs typeface="+mn-cs"/>
+                        </a:rPr>
+                        <a:t>0.003783500000</a:t>
+                      </a:r>
+                      <a:endParaRPr lang="en-US" dirty="0"/>
+                    </a:p>
+                  </a:txBody>
+                  <a:tcPr/>
+                </a:tc>
+                <a:tc>
+                  <a:txBody>
+                    <a:bodyPr/>
+                    <a:lstStyle/>
+                    <a:p>
+                      <a:pPr algn="ctr"/>
+                      <a:r>
+                        <a:rPr lang="en-US" sz="1800" b="0" i="0" kern="1200" dirty="0">
+                          <a:solidFill>
+                            <a:schemeClr val="dk1"/>
+                          </a:solidFill>
+                          <a:effectLst/>
+                          <a:latin typeface="+mn-lt"/>
+                          <a:ea typeface="+mn-ea"/>
+                          <a:cs typeface="+mn-cs"/>
+                        </a:rPr>
+                        <a:t>1.0045042116</a:t>
+                      </a:r>
+                      <a:endParaRPr lang="en-US" dirty="0"/>
+                    </a:p>
+                  </a:txBody>
+                  <a:tcPr/>
+                </a:tc>
+                <a:extLst>
+                  <a:ext uri="{0D108BD9-81ED-4DB2-BD59-A6C34878D82A}">
+                    <a16:rowId xmlns:a16="http://schemas.microsoft.com/office/drawing/2014/main" val="1350235585"/>
+                  </a:ext>
+                </a:extLst>
+              </a:tr>
+              <a:tr h="413682">
+                <a:tc>
+                  <a:txBody>
+                    <a:bodyPr/>
+                    <a:lstStyle/>
+                    <a:p>
+                      <a:pPr algn="ctr"/>
+                      <a:r>
+                        <a:rPr lang="en-US" b="1" dirty="0"/>
+                        <a:t>std</a:t>
+                      </a:r>
+                    </a:p>
+                  </a:txBody>
+                  <a:tcPr/>
+                </a:tc>
+                <a:tc>
+                  <a:txBody>
+                    <a:bodyPr/>
+                    <a:lstStyle/>
+                    <a:p>
+                      <a:pPr algn="ctr"/>
+                      <a:r>
+                        <a:rPr lang="en-US" sz="1800" b="0" i="0" kern="1200" dirty="0">
+                          <a:solidFill>
+                            <a:schemeClr val="dk1"/>
+                          </a:solidFill>
+                          <a:effectLst/>
+                          <a:latin typeface="+mn-lt"/>
+                          <a:ea typeface="+mn-ea"/>
+                          <a:cs typeface="+mn-cs"/>
+                        </a:rPr>
+                        <a:t>0.05943114514</a:t>
+                      </a:r>
+                      <a:endParaRPr lang="en-US" dirty="0"/>
+                    </a:p>
+                  </a:txBody>
+                  <a:tcPr/>
+                </a:tc>
+                <a:tc>
+                  <a:txBody>
+                    <a:bodyPr/>
+                    <a:lstStyle/>
+                    <a:p>
+                      <a:pPr algn="ctr"/>
+                      <a:r>
+                        <a:rPr lang="en-US" sz="1800" b="0" i="0" kern="1200" dirty="0">
+                          <a:solidFill>
+                            <a:schemeClr val="dk1"/>
+                          </a:solidFill>
+                          <a:effectLst/>
+                          <a:latin typeface="+mn-lt"/>
+                          <a:ea typeface="+mn-ea"/>
+                          <a:cs typeface="+mn-cs"/>
+                        </a:rPr>
+                        <a:t>0.4070305624</a:t>
+                      </a:r>
+                      <a:endParaRPr lang="en-US" dirty="0"/>
+                    </a:p>
+                  </a:txBody>
+                  <a:tcPr/>
+                </a:tc>
+                <a:extLst>
+                  <a:ext uri="{0D108BD9-81ED-4DB2-BD59-A6C34878D82A}">
+                    <a16:rowId xmlns:a16="http://schemas.microsoft.com/office/drawing/2014/main" val="236949927"/>
+                  </a:ext>
+                </a:extLst>
+              </a:tr>
+            </a:tbl>
+          </a:graphicData>
+        </a:graphic>
+      </p:graphicFrame>
+      <p:sp>
+        <p:nvSpPr>
+          <p:cNvPr id="5" name="TextBox 4">
+            <a:extLst>
+              <a:ext uri="{FF2B5EF4-FFF2-40B4-BE49-F238E27FC236}">
+                <a16:creationId xmlns:a16="http://schemas.microsoft.com/office/drawing/2014/main" id="{F26DFD03-12B4-093B-5868-DFE0E7A9A6A6}"/>
+              </a:ext>
+            </a:extLst>
+          </p:cNvPr>
+          <p:cNvSpPr txBox="1"/>
+          <p:nvPr/>
+        </p:nvSpPr>
+        <p:spPr>
+          <a:xfrm>
+            <a:off x="431205" y="4685153"/>
+            <a:ext cx="2002984" cy="369332"/>
+          </a:xfrm>
+          <a:prstGeom prst="rect">
+            <a:avLst/>
+          </a:prstGeom>
+          <a:noFill/>
+        </p:spPr>
+        <p:txBody>
+          <a:bodyPr wrap="none" rtlCol="0">
+            <a:spAutoFit/>
+          </a:bodyPr>
+          <a:lstStyle/>
+          <a:p>
+            <a:r>
+              <a:rPr lang="en-US" dirty="0" err="1"/>
+              <a:t>pearson</a:t>
+            </a:r>
+            <a:r>
+              <a:rPr lang="en-US" dirty="0"/>
+              <a:t> </a:t>
+            </a:r>
+            <a:r>
+              <a:rPr lang="en-US" dirty="0" err="1"/>
+              <a:t>corr</a:t>
+            </a:r>
+            <a:r>
+              <a:rPr lang="en-US" dirty="0"/>
+              <a:t> = 0.24</a:t>
+            </a:r>
+          </a:p>
+        </p:txBody>
+      </p:sp>
+      <p:pic>
+        <p:nvPicPr>
+          <p:cNvPr id="6" name="Picture 5">
+            <a:extLst>
+              <a:ext uri="{FF2B5EF4-FFF2-40B4-BE49-F238E27FC236}">
+                <a16:creationId xmlns:a16="http://schemas.microsoft.com/office/drawing/2014/main" id="{1FB0230A-CAC9-47A5-ECDD-DC0B36539CF4}"/>
+              </a:ext>
+            </a:extLst>
+          </p:cNvPr>
+          <p:cNvPicPr>
+            <a:picLocks noChangeAspect="1"/>
+          </p:cNvPicPr>
+          <p:nvPr/>
+        </p:nvPicPr>
+        <p:blipFill>
+          <a:blip r:embed="rId4"/>
+          <a:stretch>
+            <a:fillRect/>
+          </a:stretch>
+        </p:blipFill>
+        <p:spPr>
+          <a:xfrm>
+            <a:off x="4267200" y="3617230"/>
+            <a:ext cx="7924800" cy="2874509"/>
+          </a:xfrm>
+          <a:prstGeom prst="rect">
+            <a:avLst/>
+          </a:prstGeom>
+        </p:spPr>
+      </p:pic>
+      <p:sp>
+        <p:nvSpPr>
+          <p:cNvPr id="8" name="TextBox 7">
+            <a:extLst>
+              <a:ext uri="{FF2B5EF4-FFF2-40B4-BE49-F238E27FC236}">
+                <a16:creationId xmlns:a16="http://schemas.microsoft.com/office/drawing/2014/main" id="{FF28902E-0781-DE6B-274A-6AF767F3CFA8}"/>
+              </a:ext>
+            </a:extLst>
+          </p:cNvPr>
+          <p:cNvSpPr txBox="1"/>
+          <p:nvPr/>
+        </p:nvSpPr>
+        <p:spPr>
+          <a:xfrm>
+            <a:off x="4439478" y="6463408"/>
+            <a:ext cx="3622145" cy="369332"/>
+          </a:xfrm>
+          <a:prstGeom prst="rect">
+            <a:avLst/>
+          </a:prstGeom>
+          <a:noFill/>
+        </p:spPr>
+        <p:txBody>
+          <a:bodyPr wrap="none" rtlCol="0">
+            <a:spAutoFit/>
+          </a:bodyPr>
+          <a:lstStyle/>
+          <a:p>
+            <a:r>
+              <a:rPr lang="en-US" dirty="0"/>
+              <a:t>note: log axis, reported shifted by +1</a:t>
+            </a:r>
+          </a:p>
+        </p:txBody>
+      </p:sp>
+    </p:spTree>
+    <p:extLst>
+      <p:ext uri="{BB962C8B-B14F-4D97-AF65-F5344CB8AC3E}">
+        <p14:creationId xmlns:p14="http://schemas.microsoft.com/office/powerpoint/2010/main" val="2365913692"/>
+      </p:ext>
+    </p:extLst>
+  </p:cSld>
+  <p:clrMapOvr>
+    <a:masterClrMapping/>
+  </p:clrMapOvr>
+</p:sld>
+</file>
+
+<file path=ppt/slides/slide22.xml><?xml version="1.0" encoding="utf-8"?>
+<p:sld xmlns:a="http://schemas.openxmlformats.org/drawingml/2006/main" xmlns:r="http://schemas.openxmlformats.org/officeDocument/2006/relationships" xmlns:p="http://schemas.openxmlformats.org/presentationml/2006/main">
+  <p:cSld>
+    <p:spTree>
+      <p:nvGrpSpPr>
+        <p:cNvPr id="1" name=""/>
+        <p:cNvGrpSpPr/>
+        <p:nvPr/>
+      </p:nvGrpSpPr>
+      <p:grpSpPr>
+        <a:xfrm>
+          <a:off x="0" y="0"/>
+          <a:ext cx="0" cy="0"/>
+          <a:chOff x="0" y="0"/>
+          <a:chExt cx="0" cy="0"/>
+        </a:xfrm>
+      </p:grpSpPr>
+      <p:sp>
+        <p:nvSpPr>
+          <p:cNvPr id="2" name="Title 1">
+            <a:extLst>
+              <a:ext uri="{FF2B5EF4-FFF2-40B4-BE49-F238E27FC236}">
+                <a16:creationId xmlns:a16="http://schemas.microsoft.com/office/drawing/2014/main" id="{EA343A09-BA3C-D1CA-437B-06BE6DA6C46C}"/>
+              </a:ext>
+            </a:extLst>
+          </p:cNvPr>
+          <p:cNvSpPr>
+            <a:spLocks noGrp="1"/>
+          </p:cNvSpPr>
+          <p:nvPr>
+            <p:ph type="ctrTitle"/>
+          </p:nvPr>
+        </p:nvSpPr>
+        <p:spPr/>
+        <p:txBody>
+          <a:bodyPr/>
+          <a:lstStyle/>
+          <a:p>
+            <a:r>
+              <a:rPr lang="en-US" dirty="0"/>
+              <a:t>7/6/2022 update</a:t>
+            </a:r>
+          </a:p>
+        </p:txBody>
+      </p:sp>
+    </p:spTree>
+    <p:extLst>
+      <p:ext uri="{BB962C8B-B14F-4D97-AF65-F5344CB8AC3E}">
+        <p14:creationId xmlns:p14="http://schemas.microsoft.com/office/powerpoint/2010/main" val="3552589713"/>
+      </p:ext>
+    </p:extLst>
+  </p:cSld>
+  <p:clrMapOvr>
+    <a:masterClrMapping/>
+  </p:clrMapOvr>
+</p:sld>
+</file>
+
+<file path=ppt/slides/slide23.xml><?xml version="1.0" encoding="utf-8"?>
+<p:sld xmlns:a="http://schemas.openxmlformats.org/drawingml/2006/main" xmlns:r="http://schemas.openxmlformats.org/officeDocument/2006/relationships" xmlns:p="http://schemas.openxmlformats.org/presentationml/2006/main">
+  <p:cSld>
+    <p:spTree>
+      <p:nvGrpSpPr>
+        <p:cNvPr id="1" name=""/>
+        <p:cNvGrpSpPr/>
+        <p:nvPr/>
+      </p:nvGrpSpPr>
+      <p:grpSpPr>
+        <a:xfrm>
+          <a:off x="0" y="0"/>
+          <a:ext cx="0" cy="0"/>
+          <a:chOff x="0" y="0"/>
+          <a:chExt cx="0" cy="0"/>
+        </a:xfrm>
+      </p:grpSpPr>
+      <p:sp>
+        <p:nvSpPr>
+          <p:cNvPr id="4" name="TextBox 3">
+            <a:extLst>
+              <a:ext uri="{FF2B5EF4-FFF2-40B4-BE49-F238E27FC236}">
+                <a16:creationId xmlns:a16="http://schemas.microsoft.com/office/drawing/2014/main" id="{8705793F-C516-3488-1D0E-3209D8943ABF}"/>
+              </a:ext>
+            </a:extLst>
+          </p:cNvPr>
+          <p:cNvSpPr txBox="1"/>
+          <p:nvPr/>
+        </p:nvSpPr>
+        <p:spPr>
+          <a:xfrm>
+            <a:off x="0" y="23673"/>
+            <a:ext cx="3000309" cy="523220"/>
+          </a:xfrm>
+          <a:prstGeom prst="rect">
+            <a:avLst/>
+          </a:prstGeom>
+          <a:noFill/>
+        </p:spPr>
+        <p:txBody>
+          <a:bodyPr wrap="none" rtlCol="0">
+            <a:spAutoFit/>
+          </a:bodyPr>
+          <a:lstStyle/>
+          <a:p>
+            <a:r>
+              <a:rPr lang="en-US" sz="2800" dirty="0" err="1"/>
+              <a:t>Kuzmin</a:t>
+            </a:r>
+            <a:r>
+              <a:rPr lang="en-US" sz="2800" dirty="0"/>
+              <a:t> 2020 paper</a:t>
+            </a:r>
+          </a:p>
+        </p:txBody>
+      </p:sp>
+      <mc:AlternateContent xmlns:mc="http://schemas.openxmlformats.org/markup-compatibility/2006">
+        <mc:Choice xmlns:a14="http://schemas.microsoft.com/office/drawing/2010/main" Requires="a14">
+          <p:sp>
+            <p:nvSpPr>
+              <p:cNvPr id="9" name="TextBox 8">
+                <a:extLst>
+                  <a:ext uri="{FF2B5EF4-FFF2-40B4-BE49-F238E27FC236}">
+                    <a16:creationId xmlns:a16="http://schemas.microsoft.com/office/drawing/2014/main" id="{19E450BA-0404-A8A6-ECAB-93CD6A4FAE67}"/>
+                  </a:ext>
+                </a:extLst>
+              </p:cNvPr>
+              <p:cNvSpPr txBox="1"/>
+              <p:nvPr/>
+            </p:nvSpPr>
+            <p:spPr>
+              <a:xfrm>
+                <a:off x="655983" y="2075601"/>
+                <a:ext cx="4330223" cy="299313"/>
+              </a:xfrm>
+              <a:prstGeom prst="rect">
+                <a:avLst/>
+              </a:prstGeom>
+              <a:noFill/>
+            </p:spPr>
+            <p:txBody>
+              <a:bodyPr wrap="none" lIns="0" tIns="0" rIns="0" bIns="0" rtlCol="0">
+                <a:spAutoFit/>
+              </a:bodyPr>
+              <a:lstStyle/>
+              <a:p>
+                <a:pPr/>
+                <a14:m>
+                  <m:oMathPara xmlns:m="http://schemas.openxmlformats.org/officeDocument/2006/math">
+                    <m:oMathParaPr>
+                      <m:jc m:val="centerGroup"/>
+                    </m:oMathParaPr>
+                    <m:oMath xmlns:m="http://schemas.openxmlformats.org/officeDocument/2006/math">
+                      <m:sSub>
+                        <m:sSubPr>
+                          <m:ctrlPr>
+                            <a:rPr lang="en-US" i="1" smtClean="0">
+                              <a:latin typeface="Cambria Math" panose="02040503050406030204" pitchFamily="18" charset="0"/>
+                            </a:rPr>
+                          </m:ctrlPr>
+                        </m:sSubPr>
+                        <m:e>
+                          <m:r>
+                            <a:rPr lang="en-US" i="1" smtClean="0">
+                              <a:latin typeface="Cambria Math" panose="02040503050406030204" pitchFamily="18" charset="0"/>
+                              <a:ea typeface="Cambria Math" panose="02040503050406030204" pitchFamily="18" charset="0"/>
+                            </a:rPr>
+                            <m:t>𝜏</m:t>
+                          </m:r>
+                        </m:e>
+                        <m:sub>
+                          <m:r>
+                            <a:rPr lang="en-US" b="0" i="1" smtClean="0">
+                              <a:latin typeface="Cambria Math" panose="02040503050406030204" pitchFamily="18" charset="0"/>
+                            </a:rPr>
+                            <m:t>𝑖𝑗𝑘</m:t>
+                          </m:r>
+                        </m:sub>
+                      </m:sSub>
+                      <m:r>
+                        <a:rPr lang="en-US" b="0" i="1" smtClean="0">
+                          <a:latin typeface="Cambria Math" panose="02040503050406030204" pitchFamily="18" charset="0"/>
+                        </a:rPr>
+                        <m:t> </m:t>
+                      </m:r>
+                      <m:r>
+                        <a:rPr lang="en-US" i="1" smtClean="0">
+                          <a:solidFill>
+                            <a:schemeClr val="tx1"/>
+                          </a:solidFill>
+                          <a:latin typeface="Cambria Math" panose="02040503050406030204" pitchFamily="18" charset="0"/>
+                        </a:rPr>
+                        <m:t>=</m:t>
+                      </m:r>
+                      <m:sSub>
+                        <m:sSubPr>
+                          <m:ctrlPr>
+                            <a:rPr lang="en-US" b="0" i="1" smtClean="0">
+                              <a:latin typeface="Cambria Math" panose="02040503050406030204" pitchFamily="18" charset="0"/>
+                            </a:rPr>
+                          </m:ctrlPr>
+                        </m:sSubPr>
+                        <m:e>
+                          <m:sSub>
+                            <m:sSubPr>
+                              <m:ctrlPr>
+                                <a:rPr lang="en-US" i="1">
+                                  <a:latin typeface="Cambria Math" panose="02040503050406030204" pitchFamily="18" charset="0"/>
+                                </a:rPr>
+                              </m:ctrlPr>
+                            </m:sSubPr>
+                            <m:e>
+                              <m:r>
+                                <a:rPr lang="en-US" i="1">
+                                  <a:latin typeface="Cambria Math" panose="02040503050406030204" pitchFamily="18" charset="0"/>
+                                </a:rPr>
+                                <m:t>𝑓</m:t>
+                              </m:r>
+                            </m:e>
+                            <m:sub>
+                              <m:r>
+                                <a:rPr lang="en-US" i="1">
+                                  <a:latin typeface="Cambria Math" panose="02040503050406030204" pitchFamily="18" charset="0"/>
+                                </a:rPr>
+                                <m:t>𝑖𝑗𝑘</m:t>
+                              </m:r>
+                            </m:sub>
+                          </m:sSub>
+                          <m:r>
+                            <a:rPr lang="en-US" b="0" i="1" smtClean="0">
+                              <a:latin typeface="Cambria Math" panose="02040503050406030204" pitchFamily="18" charset="0"/>
+                            </a:rPr>
+                            <m:t>+</m:t>
+                          </m:r>
+                          <m:sSub>
+                            <m:sSubPr>
+                              <m:ctrlPr>
+                                <a:rPr lang="en-US" i="1">
+                                  <a:latin typeface="Cambria Math" panose="02040503050406030204" pitchFamily="18" charset="0"/>
+                                </a:rPr>
+                              </m:ctrlPr>
+                            </m:sSubPr>
+                            <m:e>
+                              <m:r>
+                                <a:rPr lang="en-US" b="0" i="1" smtClean="0">
+                                  <a:latin typeface="Cambria Math" panose="02040503050406030204" pitchFamily="18" charset="0"/>
+                                </a:rPr>
+                                <m:t>2</m:t>
+                              </m:r>
+                              <m:sSub>
+                                <m:sSubPr>
+                                  <m:ctrlPr>
+                                    <a:rPr lang="en-US" i="1">
+                                      <a:latin typeface="Cambria Math" panose="02040503050406030204" pitchFamily="18" charset="0"/>
+                                    </a:rPr>
+                                  </m:ctrlPr>
+                                </m:sSubPr>
+                                <m:e>
+                                  <m:r>
+                                    <a:rPr lang="en-US" i="1">
+                                      <a:latin typeface="Cambria Math" panose="02040503050406030204" pitchFamily="18" charset="0"/>
+                                    </a:rPr>
+                                    <m:t>𝑓</m:t>
+                                  </m:r>
+                                </m:e>
+                                <m:sub>
+                                  <m:r>
+                                    <a:rPr lang="en-US" i="1">
+                                      <a:latin typeface="Cambria Math" panose="02040503050406030204" pitchFamily="18" charset="0"/>
+                                    </a:rPr>
+                                    <m:t>𝑖</m:t>
+                                  </m:r>
+                                </m:sub>
+                              </m:sSub>
+                              <m:sSub>
+                                <m:sSubPr>
+                                  <m:ctrlPr>
+                                    <a:rPr lang="en-US" i="1">
+                                      <a:latin typeface="Cambria Math" panose="02040503050406030204" pitchFamily="18" charset="0"/>
+                                    </a:rPr>
+                                  </m:ctrlPr>
+                                </m:sSubPr>
+                                <m:e>
+                                  <m:r>
+                                    <a:rPr lang="en-US" i="1">
+                                      <a:latin typeface="Cambria Math" panose="02040503050406030204" pitchFamily="18" charset="0"/>
+                                    </a:rPr>
+                                    <m:t>𝑓</m:t>
+                                  </m:r>
+                                </m:e>
+                                <m:sub>
+                                  <m:r>
+                                    <a:rPr lang="en-US" b="0" i="1" smtClean="0">
+                                      <a:latin typeface="Cambria Math" panose="02040503050406030204" pitchFamily="18" charset="0"/>
+                                    </a:rPr>
+                                    <m:t>𝑗</m:t>
+                                  </m:r>
+                                </m:sub>
+                              </m:sSub>
+                              <m:sSub>
+                                <m:sSubPr>
+                                  <m:ctrlPr>
+                                    <a:rPr lang="en-US" i="1">
+                                      <a:latin typeface="Cambria Math" panose="02040503050406030204" pitchFamily="18" charset="0"/>
+                                    </a:rPr>
+                                  </m:ctrlPr>
+                                </m:sSubPr>
+                                <m:e>
+                                  <m:r>
+                                    <a:rPr lang="en-US" i="1">
+                                      <a:latin typeface="Cambria Math" panose="02040503050406030204" pitchFamily="18" charset="0"/>
+                                    </a:rPr>
+                                    <m:t>𝑓</m:t>
+                                  </m:r>
+                                </m:e>
+                                <m:sub>
+                                  <m:r>
+                                    <a:rPr lang="en-US" b="0" i="1" smtClean="0">
+                                      <a:latin typeface="Cambria Math" panose="02040503050406030204" pitchFamily="18" charset="0"/>
+                                    </a:rPr>
+                                    <m:t>𝑘</m:t>
+                                  </m:r>
+                                </m:sub>
+                              </m:sSub>
+                              <m:r>
+                                <a:rPr lang="en-US" b="0" i="1" smtClean="0">
+                                  <a:latin typeface="Cambria Math" panose="02040503050406030204" pitchFamily="18" charset="0"/>
+                                </a:rPr>
+                                <m:t>−  </m:t>
+                              </m:r>
+                              <m:r>
+                                <a:rPr lang="en-US" i="1">
+                                  <a:latin typeface="Cambria Math" panose="02040503050406030204" pitchFamily="18" charset="0"/>
+                                </a:rPr>
+                                <m:t>𝑓</m:t>
+                              </m:r>
+                            </m:e>
+                            <m:sub>
+                              <m:r>
+                                <a:rPr lang="en-US" i="1">
+                                  <a:latin typeface="Cambria Math" panose="02040503050406030204" pitchFamily="18" charset="0"/>
+                                </a:rPr>
+                                <m:t>𝑖𝑗</m:t>
+                              </m:r>
+                            </m:sub>
+                          </m:sSub>
+                          <m:sSub>
+                            <m:sSubPr>
+                              <m:ctrlPr>
+                                <a:rPr lang="en-US" i="1">
+                                  <a:latin typeface="Cambria Math" panose="02040503050406030204" pitchFamily="18" charset="0"/>
+                                </a:rPr>
+                              </m:ctrlPr>
+                            </m:sSubPr>
+                            <m:e>
+                              <m:r>
+                                <a:rPr lang="en-US" i="1">
+                                  <a:latin typeface="Cambria Math" panose="02040503050406030204" pitchFamily="18" charset="0"/>
+                                </a:rPr>
+                                <m:t>𝑓</m:t>
+                              </m:r>
+                            </m:e>
+                            <m:sub>
+                              <m:r>
+                                <a:rPr lang="en-US" i="1">
+                                  <a:latin typeface="Cambria Math" panose="02040503050406030204" pitchFamily="18" charset="0"/>
+                                </a:rPr>
+                                <m:t>𝑘</m:t>
+                              </m:r>
+                            </m:sub>
+                          </m:sSub>
+                          <m:r>
+                            <a:rPr lang="en-US" b="0" i="1" smtClean="0">
+                              <a:solidFill>
+                                <a:schemeClr val="tx1"/>
+                              </a:solidFill>
+                              <a:latin typeface="Cambria Math" panose="02040503050406030204" pitchFamily="18" charset="0"/>
+                            </a:rPr>
+                            <m:t>−</m:t>
+                          </m:r>
+                          <m:r>
+                            <a:rPr lang="en-US" b="0" i="1" smtClean="0">
+                              <a:solidFill>
+                                <a:schemeClr val="tx1"/>
+                              </a:solidFill>
+                              <a:latin typeface="Cambria Math" panose="02040503050406030204" pitchFamily="18" charset="0"/>
+                            </a:rPr>
+                            <m:t>𝑓</m:t>
+                          </m:r>
+                        </m:e>
+                        <m:sub>
+                          <m:r>
+                            <a:rPr lang="en-US" b="0" i="1" smtClean="0">
+                              <a:latin typeface="Cambria Math" panose="02040503050406030204" pitchFamily="18" charset="0"/>
+                            </a:rPr>
+                            <m:t>𝑖𝑘</m:t>
+                          </m:r>
+                        </m:sub>
+                      </m:sSub>
+                      <m:sSub>
+                        <m:sSubPr>
+                          <m:ctrlPr>
+                            <a:rPr lang="en-US" b="0" i="1" smtClean="0">
+                              <a:latin typeface="Cambria Math" panose="02040503050406030204" pitchFamily="18" charset="0"/>
+                            </a:rPr>
+                          </m:ctrlPr>
+                        </m:sSubPr>
+                        <m:e>
+                          <m:r>
+                            <a:rPr lang="en-US" b="0" i="1" smtClean="0">
+                              <a:latin typeface="Cambria Math" panose="02040503050406030204" pitchFamily="18" charset="0"/>
+                            </a:rPr>
+                            <m:t>𝑓</m:t>
+                          </m:r>
+                        </m:e>
+                        <m:sub>
+                          <m:r>
+                            <a:rPr lang="en-US" b="0" i="1" smtClean="0">
+                              <a:latin typeface="Cambria Math" panose="02040503050406030204" pitchFamily="18" charset="0"/>
+                            </a:rPr>
+                            <m:t>𝑗</m:t>
+                          </m:r>
+                        </m:sub>
+                      </m:sSub>
+                      <m:r>
+                        <a:rPr lang="en-US" b="0" i="1" smtClean="0">
+                          <a:latin typeface="Cambria Math" panose="02040503050406030204" pitchFamily="18" charset="0"/>
+                        </a:rPr>
+                        <m:t>−</m:t>
+                      </m:r>
+                      <m:sSub>
+                        <m:sSubPr>
+                          <m:ctrlPr>
+                            <a:rPr lang="en-US" b="0" i="1" smtClean="0">
+                              <a:latin typeface="Cambria Math" panose="02040503050406030204" pitchFamily="18" charset="0"/>
+                            </a:rPr>
+                          </m:ctrlPr>
+                        </m:sSubPr>
+                        <m:e>
+                          <m:r>
+                            <a:rPr lang="en-US" b="0" i="1" smtClean="0">
+                              <a:latin typeface="Cambria Math" panose="02040503050406030204" pitchFamily="18" charset="0"/>
+                            </a:rPr>
+                            <m:t>𝑓</m:t>
+                          </m:r>
+                        </m:e>
+                        <m:sub>
+                          <m:r>
+                            <a:rPr lang="en-US" b="0" i="1" smtClean="0">
+                              <a:latin typeface="Cambria Math" panose="02040503050406030204" pitchFamily="18" charset="0"/>
+                            </a:rPr>
+                            <m:t>𝑗𝑘</m:t>
+                          </m:r>
+                        </m:sub>
+                      </m:sSub>
+                      <m:sSub>
+                        <m:sSubPr>
+                          <m:ctrlPr>
+                            <a:rPr lang="en-US" b="0" i="1" smtClean="0">
+                              <a:latin typeface="Cambria Math" panose="02040503050406030204" pitchFamily="18" charset="0"/>
+                            </a:rPr>
+                          </m:ctrlPr>
+                        </m:sSubPr>
+                        <m:e>
+                          <m:r>
+                            <a:rPr lang="en-US" b="0" i="1" smtClean="0">
+                              <a:latin typeface="Cambria Math" panose="02040503050406030204" pitchFamily="18" charset="0"/>
+                            </a:rPr>
+                            <m:t>𝑓</m:t>
+                          </m:r>
+                        </m:e>
+                        <m:sub>
+                          <m:r>
+                            <a:rPr lang="en-US" b="0" i="1" smtClean="0">
+                              <a:latin typeface="Cambria Math" panose="02040503050406030204" pitchFamily="18" charset="0"/>
+                            </a:rPr>
+                            <m:t>𝑖</m:t>
+                          </m:r>
+                        </m:sub>
+                      </m:sSub>
+                    </m:oMath>
+                  </m:oMathPara>
+                </a14:m>
+                <a:endParaRPr lang="en-US" dirty="0">
+                  <a:solidFill>
+                    <a:schemeClr val="tx1"/>
+                  </a:solidFill>
+                </a:endParaRPr>
+              </a:p>
+            </p:txBody>
+          </p:sp>
+        </mc:Choice>
+        <mc:Fallback>
+          <p:sp>
+            <p:nvSpPr>
+              <p:cNvPr id="9" name="TextBox 8">
+                <a:extLst>
+                  <a:ext uri="{FF2B5EF4-FFF2-40B4-BE49-F238E27FC236}">
+                    <a16:creationId xmlns:a16="http://schemas.microsoft.com/office/drawing/2014/main" id="{19E450BA-0404-A8A6-ECAB-93CD6A4FAE67}"/>
+                  </a:ext>
+                </a:extLst>
+              </p:cNvPr>
+              <p:cNvSpPr txBox="1">
+                <a:spLocks noRot="1" noChangeAspect="1" noMove="1" noResize="1" noEditPoints="1" noAdjustHandles="1" noChangeArrowheads="1" noChangeShapeType="1" noTextEdit="1"/>
+              </p:cNvSpPr>
+              <p:nvPr/>
+            </p:nvSpPr>
+            <p:spPr>
+              <a:xfrm>
+                <a:off x="655983" y="2075601"/>
+                <a:ext cx="4330223" cy="299313"/>
+              </a:xfrm>
+              <a:prstGeom prst="rect">
+                <a:avLst/>
+              </a:prstGeom>
+              <a:blipFill>
+                <a:blip r:embed="rId3"/>
+                <a:stretch>
+                  <a:fillRect l="-292" t="-8000" r="-585" b="-24000"/>
+                </a:stretch>
+              </a:blipFill>
+            </p:spPr>
+            <p:txBody>
+              <a:bodyPr/>
+              <a:lstStyle/>
+              <a:p>
+                <a:r>
+                  <a:rPr lang="en-US">
+                    <a:noFill/>
+                  </a:rPr>
+                  <a:t> </a:t>
+                </a:r>
+              </a:p>
+            </p:txBody>
+          </p:sp>
+        </mc:Fallback>
+      </mc:AlternateContent>
+      <p:sp>
+        <p:nvSpPr>
+          <p:cNvPr id="2" name="TextBox 1">
+            <a:extLst>
+              <a:ext uri="{FF2B5EF4-FFF2-40B4-BE49-F238E27FC236}">
+                <a16:creationId xmlns:a16="http://schemas.microsoft.com/office/drawing/2014/main" id="{F6964AA2-DF7C-EF9A-B69C-FDE3617A69A9}"/>
+              </a:ext>
+            </a:extLst>
+          </p:cNvPr>
+          <p:cNvSpPr txBox="1"/>
+          <p:nvPr/>
+        </p:nvSpPr>
+        <p:spPr>
+          <a:xfrm>
+            <a:off x="0" y="1634957"/>
+            <a:ext cx="3146182" cy="369332"/>
+          </a:xfrm>
+          <a:prstGeom prst="rect">
+            <a:avLst/>
+          </a:prstGeom>
+          <a:noFill/>
+        </p:spPr>
+        <p:txBody>
+          <a:bodyPr wrap="none" rtlCol="0">
+            <a:spAutoFit/>
+          </a:bodyPr>
+          <a:lstStyle/>
+          <a:p>
+            <a:r>
+              <a:rPr lang="en-US" dirty="0"/>
+              <a:t>using cumulant formula instead</a:t>
+            </a:r>
+          </a:p>
+        </p:txBody>
+      </p:sp>
+      <p:pic>
+        <p:nvPicPr>
+          <p:cNvPr id="3" name="Picture 2">
+            <a:extLst>
+              <a:ext uri="{FF2B5EF4-FFF2-40B4-BE49-F238E27FC236}">
+                <a16:creationId xmlns:a16="http://schemas.microsoft.com/office/drawing/2014/main" id="{178C17BD-C2B8-EB1B-C649-76DA54D7DAEC}"/>
+              </a:ext>
+            </a:extLst>
+          </p:cNvPr>
+          <p:cNvPicPr>
+            <a:picLocks noChangeAspect="1"/>
+          </p:cNvPicPr>
+          <p:nvPr/>
+        </p:nvPicPr>
+        <p:blipFill>
+          <a:blip r:embed="rId4"/>
+          <a:stretch>
+            <a:fillRect/>
+          </a:stretch>
+        </p:blipFill>
+        <p:spPr>
+          <a:xfrm>
+            <a:off x="5354368" y="641326"/>
+            <a:ext cx="6837632" cy="2476500"/>
+          </a:xfrm>
+          <a:prstGeom prst="rect">
+            <a:avLst/>
+          </a:prstGeom>
+        </p:spPr>
+      </p:pic>
+      <mc:AlternateContent xmlns:mc="http://schemas.openxmlformats.org/markup-compatibility/2006">
+        <mc:Choice xmlns:a14="http://schemas.microsoft.com/office/drawing/2010/main" Requires="a14">
+          <p:sp>
+            <p:nvSpPr>
+              <p:cNvPr id="5" name="TextBox 4">
+                <a:extLst>
+                  <a:ext uri="{FF2B5EF4-FFF2-40B4-BE49-F238E27FC236}">
+                    <a16:creationId xmlns:a16="http://schemas.microsoft.com/office/drawing/2014/main" id="{163EE0BE-6ED7-CD36-FA9A-922D33328A38}"/>
+                  </a:ext>
+                </a:extLst>
+              </p:cNvPr>
+              <p:cNvSpPr txBox="1"/>
+              <p:nvPr/>
+            </p:nvSpPr>
+            <p:spPr>
+              <a:xfrm>
+                <a:off x="0" y="2942065"/>
+                <a:ext cx="5354368" cy="1499641"/>
+              </a:xfrm>
+              <a:prstGeom prst="rect">
+                <a:avLst/>
+              </a:prstGeom>
+              <a:noFill/>
+            </p:spPr>
+            <p:txBody>
+              <a:bodyPr wrap="square" rtlCol="0">
+                <a:spAutoFit/>
+              </a:bodyPr>
+              <a:lstStyle/>
+              <a:p>
+                <a:r>
+                  <a:rPr lang="en-US" b="1" dirty="0"/>
+                  <a:t>note</a:t>
+                </a:r>
+                <a:r>
+                  <a:rPr lang="en-US" dirty="0"/>
+                  <a:t>: </a:t>
+                </a:r>
+                <a14:m>
+                  <m:oMath xmlns:m="http://schemas.openxmlformats.org/officeDocument/2006/math">
+                    <m:sSub>
+                      <m:sSubPr>
+                        <m:ctrlPr>
+                          <a:rPr lang="en-US" i="1">
+                            <a:latin typeface="Cambria Math" panose="02040503050406030204" pitchFamily="18" charset="0"/>
+                          </a:rPr>
+                        </m:ctrlPr>
+                      </m:sSubPr>
+                      <m:e>
+                        <m:r>
+                          <a:rPr lang="en-US" i="1">
+                            <a:latin typeface="Cambria Math" panose="02040503050406030204" pitchFamily="18" charset="0"/>
+                          </a:rPr>
+                          <m:t>𝑓</m:t>
+                        </m:r>
+                      </m:e>
+                      <m:sub>
+                        <m:r>
+                          <a:rPr lang="en-US" i="1">
+                            <a:latin typeface="Cambria Math" panose="02040503050406030204" pitchFamily="18" charset="0"/>
+                          </a:rPr>
+                          <m:t>𝑖𝑘</m:t>
+                        </m:r>
+                      </m:sub>
+                    </m:sSub>
+                    <m:r>
+                      <a:rPr lang="en-US" b="0" i="1" smtClean="0">
+                        <a:latin typeface="Cambria Math" panose="02040503050406030204" pitchFamily="18" charset="0"/>
+                      </a:rPr>
+                      <m:t>,</m:t>
+                    </m:r>
+                    <m:sSub>
+                      <m:sSubPr>
+                        <m:ctrlPr>
+                          <a:rPr lang="en-US" i="1" smtClean="0">
+                            <a:latin typeface="Cambria Math" panose="02040503050406030204" pitchFamily="18" charset="0"/>
+                          </a:rPr>
+                        </m:ctrlPr>
+                      </m:sSubPr>
+                      <m:e>
+                        <m:r>
+                          <a:rPr lang="en-US" i="1">
+                            <a:latin typeface="Cambria Math" panose="02040503050406030204" pitchFamily="18" charset="0"/>
+                          </a:rPr>
+                          <m:t>𝑓</m:t>
+                        </m:r>
+                      </m:e>
+                      <m:sub>
+                        <m:r>
+                          <a:rPr lang="en-US" i="1">
+                            <a:latin typeface="Cambria Math" panose="02040503050406030204" pitchFamily="18" charset="0"/>
+                          </a:rPr>
+                          <m:t>𝑗𝑘</m:t>
+                        </m:r>
+                      </m:sub>
+                    </m:sSub>
+                  </m:oMath>
+                </a14:m>
+                <a:r>
+                  <a:rPr lang="en-US" dirty="0"/>
+                  <a:t> never used in original formula, pulled from elsewhere in table</a:t>
+                </a:r>
+              </a:p>
+              <a:p>
+                <a:r>
+                  <a:rPr lang="en-US" b="1" dirty="0"/>
+                  <a:t>problem:</a:t>
+                </a:r>
+                <a:r>
+                  <a:rPr lang="en-US" dirty="0"/>
+                  <a:t> </a:t>
+                </a:r>
+                <a:r>
+                  <a:rPr lang="en-US" dirty="0" err="1"/>
+                  <a:t>dbl</a:t>
+                </a:r>
+                <a:r>
+                  <a:rPr lang="en-US" dirty="0"/>
+                  <a:t> mutant finesses needed to calculate multiplicative values!</a:t>
+                </a:r>
+                <a:endParaRPr lang="en-US" b="1" dirty="0"/>
+              </a:p>
+              <a:p>
+                <a:endParaRPr lang="en-US" dirty="0"/>
+              </a:p>
+            </p:txBody>
+          </p:sp>
+        </mc:Choice>
+        <mc:Fallback>
+          <p:sp>
+            <p:nvSpPr>
+              <p:cNvPr id="5" name="TextBox 4">
+                <a:extLst>
+                  <a:ext uri="{FF2B5EF4-FFF2-40B4-BE49-F238E27FC236}">
+                    <a16:creationId xmlns:a16="http://schemas.microsoft.com/office/drawing/2014/main" id="{163EE0BE-6ED7-CD36-FA9A-922D33328A38}"/>
+                  </a:ext>
+                </a:extLst>
+              </p:cNvPr>
+              <p:cNvSpPr txBox="1">
+                <a:spLocks noRot="1" noChangeAspect="1" noMove="1" noResize="1" noEditPoints="1" noAdjustHandles="1" noChangeArrowheads="1" noChangeShapeType="1" noTextEdit="1"/>
+              </p:cNvSpPr>
+              <p:nvPr/>
+            </p:nvSpPr>
+            <p:spPr>
+              <a:xfrm>
+                <a:off x="0" y="2942065"/>
+                <a:ext cx="5354368" cy="1499641"/>
+              </a:xfrm>
+              <a:prstGeom prst="rect">
+                <a:avLst/>
+              </a:prstGeom>
+              <a:blipFill>
+                <a:blip r:embed="rId5"/>
+                <a:stretch>
+                  <a:fillRect l="-948" t="-1681"/>
+                </a:stretch>
+              </a:blipFill>
+            </p:spPr>
+            <p:txBody>
+              <a:bodyPr/>
+              <a:lstStyle/>
+              <a:p>
+                <a:r>
+                  <a:rPr lang="en-US">
+                    <a:noFill/>
+                  </a:rPr>
+                  <a:t> </a:t>
+                </a:r>
+              </a:p>
+            </p:txBody>
+          </p:sp>
+        </mc:Fallback>
+      </mc:AlternateContent>
+      <mc:AlternateContent xmlns:mc="http://schemas.openxmlformats.org/markup-compatibility/2006">
+        <mc:Choice xmlns:a14="http://schemas.microsoft.com/office/drawing/2010/main" Requires="a14">
+          <p:sp>
+            <p:nvSpPr>
+              <p:cNvPr id="13" name="TextBox 12">
+                <a:extLst>
+                  <a:ext uri="{FF2B5EF4-FFF2-40B4-BE49-F238E27FC236}">
+                    <a16:creationId xmlns:a16="http://schemas.microsoft.com/office/drawing/2014/main" id="{04A7ABF8-0509-E90D-2584-A68DB7C1DE29}"/>
+                  </a:ext>
+                </a:extLst>
+              </p:cNvPr>
+              <p:cNvSpPr txBox="1"/>
+              <p:nvPr/>
+            </p:nvSpPr>
+            <p:spPr>
+              <a:xfrm>
+                <a:off x="655982" y="1053364"/>
+                <a:ext cx="3368614" cy="299313"/>
+              </a:xfrm>
+              <a:prstGeom prst="rect">
+                <a:avLst/>
+              </a:prstGeom>
+              <a:noFill/>
+            </p:spPr>
+            <p:txBody>
+              <a:bodyPr wrap="none" lIns="0" tIns="0" rIns="0" bIns="0" rtlCol="0">
+                <a:spAutoFit/>
+              </a:bodyPr>
+              <a:lstStyle/>
+              <a:p>
+                <a:pPr/>
+                <a14:m>
+                  <m:oMathPara xmlns:m="http://schemas.openxmlformats.org/officeDocument/2006/math">
+                    <m:oMathParaPr>
+                      <m:jc m:val="centerGroup"/>
+                    </m:oMathParaPr>
+                    <m:oMath xmlns:m="http://schemas.openxmlformats.org/officeDocument/2006/math">
+                      <m:sSub>
+                        <m:sSubPr>
+                          <m:ctrlPr>
+                            <a:rPr lang="en-US" i="1" smtClean="0">
+                              <a:latin typeface="Cambria Math" panose="02040503050406030204" pitchFamily="18" charset="0"/>
+                            </a:rPr>
+                          </m:ctrlPr>
+                        </m:sSubPr>
+                        <m:e>
+                          <m:r>
+                            <a:rPr lang="en-US" i="1" smtClean="0">
+                              <a:latin typeface="Cambria Math" panose="02040503050406030204" pitchFamily="18" charset="0"/>
+                              <a:ea typeface="Cambria Math" panose="02040503050406030204" pitchFamily="18" charset="0"/>
+                            </a:rPr>
+                            <m:t>𝜏</m:t>
+                          </m:r>
+                        </m:e>
+                        <m:sub>
+                          <m:r>
+                            <a:rPr lang="en-US" b="0" i="1" smtClean="0">
+                              <a:latin typeface="Cambria Math" panose="02040503050406030204" pitchFamily="18" charset="0"/>
+                            </a:rPr>
+                            <m:t>𝑖𝑗𝑘</m:t>
+                          </m:r>
+                        </m:sub>
+                      </m:sSub>
+                      <m:r>
+                        <a:rPr lang="en-US" b="0" i="1" smtClean="0">
+                          <a:latin typeface="Cambria Math" panose="02040503050406030204" pitchFamily="18" charset="0"/>
+                        </a:rPr>
+                        <m:t> </m:t>
+                      </m:r>
+                      <m:r>
+                        <a:rPr lang="en-US" i="1" smtClean="0">
+                          <a:solidFill>
+                            <a:schemeClr val="tx1"/>
+                          </a:solidFill>
+                          <a:latin typeface="Cambria Math" panose="02040503050406030204" pitchFamily="18" charset="0"/>
+                        </a:rPr>
+                        <m:t>=</m:t>
+                      </m:r>
+                      <m:sSub>
+                        <m:sSubPr>
+                          <m:ctrlPr>
+                            <a:rPr lang="en-US" b="0" i="1" smtClean="0">
+                              <a:latin typeface="Cambria Math" panose="02040503050406030204" pitchFamily="18" charset="0"/>
+                            </a:rPr>
+                          </m:ctrlPr>
+                        </m:sSubPr>
+                        <m:e>
+                          <m:sSub>
+                            <m:sSubPr>
+                              <m:ctrlPr>
+                                <a:rPr lang="en-US" i="1">
+                                  <a:latin typeface="Cambria Math" panose="02040503050406030204" pitchFamily="18" charset="0"/>
+                                </a:rPr>
+                              </m:ctrlPr>
+                            </m:sSubPr>
+                            <m:e>
+                              <m:r>
+                                <a:rPr lang="en-US" i="1">
+                                  <a:latin typeface="Cambria Math" panose="02040503050406030204" pitchFamily="18" charset="0"/>
+                                </a:rPr>
+                                <m:t>𝑓</m:t>
+                              </m:r>
+                            </m:e>
+                            <m:sub>
+                              <m:r>
+                                <a:rPr lang="en-US" i="1">
+                                  <a:latin typeface="Cambria Math" panose="02040503050406030204" pitchFamily="18" charset="0"/>
+                                </a:rPr>
+                                <m:t>𝑖𝑗𝑘</m:t>
+                              </m:r>
+                            </m:sub>
+                          </m:sSub>
+                          <m:r>
+                            <a:rPr lang="en-US" i="1">
+                              <a:latin typeface="Cambria Math" panose="02040503050406030204" pitchFamily="18" charset="0"/>
+                            </a:rPr>
+                            <m:t>−</m:t>
+                          </m:r>
+                          <m:sSub>
+                            <m:sSubPr>
+                              <m:ctrlPr>
+                                <a:rPr lang="en-US" i="1">
+                                  <a:latin typeface="Cambria Math" panose="02040503050406030204" pitchFamily="18" charset="0"/>
+                                </a:rPr>
+                              </m:ctrlPr>
+                            </m:sSubPr>
+                            <m:e>
+                              <m:r>
+                                <a:rPr lang="en-US" i="1">
+                                  <a:latin typeface="Cambria Math" panose="02040503050406030204" pitchFamily="18" charset="0"/>
+                                </a:rPr>
+                                <m:t>𝑓</m:t>
+                              </m:r>
+                            </m:e>
+                            <m:sub>
+                              <m:r>
+                                <a:rPr lang="en-US" i="1">
+                                  <a:latin typeface="Cambria Math" panose="02040503050406030204" pitchFamily="18" charset="0"/>
+                                </a:rPr>
+                                <m:t>𝑖𝑗</m:t>
+                              </m:r>
+                            </m:sub>
+                          </m:sSub>
+                          <m:sSub>
+                            <m:sSubPr>
+                              <m:ctrlPr>
+                                <a:rPr lang="en-US" i="1">
+                                  <a:latin typeface="Cambria Math" panose="02040503050406030204" pitchFamily="18" charset="0"/>
+                                </a:rPr>
+                              </m:ctrlPr>
+                            </m:sSubPr>
+                            <m:e>
+                              <m:r>
+                                <a:rPr lang="en-US" i="1">
+                                  <a:latin typeface="Cambria Math" panose="02040503050406030204" pitchFamily="18" charset="0"/>
+                                </a:rPr>
+                                <m:t>𝑓</m:t>
+                              </m:r>
+                            </m:e>
+                            <m:sub>
+                              <m:r>
+                                <a:rPr lang="en-US" i="1">
+                                  <a:latin typeface="Cambria Math" panose="02040503050406030204" pitchFamily="18" charset="0"/>
+                                </a:rPr>
+                                <m:t>𝑘</m:t>
+                              </m:r>
+                            </m:sub>
+                          </m:sSub>
+                          <m:r>
+                            <a:rPr lang="en-US" b="0" i="1" smtClean="0">
+                              <a:solidFill>
+                                <a:schemeClr val="tx1"/>
+                              </a:solidFill>
+                              <a:latin typeface="Cambria Math" panose="02040503050406030204" pitchFamily="18" charset="0"/>
+                            </a:rPr>
+                            <m:t>− </m:t>
+                          </m:r>
+                          <m:r>
+                            <a:rPr lang="en-US" b="0" i="1" smtClean="0">
+                              <a:latin typeface="Cambria Math" panose="02040503050406030204" pitchFamily="18" charset="0"/>
+                            </a:rPr>
+                            <m:t>𝑒</m:t>
+                          </m:r>
+                        </m:e>
+                        <m:sub>
+                          <m:r>
+                            <a:rPr lang="en-US" b="0" i="1" smtClean="0">
+                              <a:latin typeface="Cambria Math" panose="02040503050406030204" pitchFamily="18" charset="0"/>
+                            </a:rPr>
+                            <m:t>𝑗𝑘</m:t>
+                          </m:r>
+                        </m:sub>
+                      </m:sSub>
+                      <m:sSub>
+                        <m:sSubPr>
+                          <m:ctrlPr>
+                            <a:rPr lang="en-US" b="0" i="1" smtClean="0">
+                              <a:latin typeface="Cambria Math" panose="02040503050406030204" pitchFamily="18" charset="0"/>
+                            </a:rPr>
+                          </m:ctrlPr>
+                        </m:sSubPr>
+                        <m:e>
+                          <m:r>
+                            <a:rPr lang="en-US" b="0" i="1" smtClean="0">
+                              <a:latin typeface="Cambria Math" panose="02040503050406030204" pitchFamily="18" charset="0"/>
+                            </a:rPr>
+                            <m:t>𝑓</m:t>
+                          </m:r>
+                        </m:e>
+                        <m:sub>
+                          <m:r>
+                            <a:rPr lang="en-US" b="0" i="1" smtClean="0">
+                              <a:latin typeface="Cambria Math" panose="02040503050406030204" pitchFamily="18" charset="0"/>
+                            </a:rPr>
+                            <m:t>𝑖</m:t>
+                          </m:r>
+                        </m:sub>
+                      </m:sSub>
+                      <m:r>
+                        <a:rPr lang="en-US" b="0" i="1" smtClean="0">
+                          <a:latin typeface="Cambria Math" panose="02040503050406030204" pitchFamily="18" charset="0"/>
+                        </a:rPr>
+                        <m:t>−</m:t>
+                      </m:r>
+                      <m:sSub>
+                        <m:sSubPr>
+                          <m:ctrlPr>
+                            <a:rPr lang="en-US" b="0" i="1" smtClean="0">
+                              <a:latin typeface="Cambria Math" panose="02040503050406030204" pitchFamily="18" charset="0"/>
+                            </a:rPr>
+                          </m:ctrlPr>
+                        </m:sSubPr>
+                        <m:e>
+                          <m:r>
+                            <a:rPr lang="en-US" b="0" i="1" smtClean="0">
+                              <a:latin typeface="Cambria Math" panose="02040503050406030204" pitchFamily="18" charset="0"/>
+                            </a:rPr>
+                            <m:t>𝑒</m:t>
+                          </m:r>
+                        </m:e>
+                        <m:sub>
+                          <m:r>
+                            <a:rPr lang="en-US" b="0" i="1" smtClean="0">
+                              <a:latin typeface="Cambria Math" panose="02040503050406030204" pitchFamily="18" charset="0"/>
+                            </a:rPr>
+                            <m:t>𝑖𝑘</m:t>
+                          </m:r>
+                        </m:sub>
+                      </m:sSub>
+                      <m:sSub>
+                        <m:sSubPr>
+                          <m:ctrlPr>
+                            <a:rPr lang="en-US" b="0" i="1" smtClean="0">
+                              <a:latin typeface="Cambria Math" panose="02040503050406030204" pitchFamily="18" charset="0"/>
+                            </a:rPr>
+                          </m:ctrlPr>
+                        </m:sSubPr>
+                        <m:e>
+                          <m:r>
+                            <a:rPr lang="en-US" b="0" i="1" smtClean="0">
+                              <a:latin typeface="Cambria Math" panose="02040503050406030204" pitchFamily="18" charset="0"/>
+                            </a:rPr>
+                            <m:t>𝑓</m:t>
+                          </m:r>
+                        </m:e>
+                        <m:sub>
+                          <m:r>
+                            <a:rPr lang="en-US" b="0" i="1" smtClean="0">
+                              <a:latin typeface="Cambria Math" panose="02040503050406030204" pitchFamily="18" charset="0"/>
+                            </a:rPr>
+                            <m:t>𝑗</m:t>
+                          </m:r>
+                        </m:sub>
+                      </m:sSub>
+                    </m:oMath>
+                  </m:oMathPara>
+                </a14:m>
+                <a:endParaRPr lang="en-US" dirty="0">
+                  <a:solidFill>
+                    <a:schemeClr val="tx1"/>
+                  </a:solidFill>
+                </a:endParaRPr>
+              </a:p>
+            </p:txBody>
+          </p:sp>
+        </mc:Choice>
+        <mc:Fallback>
+          <p:sp>
+            <p:nvSpPr>
+              <p:cNvPr id="13" name="TextBox 12">
+                <a:extLst>
+                  <a:ext uri="{FF2B5EF4-FFF2-40B4-BE49-F238E27FC236}">
+                    <a16:creationId xmlns:a16="http://schemas.microsoft.com/office/drawing/2014/main" id="{04A7ABF8-0509-E90D-2584-A68DB7C1DE29}"/>
+                  </a:ext>
+                </a:extLst>
+              </p:cNvPr>
+              <p:cNvSpPr txBox="1">
+                <a:spLocks noRot="1" noChangeAspect="1" noMove="1" noResize="1" noEditPoints="1" noAdjustHandles="1" noChangeArrowheads="1" noChangeShapeType="1" noTextEdit="1"/>
+              </p:cNvSpPr>
+              <p:nvPr/>
+            </p:nvSpPr>
+            <p:spPr>
+              <a:xfrm>
+                <a:off x="655982" y="1053364"/>
+                <a:ext cx="3368614" cy="299313"/>
+              </a:xfrm>
+              <a:prstGeom prst="rect">
+                <a:avLst/>
+              </a:prstGeom>
+              <a:blipFill>
+                <a:blip r:embed="rId6"/>
+                <a:stretch>
+                  <a:fillRect l="-376" t="-8333" r="-752" b="-29167"/>
+                </a:stretch>
+              </a:blipFill>
+            </p:spPr>
+            <p:txBody>
+              <a:bodyPr/>
+              <a:lstStyle/>
+              <a:p>
+                <a:r>
+                  <a:rPr lang="en-US">
+                    <a:noFill/>
+                  </a:rPr>
+                  <a:t> </a:t>
+                </a:r>
+              </a:p>
+            </p:txBody>
+          </p:sp>
+        </mc:Fallback>
+      </mc:AlternateContent>
+      <mc:AlternateContent xmlns:mc="http://schemas.openxmlformats.org/markup-compatibility/2006" xmlns:a14="http://schemas.microsoft.com/office/drawing/2010/main">
+        <mc:Choice Requires="a14">
+          <p:sp>
+            <p:nvSpPr>
+              <p:cNvPr id="14" name="TextBox 13">
+                <a:extLst>
+                  <a:ext uri="{FF2B5EF4-FFF2-40B4-BE49-F238E27FC236}">
+                    <a16:creationId xmlns:a16="http://schemas.microsoft.com/office/drawing/2014/main" id="{41A85415-F198-9138-9AC7-0BF603BA1091}"/>
+                  </a:ext>
+                </a:extLst>
+              </p:cNvPr>
+              <p:cNvSpPr txBox="1"/>
+              <p:nvPr/>
+            </p:nvSpPr>
+            <p:spPr>
+              <a:xfrm>
+                <a:off x="0" y="5027551"/>
+                <a:ext cx="6189643" cy="299313"/>
+              </a:xfrm>
+              <a:prstGeom prst="rect">
+                <a:avLst/>
+              </a:prstGeom>
+              <a:noFill/>
+            </p:spPr>
+            <p:txBody>
+              <a:bodyPr wrap="none" lIns="0" tIns="0" rIns="0" bIns="0" rtlCol="0">
+                <a:spAutoFit/>
+              </a:bodyPr>
+              <a:lstStyle/>
+              <a:p>
+                <a:pPr/>
+                <a14:m>
+                  <m:oMathPara xmlns:m="http://schemas.openxmlformats.org/officeDocument/2006/math">
+                    <m:oMathParaPr>
+                      <m:jc m:val="centerGroup"/>
+                    </m:oMathParaPr>
+                    <m:oMath xmlns:m="http://schemas.openxmlformats.org/officeDocument/2006/math">
+                      <m:sSub>
+                        <m:sSubPr>
+                          <m:ctrlPr>
+                            <a:rPr lang="en-US" i="1" smtClean="0">
+                              <a:latin typeface="Cambria Math" panose="02040503050406030204" pitchFamily="18" charset="0"/>
+                            </a:rPr>
+                          </m:ctrlPr>
+                        </m:sSubPr>
+                        <m:e>
+                          <m:r>
+                            <a:rPr lang="en-US" i="1" smtClean="0">
+                              <a:latin typeface="Cambria Math" panose="02040503050406030204" pitchFamily="18" charset="0"/>
+                              <a:ea typeface="Cambria Math" panose="02040503050406030204" pitchFamily="18" charset="0"/>
+                            </a:rPr>
+                            <m:t>𝜏</m:t>
+                          </m:r>
+                        </m:e>
+                        <m:sub>
+                          <m:r>
+                            <a:rPr lang="en-US" b="0" i="1" smtClean="0">
+                              <a:latin typeface="Cambria Math" panose="02040503050406030204" pitchFamily="18" charset="0"/>
+                            </a:rPr>
+                            <m:t>𝑖𝑗𝑘</m:t>
+                          </m:r>
+                        </m:sub>
+                      </m:sSub>
+                      <m:r>
+                        <a:rPr lang="en-US" b="0" i="1" smtClean="0">
+                          <a:latin typeface="Cambria Math" panose="02040503050406030204" pitchFamily="18" charset="0"/>
+                        </a:rPr>
+                        <m:t> </m:t>
+                      </m:r>
+                      <m:r>
+                        <a:rPr lang="en-US" i="1" smtClean="0">
+                          <a:solidFill>
+                            <a:schemeClr val="tx1"/>
+                          </a:solidFill>
+                          <a:latin typeface="Cambria Math" panose="02040503050406030204" pitchFamily="18" charset="0"/>
+                        </a:rPr>
+                        <m:t>=</m:t>
+                      </m:r>
+                      <m:sSub>
+                        <m:sSubPr>
+                          <m:ctrlPr>
+                            <a:rPr lang="en-US" b="0" i="1" smtClean="0">
+                              <a:latin typeface="Cambria Math" panose="02040503050406030204" pitchFamily="18" charset="0"/>
+                            </a:rPr>
+                          </m:ctrlPr>
+                        </m:sSubPr>
+                        <m:e>
+                          <m:sSub>
+                            <m:sSubPr>
+                              <m:ctrlPr>
+                                <a:rPr lang="en-US" i="1">
+                                  <a:latin typeface="Cambria Math" panose="02040503050406030204" pitchFamily="18" charset="0"/>
+                                </a:rPr>
+                              </m:ctrlPr>
+                            </m:sSubPr>
+                            <m:e>
+                              <m:r>
+                                <a:rPr lang="en-US" i="1">
+                                  <a:latin typeface="Cambria Math" panose="02040503050406030204" pitchFamily="18" charset="0"/>
+                                </a:rPr>
+                                <m:t>𝑓</m:t>
+                              </m:r>
+                            </m:e>
+                            <m:sub>
+                              <m:r>
+                                <a:rPr lang="en-US" i="1">
+                                  <a:latin typeface="Cambria Math" panose="02040503050406030204" pitchFamily="18" charset="0"/>
+                                </a:rPr>
+                                <m:t>𝑖𝑗𝑘</m:t>
+                              </m:r>
+                            </m:sub>
+                          </m:sSub>
+                          <m:r>
+                            <a:rPr lang="en-US" b="0" i="1" smtClean="0">
+                              <a:latin typeface="Cambria Math" panose="02040503050406030204" pitchFamily="18" charset="0"/>
+                            </a:rPr>
+                            <m:t>+</m:t>
+                          </m:r>
+                          <m:sSub>
+                            <m:sSubPr>
+                              <m:ctrlPr>
+                                <a:rPr lang="en-US" i="1">
+                                  <a:latin typeface="Cambria Math" panose="02040503050406030204" pitchFamily="18" charset="0"/>
+                                </a:rPr>
+                              </m:ctrlPr>
+                            </m:sSubPr>
+                            <m:e>
+                              <m:r>
+                                <a:rPr lang="en-US" b="0" i="1" smtClean="0">
+                                  <a:latin typeface="Cambria Math" panose="02040503050406030204" pitchFamily="18" charset="0"/>
+                                </a:rPr>
+                                <m:t>2</m:t>
+                              </m:r>
+                              <m:sSub>
+                                <m:sSubPr>
+                                  <m:ctrlPr>
+                                    <a:rPr lang="en-US" i="1">
+                                      <a:latin typeface="Cambria Math" panose="02040503050406030204" pitchFamily="18" charset="0"/>
+                                    </a:rPr>
+                                  </m:ctrlPr>
+                                </m:sSubPr>
+                                <m:e>
+                                  <m:r>
+                                    <a:rPr lang="en-US" i="1">
+                                      <a:latin typeface="Cambria Math" panose="02040503050406030204" pitchFamily="18" charset="0"/>
+                                    </a:rPr>
+                                    <m:t>𝑓</m:t>
+                                  </m:r>
+                                </m:e>
+                                <m:sub>
+                                  <m:r>
+                                    <a:rPr lang="en-US" i="1">
+                                      <a:latin typeface="Cambria Math" panose="02040503050406030204" pitchFamily="18" charset="0"/>
+                                    </a:rPr>
+                                    <m:t>𝑖</m:t>
+                                  </m:r>
+                                </m:sub>
+                              </m:sSub>
+                              <m:sSub>
+                                <m:sSubPr>
+                                  <m:ctrlPr>
+                                    <a:rPr lang="en-US" i="1">
+                                      <a:latin typeface="Cambria Math" panose="02040503050406030204" pitchFamily="18" charset="0"/>
+                                    </a:rPr>
+                                  </m:ctrlPr>
+                                </m:sSubPr>
+                                <m:e>
+                                  <m:r>
+                                    <a:rPr lang="en-US" i="1">
+                                      <a:latin typeface="Cambria Math" panose="02040503050406030204" pitchFamily="18" charset="0"/>
+                                    </a:rPr>
+                                    <m:t>𝑓</m:t>
+                                  </m:r>
+                                </m:e>
+                                <m:sub>
+                                  <m:r>
+                                    <a:rPr lang="en-US" b="0" i="1" smtClean="0">
+                                      <a:latin typeface="Cambria Math" panose="02040503050406030204" pitchFamily="18" charset="0"/>
+                                    </a:rPr>
+                                    <m:t>𝑗</m:t>
+                                  </m:r>
+                                </m:sub>
+                              </m:sSub>
+                              <m:sSub>
+                                <m:sSubPr>
+                                  <m:ctrlPr>
+                                    <a:rPr lang="en-US" i="1">
+                                      <a:latin typeface="Cambria Math" panose="02040503050406030204" pitchFamily="18" charset="0"/>
+                                    </a:rPr>
+                                  </m:ctrlPr>
+                                </m:sSubPr>
+                                <m:e>
+                                  <m:r>
+                                    <a:rPr lang="en-US" i="1">
+                                      <a:latin typeface="Cambria Math" panose="02040503050406030204" pitchFamily="18" charset="0"/>
+                                    </a:rPr>
+                                    <m:t>𝑓</m:t>
+                                  </m:r>
+                                </m:e>
+                                <m:sub>
+                                  <m:r>
+                                    <a:rPr lang="en-US" b="0" i="1" smtClean="0">
+                                      <a:latin typeface="Cambria Math" panose="02040503050406030204" pitchFamily="18" charset="0"/>
+                                    </a:rPr>
+                                    <m:t>𝑘</m:t>
+                                  </m:r>
+                                </m:sub>
+                              </m:sSub>
+                              <m:r>
+                                <a:rPr lang="en-US" b="0" i="1" smtClean="0">
+                                  <a:latin typeface="Cambria Math" panose="02040503050406030204" pitchFamily="18" charset="0"/>
+                                </a:rPr>
+                                <m:t>− </m:t>
+                              </m:r>
+                              <m:r>
+                                <a:rPr lang="en-US" i="1">
+                                  <a:latin typeface="Cambria Math" panose="02040503050406030204" pitchFamily="18" charset="0"/>
+                                </a:rPr>
+                                <m:t>𝑓</m:t>
+                              </m:r>
+                            </m:e>
+                            <m:sub>
+                              <m:r>
+                                <a:rPr lang="en-US" i="1">
+                                  <a:latin typeface="Cambria Math" panose="02040503050406030204" pitchFamily="18" charset="0"/>
+                                </a:rPr>
+                                <m:t>𝑖𝑗</m:t>
+                              </m:r>
+                            </m:sub>
+                          </m:sSub>
+                          <m:sSub>
+                            <m:sSubPr>
+                              <m:ctrlPr>
+                                <a:rPr lang="en-US" i="1">
+                                  <a:latin typeface="Cambria Math" panose="02040503050406030204" pitchFamily="18" charset="0"/>
+                                </a:rPr>
+                              </m:ctrlPr>
+                            </m:sSubPr>
+                            <m:e>
+                              <m:r>
+                                <a:rPr lang="en-US" i="1">
+                                  <a:latin typeface="Cambria Math" panose="02040503050406030204" pitchFamily="18" charset="0"/>
+                                </a:rPr>
+                                <m:t>𝑓</m:t>
+                              </m:r>
+                            </m:e>
+                            <m:sub>
+                              <m:r>
+                                <a:rPr lang="en-US" i="1">
+                                  <a:latin typeface="Cambria Math" panose="02040503050406030204" pitchFamily="18" charset="0"/>
+                                </a:rPr>
+                                <m:t>𝑘</m:t>
+                              </m:r>
+                            </m:sub>
+                          </m:sSub>
+                          <m:r>
+                            <a:rPr lang="en-US" b="0" i="1" smtClean="0">
+                              <a:solidFill>
+                                <a:schemeClr val="tx1"/>
+                              </a:solidFill>
+                              <a:latin typeface="Cambria Math" panose="02040503050406030204" pitchFamily="18" charset="0"/>
+                            </a:rPr>
+                            <m:t>−(</m:t>
+                          </m:r>
+                          <m:r>
+                            <a:rPr lang="en-US" b="0" i="1" smtClean="0">
+                              <a:solidFill>
+                                <a:schemeClr val="tx1"/>
+                              </a:solidFill>
+                              <a:latin typeface="Cambria Math" panose="02040503050406030204" pitchFamily="18" charset="0"/>
+                            </a:rPr>
+                            <m:t>𝑓</m:t>
+                          </m:r>
+                        </m:e>
+                        <m:sub>
+                          <m:r>
+                            <a:rPr lang="en-US" b="0" i="1" smtClean="0">
+                              <a:latin typeface="Cambria Math" panose="02040503050406030204" pitchFamily="18" charset="0"/>
+                            </a:rPr>
+                            <m:t>𝑖</m:t>
+                          </m:r>
+                        </m:sub>
+                      </m:sSub>
+                      <m:sSub>
+                        <m:sSubPr>
+                          <m:ctrlPr>
+                            <a:rPr lang="en-US" b="0" i="1" smtClean="0">
+                              <a:latin typeface="Cambria Math" panose="02040503050406030204" pitchFamily="18" charset="0"/>
+                            </a:rPr>
+                          </m:ctrlPr>
+                        </m:sSubPr>
+                        <m:e>
+                          <m:sSub>
+                            <m:sSubPr>
+                              <m:ctrlPr>
+                                <a:rPr lang="en-US" i="1">
+                                  <a:latin typeface="Cambria Math" panose="02040503050406030204" pitchFamily="18" charset="0"/>
+                                </a:rPr>
+                              </m:ctrlPr>
+                            </m:sSubPr>
+                            <m:e>
+                              <m:r>
+                                <a:rPr lang="en-US" i="1">
+                                  <a:latin typeface="Cambria Math" panose="02040503050406030204" pitchFamily="18" charset="0"/>
+                                </a:rPr>
+                                <m:t>𝑓</m:t>
+                              </m:r>
+                            </m:e>
+                            <m:sub>
+                              <m:r>
+                                <a:rPr lang="en-US" b="0" i="1" smtClean="0">
+                                  <a:latin typeface="Cambria Math" panose="02040503050406030204" pitchFamily="18" charset="0"/>
+                                </a:rPr>
+                                <m:t>𝑘</m:t>
+                              </m:r>
+                            </m:sub>
+                          </m:sSub>
+                          <m:r>
+                            <a:rPr lang="en-US" b="0" i="1" smtClean="0">
+                              <a:latin typeface="Cambria Math" panose="02040503050406030204" pitchFamily="18" charset="0"/>
+                            </a:rPr>
+                            <m:t>+</m:t>
+                          </m:r>
+                          <m:sSub>
+                            <m:sSubPr>
+                              <m:ctrlPr>
+                                <a:rPr lang="en-US" b="0" i="1" smtClean="0">
+                                  <a:latin typeface="Cambria Math" panose="02040503050406030204" pitchFamily="18" charset="0"/>
+                                </a:rPr>
+                              </m:ctrlPr>
+                            </m:sSubPr>
+                            <m:e>
+                              <m:r>
+                                <a:rPr lang="en-US" b="0" i="1" smtClean="0">
+                                  <a:latin typeface="Cambria Math" panose="02040503050406030204" pitchFamily="18" charset="0"/>
+                                </a:rPr>
+                                <m:t>𝑒</m:t>
+                              </m:r>
+                            </m:e>
+                            <m:sub>
+                              <m:r>
+                                <a:rPr lang="en-US" b="0" i="1" smtClean="0">
+                                  <a:latin typeface="Cambria Math" panose="02040503050406030204" pitchFamily="18" charset="0"/>
+                                </a:rPr>
+                                <m:t>𝑖𝑘</m:t>
+                              </m:r>
+                            </m:sub>
+                          </m:sSub>
+                          <m:r>
+                            <a:rPr lang="en-US" b="0" i="1" smtClean="0">
+                              <a:latin typeface="Cambria Math" panose="02040503050406030204" pitchFamily="18" charset="0"/>
+                            </a:rPr>
+                            <m:t>)</m:t>
+                          </m:r>
+                          <m:r>
+                            <a:rPr lang="en-US" b="0" i="1" smtClean="0">
+                              <a:latin typeface="Cambria Math" panose="02040503050406030204" pitchFamily="18" charset="0"/>
+                            </a:rPr>
+                            <m:t>𝑓</m:t>
+                          </m:r>
+                        </m:e>
+                        <m:sub>
+                          <m:r>
+                            <a:rPr lang="en-US" b="0" i="1" smtClean="0">
+                              <a:latin typeface="Cambria Math" panose="02040503050406030204" pitchFamily="18" charset="0"/>
+                            </a:rPr>
+                            <m:t>𝑗</m:t>
+                          </m:r>
+                        </m:sub>
+                      </m:sSub>
+                      <m:r>
+                        <a:rPr lang="en-US" b="0" i="1" smtClean="0">
+                          <a:latin typeface="Cambria Math" panose="02040503050406030204" pitchFamily="18" charset="0"/>
+                        </a:rPr>
+                        <m:t>−</m:t>
+                      </m:r>
+                      <m:sSub>
+                        <m:sSubPr>
+                          <m:ctrlPr>
+                            <a:rPr lang="en-US" b="0" i="1" smtClean="0">
+                              <a:latin typeface="Cambria Math" panose="02040503050406030204" pitchFamily="18" charset="0"/>
+                            </a:rPr>
+                          </m:ctrlPr>
+                        </m:sSubPr>
+                        <m:e>
+                          <m:r>
+                            <a:rPr lang="en-US" b="0" i="1" smtClean="0">
+                              <a:latin typeface="Cambria Math" panose="02040503050406030204" pitchFamily="18" charset="0"/>
+                            </a:rPr>
+                            <m:t>(</m:t>
+                          </m:r>
+                          <m:r>
+                            <a:rPr lang="en-US" b="0" i="1" smtClean="0">
+                              <a:latin typeface="Cambria Math" panose="02040503050406030204" pitchFamily="18" charset="0"/>
+                            </a:rPr>
+                            <m:t>𝑓</m:t>
+                          </m:r>
+                        </m:e>
+                        <m:sub>
+                          <m:r>
+                            <a:rPr lang="en-US" b="0" i="1" smtClean="0">
+                              <a:latin typeface="Cambria Math" panose="02040503050406030204" pitchFamily="18" charset="0"/>
+                            </a:rPr>
+                            <m:t>𝑗</m:t>
+                          </m:r>
+                        </m:sub>
+                      </m:sSub>
+                      <m:sSub>
+                        <m:sSubPr>
+                          <m:ctrlPr>
+                            <a:rPr lang="en-US" i="1">
+                              <a:latin typeface="Cambria Math" panose="02040503050406030204" pitchFamily="18" charset="0"/>
+                            </a:rPr>
+                          </m:ctrlPr>
+                        </m:sSubPr>
+                        <m:e>
+                          <m:r>
+                            <a:rPr lang="en-US" i="1">
+                              <a:latin typeface="Cambria Math" panose="02040503050406030204" pitchFamily="18" charset="0"/>
+                            </a:rPr>
+                            <m:t>𝑓</m:t>
+                          </m:r>
+                        </m:e>
+                        <m:sub>
+                          <m:r>
+                            <a:rPr lang="en-US" b="0" i="1" smtClean="0">
+                              <a:latin typeface="Cambria Math" panose="02040503050406030204" pitchFamily="18" charset="0"/>
+                            </a:rPr>
+                            <m:t>𝑘</m:t>
+                          </m:r>
+                        </m:sub>
+                      </m:sSub>
+                      <m:r>
+                        <a:rPr lang="en-US" b="0" i="1" smtClean="0">
+                          <a:latin typeface="Cambria Math" panose="02040503050406030204" pitchFamily="18" charset="0"/>
+                        </a:rPr>
+                        <m:t>+ </m:t>
+                      </m:r>
+                      <m:sSub>
+                        <m:sSubPr>
+                          <m:ctrlPr>
+                            <a:rPr lang="en-US" b="0" i="1" smtClean="0">
+                              <a:latin typeface="Cambria Math" panose="02040503050406030204" pitchFamily="18" charset="0"/>
+                            </a:rPr>
+                          </m:ctrlPr>
+                        </m:sSubPr>
+                        <m:e>
+                          <m:r>
+                            <a:rPr lang="en-US" b="0" i="1" smtClean="0">
+                              <a:latin typeface="Cambria Math" panose="02040503050406030204" pitchFamily="18" charset="0"/>
+                            </a:rPr>
+                            <m:t>𝑒</m:t>
+                          </m:r>
+                        </m:e>
+                        <m:sub>
+                          <m:r>
+                            <a:rPr lang="en-US" b="0" i="1" smtClean="0">
+                              <a:latin typeface="Cambria Math" panose="02040503050406030204" pitchFamily="18" charset="0"/>
+                            </a:rPr>
+                            <m:t>𝑗𝑘</m:t>
+                          </m:r>
+                        </m:sub>
+                      </m:sSub>
+                      <m:r>
+                        <a:rPr lang="en-US" b="0" i="1" smtClean="0">
+                          <a:latin typeface="Cambria Math" panose="02040503050406030204" pitchFamily="18" charset="0"/>
+                        </a:rPr>
+                        <m:t>)</m:t>
+                      </m:r>
+                      <m:sSub>
+                        <m:sSubPr>
+                          <m:ctrlPr>
+                            <a:rPr lang="en-US" b="0" i="1" smtClean="0">
+                              <a:latin typeface="Cambria Math" panose="02040503050406030204" pitchFamily="18" charset="0"/>
+                            </a:rPr>
+                          </m:ctrlPr>
+                        </m:sSubPr>
+                        <m:e>
+                          <m:r>
+                            <a:rPr lang="en-US" b="0" i="1" smtClean="0">
+                              <a:latin typeface="Cambria Math" panose="02040503050406030204" pitchFamily="18" charset="0"/>
+                            </a:rPr>
+                            <m:t>𝑓</m:t>
+                          </m:r>
+                        </m:e>
+                        <m:sub>
+                          <m:r>
+                            <a:rPr lang="en-US" b="0" i="1" smtClean="0">
+                              <a:latin typeface="Cambria Math" panose="02040503050406030204" pitchFamily="18" charset="0"/>
+                            </a:rPr>
+                            <m:t>𝑖</m:t>
+                          </m:r>
+                        </m:sub>
+                      </m:sSub>
+                    </m:oMath>
+                  </m:oMathPara>
+                </a14:m>
+                <a:endParaRPr lang="en-US" dirty="0">
+                  <a:solidFill>
+                    <a:schemeClr val="tx1"/>
+                  </a:solidFill>
+                </a:endParaRPr>
+              </a:p>
+            </p:txBody>
+          </p:sp>
+        </mc:Choice>
+        <mc:Fallback xmlns="">
+          <p:sp>
+            <p:nvSpPr>
+              <p:cNvPr id="14" name="TextBox 13">
+                <a:extLst>
+                  <a:ext uri="{FF2B5EF4-FFF2-40B4-BE49-F238E27FC236}">
+                    <a16:creationId xmlns:a16="http://schemas.microsoft.com/office/drawing/2014/main" id="{41A85415-F198-9138-9AC7-0BF603BA1091}"/>
+                  </a:ext>
+                </a:extLst>
+              </p:cNvPr>
+              <p:cNvSpPr txBox="1">
+                <a:spLocks noRot="1" noChangeAspect="1" noMove="1" noResize="1" noEditPoints="1" noAdjustHandles="1" noChangeArrowheads="1" noChangeShapeType="1" noTextEdit="1"/>
+              </p:cNvSpPr>
+              <p:nvPr/>
+            </p:nvSpPr>
+            <p:spPr>
+              <a:xfrm>
+                <a:off x="0" y="5027551"/>
+                <a:ext cx="6189643" cy="299313"/>
+              </a:xfrm>
+              <a:prstGeom prst="rect">
+                <a:avLst/>
+              </a:prstGeom>
+              <a:blipFill>
+                <a:blip r:embed="rId7"/>
+                <a:stretch>
+                  <a:fillRect t="-8333" b="-29167"/>
                 </a:stretch>
               </a:blipFill>
             </p:spPr>
@@ -10877,10 +14254,10 @@
       </mc:AlternateContent>
       <p:pic>
         <p:nvPicPr>
-          <p:cNvPr id="3" name="Picture 2">
+          <p:cNvPr id="6" name="Picture 5">
             <a:extLst>
               <a:ext uri="{FF2B5EF4-FFF2-40B4-BE49-F238E27FC236}">
-                <a16:creationId xmlns:a16="http://schemas.microsoft.com/office/drawing/2014/main" id="{3A2CFA67-C6EE-7CF8-46C4-9B8DAFDB1946}"/>
+                <a16:creationId xmlns:a16="http://schemas.microsoft.com/office/drawing/2014/main" id="{B986FBFA-38B9-C5B7-CDB9-80641E817252}"/>
               </a:ext>
             </a:extLst>
           </p:cNvPr>
@@ -10890,15 +14267,2254 @@
           <p:nvPr/>
         </p:nvPicPr>
         <p:blipFill>
-          <a:blip r:embed="rId3"/>
+          <a:blip r:embed="rId8"/>
           <a:stretch>
             <a:fillRect/>
           </a:stretch>
         </p:blipFill>
         <p:spPr>
           <a:xfrm>
-            <a:off x="3647901" y="3842233"/>
-            <a:ext cx="8391700" cy="3015767"/>
+            <a:off x="6642173" y="4191531"/>
+            <a:ext cx="5476663" cy="1971352"/>
+          </a:xfrm>
+          <a:prstGeom prst="rect">
+            <a:avLst/>
+          </a:prstGeom>
+        </p:spPr>
+      </p:pic>
+      <mc:AlternateContent xmlns:mc="http://schemas.openxmlformats.org/markup-compatibility/2006" xmlns:a14="http://schemas.microsoft.com/office/drawing/2010/main">
+        <mc:Choice Requires="a14">
+          <p:sp>
+            <p:nvSpPr>
+              <p:cNvPr id="15" name="TextBox 14">
+                <a:extLst>
+                  <a:ext uri="{FF2B5EF4-FFF2-40B4-BE49-F238E27FC236}">
+                    <a16:creationId xmlns:a16="http://schemas.microsoft.com/office/drawing/2014/main" id="{581A786B-CC98-E484-19B0-70F2E070B25A}"/>
+                  </a:ext>
+                </a:extLst>
+              </p:cNvPr>
+              <p:cNvSpPr txBox="1"/>
+              <p:nvPr/>
+            </p:nvSpPr>
+            <p:spPr>
+              <a:xfrm>
+                <a:off x="655983" y="5500373"/>
+                <a:ext cx="2196499" cy="369332"/>
+              </a:xfrm>
+              <a:prstGeom prst="rect">
+                <a:avLst/>
+              </a:prstGeom>
+              <a:noFill/>
+            </p:spPr>
+            <p:txBody>
+              <a:bodyPr wrap="none" rtlCol="0">
+                <a:spAutoFit/>
+              </a:bodyPr>
+              <a:lstStyle/>
+              <a:p>
+                <a14:m>
+                  <m:oMath xmlns:m="http://schemas.openxmlformats.org/officeDocument/2006/math">
+                    <m:sSub>
+                      <m:sSubPr>
+                        <m:ctrlPr>
+                          <a:rPr lang="en-US" i="1" smtClean="0">
+                            <a:latin typeface="Cambria Math" panose="02040503050406030204" pitchFamily="18" charset="0"/>
+                          </a:rPr>
+                        </m:ctrlPr>
+                      </m:sSubPr>
+                      <m:e>
+                        <m:r>
+                          <a:rPr lang="en-US" b="0" i="1" smtClean="0">
+                            <a:latin typeface="Cambria Math" panose="02040503050406030204" pitchFamily="18" charset="0"/>
+                          </a:rPr>
+                          <m:t>𝑓</m:t>
+                        </m:r>
+                      </m:e>
+                      <m:sub>
+                        <m:r>
+                          <a:rPr lang="en-US" b="0" i="1" smtClean="0">
+                            <a:latin typeface="Cambria Math" panose="02040503050406030204" pitchFamily="18" charset="0"/>
+                          </a:rPr>
+                          <m:t>𝑖𝑘</m:t>
+                        </m:r>
+                      </m:sub>
+                    </m:sSub>
+                    <m:r>
+                      <a:rPr lang="en-US" i="1" smtClean="0">
+                        <a:latin typeface="Cambria Math" panose="02040503050406030204" pitchFamily="18" charset="0"/>
+                        <a:ea typeface="Cambria Math" panose="02040503050406030204" pitchFamily="18" charset="0"/>
+                      </a:rPr>
+                      <m:t>≠</m:t>
+                    </m:r>
+                    <m:sSub>
+                      <m:sSubPr>
+                        <m:ctrlPr>
+                          <a:rPr lang="en-US" i="1" smtClean="0">
+                            <a:latin typeface="Cambria Math" panose="02040503050406030204" pitchFamily="18" charset="0"/>
+                          </a:rPr>
+                        </m:ctrlPr>
+                      </m:sSubPr>
+                      <m:e>
+                        <m:r>
+                          <a:rPr lang="en-US" i="1">
+                            <a:latin typeface="Cambria Math" panose="02040503050406030204" pitchFamily="18" charset="0"/>
+                          </a:rPr>
+                          <m:t>(</m:t>
+                        </m:r>
+                        <m:r>
+                          <a:rPr lang="en-US" i="1">
+                            <a:latin typeface="Cambria Math" panose="02040503050406030204" pitchFamily="18" charset="0"/>
+                          </a:rPr>
+                          <m:t>𝑓</m:t>
+                        </m:r>
+                      </m:e>
+                      <m:sub>
+                        <m:r>
+                          <a:rPr lang="en-US" b="0" i="1" smtClean="0">
+                            <a:latin typeface="Cambria Math" panose="02040503050406030204" pitchFamily="18" charset="0"/>
+                          </a:rPr>
+                          <m:t>𝑖</m:t>
+                        </m:r>
+                      </m:sub>
+                    </m:sSub>
+                    <m:sSub>
+                      <m:sSubPr>
+                        <m:ctrlPr>
+                          <a:rPr lang="en-US" i="1">
+                            <a:latin typeface="Cambria Math" panose="02040503050406030204" pitchFamily="18" charset="0"/>
+                          </a:rPr>
+                        </m:ctrlPr>
+                      </m:sSubPr>
+                      <m:e>
+                        <m:r>
+                          <a:rPr lang="en-US" i="1">
+                            <a:latin typeface="Cambria Math" panose="02040503050406030204" pitchFamily="18" charset="0"/>
+                          </a:rPr>
+                          <m:t>𝑓</m:t>
+                        </m:r>
+                      </m:e>
+                      <m:sub>
+                        <m:r>
+                          <a:rPr lang="en-US" i="1">
+                            <a:latin typeface="Cambria Math" panose="02040503050406030204" pitchFamily="18" charset="0"/>
+                          </a:rPr>
+                          <m:t>𝑘</m:t>
+                        </m:r>
+                      </m:sub>
+                    </m:sSub>
+                    <m:r>
+                      <a:rPr lang="en-US" i="1">
+                        <a:latin typeface="Cambria Math" panose="02040503050406030204" pitchFamily="18" charset="0"/>
+                      </a:rPr>
+                      <m:t>+ </m:t>
+                    </m:r>
+                    <m:sSub>
+                      <m:sSubPr>
+                        <m:ctrlPr>
+                          <a:rPr lang="en-US" i="1">
+                            <a:latin typeface="Cambria Math" panose="02040503050406030204" pitchFamily="18" charset="0"/>
+                          </a:rPr>
+                        </m:ctrlPr>
+                      </m:sSubPr>
+                      <m:e>
+                        <m:r>
+                          <a:rPr lang="en-US" i="1">
+                            <a:latin typeface="Cambria Math" panose="02040503050406030204" pitchFamily="18" charset="0"/>
+                          </a:rPr>
+                          <m:t>𝑒</m:t>
+                        </m:r>
+                      </m:e>
+                      <m:sub>
+                        <m:r>
+                          <a:rPr lang="en-US" b="0" i="1" smtClean="0">
+                            <a:latin typeface="Cambria Math" panose="02040503050406030204" pitchFamily="18" charset="0"/>
+                          </a:rPr>
+                          <m:t>𝑖</m:t>
+                        </m:r>
+                        <m:r>
+                          <a:rPr lang="en-US" i="1">
+                            <a:latin typeface="Cambria Math" panose="02040503050406030204" pitchFamily="18" charset="0"/>
+                          </a:rPr>
+                          <m:t>𝑘</m:t>
+                        </m:r>
+                      </m:sub>
+                    </m:sSub>
+                    <m:r>
+                      <a:rPr lang="en-US" i="1">
+                        <a:latin typeface="Cambria Math" panose="02040503050406030204" pitchFamily="18" charset="0"/>
+                      </a:rPr>
+                      <m:t>)</m:t>
+                    </m:r>
+                  </m:oMath>
+                </a14:m>
+                <a:r>
+                  <a:rPr lang="en-US" dirty="0"/>
+                  <a:t> ??</a:t>
+                </a:r>
+              </a:p>
+            </p:txBody>
+          </p:sp>
+        </mc:Choice>
+        <mc:Fallback xmlns="">
+          <p:sp>
+            <p:nvSpPr>
+              <p:cNvPr id="15" name="TextBox 14">
+                <a:extLst>
+                  <a:ext uri="{FF2B5EF4-FFF2-40B4-BE49-F238E27FC236}">
+                    <a16:creationId xmlns:a16="http://schemas.microsoft.com/office/drawing/2014/main" id="{581A786B-CC98-E484-19B0-70F2E070B25A}"/>
+                  </a:ext>
+                </a:extLst>
+              </p:cNvPr>
+              <p:cNvSpPr txBox="1">
+                <a:spLocks noRot="1" noChangeAspect="1" noMove="1" noResize="1" noEditPoints="1" noAdjustHandles="1" noChangeArrowheads="1" noChangeShapeType="1" noTextEdit="1"/>
+              </p:cNvSpPr>
+              <p:nvPr/>
+            </p:nvSpPr>
+            <p:spPr>
+              <a:xfrm>
+                <a:off x="655983" y="5500373"/>
+                <a:ext cx="2196499" cy="369332"/>
+              </a:xfrm>
+              <a:prstGeom prst="rect">
+                <a:avLst/>
+              </a:prstGeom>
+              <a:blipFill>
+                <a:blip r:embed="rId9"/>
+                <a:stretch>
+                  <a:fillRect l="-1149" t="-3226" r="-1724" b="-22581"/>
+                </a:stretch>
+              </a:blipFill>
+            </p:spPr>
+            <p:txBody>
+              <a:bodyPr/>
+              <a:lstStyle/>
+              <a:p>
+                <a:r>
+                  <a:rPr lang="en-US">
+                    <a:noFill/>
+                  </a:rPr>
+                  <a:t> </a:t>
+                </a:r>
+              </a:p>
+            </p:txBody>
+          </p:sp>
+        </mc:Fallback>
+      </mc:AlternateContent>
+      <mc:AlternateContent xmlns:mc="http://schemas.openxmlformats.org/markup-compatibility/2006" xmlns:a14="http://schemas.microsoft.com/office/drawing/2010/main">
+        <mc:Choice Requires="a14">
+          <p:sp>
+            <p:nvSpPr>
+              <p:cNvPr id="16" name="TextBox 15">
+                <a:extLst>
+                  <a:ext uri="{FF2B5EF4-FFF2-40B4-BE49-F238E27FC236}">
+                    <a16:creationId xmlns:a16="http://schemas.microsoft.com/office/drawing/2014/main" id="{7F8AE3D6-24F2-51EC-4973-91C3DA2FB679}"/>
+                  </a:ext>
+                </a:extLst>
+              </p:cNvPr>
+              <p:cNvSpPr txBox="1"/>
+              <p:nvPr/>
+            </p:nvSpPr>
+            <p:spPr>
+              <a:xfrm>
+                <a:off x="655983" y="5890719"/>
+                <a:ext cx="2215607" cy="391646"/>
+              </a:xfrm>
+              <a:prstGeom prst="rect">
+                <a:avLst/>
+              </a:prstGeom>
+              <a:noFill/>
+            </p:spPr>
+            <p:txBody>
+              <a:bodyPr wrap="none" rtlCol="0">
+                <a:spAutoFit/>
+              </a:bodyPr>
+              <a:lstStyle/>
+              <a:p>
+                <a14:m>
+                  <m:oMath xmlns:m="http://schemas.openxmlformats.org/officeDocument/2006/math">
+                    <m:sSub>
+                      <m:sSubPr>
+                        <m:ctrlPr>
+                          <a:rPr lang="en-US" i="1" smtClean="0">
+                            <a:latin typeface="Cambria Math" panose="02040503050406030204" pitchFamily="18" charset="0"/>
+                          </a:rPr>
+                        </m:ctrlPr>
+                      </m:sSubPr>
+                      <m:e>
+                        <m:r>
+                          <a:rPr lang="en-US" b="0" i="1" smtClean="0">
+                            <a:latin typeface="Cambria Math" panose="02040503050406030204" pitchFamily="18" charset="0"/>
+                          </a:rPr>
+                          <m:t>𝑓</m:t>
+                        </m:r>
+                      </m:e>
+                      <m:sub>
+                        <m:r>
+                          <a:rPr lang="en-US" b="0" i="1" smtClean="0">
+                            <a:latin typeface="Cambria Math" panose="02040503050406030204" pitchFamily="18" charset="0"/>
+                          </a:rPr>
+                          <m:t>𝑗𝑘</m:t>
+                        </m:r>
+                      </m:sub>
+                    </m:sSub>
+                    <m:r>
+                      <a:rPr lang="en-US" i="1" smtClean="0">
+                        <a:latin typeface="Cambria Math" panose="02040503050406030204" pitchFamily="18" charset="0"/>
+                        <a:ea typeface="Cambria Math" panose="02040503050406030204" pitchFamily="18" charset="0"/>
+                      </a:rPr>
+                      <m:t>≠</m:t>
+                    </m:r>
+                    <m:sSub>
+                      <m:sSubPr>
+                        <m:ctrlPr>
+                          <a:rPr lang="en-US" i="1" smtClean="0">
+                            <a:latin typeface="Cambria Math" panose="02040503050406030204" pitchFamily="18" charset="0"/>
+                          </a:rPr>
+                        </m:ctrlPr>
+                      </m:sSubPr>
+                      <m:e>
+                        <m:r>
+                          <a:rPr lang="en-US" i="1">
+                            <a:latin typeface="Cambria Math" panose="02040503050406030204" pitchFamily="18" charset="0"/>
+                          </a:rPr>
+                          <m:t>(</m:t>
+                        </m:r>
+                        <m:r>
+                          <a:rPr lang="en-US" i="1">
+                            <a:latin typeface="Cambria Math" panose="02040503050406030204" pitchFamily="18" charset="0"/>
+                          </a:rPr>
+                          <m:t>𝑓</m:t>
+                        </m:r>
+                      </m:e>
+                      <m:sub>
+                        <m:r>
+                          <a:rPr lang="en-US" i="1">
+                            <a:latin typeface="Cambria Math" panose="02040503050406030204" pitchFamily="18" charset="0"/>
+                          </a:rPr>
+                          <m:t>𝑗</m:t>
+                        </m:r>
+                      </m:sub>
+                    </m:sSub>
+                    <m:sSub>
+                      <m:sSubPr>
+                        <m:ctrlPr>
+                          <a:rPr lang="en-US" i="1">
+                            <a:latin typeface="Cambria Math" panose="02040503050406030204" pitchFamily="18" charset="0"/>
+                          </a:rPr>
+                        </m:ctrlPr>
+                      </m:sSubPr>
+                      <m:e>
+                        <m:r>
+                          <a:rPr lang="en-US" i="1">
+                            <a:latin typeface="Cambria Math" panose="02040503050406030204" pitchFamily="18" charset="0"/>
+                          </a:rPr>
+                          <m:t>𝑓</m:t>
+                        </m:r>
+                      </m:e>
+                      <m:sub>
+                        <m:r>
+                          <a:rPr lang="en-US" i="1">
+                            <a:latin typeface="Cambria Math" panose="02040503050406030204" pitchFamily="18" charset="0"/>
+                          </a:rPr>
+                          <m:t>𝑘</m:t>
+                        </m:r>
+                      </m:sub>
+                    </m:sSub>
+                    <m:r>
+                      <a:rPr lang="en-US" i="1">
+                        <a:latin typeface="Cambria Math" panose="02040503050406030204" pitchFamily="18" charset="0"/>
+                      </a:rPr>
+                      <m:t>+ </m:t>
+                    </m:r>
+                    <m:sSub>
+                      <m:sSubPr>
+                        <m:ctrlPr>
+                          <a:rPr lang="en-US" i="1">
+                            <a:latin typeface="Cambria Math" panose="02040503050406030204" pitchFamily="18" charset="0"/>
+                          </a:rPr>
+                        </m:ctrlPr>
+                      </m:sSubPr>
+                      <m:e>
+                        <m:r>
+                          <a:rPr lang="en-US" i="1">
+                            <a:latin typeface="Cambria Math" panose="02040503050406030204" pitchFamily="18" charset="0"/>
+                          </a:rPr>
+                          <m:t>𝑒</m:t>
+                        </m:r>
+                      </m:e>
+                      <m:sub>
+                        <m:r>
+                          <a:rPr lang="en-US" i="1">
+                            <a:latin typeface="Cambria Math" panose="02040503050406030204" pitchFamily="18" charset="0"/>
+                          </a:rPr>
+                          <m:t>𝑗𝑘</m:t>
+                        </m:r>
+                      </m:sub>
+                    </m:sSub>
+                    <m:r>
+                      <a:rPr lang="en-US" i="1">
+                        <a:latin typeface="Cambria Math" panose="02040503050406030204" pitchFamily="18" charset="0"/>
+                      </a:rPr>
+                      <m:t>)</m:t>
+                    </m:r>
+                  </m:oMath>
+                </a14:m>
+                <a:r>
+                  <a:rPr lang="en-US" dirty="0"/>
+                  <a:t> ??</a:t>
+                </a:r>
+              </a:p>
+            </p:txBody>
+          </p:sp>
+        </mc:Choice>
+        <mc:Fallback xmlns="">
+          <p:sp>
+            <p:nvSpPr>
+              <p:cNvPr id="16" name="TextBox 15">
+                <a:extLst>
+                  <a:ext uri="{FF2B5EF4-FFF2-40B4-BE49-F238E27FC236}">
+                    <a16:creationId xmlns:a16="http://schemas.microsoft.com/office/drawing/2014/main" id="{7F8AE3D6-24F2-51EC-4973-91C3DA2FB679}"/>
+                  </a:ext>
+                </a:extLst>
+              </p:cNvPr>
+              <p:cNvSpPr txBox="1">
+                <a:spLocks noRot="1" noChangeAspect="1" noMove="1" noResize="1" noEditPoints="1" noAdjustHandles="1" noChangeArrowheads="1" noChangeShapeType="1" noTextEdit="1"/>
+              </p:cNvSpPr>
+              <p:nvPr/>
+            </p:nvSpPr>
+            <p:spPr>
+              <a:xfrm>
+                <a:off x="655983" y="5890719"/>
+                <a:ext cx="2215607" cy="391646"/>
+              </a:xfrm>
+              <a:prstGeom prst="rect">
+                <a:avLst/>
+              </a:prstGeom>
+              <a:blipFill>
+                <a:blip r:embed="rId10"/>
+                <a:stretch>
+                  <a:fillRect l="-1136" t="-6250" r="-1136" b="-18750"/>
+                </a:stretch>
+              </a:blipFill>
+            </p:spPr>
+            <p:txBody>
+              <a:bodyPr/>
+              <a:lstStyle/>
+              <a:p>
+                <a:r>
+                  <a:rPr lang="en-US">
+                    <a:noFill/>
+                  </a:rPr>
+                  <a:t> </a:t>
+                </a:r>
+              </a:p>
+            </p:txBody>
+          </p:sp>
+        </mc:Fallback>
+      </mc:AlternateContent>
+      <p:sp>
+        <p:nvSpPr>
+          <p:cNvPr id="17" name="TextBox 16">
+            <a:extLst>
+              <a:ext uri="{FF2B5EF4-FFF2-40B4-BE49-F238E27FC236}">
+                <a16:creationId xmlns:a16="http://schemas.microsoft.com/office/drawing/2014/main" id="{4BB5B61F-5E42-EACA-3D33-A337715CC58D}"/>
+              </a:ext>
+            </a:extLst>
+          </p:cNvPr>
+          <p:cNvSpPr txBox="1"/>
+          <p:nvPr/>
+        </p:nvSpPr>
+        <p:spPr>
+          <a:xfrm>
+            <a:off x="655982" y="2395928"/>
+            <a:ext cx="1517723" cy="369332"/>
+          </a:xfrm>
+          <a:prstGeom prst="rect">
+            <a:avLst/>
+          </a:prstGeom>
+          <a:noFill/>
+        </p:spPr>
+        <p:txBody>
+          <a:bodyPr wrap="none" rtlCol="0">
+            <a:spAutoFit/>
+          </a:bodyPr>
+          <a:lstStyle/>
+          <a:p>
+            <a:r>
+              <a:rPr lang="en-US" dirty="0"/>
+              <a:t>negative bias?</a:t>
+            </a:r>
+          </a:p>
+        </p:txBody>
+      </p:sp>
+      <p:sp>
+        <p:nvSpPr>
+          <p:cNvPr id="18" name="TextBox 17">
+            <a:extLst>
+              <a:ext uri="{FF2B5EF4-FFF2-40B4-BE49-F238E27FC236}">
+                <a16:creationId xmlns:a16="http://schemas.microsoft.com/office/drawing/2014/main" id="{B37C61DD-9721-2C54-DFC9-2ABE9E1B6F29}"/>
+              </a:ext>
+            </a:extLst>
+          </p:cNvPr>
+          <p:cNvSpPr txBox="1"/>
+          <p:nvPr/>
+        </p:nvSpPr>
+        <p:spPr>
+          <a:xfrm>
+            <a:off x="-75132" y="658225"/>
+            <a:ext cx="1676998" cy="369332"/>
+          </a:xfrm>
+          <a:prstGeom prst="rect">
+            <a:avLst/>
+          </a:prstGeom>
+          <a:noFill/>
+        </p:spPr>
+        <p:txBody>
+          <a:bodyPr wrap="none" rtlCol="0">
+            <a:spAutoFit/>
+          </a:bodyPr>
+          <a:lstStyle/>
+          <a:p>
+            <a:r>
+              <a:rPr lang="en-US" dirty="0"/>
+              <a:t>original formula</a:t>
+            </a:r>
+          </a:p>
+        </p:txBody>
+      </p:sp>
+      <p:cxnSp>
+        <p:nvCxnSpPr>
+          <p:cNvPr id="8" name="Straight Arrow Connector 7">
+            <a:extLst>
+              <a:ext uri="{FF2B5EF4-FFF2-40B4-BE49-F238E27FC236}">
+                <a16:creationId xmlns:a16="http://schemas.microsoft.com/office/drawing/2014/main" id="{F5BDEE1E-242E-89E4-5DF6-1F014E690077}"/>
+              </a:ext>
+            </a:extLst>
+          </p:cNvPr>
+          <p:cNvCxnSpPr/>
+          <p:nvPr/>
+        </p:nvCxnSpPr>
+        <p:spPr>
+          <a:xfrm flipV="1">
+            <a:off x="4181707" y="1027557"/>
+            <a:ext cx="2673154" cy="175463"/>
+          </a:xfrm>
+          <a:prstGeom prst="straightConnector1">
+            <a:avLst/>
+          </a:prstGeom>
+          <a:ln w="12700">
+            <a:solidFill>
+              <a:schemeClr val="tx1"/>
+            </a:solidFill>
+            <a:tailEnd type="triangle"/>
+          </a:ln>
+        </p:spPr>
+        <p:style>
+          <a:lnRef idx="1">
+            <a:schemeClr val="accent1"/>
+          </a:lnRef>
+          <a:fillRef idx="0">
+            <a:schemeClr val="accent1"/>
+          </a:fillRef>
+          <a:effectRef idx="0">
+            <a:schemeClr val="accent1"/>
+          </a:effectRef>
+          <a:fontRef idx="minor">
+            <a:schemeClr val="tx1"/>
+          </a:fontRef>
+        </p:style>
+      </p:cxnSp>
+      <p:cxnSp>
+        <p:nvCxnSpPr>
+          <p:cNvPr id="19" name="Straight Arrow Connector 18">
+            <a:extLst>
+              <a:ext uri="{FF2B5EF4-FFF2-40B4-BE49-F238E27FC236}">
+                <a16:creationId xmlns:a16="http://schemas.microsoft.com/office/drawing/2014/main" id="{21431E00-D81E-F1CA-3D19-50E17C61AE04}"/>
+              </a:ext>
+            </a:extLst>
+          </p:cNvPr>
+          <p:cNvCxnSpPr>
+            <a:cxnSpLocks/>
+          </p:cNvCxnSpPr>
+          <p:nvPr/>
+        </p:nvCxnSpPr>
+        <p:spPr>
+          <a:xfrm>
+            <a:off x="4986206" y="2225257"/>
+            <a:ext cx="1655967" cy="253146"/>
+          </a:xfrm>
+          <a:prstGeom prst="straightConnector1">
+            <a:avLst/>
+          </a:prstGeom>
+          <a:ln w="12700">
+            <a:solidFill>
+              <a:schemeClr val="tx1"/>
+            </a:solidFill>
+            <a:tailEnd type="triangle"/>
+          </a:ln>
+        </p:spPr>
+        <p:style>
+          <a:lnRef idx="1">
+            <a:schemeClr val="accent1"/>
+          </a:lnRef>
+          <a:fillRef idx="0">
+            <a:schemeClr val="accent1"/>
+          </a:fillRef>
+          <a:effectRef idx="0">
+            <a:schemeClr val="accent1"/>
+          </a:effectRef>
+          <a:fontRef idx="minor">
+            <a:schemeClr val="tx1"/>
+          </a:fontRef>
+        </p:style>
+      </p:cxnSp>
+    </p:spTree>
+    <p:extLst>
+      <p:ext uri="{BB962C8B-B14F-4D97-AF65-F5344CB8AC3E}">
+        <p14:creationId xmlns:p14="http://schemas.microsoft.com/office/powerpoint/2010/main" val="1901310335"/>
+      </p:ext>
+    </p:extLst>
+  </p:cSld>
+  <p:clrMapOvr>
+    <a:masterClrMapping/>
+  </p:clrMapOvr>
+</p:sld>
+</file>
+
+<file path=ppt/slides/slide24.xml><?xml version="1.0" encoding="utf-8"?>
+<p:sld xmlns:a="http://schemas.openxmlformats.org/drawingml/2006/main" xmlns:r="http://schemas.openxmlformats.org/officeDocument/2006/relationships" xmlns:p="http://schemas.openxmlformats.org/presentationml/2006/main">
+  <p:cSld>
+    <p:spTree>
+      <p:nvGrpSpPr>
+        <p:cNvPr id="1" name=""/>
+        <p:cNvGrpSpPr/>
+        <p:nvPr/>
+      </p:nvGrpSpPr>
+      <p:grpSpPr>
+        <a:xfrm>
+          <a:off x="0" y="0"/>
+          <a:ext cx="0" cy="0"/>
+          <a:chOff x="0" y="0"/>
+          <a:chExt cx="0" cy="0"/>
+        </a:xfrm>
+      </p:grpSpPr>
+      <p:sp>
+        <p:nvSpPr>
+          <p:cNvPr id="6" name="TextBox 5">
+            <a:extLst>
+              <a:ext uri="{FF2B5EF4-FFF2-40B4-BE49-F238E27FC236}">
+                <a16:creationId xmlns:a16="http://schemas.microsoft.com/office/drawing/2014/main" id="{4B45AC35-A8A4-D444-A70C-B9BB95526EEA}"/>
+              </a:ext>
+            </a:extLst>
+          </p:cNvPr>
+          <p:cNvSpPr txBox="1"/>
+          <p:nvPr/>
+        </p:nvSpPr>
+        <p:spPr>
+          <a:xfrm>
+            <a:off x="0" y="23673"/>
+            <a:ext cx="8555612" cy="523220"/>
+          </a:xfrm>
+          <a:prstGeom prst="rect">
+            <a:avLst/>
+          </a:prstGeom>
+          <a:noFill/>
+        </p:spPr>
+        <p:txBody>
+          <a:bodyPr wrap="none" rtlCol="0">
+            <a:spAutoFit/>
+          </a:bodyPr>
+          <a:lstStyle/>
+          <a:p>
+            <a:r>
+              <a:rPr lang="en-US" sz="2800" dirty="0"/>
+              <a:t>outlier analysis 1</a:t>
+            </a:r>
+            <a:r>
+              <a:rPr lang="en-US" sz="2800" baseline="30000" dirty="0"/>
+              <a:t>st</a:t>
+            </a:r>
+            <a:r>
+              <a:rPr lang="en-US" sz="2800" dirty="0"/>
+              <a:t> pass: use “imputed” </a:t>
+            </a:r>
+            <a:r>
+              <a:rPr lang="en-US" sz="2800" dirty="0" err="1"/>
+              <a:t>dbl</a:t>
+            </a:r>
+            <a:r>
+              <a:rPr lang="en-US" sz="2800" dirty="0"/>
+              <a:t> mutant fitness</a:t>
+            </a:r>
+          </a:p>
+        </p:txBody>
+      </p:sp>
+      <p:sp>
+        <p:nvSpPr>
+          <p:cNvPr id="7" name="TextBox 6">
+            <a:extLst>
+              <a:ext uri="{FF2B5EF4-FFF2-40B4-BE49-F238E27FC236}">
+                <a16:creationId xmlns:a16="http://schemas.microsoft.com/office/drawing/2014/main" id="{90344023-F7BA-63C4-6661-C02DC8700EE5}"/>
+              </a:ext>
+            </a:extLst>
+          </p:cNvPr>
+          <p:cNvSpPr txBox="1"/>
+          <p:nvPr/>
+        </p:nvSpPr>
+        <p:spPr>
+          <a:xfrm>
+            <a:off x="0" y="546893"/>
+            <a:ext cx="11560098" cy="3693319"/>
+          </a:xfrm>
+          <a:prstGeom prst="rect">
+            <a:avLst/>
+          </a:prstGeom>
+          <a:noFill/>
+        </p:spPr>
+        <p:txBody>
+          <a:bodyPr wrap="square" rtlCol="0">
+            <a:spAutoFit/>
+          </a:bodyPr>
+          <a:lstStyle/>
+          <a:p>
+            <a:pPr marL="285750" indent="-285750">
+              <a:buFont typeface="Arial" panose="020B0604020202020204" pitchFamily="34" charset="0"/>
+              <a:buChar char="•"/>
+            </a:pPr>
+            <a:r>
+              <a:rPr lang="en-US" dirty="0"/>
+              <a:t>set </a:t>
+            </a:r>
+          </a:p>
+          <a:p>
+            <a:pPr marL="742950" lvl="1" indent="-285750">
+              <a:buFont typeface="Arial" panose="020B0604020202020204" pitchFamily="34" charset="0"/>
+              <a:buChar char="•"/>
+            </a:pPr>
+            <a:r>
+              <a:rPr lang="en-US" dirty="0" err="1"/>
+              <a:t>f_ik</a:t>
+            </a:r>
+            <a:r>
+              <a:rPr lang="en-US" dirty="0"/>
+              <a:t> = </a:t>
+            </a:r>
+            <a:r>
+              <a:rPr lang="en-US" dirty="0" err="1"/>
+              <a:t>f_i</a:t>
+            </a:r>
+            <a:r>
+              <a:rPr lang="en-US" dirty="0"/>
+              <a:t>*</a:t>
+            </a:r>
+            <a:r>
+              <a:rPr lang="en-US" dirty="0" err="1"/>
+              <a:t>f_k</a:t>
+            </a:r>
+            <a:r>
+              <a:rPr lang="en-US" dirty="0"/>
+              <a:t> + </a:t>
+            </a:r>
+            <a:r>
+              <a:rPr lang="en-US" dirty="0" err="1"/>
+              <a:t>e_ik</a:t>
+            </a:r>
+            <a:endParaRPr lang="en-US" dirty="0"/>
+          </a:p>
+          <a:p>
+            <a:pPr marL="742950" lvl="1" indent="-285750">
+              <a:buFont typeface="Arial" panose="020B0604020202020204" pitchFamily="34" charset="0"/>
+              <a:buChar char="•"/>
+            </a:pPr>
+            <a:r>
+              <a:rPr lang="en-US" dirty="0" err="1"/>
+              <a:t>f_jk</a:t>
+            </a:r>
+            <a:r>
+              <a:rPr lang="en-US" dirty="0"/>
+              <a:t> = </a:t>
+            </a:r>
+            <a:r>
+              <a:rPr lang="en-US" dirty="0" err="1"/>
+              <a:t>f_j</a:t>
+            </a:r>
+            <a:r>
+              <a:rPr lang="en-US" dirty="0"/>
+              <a:t>*</a:t>
+            </a:r>
+            <a:r>
+              <a:rPr lang="en-US" dirty="0" err="1"/>
+              <a:t>f_k</a:t>
+            </a:r>
+            <a:r>
+              <a:rPr lang="en-US" dirty="0"/>
+              <a:t> + </a:t>
+            </a:r>
+            <a:r>
+              <a:rPr lang="en-US" dirty="0" err="1"/>
+              <a:t>e_jk</a:t>
+            </a:r>
+            <a:endParaRPr lang="en-US" dirty="0"/>
+          </a:p>
+          <a:p>
+            <a:pPr marL="285750" indent="-285750">
+              <a:buFont typeface="Arial" panose="020B0604020202020204" pitchFamily="34" charset="0"/>
+              <a:buChar char="•"/>
+            </a:pPr>
+            <a:r>
+              <a:rPr lang="en-US" dirty="0"/>
+              <a:t>where LHS is imputed double mutant value</a:t>
+            </a:r>
+          </a:p>
+          <a:p>
+            <a:pPr marL="285750" indent="-285750">
+              <a:buFont typeface="Arial" panose="020B0604020202020204" pitchFamily="34" charset="0"/>
+              <a:buChar char="•"/>
+            </a:pPr>
+            <a:r>
+              <a:rPr lang="en-US" dirty="0"/>
+              <a:t>if I use reported values of </a:t>
+            </a:r>
+            <a:r>
+              <a:rPr lang="en-US" dirty="0" err="1"/>
+              <a:t>f_ik</a:t>
+            </a:r>
+            <a:r>
+              <a:rPr lang="en-US" dirty="0"/>
+              <a:t> and </a:t>
+            </a:r>
+            <a:r>
+              <a:rPr lang="en-US" dirty="0" err="1"/>
+              <a:t>f_jk</a:t>
+            </a:r>
+            <a:endParaRPr lang="en-US" dirty="0"/>
+          </a:p>
+          <a:p>
+            <a:pPr marL="742950" lvl="1" indent="-285750">
+              <a:buFont typeface="Arial" panose="020B0604020202020204" pitchFamily="34" charset="0"/>
+              <a:buChar char="•"/>
+            </a:pPr>
+            <a:r>
+              <a:rPr lang="en-US" dirty="0"/>
+              <a:t>then the </a:t>
+            </a:r>
+            <a:r>
+              <a:rPr lang="en-US" b="1" dirty="0"/>
+              <a:t>multiplicative values </a:t>
+            </a:r>
+            <a:r>
+              <a:rPr lang="en-US" dirty="0"/>
+              <a:t>are different from </a:t>
+            </a:r>
+            <a:r>
+              <a:rPr lang="en-US" b="1" dirty="0"/>
+              <a:t>reported values </a:t>
+            </a:r>
+            <a:r>
+              <a:rPr lang="en-US" dirty="0"/>
+              <a:t>b/c of different scales AND different input values </a:t>
+            </a:r>
+          </a:p>
+          <a:p>
+            <a:pPr marL="742950" lvl="1" indent="-285750">
+              <a:buFont typeface="Arial" panose="020B0604020202020204" pitchFamily="34" charset="0"/>
+              <a:buChar char="•"/>
+            </a:pPr>
+            <a:r>
+              <a:rPr lang="en-US" dirty="0"/>
+              <a:t>instead of comparing </a:t>
+            </a:r>
+            <a:r>
+              <a:rPr lang="en-US" b="1" dirty="0"/>
+              <a:t>multiplicative values </a:t>
+            </a:r>
+            <a:r>
+              <a:rPr lang="en-US" dirty="0"/>
+              <a:t>to </a:t>
+            </a:r>
+            <a:r>
+              <a:rPr lang="en-US" b="1" dirty="0"/>
+              <a:t>reported values, </a:t>
+            </a:r>
+            <a:r>
+              <a:rPr lang="en-US" dirty="0"/>
+              <a:t>could compare to </a:t>
+            </a:r>
+            <a:r>
+              <a:rPr lang="en-US" b="1" dirty="0"/>
+              <a:t>recalculated cumulant values </a:t>
+            </a:r>
+            <a:r>
+              <a:rPr lang="en-US" dirty="0"/>
+              <a:t>and use reported double mutant fitness in both calculations</a:t>
+            </a:r>
+          </a:p>
+          <a:p>
+            <a:pPr marL="1200150" lvl="2" indent="-285750">
+              <a:buFont typeface="Arial" panose="020B0604020202020204" pitchFamily="34" charset="0"/>
+              <a:buChar char="•"/>
+            </a:pPr>
+            <a:r>
+              <a:rPr lang="en-US" dirty="0"/>
+              <a:t>but using reported </a:t>
+            </a:r>
+            <a:r>
+              <a:rPr lang="en-US" dirty="0" err="1"/>
+              <a:t>f_ik</a:t>
+            </a:r>
+            <a:r>
+              <a:rPr lang="en-US" dirty="0"/>
+              <a:t> and </a:t>
+            </a:r>
+            <a:r>
+              <a:rPr lang="en-US" dirty="0" err="1"/>
+              <a:t>f_jk</a:t>
+            </a:r>
+            <a:r>
+              <a:rPr lang="en-US" dirty="0"/>
+              <a:t> results in a negative bias w/ cumulant values, such that using their reported cutoff of +/- 0.08 results in many significantly negative interactions on cumulant scale (that weren’t originally reported) that aren’t significantly negative on the multiplicative scale, which we could report as false positive but…</a:t>
+            </a:r>
+          </a:p>
+          <a:p>
+            <a:endParaRPr lang="en-US" dirty="0"/>
+          </a:p>
+        </p:txBody>
+      </p:sp>
+      <p:pic>
+        <p:nvPicPr>
+          <p:cNvPr id="14" name="Picture 13">
+            <a:extLst>
+              <a:ext uri="{FF2B5EF4-FFF2-40B4-BE49-F238E27FC236}">
+                <a16:creationId xmlns:a16="http://schemas.microsoft.com/office/drawing/2014/main" id="{1CA19F5A-A623-D992-3F31-91E448DB5883}"/>
+              </a:ext>
+            </a:extLst>
+          </p:cNvPr>
+          <p:cNvPicPr>
+            <a:picLocks noChangeAspect="1"/>
+          </p:cNvPicPr>
+          <p:nvPr/>
+        </p:nvPicPr>
+        <p:blipFill>
+          <a:blip r:embed="rId2"/>
+          <a:stretch>
+            <a:fillRect/>
+          </a:stretch>
+        </p:blipFill>
+        <p:spPr>
+          <a:xfrm>
+            <a:off x="6553736" y="4828478"/>
+            <a:ext cx="5603522" cy="2029522"/>
+          </a:xfrm>
+          <a:prstGeom prst="rect">
+            <a:avLst/>
+          </a:prstGeom>
+        </p:spPr>
+      </p:pic>
+      <p:sp>
+        <p:nvSpPr>
+          <p:cNvPr id="17" name="TextBox 16">
+            <a:extLst>
+              <a:ext uri="{FF2B5EF4-FFF2-40B4-BE49-F238E27FC236}">
+                <a16:creationId xmlns:a16="http://schemas.microsoft.com/office/drawing/2014/main" id="{52051347-0EB9-D83E-1FE6-8E48307113DC}"/>
+              </a:ext>
+            </a:extLst>
+          </p:cNvPr>
+          <p:cNvSpPr txBox="1"/>
+          <p:nvPr/>
+        </p:nvSpPr>
+        <p:spPr>
+          <a:xfrm>
+            <a:off x="7951085" y="4459146"/>
+            <a:ext cx="3295069" cy="369332"/>
+          </a:xfrm>
+          <a:prstGeom prst="rect">
+            <a:avLst/>
+          </a:prstGeom>
+          <a:noFill/>
+        </p:spPr>
+        <p:txBody>
+          <a:bodyPr wrap="none" rtlCol="0">
+            <a:spAutoFit/>
+          </a:bodyPr>
+          <a:lstStyle/>
+          <a:p>
+            <a:r>
+              <a:rPr lang="en-US" dirty="0"/>
+              <a:t>using reported </a:t>
+            </a:r>
+            <a:r>
+              <a:rPr lang="en-US" dirty="0" err="1"/>
+              <a:t>dbl</a:t>
+            </a:r>
+            <a:r>
+              <a:rPr lang="en-US" dirty="0"/>
+              <a:t> mutant values</a:t>
+            </a:r>
+          </a:p>
+        </p:txBody>
+      </p:sp>
+      <p:cxnSp>
+        <p:nvCxnSpPr>
+          <p:cNvPr id="18" name="Straight Arrow Connector 17">
+            <a:extLst>
+              <a:ext uri="{FF2B5EF4-FFF2-40B4-BE49-F238E27FC236}">
+                <a16:creationId xmlns:a16="http://schemas.microsoft.com/office/drawing/2014/main" id="{4D9C994C-0562-3AFC-0F0B-0D6847BD1A0C}"/>
+              </a:ext>
+            </a:extLst>
+          </p:cNvPr>
+          <p:cNvCxnSpPr>
+            <a:cxnSpLocks/>
+          </p:cNvCxnSpPr>
+          <p:nvPr/>
+        </p:nvCxnSpPr>
+        <p:spPr>
+          <a:xfrm>
+            <a:off x="5889318" y="3026768"/>
+            <a:ext cx="1775838" cy="3284339"/>
+          </a:xfrm>
+          <a:prstGeom prst="straightConnector1">
+            <a:avLst/>
+          </a:prstGeom>
+          <a:ln w="12700">
+            <a:solidFill>
+              <a:schemeClr val="tx1"/>
+            </a:solidFill>
+            <a:tailEnd type="triangle"/>
+          </a:ln>
+        </p:spPr>
+        <p:style>
+          <a:lnRef idx="1">
+            <a:schemeClr val="accent1"/>
+          </a:lnRef>
+          <a:fillRef idx="0">
+            <a:schemeClr val="accent1"/>
+          </a:fillRef>
+          <a:effectRef idx="0">
+            <a:schemeClr val="accent1"/>
+          </a:effectRef>
+          <a:fontRef idx="minor">
+            <a:schemeClr val="tx1"/>
+          </a:fontRef>
+        </p:style>
+      </p:cxnSp>
+    </p:spTree>
+    <p:extLst>
+      <p:ext uri="{BB962C8B-B14F-4D97-AF65-F5344CB8AC3E}">
+        <p14:creationId xmlns:p14="http://schemas.microsoft.com/office/powerpoint/2010/main" val="420021653"/>
+      </p:ext>
+    </p:extLst>
+  </p:cSld>
+  <p:clrMapOvr>
+    <a:masterClrMapping/>
+  </p:clrMapOvr>
+</p:sld>
+</file>
+
+<file path=ppt/slides/slide25.xml><?xml version="1.0" encoding="utf-8"?>
+<p:sld xmlns:a="http://schemas.openxmlformats.org/drawingml/2006/main" xmlns:r="http://schemas.openxmlformats.org/officeDocument/2006/relationships" xmlns:p="http://schemas.openxmlformats.org/presentationml/2006/main">
+  <p:cSld>
+    <p:spTree>
+      <p:nvGrpSpPr>
+        <p:cNvPr id="1" name=""/>
+        <p:cNvGrpSpPr/>
+        <p:nvPr/>
+      </p:nvGrpSpPr>
+      <p:grpSpPr>
+        <a:xfrm>
+          <a:off x="0" y="0"/>
+          <a:ext cx="0" cy="0"/>
+          <a:chOff x="0" y="0"/>
+          <a:chExt cx="0" cy="0"/>
+        </a:xfrm>
+      </p:grpSpPr>
+      <p:sp>
+        <p:nvSpPr>
+          <p:cNvPr id="8" name="TextBox 7">
+            <a:extLst>
+              <a:ext uri="{FF2B5EF4-FFF2-40B4-BE49-F238E27FC236}">
+                <a16:creationId xmlns:a16="http://schemas.microsoft.com/office/drawing/2014/main" id="{64C93CA5-2E14-69B5-20FA-CC3C7572CB6E}"/>
+              </a:ext>
+            </a:extLst>
+          </p:cNvPr>
+          <p:cNvSpPr txBox="1"/>
+          <p:nvPr/>
+        </p:nvSpPr>
+        <p:spPr>
+          <a:xfrm>
+            <a:off x="0" y="23673"/>
+            <a:ext cx="8555612" cy="523220"/>
+          </a:xfrm>
+          <a:prstGeom prst="rect">
+            <a:avLst/>
+          </a:prstGeom>
+          <a:noFill/>
+        </p:spPr>
+        <p:txBody>
+          <a:bodyPr wrap="none" rtlCol="0">
+            <a:spAutoFit/>
+          </a:bodyPr>
+          <a:lstStyle/>
+          <a:p>
+            <a:r>
+              <a:rPr lang="en-US" sz="2800" dirty="0"/>
+              <a:t>outlier analysis 1</a:t>
+            </a:r>
+            <a:r>
+              <a:rPr lang="en-US" sz="2800" baseline="30000" dirty="0"/>
+              <a:t>st</a:t>
+            </a:r>
+            <a:r>
+              <a:rPr lang="en-US" sz="2800" dirty="0"/>
+              <a:t> pass: use “imputed” </a:t>
+            </a:r>
+            <a:r>
+              <a:rPr lang="en-US" sz="2800" dirty="0" err="1"/>
+              <a:t>dbl</a:t>
+            </a:r>
+            <a:r>
+              <a:rPr lang="en-US" sz="2800" dirty="0"/>
+              <a:t> mutant fitness</a:t>
+            </a:r>
+          </a:p>
+        </p:txBody>
+      </p:sp>
+      <p:pic>
+        <p:nvPicPr>
+          <p:cNvPr id="11" name="Picture 10">
+            <a:extLst>
+              <a:ext uri="{FF2B5EF4-FFF2-40B4-BE49-F238E27FC236}">
+                <a16:creationId xmlns:a16="http://schemas.microsoft.com/office/drawing/2014/main" id="{5FD2C32D-00BC-A37F-2432-815BACA121CF}"/>
+              </a:ext>
+            </a:extLst>
+          </p:cNvPr>
+          <p:cNvPicPr>
+            <a:picLocks noChangeAspect="1"/>
+          </p:cNvPicPr>
+          <p:nvPr/>
+        </p:nvPicPr>
+        <p:blipFill rotWithShape="1">
+          <a:blip r:embed="rId3"/>
+          <a:srcRect l="56546"/>
+          <a:stretch/>
+        </p:blipFill>
+        <p:spPr>
+          <a:xfrm>
+            <a:off x="3508280" y="3336646"/>
+            <a:ext cx="1576072" cy="1994818"/>
+          </a:xfrm>
+          <a:prstGeom prst="rect">
+            <a:avLst/>
+          </a:prstGeom>
+        </p:spPr>
+      </p:pic>
+      <p:sp>
+        <p:nvSpPr>
+          <p:cNvPr id="2" name="TextBox 1">
+            <a:extLst>
+              <a:ext uri="{FF2B5EF4-FFF2-40B4-BE49-F238E27FC236}">
+                <a16:creationId xmlns:a16="http://schemas.microsoft.com/office/drawing/2014/main" id="{FEF5B61C-5E5A-8B42-1FC4-9329E01E0EA4}"/>
+              </a:ext>
+            </a:extLst>
+          </p:cNvPr>
+          <p:cNvSpPr txBox="1"/>
+          <p:nvPr/>
+        </p:nvSpPr>
+        <p:spPr>
+          <a:xfrm>
+            <a:off x="1173403" y="3673179"/>
+            <a:ext cx="2316660" cy="246221"/>
+          </a:xfrm>
+          <a:prstGeom prst="rect">
+            <a:avLst/>
+          </a:prstGeom>
+          <a:noFill/>
+        </p:spPr>
+        <p:txBody>
+          <a:bodyPr wrap="none" rtlCol="0">
+            <a:spAutoFit/>
+          </a:bodyPr>
+          <a:lstStyle/>
+          <a:p>
+            <a:r>
+              <a:rPr lang="en-US" sz="1000" dirty="0"/>
+              <a:t>both multiplicative and reported positive</a:t>
+            </a:r>
+          </a:p>
+        </p:txBody>
+      </p:sp>
+      <p:sp>
+        <p:nvSpPr>
+          <p:cNvPr id="14" name="TextBox 13">
+            <a:extLst>
+              <a:ext uri="{FF2B5EF4-FFF2-40B4-BE49-F238E27FC236}">
+                <a16:creationId xmlns:a16="http://schemas.microsoft.com/office/drawing/2014/main" id="{09DE8F0C-323C-0BDC-E573-BC08D41ACA6A}"/>
+              </a:ext>
+            </a:extLst>
+          </p:cNvPr>
+          <p:cNvSpPr txBox="1"/>
+          <p:nvPr/>
+        </p:nvSpPr>
+        <p:spPr>
+          <a:xfrm>
+            <a:off x="1173403" y="3945500"/>
+            <a:ext cx="1334020" cy="246221"/>
+          </a:xfrm>
+          <a:prstGeom prst="rect">
+            <a:avLst/>
+          </a:prstGeom>
+          <a:noFill/>
+        </p:spPr>
+        <p:txBody>
+          <a:bodyPr wrap="none" rtlCol="0">
+            <a:spAutoFit/>
+          </a:bodyPr>
+          <a:lstStyle/>
+          <a:p>
+            <a:r>
+              <a:rPr lang="en-US" sz="1000" dirty="0"/>
+              <a:t>only reported positive</a:t>
+            </a:r>
+          </a:p>
+        </p:txBody>
+      </p:sp>
+      <p:sp>
+        <p:nvSpPr>
+          <p:cNvPr id="15" name="TextBox 14">
+            <a:extLst>
+              <a:ext uri="{FF2B5EF4-FFF2-40B4-BE49-F238E27FC236}">
+                <a16:creationId xmlns:a16="http://schemas.microsoft.com/office/drawing/2014/main" id="{92C7778D-6BC7-7DB4-DB33-C03AD3773876}"/>
+              </a:ext>
+            </a:extLst>
+          </p:cNvPr>
+          <p:cNvSpPr txBox="1"/>
+          <p:nvPr/>
+        </p:nvSpPr>
+        <p:spPr>
+          <a:xfrm>
+            <a:off x="1173403" y="4229110"/>
+            <a:ext cx="1576072" cy="246221"/>
+          </a:xfrm>
+          <a:prstGeom prst="rect">
+            <a:avLst/>
+          </a:prstGeom>
+          <a:noFill/>
+        </p:spPr>
+        <p:txBody>
+          <a:bodyPr wrap="none" rtlCol="0">
+            <a:spAutoFit/>
+          </a:bodyPr>
+          <a:lstStyle/>
+          <a:p>
+            <a:r>
+              <a:rPr lang="en-US" sz="1000" dirty="0"/>
+              <a:t>only multiplicative positive</a:t>
+            </a:r>
+          </a:p>
+        </p:txBody>
+      </p:sp>
+      <p:sp>
+        <p:nvSpPr>
+          <p:cNvPr id="16" name="TextBox 15">
+            <a:extLst>
+              <a:ext uri="{FF2B5EF4-FFF2-40B4-BE49-F238E27FC236}">
+                <a16:creationId xmlns:a16="http://schemas.microsoft.com/office/drawing/2014/main" id="{6BAEE35E-3B2F-6975-B727-A95E733092E7}"/>
+              </a:ext>
+            </a:extLst>
+          </p:cNvPr>
+          <p:cNvSpPr txBox="1"/>
+          <p:nvPr/>
+        </p:nvSpPr>
+        <p:spPr>
+          <a:xfrm>
+            <a:off x="1173403" y="4525394"/>
+            <a:ext cx="2356735" cy="246221"/>
+          </a:xfrm>
+          <a:prstGeom prst="rect">
+            <a:avLst/>
+          </a:prstGeom>
+          <a:noFill/>
+        </p:spPr>
+        <p:txBody>
+          <a:bodyPr wrap="none" rtlCol="0">
+            <a:spAutoFit/>
+          </a:bodyPr>
+          <a:lstStyle/>
+          <a:p>
+            <a:r>
+              <a:rPr lang="en-US" sz="1000" dirty="0"/>
+              <a:t>both multiplicative and reported negative</a:t>
+            </a:r>
+          </a:p>
+        </p:txBody>
+      </p:sp>
+      <p:sp>
+        <p:nvSpPr>
+          <p:cNvPr id="17" name="TextBox 16">
+            <a:extLst>
+              <a:ext uri="{FF2B5EF4-FFF2-40B4-BE49-F238E27FC236}">
+                <a16:creationId xmlns:a16="http://schemas.microsoft.com/office/drawing/2014/main" id="{054F8F77-046E-B500-5108-F7C36B0A252D}"/>
+              </a:ext>
+            </a:extLst>
+          </p:cNvPr>
+          <p:cNvSpPr txBox="1"/>
+          <p:nvPr/>
+        </p:nvSpPr>
+        <p:spPr>
+          <a:xfrm>
+            <a:off x="1173403" y="4797715"/>
+            <a:ext cx="1374094" cy="246221"/>
+          </a:xfrm>
+          <a:prstGeom prst="rect">
+            <a:avLst/>
+          </a:prstGeom>
+          <a:noFill/>
+        </p:spPr>
+        <p:txBody>
+          <a:bodyPr wrap="none" rtlCol="0">
+            <a:spAutoFit/>
+          </a:bodyPr>
+          <a:lstStyle/>
+          <a:p>
+            <a:r>
+              <a:rPr lang="en-US" sz="1000" dirty="0"/>
+              <a:t>only reported negative</a:t>
+            </a:r>
+          </a:p>
+        </p:txBody>
+      </p:sp>
+      <p:cxnSp>
+        <p:nvCxnSpPr>
+          <p:cNvPr id="4" name="Straight Connector 3">
+            <a:extLst>
+              <a:ext uri="{FF2B5EF4-FFF2-40B4-BE49-F238E27FC236}">
+                <a16:creationId xmlns:a16="http://schemas.microsoft.com/office/drawing/2014/main" id="{E22AA646-0047-8472-0618-BB39A7A00E45}"/>
+              </a:ext>
+            </a:extLst>
+          </p:cNvPr>
+          <p:cNvCxnSpPr/>
+          <p:nvPr/>
+        </p:nvCxnSpPr>
+        <p:spPr>
+          <a:xfrm>
+            <a:off x="327377" y="4475331"/>
+            <a:ext cx="3048000" cy="0"/>
+          </a:xfrm>
+          <a:prstGeom prst="line">
+            <a:avLst/>
+          </a:prstGeom>
+          <a:ln w="9525">
+            <a:solidFill>
+              <a:schemeClr val="tx1"/>
+            </a:solidFill>
+          </a:ln>
+        </p:spPr>
+        <p:style>
+          <a:lnRef idx="1">
+            <a:schemeClr val="accent1"/>
+          </a:lnRef>
+          <a:fillRef idx="0">
+            <a:schemeClr val="accent1"/>
+          </a:fillRef>
+          <a:effectRef idx="0">
+            <a:schemeClr val="accent1"/>
+          </a:effectRef>
+          <a:fontRef idx="minor">
+            <a:schemeClr val="tx1"/>
+          </a:fontRef>
+        </p:style>
+      </p:cxnSp>
+      <p:sp>
+        <p:nvSpPr>
+          <p:cNvPr id="18" name="TextBox 17">
+            <a:extLst>
+              <a:ext uri="{FF2B5EF4-FFF2-40B4-BE49-F238E27FC236}">
+                <a16:creationId xmlns:a16="http://schemas.microsoft.com/office/drawing/2014/main" id="{4A9DADFC-A1A6-503C-3C5B-AFC7E3775FB0}"/>
+              </a:ext>
+            </a:extLst>
+          </p:cNvPr>
+          <p:cNvSpPr txBox="1"/>
+          <p:nvPr/>
+        </p:nvSpPr>
+        <p:spPr>
+          <a:xfrm>
+            <a:off x="1173403" y="5094565"/>
+            <a:ext cx="1677062" cy="246221"/>
+          </a:xfrm>
+          <a:prstGeom prst="rect">
+            <a:avLst/>
+          </a:prstGeom>
+          <a:noFill/>
+        </p:spPr>
+        <p:txBody>
+          <a:bodyPr wrap="none" rtlCol="0">
+            <a:spAutoFit/>
+          </a:bodyPr>
+          <a:lstStyle/>
+          <a:p>
+            <a:r>
+              <a:rPr lang="en-US" sz="1000" dirty="0"/>
+              <a:t>only multiplicative negative</a:t>
+            </a:r>
+          </a:p>
+        </p:txBody>
+      </p:sp>
+      <p:pic>
+        <p:nvPicPr>
+          <p:cNvPr id="19" name="Picture 18">
+            <a:extLst>
+              <a:ext uri="{FF2B5EF4-FFF2-40B4-BE49-F238E27FC236}">
+                <a16:creationId xmlns:a16="http://schemas.microsoft.com/office/drawing/2014/main" id="{9E3E2935-1071-4B03-28C9-36039961E65D}"/>
+              </a:ext>
+            </a:extLst>
+          </p:cNvPr>
+          <p:cNvPicPr>
+            <a:picLocks noChangeAspect="1"/>
+          </p:cNvPicPr>
+          <p:nvPr/>
+        </p:nvPicPr>
+        <p:blipFill rotWithShape="1">
+          <a:blip r:embed="rId4"/>
+          <a:srcRect l="57265"/>
+          <a:stretch/>
+        </p:blipFill>
+        <p:spPr>
+          <a:xfrm>
+            <a:off x="10080343" y="3304470"/>
+            <a:ext cx="1677063" cy="2095500"/>
+          </a:xfrm>
+          <a:prstGeom prst="rect">
+            <a:avLst/>
+          </a:prstGeom>
+        </p:spPr>
+      </p:pic>
+      <p:sp>
+        <p:nvSpPr>
+          <p:cNvPr id="20" name="TextBox 19">
+            <a:extLst>
+              <a:ext uri="{FF2B5EF4-FFF2-40B4-BE49-F238E27FC236}">
+                <a16:creationId xmlns:a16="http://schemas.microsoft.com/office/drawing/2014/main" id="{18612750-C8E9-438D-1F69-D3EF28E5E4E8}"/>
+              </a:ext>
+            </a:extLst>
+          </p:cNvPr>
+          <p:cNvSpPr txBox="1"/>
+          <p:nvPr/>
+        </p:nvSpPr>
+        <p:spPr>
+          <a:xfrm>
+            <a:off x="7788057" y="3657303"/>
+            <a:ext cx="2345514" cy="246221"/>
+          </a:xfrm>
+          <a:prstGeom prst="rect">
+            <a:avLst/>
+          </a:prstGeom>
+          <a:noFill/>
+        </p:spPr>
+        <p:txBody>
+          <a:bodyPr wrap="none" rtlCol="0">
+            <a:spAutoFit/>
+          </a:bodyPr>
+          <a:lstStyle/>
+          <a:p>
+            <a:r>
+              <a:rPr lang="en-US" sz="1000" dirty="0"/>
+              <a:t>both multiplicative and cumulant positive</a:t>
+            </a:r>
+          </a:p>
+        </p:txBody>
+      </p:sp>
+      <p:sp>
+        <p:nvSpPr>
+          <p:cNvPr id="21" name="TextBox 20">
+            <a:extLst>
+              <a:ext uri="{FF2B5EF4-FFF2-40B4-BE49-F238E27FC236}">
+                <a16:creationId xmlns:a16="http://schemas.microsoft.com/office/drawing/2014/main" id="{A2C494BD-524A-02DB-3C1B-6AB299000AA7}"/>
+              </a:ext>
+            </a:extLst>
+          </p:cNvPr>
+          <p:cNvSpPr txBox="1"/>
+          <p:nvPr/>
+        </p:nvSpPr>
+        <p:spPr>
+          <a:xfrm>
+            <a:off x="7788057" y="3929624"/>
+            <a:ext cx="1362874" cy="246221"/>
+          </a:xfrm>
+          <a:prstGeom prst="rect">
+            <a:avLst/>
+          </a:prstGeom>
+          <a:noFill/>
+        </p:spPr>
+        <p:txBody>
+          <a:bodyPr wrap="none" rtlCol="0">
+            <a:spAutoFit/>
+          </a:bodyPr>
+          <a:lstStyle/>
+          <a:p>
+            <a:r>
+              <a:rPr lang="en-US" sz="1000" dirty="0"/>
+              <a:t>only cumulant positive</a:t>
+            </a:r>
+          </a:p>
+        </p:txBody>
+      </p:sp>
+      <p:sp>
+        <p:nvSpPr>
+          <p:cNvPr id="22" name="TextBox 21">
+            <a:extLst>
+              <a:ext uri="{FF2B5EF4-FFF2-40B4-BE49-F238E27FC236}">
+                <a16:creationId xmlns:a16="http://schemas.microsoft.com/office/drawing/2014/main" id="{C8FD94B6-361A-D95A-E9CB-08354396952A}"/>
+              </a:ext>
+            </a:extLst>
+          </p:cNvPr>
+          <p:cNvSpPr txBox="1"/>
+          <p:nvPr/>
+        </p:nvSpPr>
+        <p:spPr>
+          <a:xfrm>
+            <a:off x="7788057" y="4213234"/>
+            <a:ext cx="1576072" cy="246221"/>
+          </a:xfrm>
+          <a:prstGeom prst="rect">
+            <a:avLst/>
+          </a:prstGeom>
+          <a:noFill/>
+        </p:spPr>
+        <p:txBody>
+          <a:bodyPr wrap="none" rtlCol="0">
+            <a:spAutoFit/>
+          </a:bodyPr>
+          <a:lstStyle/>
+          <a:p>
+            <a:r>
+              <a:rPr lang="en-US" sz="1000" dirty="0"/>
+              <a:t>only multiplicative positive</a:t>
+            </a:r>
+          </a:p>
+        </p:txBody>
+      </p:sp>
+      <p:sp>
+        <p:nvSpPr>
+          <p:cNvPr id="23" name="TextBox 22">
+            <a:extLst>
+              <a:ext uri="{FF2B5EF4-FFF2-40B4-BE49-F238E27FC236}">
+                <a16:creationId xmlns:a16="http://schemas.microsoft.com/office/drawing/2014/main" id="{8DAFCF47-850A-5271-2F83-29597DE974CD}"/>
+              </a:ext>
+            </a:extLst>
+          </p:cNvPr>
+          <p:cNvSpPr txBox="1"/>
+          <p:nvPr/>
+        </p:nvSpPr>
+        <p:spPr>
+          <a:xfrm>
+            <a:off x="7788057" y="4509518"/>
+            <a:ext cx="2385589" cy="246221"/>
+          </a:xfrm>
+          <a:prstGeom prst="rect">
+            <a:avLst/>
+          </a:prstGeom>
+          <a:noFill/>
+        </p:spPr>
+        <p:txBody>
+          <a:bodyPr wrap="none" rtlCol="0">
+            <a:spAutoFit/>
+          </a:bodyPr>
+          <a:lstStyle/>
+          <a:p>
+            <a:r>
+              <a:rPr lang="en-US" sz="1000" dirty="0"/>
+              <a:t>both multiplicative and cumulant negative</a:t>
+            </a:r>
+          </a:p>
+        </p:txBody>
+      </p:sp>
+      <p:sp>
+        <p:nvSpPr>
+          <p:cNvPr id="24" name="TextBox 23">
+            <a:extLst>
+              <a:ext uri="{FF2B5EF4-FFF2-40B4-BE49-F238E27FC236}">
+                <a16:creationId xmlns:a16="http://schemas.microsoft.com/office/drawing/2014/main" id="{8D0EA86D-8A7B-F2D4-2812-8193FC4DD013}"/>
+              </a:ext>
+            </a:extLst>
+          </p:cNvPr>
+          <p:cNvSpPr txBox="1"/>
+          <p:nvPr/>
+        </p:nvSpPr>
+        <p:spPr>
+          <a:xfrm>
+            <a:off x="7788057" y="4781839"/>
+            <a:ext cx="1402948" cy="246221"/>
+          </a:xfrm>
+          <a:prstGeom prst="rect">
+            <a:avLst/>
+          </a:prstGeom>
+          <a:noFill/>
+        </p:spPr>
+        <p:txBody>
+          <a:bodyPr wrap="none" rtlCol="0">
+            <a:spAutoFit/>
+          </a:bodyPr>
+          <a:lstStyle/>
+          <a:p>
+            <a:r>
+              <a:rPr lang="en-US" sz="1000" dirty="0"/>
+              <a:t>only cumulant negative</a:t>
+            </a:r>
+          </a:p>
+        </p:txBody>
+      </p:sp>
+      <p:cxnSp>
+        <p:nvCxnSpPr>
+          <p:cNvPr id="25" name="Straight Connector 24">
+            <a:extLst>
+              <a:ext uri="{FF2B5EF4-FFF2-40B4-BE49-F238E27FC236}">
+                <a16:creationId xmlns:a16="http://schemas.microsoft.com/office/drawing/2014/main" id="{B2B101AB-7CB8-DE86-52E6-6DDBC6E8F18A}"/>
+              </a:ext>
+            </a:extLst>
+          </p:cNvPr>
+          <p:cNvCxnSpPr/>
+          <p:nvPr/>
+        </p:nvCxnSpPr>
+        <p:spPr>
+          <a:xfrm>
+            <a:off x="6942031" y="4459455"/>
+            <a:ext cx="3048000" cy="0"/>
+          </a:xfrm>
+          <a:prstGeom prst="line">
+            <a:avLst/>
+          </a:prstGeom>
+          <a:ln w="9525">
+            <a:solidFill>
+              <a:schemeClr val="tx1"/>
+            </a:solidFill>
+          </a:ln>
+        </p:spPr>
+        <p:style>
+          <a:lnRef idx="1">
+            <a:schemeClr val="accent1"/>
+          </a:lnRef>
+          <a:fillRef idx="0">
+            <a:schemeClr val="accent1"/>
+          </a:fillRef>
+          <a:effectRef idx="0">
+            <a:schemeClr val="accent1"/>
+          </a:effectRef>
+          <a:fontRef idx="minor">
+            <a:schemeClr val="tx1"/>
+          </a:fontRef>
+        </p:style>
+      </p:cxnSp>
+      <p:sp>
+        <p:nvSpPr>
+          <p:cNvPr id="26" name="TextBox 25">
+            <a:extLst>
+              <a:ext uri="{FF2B5EF4-FFF2-40B4-BE49-F238E27FC236}">
+                <a16:creationId xmlns:a16="http://schemas.microsoft.com/office/drawing/2014/main" id="{3144EAE7-B524-DC8F-2CCF-357A704FA8CE}"/>
+              </a:ext>
+            </a:extLst>
+          </p:cNvPr>
+          <p:cNvSpPr txBox="1"/>
+          <p:nvPr/>
+        </p:nvSpPr>
+        <p:spPr>
+          <a:xfrm>
+            <a:off x="7788057" y="5078689"/>
+            <a:ext cx="1677062" cy="246221"/>
+          </a:xfrm>
+          <a:prstGeom prst="rect">
+            <a:avLst/>
+          </a:prstGeom>
+          <a:noFill/>
+        </p:spPr>
+        <p:txBody>
+          <a:bodyPr wrap="none" rtlCol="0">
+            <a:spAutoFit/>
+          </a:bodyPr>
+          <a:lstStyle/>
+          <a:p>
+            <a:r>
+              <a:rPr lang="en-US" sz="1000" dirty="0"/>
+              <a:t>only multiplicative negative</a:t>
+            </a:r>
+          </a:p>
+        </p:txBody>
+      </p:sp>
+      <p:sp>
+        <p:nvSpPr>
+          <p:cNvPr id="28" name="TextBox 27">
+            <a:extLst>
+              <a:ext uri="{FF2B5EF4-FFF2-40B4-BE49-F238E27FC236}">
+                <a16:creationId xmlns:a16="http://schemas.microsoft.com/office/drawing/2014/main" id="{3A5EC6CA-BCDB-7363-FF4E-96B0F6576162}"/>
+              </a:ext>
+            </a:extLst>
+          </p:cNvPr>
+          <p:cNvSpPr txBox="1"/>
+          <p:nvPr/>
+        </p:nvSpPr>
+        <p:spPr>
+          <a:xfrm>
+            <a:off x="954157" y="1099930"/>
+            <a:ext cx="2146870" cy="1477328"/>
+          </a:xfrm>
+          <a:prstGeom prst="rect">
+            <a:avLst/>
+          </a:prstGeom>
+          <a:noFill/>
+        </p:spPr>
+        <p:txBody>
+          <a:bodyPr wrap="none" rtlCol="0">
+            <a:spAutoFit/>
+          </a:bodyPr>
+          <a:lstStyle/>
+          <a:p>
+            <a:r>
+              <a:rPr lang="en-US" dirty="0" err="1"/>
+              <a:t>cmulant</a:t>
+            </a:r>
+            <a:r>
+              <a:rPr lang="en-US" dirty="0"/>
+              <a:t> +/- 0.08</a:t>
+            </a:r>
+          </a:p>
+          <a:p>
+            <a:r>
+              <a:rPr lang="en-US" dirty="0"/>
+              <a:t>p &lt; 0.05</a:t>
+            </a:r>
+          </a:p>
+          <a:p>
+            <a:endParaRPr lang="en-US" dirty="0"/>
+          </a:p>
+          <a:p>
+            <a:r>
+              <a:rPr lang="en-US" dirty="0" err="1"/>
+              <a:t>mulitplicative</a:t>
+            </a:r>
+            <a:r>
+              <a:rPr lang="en-US" dirty="0"/>
+              <a:t> 0.9,1.1</a:t>
+            </a:r>
+          </a:p>
+          <a:p>
+            <a:r>
+              <a:rPr lang="en-US" dirty="0"/>
+              <a:t>p &lt; 0.05</a:t>
+            </a:r>
+          </a:p>
+        </p:txBody>
+      </p:sp>
+    </p:spTree>
+    <p:extLst>
+      <p:ext uri="{BB962C8B-B14F-4D97-AF65-F5344CB8AC3E}">
+        <p14:creationId xmlns:p14="http://schemas.microsoft.com/office/powerpoint/2010/main" val="3249469282"/>
+      </p:ext>
+    </p:extLst>
+  </p:cSld>
+  <p:clrMapOvr>
+    <a:masterClrMapping/>
+  </p:clrMapOvr>
+</p:sld>
+</file>
+
+<file path=ppt/slides/slide26.xml><?xml version="1.0" encoding="utf-8"?>
+<p:sld xmlns:a="http://schemas.openxmlformats.org/drawingml/2006/main" xmlns:r="http://schemas.openxmlformats.org/officeDocument/2006/relationships" xmlns:p="http://schemas.openxmlformats.org/presentationml/2006/main">
+  <p:cSld>
+    <p:spTree>
+      <p:nvGrpSpPr>
+        <p:cNvPr id="1" name=""/>
+        <p:cNvGrpSpPr/>
+        <p:nvPr/>
+      </p:nvGrpSpPr>
+      <p:grpSpPr>
+        <a:xfrm>
+          <a:off x="0" y="0"/>
+          <a:ext cx="0" cy="0"/>
+          <a:chOff x="0" y="0"/>
+          <a:chExt cx="0" cy="0"/>
+        </a:xfrm>
+      </p:grpSpPr>
+      <p:sp>
+        <p:nvSpPr>
+          <p:cNvPr id="6" name="TextBox 5">
+            <a:extLst>
+              <a:ext uri="{FF2B5EF4-FFF2-40B4-BE49-F238E27FC236}">
+                <a16:creationId xmlns:a16="http://schemas.microsoft.com/office/drawing/2014/main" id="{4B45AC35-A8A4-D444-A70C-B9BB95526EEA}"/>
+              </a:ext>
+            </a:extLst>
+          </p:cNvPr>
+          <p:cNvSpPr txBox="1"/>
+          <p:nvPr/>
+        </p:nvSpPr>
+        <p:spPr>
+          <a:xfrm>
+            <a:off x="0" y="23673"/>
+            <a:ext cx="4330673" cy="523220"/>
+          </a:xfrm>
+          <a:prstGeom prst="rect">
+            <a:avLst/>
+          </a:prstGeom>
+          <a:noFill/>
+        </p:spPr>
+        <p:txBody>
+          <a:bodyPr wrap="none" rtlCol="0">
+            <a:spAutoFit/>
+          </a:bodyPr>
+          <a:lstStyle/>
+          <a:p>
+            <a:r>
+              <a:rPr lang="en-US" sz="2800" dirty="0" err="1"/>
+              <a:t>Kuzmin</a:t>
+            </a:r>
+            <a:r>
+              <a:rPr lang="en-US" sz="2800" dirty="0"/>
+              <a:t> 2020 outlier analysis</a:t>
+            </a:r>
+          </a:p>
+        </p:txBody>
+      </p:sp>
+      <p:pic>
+        <p:nvPicPr>
+          <p:cNvPr id="3" name="Picture 2">
+            <a:extLst>
+              <a:ext uri="{FF2B5EF4-FFF2-40B4-BE49-F238E27FC236}">
+                <a16:creationId xmlns:a16="http://schemas.microsoft.com/office/drawing/2014/main" id="{63FDAADD-3A70-611B-FBE6-001D1B43838F}"/>
+              </a:ext>
+            </a:extLst>
+          </p:cNvPr>
+          <p:cNvPicPr>
+            <a:picLocks noChangeAspect="1"/>
+          </p:cNvPicPr>
+          <p:nvPr/>
+        </p:nvPicPr>
+        <p:blipFill>
+          <a:blip r:embed="rId2"/>
+          <a:stretch>
+            <a:fillRect/>
+          </a:stretch>
+        </p:blipFill>
+        <p:spPr>
+          <a:xfrm>
+            <a:off x="276816" y="1595680"/>
+            <a:ext cx="11328400" cy="4038600"/>
+          </a:xfrm>
+          <a:prstGeom prst="rect">
+            <a:avLst/>
+          </a:prstGeom>
+        </p:spPr>
+      </p:pic>
+      <p:sp>
+        <p:nvSpPr>
+          <p:cNvPr id="11" name="TextBox 10">
+            <a:extLst>
+              <a:ext uri="{FF2B5EF4-FFF2-40B4-BE49-F238E27FC236}">
+                <a16:creationId xmlns:a16="http://schemas.microsoft.com/office/drawing/2014/main" id="{1C009BBD-85F9-0392-8AB1-87AD581EF530}"/>
+              </a:ext>
+            </a:extLst>
+          </p:cNvPr>
+          <p:cNvSpPr txBox="1"/>
+          <p:nvPr/>
+        </p:nvSpPr>
+        <p:spPr>
+          <a:xfrm>
+            <a:off x="1718102" y="949349"/>
+            <a:ext cx="3402150" cy="646331"/>
+          </a:xfrm>
+          <a:prstGeom prst="rect">
+            <a:avLst/>
+          </a:prstGeom>
+          <a:noFill/>
+        </p:spPr>
+        <p:txBody>
+          <a:bodyPr wrap="none" rtlCol="0">
+            <a:spAutoFit/>
+          </a:bodyPr>
+          <a:lstStyle/>
+          <a:p>
+            <a:pPr algn="ctr"/>
+            <a:r>
+              <a:rPr lang="en-US" dirty="0"/>
+              <a:t>multiplicative significantly positive</a:t>
+            </a:r>
+          </a:p>
+          <a:p>
+            <a:pPr algn="ctr"/>
+            <a:r>
+              <a:rPr lang="en-US" dirty="0"/>
+              <a:t>cumulant not</a:t>
+            </a:r>
+          </a:p>
+        </p:txBody>
+      </p:sp>
+      <p:sp>
+        <p:nvSpPr>
+          <p:cNvPr id="14" name="TextBox 13">
+            <a:extLst>
+              <a:ext uri="{FF2B5EF4-FFF2-40B4-BE49-F238E27FC236}">
+                <a16:creationId xmlns:a16="http://schemas.microsoft.com/office/drawing/2014/main" id="{98EAE1E4-3021-4D7C-B351-063704027E15}"/>
+              </a:ext>
+            </a:extLst>
+          </p:cNvPr>
+          <p:cNvSpPr txBox="1"/>
+          <p:nvPr/>
+        </p:nvSpPr>
+        <p:spPr>
+          <a:xfrm>
+            <a:off x="7541821" y="949349"/>
+            <a:ext cx="3466270" cy="646331"/>
+          </a:xfrm>
+          <a:prstGeom prst="rect">
+            <a:avLst/>
+          </a:prstGeom>
+          <a:noFill/>
+        </p:spPr>
+        <p:txBody>
+          <a:bodyPr wrap="none" rtlCol="0">
+            <a:spAutoFit/>
+          </a:bodyPr>
+          <a:lstStyle/>
+          <a:p>
+            <a:pPr algn="ctr"/>
+            <a:r>
+              <a:rPr lang="en-US" dirty="0"/>
+              <a:t>multiplicative significantly negative</a:t>
+            </a:r>
+          </a:p>
+          <a:p>
+            <a:pPr algn="ctr"/>
+            <a:r>
+              <a:rPr lang="en-US" dirty="0"/>
+              <a:t>cumulant not</a:t>
+            </a:r>
+          </a:p>
+        </p:txBody>
+      </p:sp>
+      <p:cxnSp>
+        <p:nvCxnSpPr>
+          <p:cNvPr id="5" name="Straight Arrow Connector 4">
+            <a:extLst>
+              <a:ext uri="{FF2B5EF4-FFF2-40B4-BE49-F238E27FC236}">
+                <a16:creationId xmlns:a16="http://schemas.microsoft.com/office/drawing/2014/main" id="{5D98C881-0002-DAF2-0B7B-D2E139B61649}"/>
+              </a:ext>
+            </a:extLst>
+          </p:cNvPr>
+          <p:cNvCxnSpPr/>
+          <p:nvPr/>
+        </p:nvCxnSpPr>
+        <p:spPr>
+          <a:xfrm flipV="1">
+            <a:off x="1718102" y="5262320"/>
+            <a:ext cx="312176" cy="813015"/>
+          </a:xfrm>
+          <a:prstGeom prst="straightConnector1">
+            <a:avLst/>
+          </a:prstGeom>
+          <a:ln w="19050">
+            <a:solidFill>
+              <a:schemeClr val="tx1"/>
+            </a:solidFill>
+            <a:tailEnd type="triangle"/>
+          </a:ln>
+        </p:spPr>
+        <p:style>
+          <a:lnRef idx="1">
+            <a:schemeClr val="accent1"/>
+          </a:lnRef>
+          <a:fillRef idx="0">
+            <a:schemeClr val="accent1"/>
+          </a:fillRef>
+          <a:effectRef idx="0">
+            <a:schemeClr val="accent1"/>
+          </a:effectRef>
+          <a:fontRef idx="minor">
+            <a:schemeClr val="tx1"/>
+          </a:fontRef>
+        </p:style>
+      </p:cxnSp>
+      <p:sp>
+        <p:nvSpPr>
+          <p:cNvPr id="7" name="TextBox 6">
+            <a:extLst>
+              <a:ext uri="{FF2B5EF4-FFF2-40B4-BE49-F238E27FC236}">
+                <a16:creationId xmlns:a16="http://schemas.microsoft.com/office/drawing/2014/main" id="{DDA4666A-E883-FD5A-5B31-CE4467C33A09}"/>
+              </a:ext>
+            </a:extLst>
+          </p:cNvPr>
+          <p:cNvSpPr txBox="1"/>
+          <p:nvPr/>
+        </p:nvSpPr>
+        <p:spPr>
+          <a:xfrm>
+            <a:off x="719847" y="6095945"/>
+            <a:ext cx="1996509" cy="369332"/>
+          </a:xfrm>
+          <a:prstGeom prst="rect">
+            <a:avLst/>
+          </a:prstGeom>
+          <a:noFill/>
+        </p:spPr>
+        <p:txBody>
+          <a:bodyPr wrap="none" rtlCol="0">
+            <a:spAutoFit/>
+          </a:bodyPr>
+          <a:lstStyle/>
+          <a:p>
+            <a:r>
+              <a:rPr lang="en-US" dirty="0"/>
+              <a:t>cumulant negative!</a:t>
+            </a:r>
+          </a:p>
+        </p:txBody>
+      </p:sp>
+      <p:cxnSp>
+        <p:nvCxnSpPr>
+          <p:cNvPr id="16" name="Straight Arrow Connector 15">
+            <a:extLst>
+              <a:ext uri="{FF2B5EF4-FFF2-40B4-BE49-F238E27FC236}">
+                <a16:creationId xmlns:a16="http://schemas.microsoft.com/office/drawing/2014/main" id="{F50E771C-5ED3-C749-1E1C-CC721360C23E}"/>
+              </a:ext>
+            </a:extLst>
+          </p:cNvPr>
+          <p:cNvCxnSpPr>
+            <a:cxnSpLocks/>
+          </p:cNvCxnSpPr>
+          <p:nvPr/>
+        </p:nvCxnSpPr>
+        <p:spPr>
+          <a:xfrm flipH="1" flipV="1">
+            <a:off x="9236990" y="5262320"/>
+            <a:ext cx="553146" cy="822006"/>
+          </a:xfrm>
+          <a:prstGeom prst="straightConnector1">
+            <a:avLst/>
+          </a:prstGeom>
+          <a:ln w="19050">
+            <a:solidFill>
+              <a:schemeClr val="tx1"/>
+            </a:solidFill>
+            <a:tailEnd type="triangle"/>
+          </a:ln>
+        </p:spPr>
+        <p:style>
+          <a:lnRef idx="1">
+            <a:schemeClr val="accent1"/>
+          </a:lnRef>
+          <a:fillRef idx="0">
+            <a:schemeClr val="accent1"/>
+          </a:fillRef>
+          <a:effectRef idx="0">
+            <a:schemeClr val="accent1"/>
+          </a:effectRef>
+          <a:fontRef idx="minor">
+            <a:schemeClr val="tx1"/>
+          </a:fontRef>
+        </p:style>
+      </p:cxnSp>
+      <p:sp>
+        <p:nvSpPr>
+          <p:cNvPr id="17" name="TextBox 16">
+            <a:extLst>
+              <a:ext uri="{FF2B5EF4-FFF2-40B4-BE49-F238E27FC236}">
+                <a16:creationId xmlns:a16="http://schemas.microsoft.com/office/drawing/2014/main" id="{4B6902C7-2326-25B7-61E8-38FB6EEC6DF9}"/>
+              </a:ext>
+            </a:extLst>
+          </p:cNvPr>
+          <p:cNvSpPr txBox="1"/>
+          <p:nvPr/>
+        </p:nvSpPr>
+        <p:spPr>
+          <a:xfrm>
+            <a:off x="8791881" y="6104936"/>
+            <a:ext cx="2198807" cy="646331"/>
+          </a:xfrm>
+          <a:prstGeom prst="rect">
+            <a:avLst/>
+          </a:prstGeom>
+          <a:noFill/>
+        </p:spPr>
+        <p:txBody>
+          <a:bodyPr wrap="none" rtlCol="0">
+            <a:spAutoFit/>
+          </a:bodyPr>
+          <a:lstStyle/>
+          <a:p>
+            <a:pPr algn="ctr"/>
+            <a:r>
+              <a:rPr lang="en-US" dirty="0"/>
+              <a:t>cumulant positive!</a:t>
+            </a:r>
+          </a:p>
+          <a:p>
+            <a:pPr algn="ctr"/>
+            <a:r>
+              <a:rPr lang="en-US" dirty="0"/>
+              <a:t>some significantly so!</a:t>
+            </a:r>
+          </a:p>
+        </p:txBody>
+      </p:sp>
+    </p:spTree>
+    <p:extLst>
+      <p:ext uri="{BB962C8B-B14F-4D97-AF65-F5344CB8AC3E}">
+        <p14:creationId xmlns:p14="http://schemas.microsoft.com/office/powerpoint/2010/main" val="170784477"/>
+      </p:ext>
+    </p:extLst>
+  </p:cSld>
+  <p:clrMapOvr>
+    <a:masterClrMapping/>
+  </p:clrMapOvr>
+</p:sld>
+</file>
+
+<file path=ppt/slides/slide27.xml><?xml version="1.0" encoding="utf-8"?>
+<p:sld xmlns:a="http://schemas.openxmlformats.org/drawingml/2006/main" xmlns:r="http://schemas.openxmlformats.org/officeDocument/2006/relationships" xmlns:p="http://schemas.openxmlformats.org/presentationml/2006/main">
+  <p:cSld>
+    <p:spTree>
+      <p:nvGrpSpPr>
+        <p:cNvPr id="1" name=""/>
+        <p:cNvGrpSpPr/>
+        <p:nvPr/>
+      </p:nvGrpSpPr>
+      <p:grpSpPr>
+        <a:xfrm>
+          <a:off x="0" y="0"/>
+          <a:ext cx="0" cy="0"/>
+          <a:chOff x="0" y="0"/>
+          <a:chExt cx="0" cy="0"/>
+        </a:xfrm>
+      </p:grpSpPr>
+      <p:sp>
+        <p:nvSpPr>
+          <p:cNvPr id="6" name="TextBox 5">
+            <a:extLst>
+              <a:ext uri="{FF2B5EF4-FFF2-40B4-BE49-F238E27FC236}">
+                <a16:creationId xmlns:a16="http://schemas.microsoft.com/office/drawing/2014/main" id="{4B45AC35-A8A4-D444-A70C-B9BB95526EEA}"/>
+              </a:ext>
+            </a:extLst>
+          </p:cNvPr>
+          <p:cNvSpPr txBox="1"/>
+          <p:nvPr/>
+        </p:nvSpPr>
+        <p:spPr>
+          <a:xfrm>
+            <a:off x="0" y="23673"/>
+            <a:ext cx="4330673" cy="523220"/>
+          </a:xfrm>
+          <a:prstGeom prst="rect">
+            <a:avLst/>
+          </a:prstGeom>
+          <a:noFill/>
+        </p:spPr>
+        <p:txBody>
+          <a:bodyPr wrap="none" rtlCol="0">
+            <a:spAutoFit/>
+          </a:bodyPr>
+          <a:lstStyle/>
+          <a:p>
+            <a:r>
+              <a:rPr lang="en-US" sz="2800" dirty="0" err="1"/>
+              <a:t>Kuzmin</a:t>
+            </a:r>
+            <a:r>
+              <a:rPr lang="en-US" sz="2800" dirty="0"/>
+              <a:t> 2020 outlier analysis</a:t>
+            </a:r>
+          </a:p>
+        </p:txBody>
+      </p:sp>
+      <p:sp>
+        <p:nvSpPr>
+          <p:cNvPr id="11" name="TextBox 10">
+            <a:extLst>
+              <a:ext uri="{FF2B5EF4-FFF2-40B4-BE49-F238E27FC236}">
+                <a16:creationId xmlns:a16="http://schemas.microsoft.com/office/drawing/2014/main" id="{1C009BBD-85F9-0392-8AB1-87AD581EF530}"/>
+              </a:ext>
+            </a:extLst>
+          </p:cNvPr>
+          <p:cNvSpPr txBox="1"/>
+          <p:nvPr/>
+        </p:nvSpPr>
+        <p:spPr>
+          <a:xfrm>
+            <a:off x="432201" y="726455"/>
+            <a:ext cx="3466270" cy="646331"/>
+          </a:xfrm>
+          <a:prstGeom prst="rect">
+            <a:avLst/>
+          </a:prstGeom>
+          <a:noFill/>
+        </p:spPr>
+        <p:txBody>
+          <a:bodyPr wrap="none" rtlCol="0">
+            <a:spAutoFit/>
+          </a:bodyPr>
+          <a:lstStyle/>
+          <a:p>
+            <a:pPr algn="ctr"/>
+            <a:r>
+              <a:rPr lang="en-US" dirty="0"/>
+              <a:t>multiplicative significantly negative</a:t>
+            </a:r>
+          </a:p>
+          <a:p>
+            <a:pPr algn="ctr"/>
+            <a:r>
+              <a:rPr lang="en-US" dirty="0"/>
+              <a:t>cumulant positive</a:t>
+            </a:r>
+          </a:p>
+        </p:txBody>
+      </p:sp>
+      <p:pic>
+        <p:nvPicPr>
+          <p:cNvPr id="4" name="Picture 3">
+            <a:extLst>
+              <a:ext uri="{FF2B5EF4-FFF2-40B4-BE49-F238E27FC236}">
+                <a16:creationId xmlns:a16="http://schemas.microsoft.com/office/drawing/2014/main" id="{B8AF901D-FB37-73B8-00D9-55BBFA330125}"/>
+              </a:ext>
+            </a:extLst>
+          </p:cNvPr>
+          <p:cNvPicPr>
+            <a:picLocks noChangeAspect="1"/>
+          </p:cNvPicPr>
+          <p:nvPr/>
+        </p:nvPicPr>
+        <p:blipFill rotWithShape="1">
+          <a:blip r:embed="rId3"/>
+          <a:srcRect l="7775"/>
+          <a:stretch/>
+        </p:blipFill>
+        <p:spPr>
+          <a:xfrm>
+            <a:off x="29545" y="1597992"/>
+            <a:ext cx="6066455" cy="5262320"/>
+          </a:xfrm>
+          <a:prstGeom prst="rect">
+            <a:avLst/>
+          </a:prstGeom>
+        </p:spPr>
+      </p:pic>
+      <p:pic>
+        <p:nvPicPr>
+          <p:cNvPr id="9" name="Picture 8">
+            <a:extLst>
+              <a:ext uri="{FF2B5EF4-FFF2-40B4-BE49-F238E27FC236}">
+                <a16:creationId xmlns:a16="http://schemas.microsoft.com/office/drawing/2014/main" id="{A9FED1E6-ACBA-2761-B32A-4A073A4F65F6}"/>
+              </a:ext>
+            </a:extLst>
+          </p:cNvPr>
+          <p:cNvPicPr>
+            <a:picLocks noChangeAspect="1"/>
+          </p:cNvPicPr>
+          <p:nvPr/>
+        </p:nvPicPr>
+        <p:blipFill rotWithShape="1">
+          <a:blip r:embed="rId4"/>
+          <a:srcRect l="8853"/>
+          <a:stretch/>
+        </p:blipFill>
+        <p:spPr>
+          <a:xfrm>
+            <a:off x="6261315" y="768208"/>
+            <a:ext cx="5935626" cy="6094416"/>
           </a:xfrm>
           <a:prstGeom prst="rect">
             <a:avLst/>
@@ -10908,7 +16524,206 @@
     </p:spTree>
     <p:extLst>
       <p:ext uri="{BB962C8B-B14F-4D97-AF65-F5344CB8AC3E}">
-        <p14:creationId xmlns:p14="http://schemas.microsoft.com/office/powerpoint/2010/main" val="2365913692"/>
+        <p14:creationId xmlns:p14="http://schemas.microsoft.com/office/powerpoint/2010/main" val="1036990745"/>
+      </p:ext>
+    </p:extLst>
+  </p:cSld>
+  <p:clrMapOvr>
+    <a:masterClrMapping/>
+  </p:clrMapOvr>
+</p:sld>
+</file>
+
+<file path=ppt/slides/slide28.xml><?xml version="1.0" encoding="utf-8"?>
+<p:sld xmlns:a="http://schemas.openxmlformats.org/drawingml/2006/main" xmlns:r="http://schemas.openxmlformats.org/officeDocument/2006/relationships" xmlns:p="http://schemas.openxmlformats.org/presentationml/2006/main">
+  <p:cSld>
+    <p:spTree>
+      <p:nvGrpSpPr>
+        <p:cNvPr id="1" name=""/>
+        <p:cNvGrpSpPr/>
+        <p:nvPr/>
+      </p:nvGrpSpPr>
+      <p:grpSpPr>
+        <a:xfrm>
+          <a:off x="0" y="0"/>
+          <a:ext cx="0" cy="0"/>
+          <a:chOff x="0" y="0"/>
+          <a:chExt cx="0" cy="0"/>
+        </a:xfrm>
+      </p:grpSpPr>
+      <p:sp>
+        <p:nvSpPr>
+          <p:cNvPr id="6" name="TextBox 5">
+            <a:extLst>
+              <a:ext uri="{FF2B5EF4-FFF2-40B4-BE49-F238E27FC236}">
+                <a16:creationId xmlns:a16="http://schemas.microsoft.com/office/drawing/2014/main" id="{4B45AC35-A8A4-D444-A70C-B9BB95526EEA}"/>
+              </a:ext>
+            </a:extLst>
+          </p:cNvPr>
+          <p:cNvSpPr txBox="1"/>
+          <p:nvPr/>
+        </p:nvSpPr>
+        <p:spPr>
+          <a:xfrm>
+            <a:off x="0" y="23673"/>
+            <a:ext cx="4330673" cy="523220"/>
+          </a:xfrm>
+          <a:prstGeom prst="rect">
+            <a:avLst/>
+          </a:prstGeom>
+          <a:noFill/>
+        </p:spPr>
+        <p:txBody>
+          <a:bodyPr wrap="none" rtlCol="0">
+            <a:spAutoFit/>
+          </a:bodyPr>
+          <a:lstStyle/>
+          <a:p>
+            <a:r>
+              <a:rPr lang="en-US" sz="2800" dirty="0" err="1"/>
+              <a:t>Kuzmin</a:t>
+            </a:r>
+            <a:r>
+              <a:rPr lang="en-US" sz="2800" dirty="0"/>
+              <a:t> 2020 outlier analysis</a:t>
+            </a:r>
+          </a:p>
+        </p:txBody>
+      </p:sp>
+      <p:sp>
+        <p:nvSpPr>
+          <p:cNvPr id="11" name="TextBox 10">
+            <a:extLst>
+              <a:ext uri="{FF2B5EF4-FFF2-40B4-BE49-F238E27FC236}">
+                <a16:creationId xmlns:a16="http://schemas.microsoft.com/office/drawing/2014/main" id="{1C009BBD-85F9-0392-8AB1-87AD581EF530}"/>
+              </a:ext>
+            </a:extLst>
+          </p:cNvPr>
+          <p:cNvSpPr txBox="1"/>
+          <p:nvPr/>
+        </p:nvSpPr>
+        <p:spPr>
+          <a:xfrm>
+            <a:off x="464263" y="726455"/>
+            <a:ext cx="3402150" cy="646331"/>
+          </a:xfrm>
+          <a:prstGeom prst="rect">
+            <a:avLst/>
+          </a:prstGeom>
+          <a:noFill/>
+        </p:spPr>
+        <p:txBody>
+          <a:bodyPr wrap="none" rtlCol="0">
+            <a:spAutoFit/>
+          </a:bodyPr>
+          <a:lstStyle/>
+          <a:p>
+            <a:pPr algn="ctr"/>
+            <a:r>
+              <a:rPr lang="en-US" dirty="0"/>
+              <a:t>multiplicative significantly positive</a:t>
+            </a:r>
+          </a:p>
+          <a:p>
+            <a:pPr algn="ctr"/>
+            <a:r>
+              <a:rPr lang="en-US" dirty="0"/>
+              <a:t>cumulant negative</a:t>
+            </a:r>
+          </a:p>
+        </p:txBody>
+      </p:sp>
+      <p:pic>
+        <p:nvPicPr>
+          <p:cNvPr id="3" name="Picture 2">
+            <a:extLst>
+              <a:ext uri="{FF2B5EF4-FFF2-40B4-BE49-F238E27FC236}">
+                <a16:creationId xmlns:a16="http://schemas.microsoft.com/office/drawing/2014/main" id="{C87413B9-8AAA-03A8-5AB3-F792278C7290}"/>
+              </a:ext>
+            </a:extLst>
+          </p:cNvPr>
+          <p:cNvPicPr>
+            <a:picLocks noChangeAspect="1"/>
+          </p:cNvPicPr>
+          <p:nvPr/>
+        </p:nvPicPr>
+        <p:blipFill rotWithShape="1">
+          <a:blip r:embed="rId3"/>
+          <a:srcRect l="8852"/>
+          <a:stretch/>
+        </p:blipFill>
+        <p:spPr>
+          <a:xfrm>
+            <a:off x="1274630" y="1901662"/>
+            <a:ext cx="8985569" cy="3724221"/>
+          </a:xfrm>
+          <a:prstGeom prst="rect">
+            <a:avLst/>
+          </a:prstGeom>
+        </p:spPr>
+      </p:pic>
+    </p:spTree>
+    <p:extLst>
+      <p:ext uri="{BB962C8B-B14F-4D97-AF65-F5344CB8AC3E}">
+        <p14:creationId xmlns:p14="http://schemas.microsoft.com/office/powerpoint/2010/main" val="3522447619"/>
+      </p:ext>
+    </p:extLst>
+  </p:cSld>
+  <p:clrMapOvr>
+    <a:masterClrMapping/>
+  </p:clrMapOvr>
+</p:sld>
+</file>
+
+<file path=ppt/slides/slide29.xml><?xml version="1.0" encoding="utf-8"?>
+<p:sld xmlns:a="http://schemas.openxmlformats.org/drawingml/2006/main" xmlns:r="http://schemas.openxmlformats.org/officeDocument/2006/relationships" xmlns:p="http://schemas.openxmlformats.org/presentationml/2006/main">
+  <p:cSld>
+    <p:spTree>
+      <p:nvGrpSpPr>
+        <p:cNvPr id="1" name=""/>
+        <p:cNvGrpSpPr/>
+        <p:nvPr/>
+      </p:nvGrpSpPr>
+      <p:grpSpPr>
+        <a:xfrm>
+          <a:off x="0" y="0"/>
+          <a:ext cx="0" cy="0"/>
+          <a:chOff x="0" y="0"/>
+          <a:chExt cx="0" cy="0"/>
+        </a:xfrm>
+      </p:grpSpPr>
+      <p:sp>
+        <p:nvSpPr>
+          <p:cNvPr id="2" name="Title 1">
+            <a:extLst>
+              <a:ext uri="{FF2B5EF4-FFF2-40B4-BE49-F238E27FC236}">
+                <a16:creationId xmlns:a16="http://schemas.microsoft.com/office/drawing/2014/main" id="{EA343A09-BA3C-D1CA-437B-06BE6DA6C46C}"/>
+              </a:ext>
+            </a:extLst>
+          </p:cNvPr>
+          <p:cNvSpPr>
+            <a:spLocks noGrp="1"/>
+          </p:cNvSpPr>
+          <p:nvPr>
+            <p:ph type="ctrTitle"/>
+          </p:nvPr>
+        </p:nvSpPr>
+        <p:spPr/>
+        <p:txBody>
+          <a:bodyPr/>
+          <a:lstStyle/>
+          <a:p>
+            <a:r>
+              <a:rPr lang="en-US" dirty="0"/>
+              <a:t>XXX update</a:t>
+            </a:r>
+          </a:p>
+        </p:txBody>
+      </p:sp>
+    </p:spTree>
+    <p:extLst>
+      <p:ext uri="{BB962C8B-B14F-4D97-AF65-F5344CB8AC3E}">
+        <p14:creationId xmlns:p14="http://schemas.microsoft.com/office/powerpoint/2010/main" val="579967804"/>
       </p:ext>
     </p:extLst>
   </p:cSld>
@@ -13395,6 +19210,147 @@
     <p:extLst>
       <p:ext uri="{BB962C8B-B14F-4D97-AF65-F5344CB8AC3E}">
         <p14:creationId xmlns:p14="http://schemas.microsoft.com/office/powerpoint/2010/main" val="2512653155"/>
+      </p:ext>
+    </p:extLst>
+  </p:cSld>
+  <p:clrMapOvr>
+    <a:masterClrMapping/>
+  </p:clrMapOvr>
+</p:sld>
+</file>
+
+<file path=ppt/slides/slide30.xml><?xml version="1.0" encoding="utf-8"?>
+<p:sld xmlns:a="http://schemas.openxmlformats.org/drawingml/2006/main" xmlns:r="http://schemas.openxmlformats.org/officeDocument/2006/relationships" xmlns:p="http://schemas.openxmlformats.org/presentationml/2006/main">
+  <p:cSld>
+    <p:spTree>
+      <p:nvGrpSpPr>
+        <p:cNvPr id="1" name=""/>
+        <p:cNvGrpSpPr/>
+        <p:nvPr/>
+      </p:nvGrpSpPr>
+      <p:grpSpPr>
+        <a:xfrm>
+          <a:off x="0" y="0"/>
+          <a:ext cx="0" cy="0"/>
+          <a:chOff x="0" y="0"/>
+          <a:chExt cx="0" cy="0"/>
+        </a:xfrm>
+      </p:grpSpPr>
+      <p:sp>
+        <p:nvSpPr>
+          <p:cNvPr id="2" name="Title 1">
+            <a:extLst>
+              <a:ext uri="{FF2B5EF4-FFF2-40B4-BE49-F238E27FC236}">
+                <a16:creationId xmlns:a16="http://schemas.microsoft.com/office/drawing/2014/main" id="{8A4254BD-CE95-959E-4A41-994F0BFA02EB}"/>
+              </a:ext>
+            </a:extLst>
+          </p:cNvPr>
+          <p:cNvSpPr>
+            <a:spLocks noGrp="1"/>
+          </p:cNvSpPr>
+          <p:nvPr>
+            <p:ph type="title"/>
+          </p:nvPr>
+        </p:nvSpPr>
+        <p:spPr/>
+        <p:txBody>
+          <a:bodyPr/>
+          <a:lstStyle/>
+          <a:p>
+            <a:r>
+              <a:rPr lang="en-US" dirty="0" err="1"/>
+              <a:t>Kuzmin</a:t>
+            </a:r>
+            <a:r>
+              <a:rPr lang="en-US" dirty="0"/>
+              <a:t> 2018 analyses</a:t>
+            </a:r>
+          </a:p>
+        </p:txBody>
+      </p:sp>
+      <p:sp>
+        <p:nvSpPr>
+          <p:cNvPr id="3" name="Content Placeholder 2">
+            <a:extLst>
+              <a:ext uri="{FF2B5EF4-FFF2-40B4-BE49-F238E27FC236}">
+                <a16:creationId xmlns:a16="http://schemas.microsoft.com/office/drawing/2014/main" id="{EB21D83E-1B38-BAA8-A5C2-A39DC50A0043}"/>
+              </a:ext>
+            </a:extLst>
+          </p:cNvPr>
+          <p:cNvSpPr>
+            <a:spLocks noGrp="1"/>
+          </p:cNvSpPr>
+          <p:nvPr>
+            <p:ph idx="1"/>
+          </p:nvPr>
+        </p:nvSpPr>
+        <p:spPr/>
+        <p:txBody>
+          <a:bodyPr>
+            <a:normAutofit/>
+          </a:bodyPr>
+          <a:lstStyle/>
+          <a:p>
+            <a:r>
+              <a:rPr lang="en-US" dirty="0"/>
+              <a:t>“</a:t>
+            </a:r>
+            <a:r>
+              <a:rPr lang="en-US" dirty="0" err="1"/>
+              <a:t>trigenic</a:t>
+            </a:r>
+            <a:r>
+              <a:rPr lang="en-US" dirty="0"/>
+              <a:t> interactions are enriched for functionally related genes”</a:t>
+            </a:r>
+          </a:p>
+          <a:p>
+            <a:pPr lvl="1"/>
+            <a:r>
+              <a:rPr lang="en-US" dirty="0"/>
+              <a:t>﻿Digenic and </a:t>
+            </a:r>
+            <a:r>
+              <a:rPr lang="en-US" dirty="0" err="1"/>
+              <a:t>trigenic</a:t>
+            </a:r>
+            <a:r>
+              <a:rPr lang="en-US" dirty="0"/>
+              <a:t> interactions were tested for overlap with several functional standards: protein-protein interactions, GO biological process, co-expression and co- localization. A hypergeometric test of the overlap between interactions and functional annotations, in the space of gene pairs that are both in the standard and have a valid (non- </a:t>
+            </a:r>
+            <a:r>
+              <a:rPr lang="en-US" dirty="0" err="1"/>
+              <a:t>NaN</a:t>
+            </a:r>
+            <a:r>
+              <a:rPr lang="en-US" dirty="0"/>
+              <a:t>) SGA score, was used to evaluate statistical significance (Fig. 2B, S8B).</a:t>
+            </a:r>
+          </a:p>
+          <a:p>
+            <a:r>
+              <a:rPr lang="en-US" dirty="0"/>
+              <a:t>I can get PPI and GO from </a:t>
+            </a:r>
+            <a:r>
+              <a:rPr lang="en-US" dirty="0" err="1"/>
+              <a:t>yeastgenome.org</a:t>
+            </a:r>
+            <a:endParaRPr lang="en-US" dirty="0"/>
+          </a:p>
+          <a:p>
+            <a:pPr lvl="1"/>
+            <a:r>
+              <a:rPr lang="en-US" dirty="0"/>
+              <a:t>fit logistic regression model of interaction score vs. PPI/in same GO?</a:t>
+            </a:r>
+          </a:p>
+        </p:txBody>
+      </p:sp>
+    </p:spTree>
+    <p:extLst>
+      <p:ext uri="{BB962C8B-B14F-4D97-AF65-F5344CB8AC3E}">
+        <p14:creationId xmlns:p14="http://schemas.microsoft.com/office/powerpoint/2010/main" val="522964684"/>
       </p:ext>
     </p:extLst>
   </p:cSld>
@@ -25119,4 +31075,299 @@
     </a:ext>
   </a:extLst>
 </a:theme>
+</file>
+
+<file path=ppt/theme/theme2.xml><?xml version="1.0" encoding="utf-8"?>
+<a:theme xmlns:a="http://schemas.openxmlformats.org/drawingml/2006/main" name="Office Theme">
+  <a:themeElements>
+    <a:clrScheme name="Office">
+      <a:dk1>
+        <a:sysClr val="windowText" lastClr="000000"/>
+      </a:dk1>
+      <a:lt1>
+        <a:sysClr val="window" lastClr="FFFFFF"/>
+      </a:lt1>
+      <a:dk2>
+        <a:srgbClr val="44546A"/>
+      </a:dk2>
+      <a:lt2>
+        <a:srgbClr val="E7E6E6"/>
+      </a:lt2>
+      <a:accent1>
+        <a:srgbClr val="4472C4"/>
+      </a:accent1>
+      <a:accent2>
+        <a:srgbClr val="ED7D31"/>
+      </a:accent2>
+      <a:accent3>
+        <a:srgbClr val="A5A5A5"/>
+      </a:accent3>
+      <a:accent4>
+        <a:srgbClr val="FFC000"/>
+      </a:accent4>
+      <a:accent5>
+        <a:srgbClr val="5B9BD5"/>
+      </a:accent5>
+      <a:accent6>
+        <a:srgbClr val="70AD47"/>
+      </a:accent6>
+      <a:hlink>
+        <a:srgbClr val="0563C1"/>
+      </a:hlink>
+      <a:folHlink>
+        <a:srgbClr val="954F72"/>
+      </a:folHlink>
+    </a:clrScheme>
+    <a:fontScheme name="Office">
+      <a:majorFont>
+        <a:latin typeface="Calibri Light" panose="020F0302020204030204"/>
+        <a:ea typeface=""/>
+        <a:cs typeface=""/>
+        <a:font script="Jpan" typeface="游ゴシック Light"/>
+        <a:font script="Hang" typeface="맑은 고딕"/>
+        <a:font script="Hans" typeface="等线 Light"/>
+        <a:font script="Hant" typeface="新細明體"/>
+        <a:font script="Arab" typeface="Times New Roman"/>
+        <a:font script="Hebr" typeface="Times New Roman"/>
+        <a:font script="Thai" typeface="Angsana New"/>
+        <a:font script="Ethi" typeface="Nyala"/>
+        <a:font script="Beng" typeface="Vrinda"/>
+        <a:font script="Gujr" typeface="Shruti"/>
+        <a:font script="Khmr" typeface="MoolBoran"/>
+        <a:font script="Knda" typeface="Tunga"/>
+        <a:font script="Guru" typeface="Raavi"/>
+        <a:font script="Cans" typeface="Euphemia"/>
+        <a:font script="Cher" typeface="Plantagenet Cherokee"/>
+        <a:font script="Yiii" typeface="Microsoft Yi Baiti"/>
+        <a:font script="Tibt" typeface="Microsoft Himalaya"/>
+        <a:font script="Thaa" typeface="MV Boli"/>
+        <a:font script="Deva" typeface="Mangal"/>
+        <a:font script="Telu" typeface="Gautami"/>
+        <a:font script="Taml" typeface="Latha"/>
+        <a:font script="Syrc" typeface="Estrangelo Edessa"/>
+        <a:font script="Orya" typeface="Kalinga"/>
+        <a:font script="Mlym" typeface="Kartika"/>
+        <a:font script="Laoo" typeface="DokChampa"/>
+        <a:font script="Sinh" typeface="Iskoola Pota"/>
+        <a:font script="Mong" typeface="Mongolian Baiti"/>
+        <a:font script="Viet" typeface="Times New Roman"/>
+        <a:font script="Uigh" typeface="Microsoft Uighur"/>
+        <a:font script="Geor" typeface="Sylfaen"/>
+        <a:font script="Armn" typeface="Arial"/>
+        <a:font script="Bugi" typeface="Leelawadee UI"/>
+        <a:font script="Bopo" typeface="Microsoft JhengHei"/>
+        <a:font script="Java" typeface="Javanese Text"/>
+        <a:font script="Lisu" typeface="Segoe UI"/>
+        <a:font script="Mymr" typeface="Myanmar Text"/>
+        <a:font script="Nkoo" typeface="Ebrima"/>
+        <a:font script="Olck" typeface="Nirmala UI"/>
+        <a:font script="Osma" typeface="Ebrima"/>
+        <a:font script="Phag" typeface="Phagspa"/>
+        <a:font script="Syrn" typeface="Estrangelo Edessa"/>
+        <a:font script="Syrj" typeface="Estrangelo Edessa"/>
+        <a:font script="Syre" typeface="Estrangelo Edessa"/>
+        <a:font script="Sora" typeface="Nirmala UI"/>
+        <a:font script="Tale" typeface="Microsoft Tai Le"/>
+        <a:font script="Talu" typeface="Microsoft New Tai Lue"/>
+        <a:font script="Tfng" typeface="Ebrima"/>
+      </a:majorFont>
+      <a:minorFont>
+        <a:latin typeface="Calibri" panose="020F0502020204030204"/>
+        <a:ea typeface=""/>
+        <a:cs typeface=""/>
+        <a:font script="Jpan" typeface="游ゴシック"/>
+        <a:font script="Hang" typeface="맑은 고딕"/>
+        <a:font script="Hans" typeface="等线"/>
+        <a:font script="Hant" typeface="新細明體"/>
+        <a:font script="Arab" typeface="Arial"/>
+        <a:font script="Hebr" typeface="Arial"/>
+        <a:font script="Thai" typeface="Cordia New"/>
+        <a:font script="Ethi" typeface="Nyala"/>
+        <a:font script="Beng" typeface="Vrinda"/>
+        <a:font script="Gujr" typeface="Shruti"/>
+        <a:font script="Khmr" typeface="DaunPenh"/>
+        <a:font script="Knda" typeface="Tunga"/>
+        <a:font script="Guru" typeface="Raavi"/>
+        <a:font script="Cans" typeface="Euphemia"/>
+        <a:font script="Cher" typeface="Plantagenet Cherokee"/>
+        <a:font script="Yiii" typeface="Microsoft Yi Baiti"/>
+        <a:font script="Tibt" typeface="Microsoft Himalaya"/>
+        <a:font script="Thaa" typeface="MV Boli"/>
+        <a:font script="Deva" typeface="Mangal"/>
+        <a:font script="Telu" typeface="Gautami"/>
+        <a:font script="Taml" typeface="Latha"/>
+        <a:font script="Syrc" typeface="Estrangelo Edessa"/>
+        <a:font script="Orya" typeface="Kalinga"/>
+        <a:font script="Mlym" typeface="Kartika"/>
+        <a:font script="Laoo" typeface="DokChampa"/>
+        <a:font script="Sinh" typeface="Iskoola Pota"/>
+        <a:font script="Mong" typeface="Mongolian Baiti"/>
+        <a:font script="Viet" typeface="Arial"/>
+        <a:font script="Uigh" typeface="Microsoft Uighur"/>
+        <a:font script="Geor" typeface="Sylfaen"/>
+        <a:font script="Armn" typeface="Arial"/>
+        <a:font script="Bugi" typeface="Leelawadee UI"/>
+        <a:font script="Bopo" typeface="Microsoft JhengHei"/>
+        <a:font script="Java" typeface="Javanese Text"/>
+        <a:font script="Lisu" typeface="Segoe UI"/>
+        <a:font script="Mymr" typeface="Myanmar Text"/>
+        <a:font script="Nkoo" typeface="Ebrima"/>
+        <a:font script="Olck" typeface="Nirmala UI"/>
+        <a:font script="Osma" typeface="Ebrima"/>
+        <a:font script="Phag" typeface="Phagspa"/>
+        <a:font script="Syrn" typeface="Estrangelo Edessa"/>
+        <a:font script="Syrj" typeface="Estrangelo Edessa"/>
+        <a:font script="Syre" typeface="Estrangelo Edessa"/>
+        <a:font script="Sora" typeface="Nirmala UI"/>
+        <a:font script="Tale" typeface="Microsoft Tai Le"/>
+        <a:font script="Talu" typeface="Microsoft New Tai Lue"/>
+        <a:font script="Tfng" typeface="Ebrima"/>
+      </a:minorFont>
+    </a:fontScheme>
+    <a:fmtScheme name="Office">
+      <a:fillStyleLst>
+        <a:solidFill>
+          <a:schemeClr val="phClr"/>
+        </a:solidFill>
+        <a:gradFill rotWithShape="1">
+          <a:gsLst>
+            <a:gs pos="0">
+              <a:schemeClr val="phClr">
+                <a:lumMod val="110000"/>
+                <a:satMod val="105000"/>
+                <a:tint val="67000"/>
+              </a:schemeClr>
+            </a:gs>
+            <a:gs pos="50000">
+              <a:schemeClr val="phClr">
+                <a:lumMod val="105000"/>
+                <a:satMod val="103000"/>
+                <a:tint val="73000"/>
+              </a:schemeClr>
+            </a:gs>
+            <a:gs pos="100000">
+              <a:schemeClr val="phClr">
+                <a:lumMod val="105000"/>
+                <a:satMod val="109000"/>
+                <a:tint val="81000"/>
+              </a:schemeClr>
+            </a:gs>
+          </a:gsLst>
+          <a:lin ang="5400000" scaled="0"/>
+        </a:gradFill>
+        <a:gradFill rotWithShape="1">
+          <a:gsLst>
+            <a:gs pos="0">
+              <a:schemeClr val="phClr">
+                <a:satMod val="103000"/>
+                <a:lumMod val="102000"/>
+                <a:tint val="94000"/>
+              </a:schemeClr>
+            </a:gs>
+            <a:gs pos="50000">
+              <a:schemeClr val="phClr">
+                <a:satMod val="110000"/>
+                <a:lumMod val="100000"/>
+                <a:shade val="100000"/>
+              </a:schemeClr>
+            </a:gs>
+            <a:gs pos="100000">
+              <a:schemeClr val="phClr">
+                <a:lumMod val="99000"/>
+                <a:satMod val="120000"/>
+                <a:shade val="78000"/>
+              </a:schemeClr>
+            </a:gs>
+          </a:gsLst>
+          <a:lin ang="5400000" scaled="0"/>
+        </a:gradFill>
+      </a:fillStyleLst>
+      <a:lnStyleLst>
+        <a:ln w="6350" cap="flat" cmpd="sng" algn="ctr">
+          <a:solidFill>
+            <a:schemeClr val="phClr"/>
+          </a:solidFill>
+          <a:prstDash val="solid"/>
+          <a:miter lim="800000"/>
+        </a:ln>
+        <a:ln w="12700" cap="flat" cmpd="sng" algn="ctr">
+          <a:solidFill>
+            <a:schemeClr val="phClr"/>
+          </a:solidFill>
+          <a:prstDash val="solid"/>
+          <a:miter lim="800000"/>
+        </a:ln>
+        <a:ln w="19050" cap="flat" cmpd="sng" algn="ctr">
+          <a:solidFill>
+            <a:schemeClr val="phClr"/>
+          </a:solidFill>
+          <a:prstDash val="solid"/>
+          <a:miter lim="800000"/>
+        </a:ln>
+      </a:lnStyleLst>
+      <a:effectStyleLst>
+        <a:effectStyle>
+          <a:effectLst/>
+        </a:effectStyle>
+        <a:effectStyle>
+          <a:effectLst/>
+        </a:effectStyle>
+        <a:effectStyle>
+          <a:effectLst>
+            <a:outerShdw blurRad="57150" dist="19050" dir="5400000" algn="ctr" rotWithShape="0">
+              <a:srgbClr val="000000">
+                <a:alpha val="63000"/>
+              </a:srgbClr>
+            </a:outerShdw>
+          </a:effectLst>
+        </a:effectStyle>
+      </a:effectStyleLst>
+      <a:bgFillStyleLst>
+        <a:solidFill>
+          <a:schemeClr val="phClr"/>
+        </a:solidFill>
+        <a:solidFill>
+          <a:schemeClr val="phClr">
+            <a:tint val="95000"/>
+            <a:satMod val="170000"/>
+          </a:schemeClr>
+        </a:solidFill>
+        <a:gradFill rotWithShape="1">
+          <a:gsLst>
+            <a:gs pos="0">
+              <a:schemeClr val="phClr">
+                <a:tint val="93000"/>
+                <a:satMod val="150000"/>
+                <a:shade val="98000"/>
+                <a:lumMod val="102000"/>
+              </a:schemeClr>
+            </a:gs>
+            <a:gs pos="50000">
+              <a:schemeClr val="phClr">
+                <a:tint val="98000"/>
+                <a:satMod val="130000"/>
+                <a:shade val="90000"/>
+                <a:lumMod val="103000"/>
+              </a:schemeClr>
+            </a:gs>
+            <a:gs pos="100000">
+              <a:schemeClr val="phClr">
+                <a:shade val="63000"/>
+                <a:satMod val="120000"/>
+              </a:schemeClr>
+            </a:gs>
+          </a:gsLst>
+          <a:lin ang="5400000" scaled="0"/>
+        </a:gradFill>
+      </a:bgFillStyleLst>
+    </a:fmtScheme>
+  </a:themeElements>
+  <a:objectDefaults/>
+  <a:extraClrSchemeLst/>
+  <a:extLst>
+    <a:ext uri="{05A4C25C-085E-4340-85A3-A5531E510DB2}">
+      <thm15:themeFamily xmlns:thm15="http://schemas.microsoft.com/office/thememl/2012/main" name="Office Theme" id="{62F939B6-93AF-4DB8-9C6B-D6C7DFDC589F}" vid="{4A3C46E8-61CC-4603-A589-7422A47A8E4A}"/>
+    </a:ext>
+  </a:extLst>
+</a:theme>
 </file>
--- a/yeast_screens/yeast_screens_epistasis_summary.pptx
+++ b/yeast_screens/yeast_screens_epistasis_summary.pptx
@@ -5,7 +5,7 @@
     <p:sldMasterId id="2147483648" r:id="rId1"/>
   </p:sldMasterIdLst>
   <p:notesMasterIdLst>
-    <p:notesMasterId r:id="rId32"/>
+    <p:notesMasterId r:id="rId41"/>
   </p:notesMasterIdLst>
   <p:sldIdLst>
     <p:sldId id="256" r:id="rId2"/>
@@ -35,9 +35,18 @@
     <p:sldId id="280" r:id="rId26"/>
     <p:sldId id="281" r:id="rId27"/>
     <p:sldId id="282" r:id="rId28"/>
-    <p:sldId id="283" r:id="rId29"/>
-    <p:sldId id="285" r:id="rId30"/>
-    <p:sldId id="286" r:id="rId31"/>
+    <p:sldId id="285" r:id="rId29"/>
+    <p:sldId id="286" r:id="rId30"/>
+    <p:sldId id="283" r:id="rId31"/>
+    <p:sldId id="289" r:id="rId32"/>
+    <p:sldId id="287" r:id="rId33"/>
+    <p:sldId id="288" r:id="rId34"/>
+    <p:sldId id="290" r:id="rId35"/>
+    <p:sldId id="291" r:id="rId36"/>
+    <p:sldId id="294" r:id="rId37"/>
+    <p:sldId id="295" r:id="rId38"/>
+    <p:sldId id="293" r:id="rId39"/>
+    <p:sldId id="292" r:id="rId40"/>
   </p:sldIdLst>
   <p:sldSz cx="12192000" cy="6858000"/>
   <p:notesSz cx="6858000" cy="9144000"/>
@@ -137,6 +146,57 @@
     </a:lvl9pPr>
   </p:defaultTextStyle>
   <p:extLst>
+    <p:ext uri="{521415D9-36F7-43E2-AB2F-B90AF26B5E84}">
+      <p14:sectionLst xmlns:p14="http://schemas.microsoft.com/office/powerpoint/2010/main">
+        <p14:section name="Default Section" id="{84EFBAD3-1124-734A-A658-CCA6B9ACA408}">
+          <p14:sldIdLst>
+            <p14:sldId id="256"/>
+            <p14:sldId id="265"/>
+            <p14:sldId id="258"/>
+            <p14:sldId id="257"/>
+            <p14:sldId id="270"/>
+            <p14:sldId id="259"/>
+            <p14:sldId id="266"/>
+            <p14:sldId id="260"/>
+            <p14:sldId id="267"/>
+            <p14:sldId id="262"/>
+            <p14:sldId id="271"/>
+            <p14:sldId id="264"/>
+            <p14:sldId id="269"/>
+            <p14:sldId id="261"/>
+            <p14:sldId id="268"/>
+            <p14:sldId id="272"/>
+            <p14:sldId id="277"/>
+            <p14:sldId id="273"/>
+            <p14:sldId id="274"/>
+            <p14:sldId id="275"/>
+            <p14:sldId id="276"/>
+            <p14:sldId id="278"/>
+            <p14:sldId id="284"/>
+            <p14:sldId id="279"/>
+            <p14:sldId id="280"/>
+            <p14:sldId id="281"/>
+            <p14:sldId id="282"/>
+            <p14:sldId id="285"/>
+            <p14:sldId id="286"/>
+            <p14:sldId id="283"/>
+            <p14:sldId id="289"/>
+            <p14:sldId id="287"/>
+            <p14:sldId id="288"/>
+            <p14:sldId id="290"/>
+          </p14:sldIdLst>
+        </p14:section>
+        <p14:section name="next update" id="{F9D9CC14-2CBF-5C44-B388-7E949E1BDB6A}">
+          <p14:sldIdLst>
+            <p14:sldId id="291"/>
+            <p14:sldId id="294"/>
+            <p14:sldId id="295"/>
+            <p14:sldId id="293"/>
+            <p14:sldId id="292"/>
+          </p14:sldIdLst>
+        </p14:section>
+      </p14:sectionLst>
+    </p:ext>
     <p:ext uri="{EFAFB233-063F-42B5-8137-9DF3F51BA10A}">
       <p15:sldGuideLst xmlns:p15="http://schemas.microsoft.com/office/powerpoint/2012/main">
         <p15:guide id="1" orient="horz" pos="48" userDrawn="1">
@@ -144,7 +204,7 @@
             <a:srgbClr val="A4A3A4"/>
           </p15:clr>
         </p15:guide>
-        <p15:guide id="2" pos="7584" userDrawn="1">
+        <p15:guide id="2" pos="144" userDrawn="1">
           <p15:clr>
             <a:srgbClr val="A4A3A4"/>
           </p15:clr>
@@ -237,7 +297,7 @@
           <a:p>
             <a:fld id="{31441B64-47E5-C645-B76C-D0153FC89EF9}" type="datetimeFigureOut">
               <a:rPr lang="en-US" smtClean="0"/>
-              <a:t>7/6/22</a:t>
+              <a:t>7/19/22</a:t>
             </a:fld>
             <a:endParaRPr lang="en-US"/>
           </a:p>
@@ -604,6 +664,340 @@
 </p:notes>
 </file>
 
+<file path=ppt/notesSlides/notesSlide10.xml><?xml version="1.0" encoding="utf-8"?>
+<p:notes xmlns:a="http://schemas.openxmlformats.org/drawingml/2006/main" xmlns:r="http://schemas.openxmlformats.org/officeDocument/2006/relationships" xmlns:p="http://schemas.openxmlformats.org/presentationml/2006/main">
+  <p:cSld>
+    <p:spTree>
+      <p:nvGrpSpPr>
+        <p:cNvPr id="1" name=""/>
+        <p:cNvGrpSpPr/>
+        <p:nvPr/>
+      </p:nvGrpSpPr>
+      <p:grpSpPr>
+        <a:xfrm>
+          <a:off x="0" y="0"/>
+          <a:ext cx="0" cy="0"/>
+          <a:chOff x="0" y="0"/>
+          <a:chExt cx="0" cy="0"/>
+        </a:xfrm>
+      </p:grpSpPr>
+      <p:sp>
+        <p:nvSpPr>
+          <p:cNvPr id="2" name="Slide Image Placeholder 1"/>
+          <p:cNvSpPr>
+            <a:spLocks noGrp="1" noRot="1" noChangeAspect="1"/>
+          </p:cNvSpPr>
+          <p:nvPr>
+            <p:ph type="sldImg"/>
+          </p:nvPr>
+        </p:nvSpPr>
+        <p:spPr/>
+      </p:sp>
+      <p:sp>
+        <p:nvSpPr>
+          <p:cNvPr id="3" name="Notes Placeholder 2"/>
+          <p:cNvSpPr>
+            <a:spLocks noGrp="1"/>
+          </p:cNvSpPr>
+          <p:nvPr>
+            <p:ph type="body" idx="1"/>
+          </p:nvPr>
+        </p:nvSpPr>
+        <p:spPr/>
+        <p:txBody>
+          <a:bodyPr/>
+          <a:lstStyle/>
+          <a:p>
+            <a:r>
+              <a:rPr lang="en-US" dirty="0"/>
+              <a:t>report analysis with all 3 pairs</a:t>
+            </a:r>
+          </a:p>
+          <a:p>
+            <a:r>
+              <a:rPr lang="en-US" dirty="0"/>
+              <a:t>have a table with X out of Y so ppl know num and </a:t>
+            </a:r>
+            <a:r>
+              <a:rPr lang="en-US" dirty="0" err="1"/>
+              <a:t>denom</a:t>
+            </a:r>
+            <a:endParaRPr lang="en-US" dirty="0"/>
+          </a:p>
+          <a:p>
+            <a:endParaRPr lang="en-US" dirty="0"/>
+          </a:p>
+          <a:p>
+            <a:r>
+              <a:rPr lang="en-US" dirty="0"/>
+              <a:t>do fold change instead proportion, having both fine</a:t>
+            </a:r>
+          </a:p>
+        </p:txBody>
+      </p:sp>
+      <p:sp>
+        <p:nvSpPr>
+          <p:cNvPr id="4" name="Slide Number Placeholder 3"/>
+          <p:cNvSpPr>
+            <a:spLocks noGrp="1"/>
+          </p:cNvSpPr>
+          <p:nvPr>
+            <p:ph type="sldNum" sz="quarter" idx="5"/>
+          </p:nvPr>
+        </p:nvSpPr>
+        <p:spPr/>
+        <p:txBody>
+          <a:bodyPr/>
+          <a:lstStyle/>
+          <a:p>
+            <a:fld id="{4966CB9B-264C-824C-B08F-850F289C237E}" type="slidenum">
+              <a:rPr lang="en-US" smtClean="0"/>
+              <a:t>32</a:t>
+            </a:fld>
+            <a:endParaRPr lang="en-US"/>
+          </a:p>
+        </p:txBody>
+      </p:sp>
+    </p:spTree>
+    <p:extLst>
+      <p:ext uri="{BB962C8B-B14F-4D97-AF65-F5344CB8AC3E}">
+        <p14:creationId xmlns:p14="http://schemas.microsoft.com/office/powerpoint/2010/main" val="190183938"/>
+      </p:ext>
+    </p:extLst>
+  </p:cSld>
+  <p:clrMapOvr>
+    <a:masterClrMapping/>
+  </p:clrMapOvr>
+</p:notes>
+</file>
+
+<file path=ppt/notesSlides/notesSlide11.xml><?xml version="1.0" encoding="utf-8"?>
+<p:notes xmlns:a="http://schemas.openxmlformats.org/drawingml/2006/main" xmlns:r="http://schemas.openxmlformats.org/officeDocument/2006/relationships" xmlns:p="http://schemas.openxmlformats.org/presentationml/2006/main">
+  <p:cSld>
+    <p:spTree>
+      <p:nvGrpSpPr>
+        <p:cNvPr id="1" name=""/>
+        <p:cNvGrpSpPr/>
+        <p:nvPr/>
+      </p:nvGrpSpPr>
+      <p:grpSpPr>
+        <a:xfrm>
+          <a:off x="0" y="0"/>
+          <a:ext cx="0" cy="0"/>
+          <a:chOff x="0" y="0"/>
+          <a:chExt cx="0" cy="0"/>
+        </a:xfrm>
+      </p:grpSpPr>
+      <p:sp>
+        <p:nvSpPr>
+          <p:cNvPr id="2" name="Slide Image Placeholder 1"/>
+          <p:cNvSpPr>
+            <a:spLocks noGrp="1" noRot="1" noChangeAspect="1"/>
+          </p:cNvSpPr>
+          <p:nvPr>
+            <p:ph type="sldImg"/>
+          </p:nvPr>
+        </p:nvSpPr>
+        <p:spPr/>
+      </p:sp>
+      <p:sp>
+        <p:nvSpPr>
+          <p:cNvPr id="3" name="Notes Placeholder 2"/>
+          <p:cNvSpPr>
+            <a:spLocks noGrp="1"/>
+          </p:cNvSpPr>
+          <p:nvPr>
+            <p:ph type="body" idx="1"/>
+          </p:nvPr>
+        </p:nvSpPr>
+        <p:spPr/>
+        <p:txBody>
+          <a:bodyPr/>
+          <a:lstStyle/>
+          <a:p>
+            <a:r>
+              <a:rPr lang="en-US" dirty="0"/>
+              <a:t>read and understand what </a:t>
+            </a:r>
+            <a:r>
+              <a:rPr lang="en-US" dirty="0" err="1"/>
+              <a:t>negagive</a:t>
+            </a:r>
+            <a:r>
+              <a:rPr lang="en-US" dirty="0"/>
+              <a:t> vs positive is supposed to mean biologically, are these the wrong tests for positive interactions?</a:t>
+            </a:r>
+          </a:p>
+          <a:p>
+            <a:endParaRPr lang="en-US" dirty="0"/>
+          </a:p>
+          <a:p>
+            <a:r>
+              <a:rPr lang="en-US" dirty="0"/>
+              <a:t>what about paralogs: is this all data or subset?</a:t>
+            </a:r>
+          </a:p>
+          <a:p>
+            <a:endParaRPr lang="en-US" dirty="0"/>
+          </a:p>
+          <a:p>
+            <a:r>
+              <a:rPr lang="en-US" dirty="0"/>
+              <a:t>draft some questions to </a:t>
+            </a:r>
+            <a:r>
+              <a:rPr lang="en-US" dirty="0" err="1"/>
+              <a:t>chad</a:t>
+            </a:r>
+            <a:r>
+              <a:rPr lang="en-US" dirty="0"/>
+              <a:t> about where to pull single mutant </a:t>
+            </a:r>
+            <a:r>
+              <a:rPr lang="en-US" dirty="0" err="1"/>
+              <a:t>fitnesses</a:t>
+            </a:r>
+            <a:r>
+              <a:rPr lang="en-US" dirty="0"/>
+              <a:t> and double mutant </a:t>
+            </a:r>
+            <a:r>
+              <a:rPr lang="en-US" dirty="0" err="1"/>
+              <a:t>fitnesses</a:t>
+            </a:r>
+            <a:endParaRPr lang="en-US" dirty="0"/>
+          </a:p>
+          <a:p>
+            <a:endParaRPr lang="en-US" dirty="0"/>
+          </a:p>
+          <a:p>
+            <a:r>
+              <a:rPr lang="en-US" dirty="0"/>
+              <a:t>mrs3-mrs4 paralog pair, do those results change like ski7-hbs1</a:t>
+            </a:r>
+          </a:p>
+        </p:txBody>
+      </p:sp>
+      <p:sp>
+        <p:nvSpPr>
+          <p:cNvPr id="4" name="Slide Number Placeholder 3"/>
+          <p:cNvSpPr>
+            <a:spLocks noGrp="1"/>
+          </p:cNvSpPr>
+          <p:nvPr>
+            <p:ph type="sldNum" sz="quarter" idx="5"/>
+          </p:nvPr>
+        </p:nvSpPr>
+        <p:spPr/>
+        <p:txBody>
+          <a:bodyPr/>
+          <a:lstStyle/>
+          <a:p>
+            <a:fld id="{4966CB9B-264C-824C-B08F-850F289C237E}" type="slidenum">
+              <a:rPr lang="en-US" smtClean="0"/>
+              <a:t>33</a:t>
+            </a:fld>
+            <a:endParaRPr lang="en-US"/>
+          </a:p>
+        </p:txBody>
+      </p:sp>
+    </p:spTree>
+    <p:extLst>
+      <p:ext uri="{BB962C8B-B14F-4D97-AF65-F5344CB8AC3E}">
+        <p14:creationId xmlns:p14="http://schemas.microsoft.com/office/powerpoint/2010/main" val="2406016832"/>
+      </p:ext>
+    </p:extLst>
+  </p:cSld>
+  <p:clrMapOvr>
+    <a:masterClrMapping/>
+  </p:clrMapOvr>
+</p:notes>
+</file>
+
+<file path=ppt/notesSlides/notesSlide12.xml><?xml version="1.0" encoding="utf-8"?>
+<p:notes xmlns:a="http://schemas.openxmlformats.org/drawingml/2006/main" xmlns:r="http://schemas.openxmlformats.org/officeDocument/2006/relationships" xmlns:p="http://schemas.openxmlformats.org/presentationml/2006/main">
+  <p:cSld>
+    <p:spTree>
+      <p:nvGrpSpPr>
+        <p:cNvPr id="1" name=""/>
+        <p:cNvGrpSpPr/>
+        <p:nvPr/>
+      </p:nvGrpSpPr>
+      <p:grpSpPr>
+        <a:xfrm>
+          <a:off x="0" y="0"/>
+          <a:ext cx="0" cy="0"/>
+          <a:chOff x="0" y="0"/>
+          <a:chExt cx="0" cy="0"/>
+        </a:xfrm>
+      </p:grpSpPr>
+      <p:sp>
+        <p:nvSpPr>
+          <p:cNvPr id="2" name="Slide Image Placeholder 1"/>
+          <p:cNvSpPr>
+            <a:spLocks noGrp="1" noRot="1" noChangeAspect="1"/>
+          </p:cNvSpPr>
+          <p:nvPr>
+            <p:ph type="sldImg"/>
+          </p:nvPr>
+        </p:nvSpPr>
+        <p:spPr/>
+      </p:sp>
+      <p:sp>
+        <p:nvSpPr>
+          <p:cNvPr id="3" name="Notes Placeholder 2"/>
+          <p:cNvSpPr>
+            <a:spLocks noGrp="1"/>
+          </p:cNvSpPr>
+          <p:nvPr>
+            <p:ph type="body" idx="1"/>
+          </p:nvPr>
+        </p:nvSpPr>
+        <p:spPr/>
+        <p:txBody>
+          <a:bodyPr/>
+          <a:lstStyle/>
+          <a:p>
+            <a:endParaRPr lang="en-US" dirty="0"/>
+          </a:p>
+        </p:txBody>
+      </p:sp>
+      <p:sp>
+        <p:nvSpPr>
+          <p:cNvPr id="4" name="Slide Number Placeholder 3"/>
+          <p:cNvSpPr>
+            <a:spLocks noGrp="1"/>
+          </p:cNvSpPr>
+          <p:nvPr>
+            <p:ph type="sldNum" sz="quarter" idx="5"/>
+          </p:nvPr>
+        </p:nvSpPr>
+        <p:spPr/>
+        <p:txBody>
+          <a:bodyPr/>
+          <a:lstStyle/>
+          <a:p>
+            <a:fld id="{4966CB9B-264C-824C-B08F-850F289C237E}" type="slidenum">
+              <a:rPr lang="en-US" smtClean="0"/>
+              <a:t>34</a:t>
+            </a:fld>
+            <a:endParaRPr lang="en-US"/>
+          </a:p>
+        </p:txBody>
+      </p:sp>
+    </p:spTree>
+    <p:extLst>
+      <p:ext uri="{BB962C8B-B14F-4D97-AF65-F5344CB8AC3E}">
+        <p14:creationId xmlns:p14="http://schemas.microsoft.com/office/powerpoint/2010/main" val="1120241452"/>
+      </p:ext>
+    </p:extLst>
+  </p:cSld>
+  <p:clrMapOvr>
+    <a:masterClrMapping/>
+  </p:clrMapOvr>
+</p:notes>
+</file>
+
 <file path=ppt/notesSlides/notesSlide2.xml><?xml version="1.0" encoding="utf-8"?>
 <p:notes xmlns:a="http://schemas.openxmlformats.org/drawingml/2006/main" xmlns:r="http://schemas.openxmlformats.org/officeDocument/2006/relationships" xmlns:p="http://schemas.openxmlformats.org/presentationml/2006/main">
   <p:cSld>
@@ -1227,7 +1621,13 @@
           <a:p>
             <a:r>
               <a:rPr lang="en-US" dirty="0"/>
-              <a:t>if you change pairwise genetic score does interaction go away</a:t>
+              <a:t>contingency table</a:t>
+            </a:r>
+          </a:p>
+          <a:p>
+            <a:r>
+              <a:rPr lang="en-US" dirty="0"/>
+              <a:t>–positive, no effect, negative</a:t>
             </a:r>
           </a:p>
           <a:p>
@@ -1236,38 +1636,11 @@
           <a:p>
             <a:r>
               <a:rPr lang="en-US" dirty="0" err="1"/>
-              <a:t>e_ij</a:t>
+              <a:t>dbl</a:t>
             </a:r>
             <a:r>
               <a:rPr lang="en-US" dirty="0"/>
-              <a:t> + delta makes many </a:t>
-            </a:r>
-            <a:r>
-              <a:rPr lang="en-US" dirty="0" err="1"/>
-              <a:t>trigenic</a:t>
-            </a:r>
-            <a:r>
-              <a:rPr lang="en-US" dirty="0"/>
-              <a:t> scores </a:t>
-            </a:r>
-            <a:r>
-              <a:rPr lang="en-US" dirty="0" err="1"/>
-              <a:t>disappaear</a:t>
-            </a:r>
-            <a:endParaRPr lang="en-US" dirty="0"/>
-          </a:p>
-          <a:p>
-            <a:r>
-              <a:rPr lang="en-US" dirty="0"/>
-              <a:t>robustness analysis, are </a:t>
-            </a:r>
-            <a:r>
-              <a:rPr lang="en-US" dirty="0" err="1"/>
-              <a:t>tigenic</a:t>
-            </a:r>
-            <a:r>
-              <a:rPr lang="en-US" dirty="0"/>
-              <a:t> scores stable under some small perturbation of pairwise scores</a:t>
+              <a:t> mutant to validate false negatives, redo it and get better estimates? lower false positive and lower false negative rates?</a:t>
             </a:r>
           </a:p>
         </p:txBody>
@@ -1289,7 +1662,7 @@
           <a:p>
             <a:fld id="{4966CB9B-264C-824C-B08F-850F289C237E}" type="slidenum">
               <a:rPr lang="en-US" smtClean="0"/>
-              <a:t>28</a:t>
+              <a:t>29</a:t>
             </a:fld>
             <a:endParaRPr lang="en-US"/>
           </a:p>
@@ -1298,7 +1671,7 @@
     </p:spTree>
     <p:extLst>
       <p:ext uri="{BB962C8B-B14F-4D97-AF65-F5344CB8AC3E}">
-        <p14:creationId xmlns:p14="http://schemas.microsoft.com/office/powerpoint/2010/main" val="856401662"/>
+        <p14:creationId xmlns:p14="http://schemas.microsoft.com/office/powerpoint/2010/main" val="403126815"/>
       </p:ext>
     </p:extLst>
   </p:cSld>
@@ -1354,21 +1727,47 @@
           <a:p>
             <a:r>
               <a:rPr lang="en-US" dirty="0"/>
-              <a:t>get PPI from:</a:t>
-            </a:r>
-          </a:p>
-          <a:p>
+              <a:t>if you change pairwise genetic score does interaction go away</a:t>
+            </a:r>
+          </a:p>
+          <a:p>
+            <a:endParaRPr lang="en-US" dirty="0"/>
+          </a:p>
+          <a:p>
+            <a:r>
+              <a:rPr lang="en-US" dirty="0" err="1"/>
+              <a:t>e_ij</a:t>
+            </a:r>
             <a:r>
               <a:rPr lang="en-US" dirty="0"/>
-              <a:t>http://</a:t>
+              <a:t> + delta makes many </a:t>
             </a:r>
             <a:r>
               <a:rPr lang="en-US" dirty="0" err="1"/>
-              <a:t>sgd-archive.yeastgenome.org</a:t>
+              <a:t>trigenic</a:t>
             </a:r>
             <a:r>
               <a:rPr lang="en-US" dirty="0"/>
-              <a:t>/curation/literature/</a:t>
+              <a:t> scores </a:t>
+            </a:r>
+            <a:r>
+              <a:rPr lang="en-US" dirty="0" err="1"/>
+              <a:t>disappaear</a:t>
+            </a:r>
+            <a:endParaRPr lang="en-US" dirty="0"/>
+          </a:p>
+          <a:p>
+            <a:r>
+              <a:rPr lang="en-US" dirty="0"/>
+              <a:t>robustness analysis, are </a:t>
+            </a:r>
+            <a:r>
+              <a:rPr lang="en-US" dirty="0" err="1"/>
+              <a:t>tigenic</a:t>
+            </a:r>
+            <a:r>
+              <a:rPr lang="en-US" dirty="0"/>
+              <a:t> scores stable under some small perturbation of pairwise scores</a:t>
             </a:r>
           </a:p>
         </p:txBody>
@@ -1399,7 +1798,94 @@
     </p:spTree>
     <p:extLst>
       <p:ext uri="{BB962C8B-B14F-4D97-AF65-F5344CB8AC3E}">
-        <p14:creationId xmlns:p14="http://schemas.microsoft.com/office/powerpoint/2010/main" val="403126815"/>
+        <p14:creationId xmlns:p14="http://schemas.microsoft.com/office/powerpoint/2010/main" val="856401662"/>
+      </p:ext>
+    </p:extLst>
+  </p:cSld>
+  <p:clrMapOvr>
+    <a:masterClrMapping/>
+  </p:clrMapOvr>
+</p:notes>
+</file>
+
+<file path=ppt/notesSlides/notesSlide9.xml><?xml version="1.0" encoding="utf-8"?>
+<p:notes xmlns:a="http://schemas.openxmlformats.org/drawingml/2006/main" xmlns:r="http://schemas.openxmlformats.org/officeDocument/2006/relationships" xmlns:p="http://schemas.openxmlformats.org/presentationml/2006/main">
+  <p:cSld>
+    <p:spTree>
+      <p:nvGrpSpPr>
+        <p:cNvPr id="1" name=""/>
+        <p:cNvGrpSpPr/>
+        <p:nvPr/>
+      </p:nvGrpSpPr>
+      <p:grpSpPr>
+        <a:xfrm>
+          <a:off x="0" y="0"/>
+          <a:ext cx="0" cy="0"/>
+          <a:chOff x="0" y="0"/>
+          <a:chExt cx="0" cy="0"/>
+        </a:xfrm>
+      </p:grpSpPr>
+      <p:sp>
+        <p:nvSpPr>
+          <p:cNvPr id="2" name="Slide Image Placeholder 1"/>
+          <p:cNvSpPr>
+            <a:spLocks noGrp="1" noRot="1" noChangeAspect="1"/>
+          </p:cNvSpPr>
+          <p:nvPr>
+            <p:ph type="sldImg"/>
+          </p:nvPr>
+        </p:nvSpPr>
+        <p:spPr/>
+      </p:sp>
+      <p:sp>
+        <p:nvSpPr>
+          <p:cNvPr id="3" name="Notes Placeholder 2"/>
+          <p:cNvSpPr>
+            <a:spLocks noGrp="1"/>
+          </p:cNvSpPr>
+          <p:nvPr>
+            <p:ph type="body" idx="1"/>
+          </p:nvPr>
+        </p:nvSpPr>
+        <p:spPr/>
+        <p:txBody>
+          <a:bodyPr/>
+          <a:lstStyle/>
+          <a:p>
+            <a:r>
+              <a:rPr lang="en-US" dirty="0"/>
+              <a:t>how exactly did they classify physical interactions</a:t>
+            </a:r>
+          </a:p>
+        </p:txBody>
+      </p:sp>
+      <p:sp>
+        <p:nvSpPr>
+          <p:cNvPr id="4" name="Slide Number Placeholder 3"/>
+          <p:cNvSpPr>
+            <a:spLocks noGrp="1"/>
+          </p:cNvSpPr>
+          <p:nvPr>
+            <p:ph type="sldNum" sz="quarter" idx="5"/>
+          </p:nvPr>
+        </p:nvSpPr>
+        <p:spPr/>
+        <p:txBody>
+          <a:bodyPr/>
+          <a:lstStyle/>
+          <a:p>
+            <a:fld id="{4966CB9B-264C-824C-B08F-850F289C237E}" type="slidenum">
+              <a:rPr lang="en-US" smtClean="0"/>
+              <a:t>31</a:t>
+            </a:fld>
+            <a:endParaRPr lang="en-US"/>
+          </a:p>
+        </p:txBody>
+      </p:sp>
+    </p:spTree>
+    <p:extLst>
+      <p:ext uri="{BB962C8B-B14F-4D97-AF65-F5344CB8AC3E}">
+        <p14:creationId xmlns:p14="http://schemas.microsoft.com/office/powerpoint/2010/main" val="820970139"/>
       </p:ext>
     </p:extLst>
   </p:cSld>
@@ -1556,7 +2042,7 @@
           <a:p>
             <a:fld id="{3EFD25D9-D117-F747-8A2A-6AA688CEC479}" type="datetimeFigureOut">
               <a:rPr lang="en-US" smtClean="0"/>
-              <a:t>7/6/22</a:t>
+              <a:t>7/19/22</a:t>
             </a:fld>
             <a:endParaRPr lang="en-US"/>
           </a:p>
@@ -1754,7 +2240,7 @@
           <a:p>
             <a:fld id="{3EFD25D9-D117-F747-8A2A-6AA688CEC479}" type="datetimeFigureOut">
               <a:rPr lang="en-US" smtClean="0"/>
-              <a:t>7/6/22</a:t>
+              <a:t>7/19/22</a:t>
             </a:fld>
             <a:endParaRPr lang="en-US"/>
           </a:p>
@@ -1962,7 +2448,7 @@
           <a:p>
             <a:fld id="{3EFD25D9-D117-F747-8A2A-6AA688CEC479}" type="datetimeFigureOut">
               <a:rPr lang="en-US" smtClean="0"/>
-              <a:t>7/6/22</a:t>
+              <a:t>7/19/22</a:t>
             </a:fld>
             <a:endParaRPr lang="en-US"/>
           </a:p>
@@ -2160,7 +2646,7 @@
           <a:p>
             <a:fld id="{3EFD25D9-D117-F747-8A2A-6AA688CEC479}" type="datetimeFigureOut">
               <a:rPr lang="en-US" smtClean="0"/>
-              <a:t>7/6/22</a:t>
+              <a:t>7/19/22</a:t>
             </a:fld>
             <a:endParaRPr lang="en-US"/>
           </a:p>
@@ -2435,7 +2921,7 @@
           <a:p>
             <a:fld id="{3EFD25D9-D117-F747-8A2A-6AA688CEC479}" type="datetimeFigureOut">
               <a:rPr lang="en-US" smtClean="0"/>
-              <a:t>7/6/22</a:t>
+              <a:t>7/19/22</a:t>
             </a:fld>
             <a:endParaRPr lang="en-US"/>
           </a:p>
@@ -2700,7 +3186,7 @@
           <a:p>
             <a:fld id="{3EFD25D9-D117-F747-8A2A-6AA688CEC479}" type="datetimeFigureOut">
               <a:rPr lang="en-US" smtClean="0"/>
-              <a:t>7/6/22</a:t>
+              <a:t>7/19/22</a:t>
             </a:fld>
             <a:endParaRPr lang="en-US"/>
           </a:p>
@@ -3112,7 +3598,7 @@
           <a:p>
             <a:fld id="{3EFD25D9-D117-F747-8A2A-6AA688CEC479}" type="datetimeFigureOut">
               <a:rPr lang="en-US" smtClean="0"/>
-              <a:t>7/6/22</a:t>
+              <a:t>7/19/22</a:t>
             </a:fld>
             <a:endParaRPr lang="en-US"/>
           </a:p>
@@ -3253,7 +3739,7 @@
           <a:p>
             <a:fld id="{3EFD25D9-D117-F747-8A2A-6AA688CEC479}" type="datetimeFigureOut">
               <a:rPr lang="en-US" smtClean="0"/>
-              <a:t>7/6/22</a:t>
+              <a:t>7/19/22</a:t>
             </a:fld>
             <a:endParaRPr lang="en-US"/>
           </a:p>
@@ -3366,7 +3852,7 @@
           <a:p>
             <a:fld id="{3EFD25D9-D117-F747-8A2A-6AA688CEC479}" type="datetimeFigureOut">
               <a:rPr lang="en-US" smtClean="0"/>
-              <a:t>7/6/22</a:t>
+              <a:t>7/19/22</a:t>
             </a:fld>
             <a:endParaRPr lang="en-US"/>
           </a:p>
@@ -3677,7 +4163,7 @@
           <a:p>
             <a:fld id="{3EFD25D9-D117-F747-8A2A-6AA688CEC479}" type="datetimeFigureOut">
               <a:rPr lang="en-US" smtClean="0"/>
-              <a:t>7/6/22</a:t>
+              <a:t>7/19/22</a:t>
             </a:fld>
             <a:endParaRPr lang="en-US"/>
           </a:p>
@@ -3965,7 +4451,7 @@
           <a:p>
             <a:fld id="{3EFD25D9-D117-F747-8A2A-6AA688CEC479}" type="datetimeFigureOut">
               <a:rPr lang="en-US" smtClean="0"/>
-              <a:t>7/6/22</a:t>
+              <a:t>7/19/22</a:t>
             </a:fld>
             <a:endParaRPr lang="en-US"/>
           </a:p>
@@ -4206,7 +4692,7 @@
           <a:p>
             <a:fld id="{3EFD25D9-D117-F747-8A2A-6AA688CEC479}" type="datetimeFigureOut">
               <a:rPr lang="en-US" smtClean="0"/>
-              <a:t>7/6/22</a:t>
+              <a:t>7/19/22</a:t>
             </a:fld>
             <a:endParaRPr lang="en-US"/>
           </a:p>
@@ -12711,8 +13197,8 @@
           </a:p>
         </p:txBody>
       </p:sp>
-      <mc:AlternateContent xmlns:mc="http://schemas.openxmlformats.org/markup-compatibility/2006">
-        <mc:Choice xmlns:a14="http://schemas.microsoft.com/office/drawing/2010/main" Requires="a14">
+      <mc:AlternateContent xmlns:mc="http://schemas.openxmlformats.org/markup-compatibility/2006" xmlns:a14="http://schemas.microsoft.com/office/drawing/2010/main">
+        <mc:Choice Requires="a14">
           <p:sp>
             <p:nvSpPr>
               <p:cNvPr id="9" name="TextBox 8">
@@ -13087,7 +13573,7 @@
             </p:txBody>
           </p:sp>
         </mc:Choice>
-        <mc:Fallback>
+        <mc:Fallback xmlns="">
           <p:sp>
             <p:nvSpPr>
               <p:cNvPr id="9" name="TextBox 8">
@@ -13197,8 +13683,8 @@
           </a:prstGeom>
         </p:spPr>
       </p:pic>
-      <mc:AlternateContent xmlns:mc="http://schemas.openxmlformats.org/markup-compatibility/2006">
-        <mc:Choice xmlns:a14="http://schemas.microsoft.com/office/drawing/2010/main" Requires="a14">
+      <mc:AlternateContent xmlns:mc="http://schemas.openxmlformats.org/markup-compatibility/2006" xmlns:a14="http://schemas.microsoft.com/office/drawing/2010/main">
+        <mc:Choice Requires="a14">
           <p:sp>
             <p:nvSpPr>
               <p:cNvPr id="5" name="TextBox 4">
@@ -13325,7 +13811,7 @@
             </p:txBody>
           </p:sp>
         </mc:Choice>
-        <mc:Fallback>
+        <mc:Fallback xmlns="">
           <p:sp>
             <p:nvSpPr>
               <p:cNvPr id="5" name="TextBox 4">
@@ -13370,8 +13856,8 @@
           </p:sp>
         </mc:Fallback>
       </mc:AlternateContent>
-      <mc:AlternateContent xmlns:mc="http://schemas.openxmlformats.org/markup-compatibility/2006">
-        <mc:Choice xmlns:a14="http://schemas.microsoft.com/office/drawing/2010/main" Requires="a14">
+      <mc:AlternateContent xmlns:mc="http://schemas.openxmlformats.org/markup-compatibility/2006" xmlns:a14="http://schemas.microsoft.com/office/drawing/2010/main">
+        <mc:Choice Requires="a14">
           <p:sp>
             <p:nvSpPr>
               <p:cNvPr id="13" name="TextBox 12">
@@ -13656,7 +14142,7 @@
             </p:txBody>
           </p:sp>
         </mc:Choice>
-        <mc:Fallback>
+        <mc:Fallback xmlns="">
           <p:sp>
             <p:nvSpPr>
               <p:cNvPr id="13" name="TextBox 12">
@@ -16553,119 +17039,36 @@
       </p:grpSpPr>
       <p:sp>
         <p:nvSpPr>
-          <p:cNvPr id="6" name="TextBox 5">
+          <p:cNvPr id="2" name="Title 1">
             <a:extLst>
               <a:ext uri="{FF2B5EF4-FFF2-40B4-BE49-F238E27FC236}">
-                <a16:creationId xmlns:a16="http://schemas.microsoft.com/office/drawing/2014/main" id="{4B45AC35-A8A4-D444-A70C-B9BB95526EEA}"/>
+                <a16:creationId xmlns:a16="http://schemas.microsoft.com/office/drawing/2014/main" id="{EA343A09-BA3C-D1CA-437B-06BE6DA6C46C}"/>
               </a:ext>
             </a:extLst>
           </p:cNvPr>
-          <p:cNvSpPr txBox="1"/>
-          <p:nvPr/>
+          <p:cNvSpPr>
+            <a:spLocks noGrp="1"/>
+          </p:cNvSpPr>
+          <p:nvPr>
+            <p:ph type="ctrTitle"/>
+          </p:nvPr>
         </p:nvSpPr>
-        <p:spPr>
-          <a:xfrm>
-            <a:off x="0" y="23673"/>
-            <a:ext cx="4330673" cy="523220"/>
-          </a:xfrm>
-          <a:prstGeom prst="rect">
-            <a:avLst/>
-          </a:prstGeom>
-          <a:noFill/>
-        </p:spPr>
+        <p:spPr/>
         <p:txBody>
-          <a:bodyPr wrap="none" rtlCol="0">
-            <a:spAutoFit/>
-          </a:bodyPr>
+          <a:bodyPr/>
           <a:lstStyle/>
           <a:p>
             <a:r>
-              <a:rPr lang="en-US" sz="2800" dirty="0" err="1"/>
-              <a:t>Kuzmin</a:t>
-            </a:r>
-            <a:r>
-              <a:rPr lang="en-US" sz="2800" dirty="0"/>
-              <a:t> 2020 outlier analysis</a:t>
+              <a:rPr lang="en-US" dirty="0"/>
+              <a:t>7/20/22 update</a:t>
             </a:r>
           </a:p>
         </p:txBody>
       </p:sp>
-      <p:sp>
-        <p:nvSpPr>
-          <p:cNvPr id="11" name="TextBox 10">
-            <a:extLst>
-              <a:ext uri="{FF2B5EF4-FFF2-40B4-BE49-F238E27FC236}">
-                <a16:creationId xmlns:a16="http://schemas.microsoft.com/office/drawing/2014/main" id="{1C009BBD-85F9-0392-8AB1-87AD581EF530}"/>
-              </a:ext>
-            </a:extLst>
-          </p:cNvPr>
-          <p:cNvSpPr txBox="1"/>
-          <p:nvPr/>
-        </p:nvSpPr>
-        <p:spPr>
-          <a:xfrm>
-            <a:off x="464263" y="726455"/>
-            <a:ext cx="3402150" cy="646331"/>
-          </a:xfrm>
-          <a:prstGeom prst="rect">
-            <a:avLst/>
-          </a:prstGeom>
-          <a:noFill/>
-        </p:spPr>
-        <p:txBody>
-          <a:bodyPr wrap="none" rtlCol="0">
-            <a:spAutoFit/>
-          </a:bodyPr>
-          <a:lstStyle/>
-          <a:p>
-            <a:pPr algn="ctr"/>
-            <a:r>
-              <a:rPr lang="en-US" dirty="0"/>
-              <a:t>multiplicative significantly positive</a:t>
-            </a:r>
-          </a:p>
-          <a:p>
-            <a:pPr algn="ctr"/>
-            <a:r>
-              <a:rPr lang="en-US" dirty="0"/>
-              <a:t>cumulant negative</a:t>
-            </a:r>
-          </a:p>
-        </p:txBody>
-      </p:sp>
-      <p:pic>
-        <p:nvPicPr>
-          <p:cNvPr id="3" name="Picture 2">
-            <a:extLst>
-              <a:ext uri="{FF2B5EF4-FFF2-40B4-BE49-F238E27FC236}">
-                <a16:creationId xmlns:a16="http://schemas.microsoft.com/office/drawing/2014/main" id="{C87413B9-8AAA-03A8-5AB3-F792278C7290}"/>
-              </a:ext>
-            </a:extLst>
-          </p:cNvPr>
-          <p:cNvPicPr>
-            <a:picLocks noChangeAspect="1"/>
-          </p:cNvPicPr>
-          <p:nvPr/>
-        </p:nvPicPr>
-        <p:blipFill rotWithShape="1">
-          <a:blip r:embed="rId3"/>
-          <a:srcRect l="8852"/>
-          <a:stretch/>
-        </p:blipFill>
-        <p:spPr>
-          <a:xfrm>
-            <a:off x="1274630" y="1901662"/>
-            <a:ext cx="8985569" cy="3724221"/>
-          </a:xfrm>
-          <a:prstGeom prst="rect">
-            <a:avLst/>
-          </a:prstGeom>
-        </p:spPr>
-      </p:pic>
     </p:spTree>
     <p:extLst>
       <p:ext uri="{BB962C8B-B14F-4D97-AF65-F5344CB8AC3E}">
-        <p14:creationId xmlns:p14="http://schemas.microsoft.com/office/powerpoint/2010/main" val="3522447619"/>
+        <p14:creationId xmlns:p14="http://schemas.microsoft.com/office/powerpoint/2010/main" val="579967804"/>
       </p:ext>
     </p:extLst>
   </p:cSld>
@@ -16697,7 +17100,7 @@
           <p:cNvPr id="2" name="Title 1">
             <a:extLst>
               <a:ext uri="{FF2B5EF4-FFF2-40B4-BE49-F238E27FC236}">
-                <a16:creationId xmlns:a16="http://schemas.microsoft.com/office/drawing/2014/main" id="{EA343A09-BA3C-D1CA-437B-06BE6DA6C46C}"/>
+                <a16:creationId xmlns:a16="http://schemas.microsoft.com/office/drawing/2014/main" id="{8A4254BD-CE95-959E-4A41-994F0BFA02EB}"/>
               </a:ext>
             </a:extLst>
           </p:cNvPr>
@@ -16705,17 +17108,315 @@
             <a:spLocks noGrp="1"/>
           </p:cNvSpPr>
           <p:nvPr>
-            <p:ph type="ctrTitle"/>
+            <p:ph type="title"/>
           </p:nvPr>
         </p:nvSpPr>
-        <p:spPr/>
+        <p:spPr>
+          <a:xfrm>
+            <a:off x="0" y="-4207"/>
+            <a:ext cx="10515600" cy="740188"/>
+          </a:xfrm>
+        </p:spPr>
         <p:txBody>
           <a:bodyPr/>
           <a:lstStyle/>
           <a:p>
             <a:r>
+              <a:rPr lang="en-US" dirty="0" err="1"/>
+              <a:t>Kuzmin</a:t>
+            </a:r>
+            <a:r>
               <a:rPr lang="en-US" dirty="0"/>
-              <a:t>XXX update</a:t>
+              <a:t> 2020 outlier analyses</a:t>
+            </a:r>
+          </a:p>
+        </p:txBody>
+      </p:sp>
+      <p:pic>
+        <p:nvPicPr>
+          <p:cNvPr id="7" name="Picture 6">
+            <a:extLst>
+              <a:ext uri="{FF2B5EF4-FFF2-40B4-BE49-F238E27FC236}">
+                <a16:creationId xmlns:a16="http://schemas.microsoft.com/office/drawing/2014/main" id="{87CBA212-0959-6064-C373-6A77C5F4E7DF}"/>
+              </a:ext>
+            </a:extLst>
+          </p:cNvPr>
+          <p:cNvPicPr>
+            <a:picLocks noChangeAspect="1"/>
+          </p:cNvPicPr>
+          <p:nvPr/>
+        </p:nvPicPr>
+        <p:blipFill rotWithShape="1">
+          <a:blip r:embed="rId3"/>
+          <a:srcRect l="8469"/>
+          <a:stretch/>
+        </p:blipFill>
+        <p:spPr>
+          <a:xfrm>
+            <a:off x="4604631" y="3626641"/>
+            <a:ext cx="3266558" cy="1876090"/>
+          </a:xfrm>
+          <a:prstGeom prst="rect">
+            <a:avLst/>
+          </a:prstGeom>
+        </p:spPr>
+      </p:pic>
+      <p:sp>
+        <p:nvSpPr>
+          <p:cNvPr id="8" name="TextBox 7">
+            <a:extLst>
+              <a:ext uri="{FF2B5EF4-FFF2-40B4-BE49-F238E27FC236}">
+                <a16:creationId xmlns:a16="http://schemas.microsoft.com/office/drawing/2014/main" id="{D52E7C36-6E82-D0CE-0C80-3A5765B2E5FD}"/>
+              </a:ext>
+            </a:extLst>
+          </p:cNvPr>
+          <p:cNvSpPr txBox="1"/>
+          <p:nvPr/>
+        </p:nvSpPr>
+        <p:spPr>
+          <a:xfrm>
+            <a:off x="2247896" y="3886970"/>
+            <a:ext cx="2356735" cy="246221"/>
+          </a:xfrm>
+          <a:prstGeom prst="rect">
+            <a:avLst/>
+          </a:prstGeom>
+          <a:noFill/>
+        </p:spPr>
+        <p:txBody>
+          <a:bodyPr wrap="none" rtlCol="0">
+            <a:spAutoFit/>
+          </a:bodyPr>
+          <a:lstStyle/>
+          <a:p>
+            <a:r>
+              <a:rPr lang="en-US" sz="1000" dirty="0"/>
+              <a:t>both multiplicative and reported negative</a:t>
+            </a:r>
+          </a:p>
+        </p:txBody>
+      </p:sp>
+      <p:sp>
+        <p:nvSpPr>
+          <p:cNvPr id="9" name="TextBox 8">
+            <a:extLst>
+              <a:ext uri="{FF2B5EF4-FFF2-40B4-BE49-F238E27FC236}">
+                <a16:creationId xmlns:a16="http://schemas.microsoft.com/office/drawing/2014/main" id="{4F106E05-1439-2786-125F-11737524F47B}"/>
+              </a:ext>
+            </a:extLst>
+          </p:cNvPr>
+          <p:cNvSpPr txBox="1"/>
+          <p:nvPr/>
+        </p:nvSpPr>
+        <p:spPr>
+          <a:xfrm>
+            <a:off x="3217072" y="4164043"/>
+            <a:ext cx="1374094" cy="246221"/>
+          </a:xfrm>
+          <a:prstGeom prst="rect">
+            <a:avLst/>
+          </a:prstGeom>
+          <a:noFill/>
+        </p:spPr>
+        <p:txBody>
+          <a:bodyPr wrap="none" rtlCol="0">
+            <a:spAutoFit/>
+          </a:bodyPr>
+          <a:lstStyle/>
+          <a:p>
+            <a:r>
+              <a:rPr lang="en-US" sz="1000" dirty="0"/>
+              <a:t>only reported negative</a:t>
+            </a:r>
+          </a:p>
+        </p:txBody>
+      </p:sp>
+      <p:sp>
+        <p:nvSpPr>
+          <p:cNvPr id="10" name="TextBox 9">
+            <a:extLst>
+              <a:ext uri="{FF2B5EF4-FFF2-40B4-BE49-F238E27FC236}">
+                <a16:creationId xmlns:a16="http://schemas.microsoft.com/office/drawing/2014/main" id="{1A64C16A-C169-7F5C-33CC-C83736662C1B}"/>
+              </a:ext>
+            </a:extLst>
+          </p:cNvPr>
+          <p:cNvSpPr txBox="1"/>
+          <p:nvPr/>
+        </p:nvSpPr>
+        <p:spPr>
+          <a:xfrm>
+            <a:off x="2975018" y="4413039"/>
+            <a:ext cx="1616148" cy="246221"/>
+          </a:xfrm>
+          <a:prstGeom prst="rect">
+            <a:avLst/>
+          </a:prstGeom>
+          <a:noFill/>
+        </p:spPr>
+        <p:txBody>
+          <a:bodyPr wrap="none" rtlCol="0">
+            <a:spAutoFit/>
+          </a:bodyPr>
+          <a:lstStyle/>
+          <a:p>
+            <a:r>
+              <a:rPr lang="en-US" sz="1000" dirty="0"/>
+              <a:t>only multiplicative negative</a:t>
+            </a:r>
+          </a:p>
+        </p:txBody>
+      </p:sp>
+      <p:sp>
+        <p:nvSpPr>
+          <p:cNvPr id="11" name="TextBox 10">
+            <a:extLst>
+              <a:ext uri="{FF2B5EF4-FFF2-40B4-BE49-F238E27FC236}">
+                <a16:creationId xmlns:a16="http://schemas.microsoft.com/office/drawing/2014/main" id="{346F4687-7A05-A0E0-284A-7CE1E09EE290}"/>
+              </a:ext>
+            </a:extLst>
+          </p:cNvPr>
+          <p:cNvSpPr txBox="1"/>
+          <p:nvPr/>
+        </p:nvSpPr>
+        <p:spPr>
+          <a:xfrm>
+            <a:off x="2301961" y="4662810"/>
+            <a:ext cx="2316660" cy="246221"/>
+          </a:xfrm>
+          <a:prstGeom prst="rect">
+            <a:avLst/>
+          </a:prstGeom>
+          <a:noFill/>
+        </p:spPr>
+        <p:txBody>
+          <a:bodyPr wrap="none" rtlCol="0">
+            <a:spAutoFit/>
+          </a:bodyPr>
+          <a:lstStyle/>
+          <a:p>
+            <a:r>
+              <a:rPr lang="en-US" sz="1000" dirty="0"/>
+              <a:t>both multiplicative and reported positive</a:t>
+            </a:r>
+          </a:p>
+        </p:txBody>
+      </p:sp>
+      <p:sp>
+        <p:nvSpPr>
+          <p:cNvPr id="12" name="TextBox 11">
+            <a:extLst>
+              <a:ext uri="{FF2B5EF4-FFF2-40B4-BE49-F238E27FC236}">
+                <a16:creationId xmlns:a16="http://schemas.microsoft.com/office/drawing/2014/main" id="{560A35C9-875F-9BB9-8921-319DEA8639A1}"/>
+              </a:ext>
+            </a:extLst>
+          </p:cNvPr>
+          <p:cNvSpPr txBox="1"/>
+          <p:nvPr/>
+        </p:nvSpPr>
+        <p:spPr>
+          <a:xfrm>
+            <a:off x="3244527" y="4935207"/>
+            <a:ext cx="1374094" cy="246221"/>
+          </a:xfrm>
+          <a:prstGeom prst="rect">
+            <a:avLst/>
+          </a:prstGeom>
+          <a:noFill/>
+        </p:spPr>
+        <p:txBody>
+          <a:bodyPr wrap="none" rtlCol="0">
+            <a:spAutoFit/>
+          </a:bodyPr>
+          <a:lstStyle/>
+          <a:p>
+            <a:r>
+              <a:rPr lang="en-US" sz="1000" dirty="0"/>
+              <a:t>only reported positive</a:t>
+            </a:r>
+          </a:p>
+        </p:txBody>
+      </p:sp>
+      <p:sp>
+        <p:nvSpPr>
+          <p:cNvPr id="13" name="TextBox 12">
+            <a:extLst>
+              <a:ext uri="{FF2B5EF4-FFF2-40B4-BE49-F238E27FC236}">
+                <a16:creationId xmlns:a16="http://schemas.microsoft.com/office/drawing/2014/main" id="{63FEB634-030E-2FD8-E240-23928A83EB27}"/>
+              </a:ext>
+            </a:extLst>
+          </p:cNvPr>
+          <p:cNvSpPr txBox="1"/>
+          <p:nvPr/>
+        </p:nvSpPr>
+        <p:spPr>
+          <a:xfrm>
+            <a:off x="3022462" y="5198650"/>
+            <a:ext cx="1576072" cy="246221"/>
+          </a:xfrm>
+          <a:prstGeom prst="rect">
+            <a:avLst/>
+          </a:prstGeom>
+          <a:noFill/>
+        </p:spPr>
+        <p:txBody>
+          <a:bodyPr wrap="none" rtlCol="0">
+            <a:spAutoFit/>
+          </a:bodyPr>
+          <a:lstStyle/>
+          <a:p>
+            <a:r>
+              <a:rPr lang="en-US" sz="1000" dirty="0"/>
+              <a:t>only multiplicative positive</a:t>
+            </a:r>
+          </a:p>
+        </p:txBody>
+      </p:sp>
+      <p:sp>
+        <p:nvSpPr>
+          <p:cNvPr id="14" name="TextBox 13">
+            <a:extLst>
+              <a:ext uri="{FF2B5EF4-FFF2-40B4-BE49-F238E27FC236}">
+                <a16:creationId xmlns:a16="http://schemas.microsoft.com/office/drawing/2014/main" id="{1372CBCE-8CE5-C0A5-C0CC-D5D7755AAEE4}"/>
+              </a:ext>
+            </a:extLst>
+          </p:cNvPr>
+          <p:cNvSpPr txBox="1"/>
+          <p:nvPr/>
+        </p:nvSpPr>
+        <p:spPr>
+          <a:xfrm>
+            <a:off x="228600" y="1355269"/>
+            <a:ext cx="9856509" cy="1477328"/>
+          </a:xfrm>
+          <a:prstGeom prst="rect">
+            <a:avLst/>
+          </a:prstGeom>
+          <a:noFill/>
+        </p:spPr>
+        <p:txBody>
+          <a:bodyPr wrap="square" rtlCol="0">
+            <a:spAutoFit/>
+          </a:bodyPr>
+          <a:lstStyle/>
+          <a:p>
+            <a:r>
+              <a:rPr lang="en-US" dirty="0"/>
+              <a:t>FROM LAST TIME:</a:t>
+            </a:r>
+          </a:p>
+          <a:p>
+            <a:r>
+              <a:rPr lang="en-US" dirty="0"/>
+              <a:t>comparison of reported outliers with those found using multiplicative formula</a:t>
+            </a:r>
+          </a:p>
+          <a:p>
+            <a:endParaRPr lang="en-US" dirty="0"/>
+          </a:p>
+          <a:p>
+            <a:r>
+              <a:rPr lang="en-US" dirty="0"/>
+              <a:t>for the fraction (“frac”) column,  the number in “number” column was divided by all outliers (reported and multiplicative) of that type (positive or negative)</a:t>
             </a:r>
           </a:p>
         </p:txBody>
@@ -16723,7 +17424,7 @@
     </p:spTree>
     <p:extLst>
       <p:ext uri="{BB962C8B-B14F-4D97-AF65-F5344CB8AC3E}">
-        <p14:creationId xmlns:p14="http://schemas.microsoft.com/office/powerpoint/2010/main" val="579967804"/>
+        <p14:creationId xmlns:p14="http://schemas.microsoft.com/office/powerpoint/2010/main" val="522964684"/>
       </p:ext>
     </p:extLst>
   </p:cSld>
@@ -19238,36 +19939,145 @@
       </p:grpSpPr>
       <p:sp>
         <p:nvSpPr>
-          <p:cNvPr id="2" name="Title 1">
+          <p:cNvPr id="6" name="TextBox 5">
             <a:extLst>
               <a:ext uri="{FF2B5EF4-FFF2-40B4-BE49-F238E27FC236}">
-                <a16:creationId xmlns:a16="http://schemas.microsoft.com/office/drawing/2014/main" id="{8A4254BD-CE95-959E-4A41-994F0BFA02EB}"/>
+                <a16:creationId xmlns:a16="http://schemas.microsoft.com/office/drawing/2014/main" id="{4B45AC35-A8A4-D444-A70C-B9BB95526EEA}"/>
               </a:ext>
             </a:extLst>
           </p:cNvPr>
-          <p:cNvSpPr>
-            <a:spLocks noGrp="1"/>
-          </p:cNvSpPr>
-          <p:nvPr>
-            <p:ph type="title"/>
-          </p:nvPr>
+          <p:cNvSpPr txBox="1"/>
+          <p:nvPr/>
         </p:nvSpPr>
-        <p:spPr/>
+        <p:spPr>
+          <a:xfrm>
+            <a:off x="0" y="23673"/>
+            <a:ext cx="4330673" cy="523220"/>
+          </a:xfrm>
+          <a:prstGeom prst="rect">
+            <a:avLst/>
+          </a:prstGeom>
+          <a:noFill/>
+        </p:spPr>
         <p:txBody>
-          <a:bodyPr/>
+          <a:bodyPr wrap="none" rtlCol="0">
+            <a:spAutoFit/>
+          </a:bodyPr>
           <a:lstStyle/>
           <a:p>
             <a:r>
-              <a:rPr lang="en-US" dirty="0" err="1"/>
+              <a:rPr lang="en-US" sz="2800" dirty="0" err="1"/>
               <a:t>Kuzmin</a:t>
             </a:r>
             <a:r>
-              <a:rPr lang="en-US" dirty="0"/>
-              <a:t> 2018 analyses</a:t>
+              <a:rPr lang="en-US" sz="2800" dirty="0"/>
+              <a:t> 2020 outlier analysis</a:t>
             </a:r>
           </a:p>
         </p:txBody>
       </p:sp>
+      <p:sp>
+        <p:nvSpPr>
+          <p:cNvPr id="11" name="TextBox 10">
+            <a:extLst>
+              <a:ext uri="{FF2B5EF4-FFF2-40B4-BE49-F238E27FC236}">
+                <a16:creationId xmlns:a16="http://schemas.microsoft.com/office/drawing/2014/main" id="{1C009BBD-85F9-0392-8AB1-87AD581EF530}"/>
+              </a:ext>
+            </a:extLst>
+          </p:cNvPr>
+          <p:cNvSpPr txBox="1"/>
+          <p:nvPr/>
+        </p:nvSpPr>
+        <p:spPr>
+          <a:xfrm>
+            <a:off x="464263" y="726455"/>
+            <a:ext cx="3402150" cy="646331"/>
+          </a:xfrm>
+          <a:prstGeom prst="rect">
+            <a:avLst/>
+          </a:prstGeom>
+          <a:noFill/>
+        </p:spPr>
+        <p:txBody>
+          <a:bodyPr wrap="none" rtlCol="0">
+            <a:spAutoFit/>
+          </a:bodyPr>
+          <a:lstStyle/>
+          <a:p>
+            <a:pPr algn="ctr"/>
+            <a:r>
+              <a:rPr lang="en-US" dirty="0"/>
+              <a:t>multiplicative significantly positive</a:t>
+            </a:r>
+          </a:p>
+          <a:p>
+            <a:pPr algn="ctr"/>
+            <a:r>
+              <a:rPr lang="en-US" dirty="0"/>
+              <a:t>cumulant negative</a:t>
+            </a:r>
+          </a:p>
+        </p:txBody>
+      </p:sp>
+      <p:pic>
+        <p:nvPicPr>
+          <p:cNvPr id="3" name="Picture 2">
+            <a:extLst>
+              <a:ext uri="{FF2B5EF4-FFF2-40B4-BE49-F238E27FC236}">
+                <a16:creationId xmlns:a16="http://schemas.microsoft.com/office/drawing/2014/main" id="{C87413B9-8AAA-03A8-5AB3-F792278C7290}"/>
+              </a:ext>
+            </a:extLst>
+          </p:cNvPr>
+          <p:cNvPicPr>
+            <a:picLocks noChangeAspect="1"/>
+          </p:cNvPicPr>
+          <p:nvPr/>
+        </p:nvPicPr>
+        <p:blipFill rotWithShape="1">
+          <a:blip r:embed="rId3"/>
+          <a:srcRect l="8852"/>
+          <a:stretch/>
+        </p:blipFill>
+        <p:spPr>
+          <a:xfrm>
+            <a:off x="1274630" y="1901662"/>
+            <a:ext cx="8985569" cy="3724221"/>
+          </a:xfrm>
+          <a:prstGeom prst="rect">
+            <a:avLst/>
+          </a:prstGeom>
+        </p:spPr>
+      </p:pic>
+    </p:spTree>
+    <p:extLst>
+      <p:ext uri="{BB962C8B-B14F-4D97-AF65-F5344CB8AC3E}">
+        <p14:creationId xmlns:p14="http://schemas.microsoft.com/office/powerpoint/2010/main" val="3522447619"/>
+      </p:ext>
+    </p:extLst>
+  </p:cSld>
+  <p:clrMapOvr>
+    <a:masterClrMapping/>
+  </p:clrMapOvr>
+</p:sld>
+</file>
+
+<file path=ppt/slides/slide31.xml><?xml version="1.0" encoding="utf-8"?>
+<p:sld xmlns:a="http://schemas.openxmlformats.org/drawingml/2006/main" xmlns:r="http://schemas.openxmlformats.org/officeDocument/2006/relationships" xmlns:p="http://schemas.openxmlformats.org/presentationml/2006/main">
+  <p:cSld>
+    <p:spTree>
+      <p:nvGrpSpPr>
+        <p:cNvPr id="1" name=""/>
+        <p:cNvGrpSpPr/>
+        <p:nvPr/>
+      </p:nvGrpSpPr>
+      <p:grpSpPr>
+        <a:xfrm>
+          <a:off x="0" y="0"/>
+          <a:ext cx="0" cy="0"/>
+          <a:chOff x="0" y="0"/>
+          <a:chExt cx="0" cy="0"/>
+        </a:xfrm>
+      </p:grpSpPr>
       <p:sp>
         <p:nvSpPr>
           <p:cNvPr id="3" name="Content Placeholder 2">
@@ -19284,6 +20094,3852 @@
             <p:ph idx="1"/>
           </p:nvPr>
         </p:nvSpPr>
+        <p:spPr>
+          <a:xfrm>
+            <a:off x="347547" y="1535694"/>
+            <a:ext cx="10515600" cy="3348540"/>
+          </a:xfrm>
+        </p:spPr>
+        <p:txBody>
+          <a:bodyPr>
+            <a:normAutofit fontScale="92500" lnSpcReduction="10000"/>
+          </a:bodyPr>
+          <a:lstStyle/>
+          <a:p>
+            <a:r>
+              <a:rPr lang="en-US" dirty="0"/>
+              <a:t>downloaded physical interactions from </a:t>
+            </a:r>
+            <a:r>
+              <a:rPr lang="en-US" dirty="0" err="1"/>
+              <a:t>BioGRID</a:t>
+            </a:r>
+            <a:endParaRPr lang="en-US" dirty="0"/>
+          </a:p>
+          <a:p>
+            <a:pPr lvl="1"/>
+            <a:r>
+              <a:rPr lang="en-US" dirty="0"/>
+              <a:t>assigned a gene triplet “1” if 2+ of 3 possible pairs were involved in physical interaction, “0” otherwise</a:t>
+            </a:r>
+          </a:p>
+          <a:p>
+            <a:r>
+              <a:rPr lang="en-US" dirty="0"/>
+              <a:t>downloaded GO categories from </a:t>
+            </a:r>
+            <a:r>
+              <a:rPr lang="en-US" dirty="0" err="1"/>
+              <a:t>yeastgenome.org</a:t>
+            </a:r>
+            <a:endParaRPr lang="en-US" dirty="0"/>
+          </a:p>
+          <a:p>
+            <a:pPr lvl="1"/>
+            <a:r>
+              <a:rPr lang="en-US" dirty="0"/>
+              <a:t>assigned a gene triplet “1” if </a:t>
+            </a:r>
+            <a:r>
+              <a:rPr lang="en-US" b="1" dirty="0"/>
+              <a:t>ALL</a:t>
+            </a:r>
+            <a:r>
+              <a:rPr lang="en-US" dirty="0"/>
+              <a:t> 3 pairs were involved in same GO category at least once (sometimes all 3 gene pairs were in multiple GO categories), “0” otherwise</a:t>
+            </a:r>
+          </a:p>
+          <a:p>
+            <a:pPr lvl="1"/>
+            <a:r>
+              <a:rPr lang="en-US" dirty="0" err="1"/>
+              <a:t>Kuzmin</a:t>
+            </a:r>
+            <a:r>
+              <a:rPr lang="en-US" dirty="0"/>
+              <a:t> et al instead used some other custom “SAFE” analysis to classify functional categories</a:t>
+            </a:r>
+          </a:p>
+          <a:p>
+            <a:r>
+              <a:rPr lang="en-US" dirty="0"/>
+              <a:t>Used hypergeometric distribution to test for significant enrichment</a:t>
+            </a:r>
+          </a:p>
+          <a:p>
+            <a:pPr lvl="1"/>
+            <a:endParaRPr lang="en-US" dirty="0"/>
+          </a:p>
+        </p:txBody>
+      </p:sp>
+      <p:sp>
+        <p:nvSpPr>
+          <p:cNvPr id="4" name="Title 1">
+            <a:extLst>
+              <a:ext uri="{FF2B5EF4-FFF2-40B4-BE49-F238E27FC236}">
+                <a16:creationId xmlns:a16="http://schemas.microsoft.com/office/drawing/2014/main" id="{F932B35A-28FD-D53F-B092-1072CE5AB3B7}"/>
+              </a:ext>
+            </a:extLst>
+          </p:cNvPr>
+          <p:cNvSpPr txBox="1">
+            <a:spLocks/>
+          </p:cNvSpPr>
+          <p:nvPr/>
+        </p:nvSpPr>
+        <p:spPr>
+          <a:xfrm>
+            <a:off x="0" y="-4207"/>
+            <a:ext cx="10515600" cy="740188"/>
+          </a:xfrm>
+          <a:prstGeom prst="rect">
+            <a:avLst/>
+          </a:prstGeom>
+        </p:spPr>
+        <p:txBody>
+          <a:bodyPr vert="horz" lIns="91440" tIns="45720" rIns="91440" bIns="45720" rtlCol="0" anchor="ctr">
+            <a:normAutofit/>
+          </a:bodyPr>
+          <a:lstStyle>
+            <a:lvl1pPr algn="l" defTabSz="914400" rtl="0" eaLnBrk="1" latinLnBrk="0" hangingPunct="1">
+              <a:lnSpc>
+                <a:spcPct val="90000"/>
+              </a:lnSpc>
+              <a:spcBef>
+                <a:spcPct val="0"/>
+              </a:spcBef>
+              <a:buNone/>
+              <a:defRPr sz="4400" kern="1200">
+                <a:solidFill>
+                  <a:schemeClr val="tx1"/>
+                </a:solidFill>
+                <a:latin typeface="+mj-lt"/>
+                <a:ea typeface="+mj-ea"/>
+                <a:cs typeface="+mj-cs"/>
+              </a:defRPr>
+            </a:lvl1pPr>
+          </a:lstStyle>
+          <a:p>
+            <a:r>
+              <a:rPr lang="en-US"/>
+              <a:t>Kuzmin 2020 outlier analyses</a:t>
+            </a:r>
+            <a:endParaRPr lang="en-US" dirty="0"/>
+          </a:p>
+        </p:txBody>
+      </p:sp>
+    </p:spTree>
+    <p:extLst>
+      <p:ext uri="{BB962C8B-B14F-4D97-AF65-F5344CB8AC3E}">
+        <p14:creationId xmlns:p14="http://schemas.microsoft.com/office/powerpoint/2010/main" val="1846907820"/>
+      </p:ext>
+    </p:extLst>
+  </p:cSld>
+  <p:clrMapOvr>
+    <a:masterClrMapping/>
+  </p:clrMapOvr>
+</p:sld>
+</file>
+
+<file path=ppt/slides/slide32.xml><?xml version="1.0" encoding="utf-8"?>
+<p:sld xmlns:a="http://schemas.openxmlformats.org/drawingml/2006/main" xmlns:r="http://schemas.openxmlformats.org/officeDocument/2006/relationships" xmlns:p="http://schemas.openxmlformats.org/presentationml/2006/main">
+  <p:cSld>
+    <p:spTree>
+      <p:nvGrpSpPr>
+        <p:cNvPr id="1" name=""/>
+        <p:cNvGrpSpPr/>
+        <p:nvPr/>
+      </p:nvGrpSpPr>
+      <p:grpSpPr>
+        <a:xfrm>
+          <a:off x="0" y="0"/>
+          <a:ext cx="0" cy="0"/>
+          <a:chOff x="0" y="0"/>
+          <a:chExt cx="0" cy="0"/>
+        </a:xfrm>
+      </p:grpSpPr>
+      <p:sp>
+        <p:nvSpPr>
+          <p:cNvPr id="10" name="TextBox 9">
+            <a:extLst>
+              <a:ext uri="{FF2B5EF4-FFF2-40B4-BE49-F238E27FC236}">
+                <a16:creationId xmlns:a16="http://schemas.microsoft.com/office/drawing/2014/main" id="{1DDB49DC-3E24-A3B4-B593-B20004B33851}"/>
+              </a:ext>
+            </a:extLst>
+          </p:cNvPr>
+          <p:cNvSpPr txBox="1"/>
+          <p:nvPr/>
+        </p:nvSpPr>
+        <p:spPr>
+          <a:xfrm rot="16200000">
+            <a:off x="888361" y="2999439"/>
+            <a:ext cx="5186997" cy="646331"/>
+          </a:xfrm>
+          <a:prstGeom prst="rect">
+            <a:avLst/>
+          </a:prstGeom>
+          <a:noFill/>
+        </p:spPr>
+        <p:txBody>
+          <a:bodyPr wrap="none" rtlCol="0">
+            <a:spAutoFit/>
+          </a:bodyPr>
+          <a:lstStyle/>
+          <a:p>
+            <a:pPr algn="ctr"/>
+            <a:r>
+              <a:rPr lang="en-US" dirty="0"/>
+              <a:t>proportion </a:t>
+            </a:r>
+          </a:p>
+          <a:p>
+            <a:pPr algn="ctr"/>
+            <a:r>
+              <a:rPr lang="en-US" dirty="0"/>
+              <a:t>(triplets with 2+ pairs involved in physical interaction)</a:t>
+            </a:r>
+          </a:p>
+        </p:txBody>
+      </p:sp>
+      <p:sp>
+        <p:nvSpPr>
+          <p:cNvPr id="11" name="TextBox 10">
+            <a:extLst>
+              <a:ext uri="{FF2B5EF4-FFF2-40B4-BE49-F238E27FC236}">
+                <a16:creationId xmlns:a16="http://schemas.microsoft.com/office/drawing/2014/main" id="{9449C095-C019-B9A5-32BA-7FD20CA3BF62}"/>
+              </a:ext>
+            </a:extLst>
+          </p:cNvPr>
+          <p:cNvSpPr txBox="1"/>
+          <p:nvPr/>
+        </p:nvSpPr>
+        <p:spPr>
+          <a:xfrm>
+            <a:off x="5408341" y="6519446"/>
+            <a:ext cx="993605" cy="369332"/>
+          </a:xfrm>
+          <a:prstGeom prst="rect">
+            <a:avLst/>
+          </a:prstGeom>
+          <a:noFill/>
+        </p:spPr>
+        <p:txBody>
+          <a:bodyPr wrap="none" rtlCol="0">
+            <a:spAutoFit/>
+          </a:bodyPr>
+          <a:lstStyle/>
+          <a:p>
+            <a:r>
+              <a:rPr lang="en-US" dirty="0"/>
+              <a:t>category</a:t>
+            </a:r>
+          </a:p>
+        </p:txBody>
+      </p:sp>
+      <p:pic>
+        <p:nvPicPr>
+          <p:cNvPr id="12" name="Picture 11">
+            <a:extLst>
+              <a:ext uri="{FF2B5EF4-FFF2-40B4-BE49-F238E27FC236}">
+                <a16:creationId xmlns:a16="http://schemas.microsoft.com/office/drawing/2014/main" id="{C70C56C0-FE7A-AEC7-B71A-F920CCF3A1C9}"/>
+              </a:ext>
+            </a:extLst>
+          </p:cNvPr>
+          <p:cNvPicPr>
+            <a:picLocks noChangeAspect="1"/>
+          </p:cNvPicPr>
+          <p:nvPr/>
+        </p:nvPicPr>
+        <p:blipFill>
+          <a:blip r:embed="rId3"/>
+          <a:stretch>
+            <a:fillRect/>
+          </a:stretch>
+        </p:blipFill>
+        <p:spPr>
+          <a:xfrm>
+            <a:off x="3746810" y="523220"/>
+            <a:ext cx="4318751" cy="6016418"/>
+          </a:xfrm>
+          <a:prstGeom prst="rect">
+            <a:avLst/>
+          </a:prstGeom>
+        </p:spPr>
+      </p:pic>
+      <p:sp>
+        <p:nvSpPr>
+          <p:cNvPr id="13" name="TextBox 12">
+            <a:extLst>
+              <a:ext uri="{FF2B5EF4-FFF2-40B4-BE49-F238E27FC236}">
+                <a16:creationId xmlns:a16="http://schemas.microsoft.com/office/drawing/2014/main" id="{D52A6592-1E92-7E0F-1BB1-058CC8A3521C}"/>
+              </a:ext>
+            </a:extLst>
+          </p:cNvPr>
+          <p:cNvSpPr txBox="1"/>
+          <p:nvPr/>
+        </p:nvSpPr>
+        <p:spPr>
+          <a:xfrm>
+            <a:off x="0" y="0"/>
+            <a:ext cx="3146759" cy="523220"/>
+          </a:xfrm>
+          <a:prstGeom prst="rect">
+            <a:avLst/>
+          </a:prstGeom>
+          <a:noFill/>
+        </p:spPr>
+        <p:txBody>
+          <a:bodyPr wrap="none" rtlCol="0">
+            <a:spAutoFit/>
+          </a:bodyPr>
+          <a:lstStyle/>
+          <a:p>
+            <a:r>
+              <a:rPr lang="en-US" sz="2800" dirty="0"/>
+              <a:t>physical interactions</a:t>
+            </a:r>
+          </a:p>
+        </p:txBody>
+      </p:sp>
+      <p:sp>
+        <p:nvSpPr>
+          <p:cNvPr id="14" name="TextBox 13">
+            <a:extLst>
+              <a:ext uri="{FF2B5EF4-FFF2-40B4-BE49-F238E27FC236}">
+                <a16:creationId xmlns:a16="http://schemas.microsoft.com/office/drawing/2014/main" id="{D146B385-18A8-C5EC-2231-8D9480A2778F}"/>
+              </a:ext>
+            </a:extLst>
+          </p:cNvPr>
+          <p:cNvSpPr txBox="1"/>
+          <p:nvPr/>
+        </p:nvSpPr>
+        <p:spPr>
+          <a:xfrm>
+            <a:off x="5140711" y="174080"/>
+            <a:ext cx="1742978" cy="369332"/>
+          </a:xfrm>
+          <a:prstGeom prst="rect">
+            <a:avLst/>
+          </a:prstGeom>
+          <a:noFill/>
+        </p:spPr>
+        <p:txBody>
+          <a:bodyPr wrap="none" rtlCol="0">
+            <a:spAutoFit/>
+          </a:bodyPr>
+          <a:lstStyle/>
+          <a:p>
+            <a:r>
+              <a:rPr lang="en-US" dirty="0"/>
+              <a:t>negative outliers</a:t>
+            </a:r>
+          </a:p>
+        </p:txBody>
+      </p:sp>
+      <p:sp>
+        <p:nvSpPr>
+          <p:cNvPr id="15" name="TextBox 14">
+            <a:extLst>
+              <a:ext uri="{FF2B5EF4-FFF2-40B4-BE49-F238E27FC236}">
+                <a16:creationId xmlns:a16="http://schemas.microsoft.com/office/drawing/2014/main" id="{8D445862-768D-812E-BED6-56E500BD1123}"/>
+              </a:ext>
+            </a:extLst>
+          </p:cNvPr>
+          <p:cNvSpPr txBox="1"/>
+          <p:nvPr/>
+        </p:nvSpPr>
+        <p:spPr>
+          <a:xfrm>
+            <a:off x="5172771" y="3346763"/>
+            <a:ext cx="1678858" cy="369332"/>
+          </a:xfrm>
+          <a:prstGeom prst="rect">
+            <a:avLst/>
+          </a:prstGeom>
+          <a:noFill/>
+        </p:spPr>
+        <p:txBody>
+          <a:bodyPr wrap="none" rtlCol="0">
+            <a:spAutoFit/>
+          </a:bodyPr>
+          <a:lstStyle/>
+          <a:p>
+            <a:r>
+              <a:rPr lang="en-US" dirty="0"/>
+              <a:t>positive outliers</a:t>
+            </a:r>
+          </a:p>
+        </p:txBody>
+      </p:sp>
+      <p:pic>
+        <p:nvPicPr>
+          <p:cNvPr id="18" name="Picture 17">
+            <a:extLst>
+              <a:ext uri="{FF2B5EF4-FFF2-40B4-BE49-F238E27FC236}">
+                <a16:creationId xmlns:a16="http://schemas.microsoft.com/office/drawing/2014/main" id="{9AC0B715-618D-CCC0-4457-37D7CF739D5B}"/>
+              </a:ext>
+            </a:extLst>
+          </p:cNvPr>
+          <p:cNvPicPr>
+            <a:picLocks noChangeAspect="1"/>
+          </p:cNvPicPr>
+          <p:nvPr/>
+        </p:nvPicPr>
+        <p:blipFill>
+          <a:blip r:embed="rId4"/>
+          <a:stretch>
+            <a:fillRect/>
+          </a:stretch>
+        </p:blipFill>
+        <p:spPr>
+          <a:xfrm>
+            <a:off x="8732027" y="1202938"/>
+            <a:ext cx="2489200" cy="1485900"/>
+          </a:xfrm>
+          <a:prstGeom prst="rect">
+            <a:avLst/>
+          </a:prstGeom>
+        </p:spPr>
+      </p:pic>
+      <p:sp>
+        <p:nvSpPr>
+          <p:cNvPr id="19" name="TextBox 18">
+            <a:extLst>
+              <a:ext uri="{FF2B5EF4-FFF2-40B4-BE49-F238E27FC236}">
+                <a16:creationId xmlns:a16="http://schemas.microsoft.com/office/drawing/2014/main" id="{87CF8216-8FC7-2388-DA12-ED9123FC02EC}"/>
+              </a:ext>
+            </a:extLst>
+          </p:cNvPr>
+          <p:cNvSpPr txBox="1"/>
+          <p:nvPr/>
+        </p:nvSpPr>
+        <p:spPr>
+          <a:xfrm>
+            <a:off x="9105138" y="549540"/>
+            <a:ext cx="1742978" cy="646331"/>
+          </a:xfrm>
+          <a:prstGeom prst="rect">
+            <a:avLst/>
+          </a:prstGeom>
+          <a:noFill/>
+        </p:spPr>
+        <p:txBody>
+          <a:bodyPr wrap="none" rtlCol="0">
+            <a:spAutoFit/>
+          </a:bodyPr>
+          <a:lstStyle/>
+          <a:p>
+            <a:pPr algn="ctr"/>
+            <a:r>
+              <a:rPr lang="en-US" dirty="0"/>
+              <a:t>negative outliers</a:t>
+            </a:r>
+          </a:p>
+          <a:p>
+            <a:pPr algn="ctr"/>
+            <a:r>
+              <a:rPr lang="en-US" dirty="0" err="1"/>
+              <a:t>hypergeom</a:t>
+            </a:r>
+            <a:r>
+              <a:rPr lang="en-US" dirty="0"/>
+              <a:t> test</a:t>
+            </a:r>
+          </a:p>
+        </p:txBody>
+      </p:sp>
+      <p:pic>
+        <p:nvPicPr>
+          <p:cNvPr id="21" name="Picture 20">
+            <a:extLst>
+              <a:ext uri="{FF2B5EF4-FFF2-40B4-BE49-F238E27FC236}">
+                <a16:creationId xmlns:a16="http://schemas.microsoft.com/office/drawing/2014/main" id="{385D5748-EDDB-FCF2-8B52-FF7B4CA940AC}"/>
+              </a:ext>
+            </a:extLst>
+          </p:cNvPr>
+          <p:cNvPicPr>
+            <a:picLocks noChangeAspect="1"/>
+          </p:cNvPicPr>
+          <p:nvPr/>
+        </p:nvPicPr>
+        <p:blipFill>
+          <a:blip r:embed="rId5"/>
+          <a:stretch>
+            <a:fillRect/>
+          </a:stretch>
+        </p:blipFill>
+        <p:spPr>
+          <a:xfrm>
+            <a:off x="8903477" y="4417587"/>
+            <a:ext cx="2146300" cy="1435100"/>
+          </a:xfrm>
+          <a:prstGeom prst="rect">
+            <a:avLst/>
+          </a:prstGeom>
+        </p:spPr>
+      </p:pic>
+      <p:sp>
+        <p:nvSpPr>
+          <p:cNvPr id="22" name="TextBox 21">
+            <a:extLst>
+              <a:ext uri="{FF2B5EF4-FFF2-40B4-BE49-F238E27FC236}">
+                <a16:creationId xmlns:a16="http://schemas.microsoft.com/office/drawing/2014/main" id="{E836CC0E-9D6A-58D0-C213-D65807154B91}"/>
+              </a:ext>
+            </a:extLst>
+          </p:cNvPr>
+          <p:cNvSpPr txBox="1"/>
+          <p:nvPr/>
+        </p:nvSpPr>
+        <p:spPr>
+          <a:xfrm>
+            <a:off x="9180719" y="3716095"/>
+            <a:ext cx="1678858" cy="646331"/>
+          </a:xfrm>
+          <a:prstGeom prst="rect">
+            <a:avLst/>
+          </a:prstGeom>
+          <a:noFill/>
+        </p:spPr>
+        <p:txBody>
+          <a:bodyPr wrap="none" rtlCol="0">
+            <a:spAutoFit/>
+          </a:bodyPr>
+          <a:lstStyle/>
+          <a:p>
+            <a:pPr algn="ctr"/>
+            <a:r>
+              <a:rPr lang="en-US" dirty="0"/>
+              <a:t>positive outliers</a:t>
+            </a:r>
+          </a:p>
+          <a:p>
+            <a:pPr algn="ctr"/>
+            <a:r>
+              <a:rPr lang="en-US" dirty="0" err="1"/>
+              <a:t>hypergeom</a:t>
+            </a:r>
+            <a:r>
+              <a:rPr lang="en-US" dirty="0"/>
+              <a:t> test</a:t>
+            </a:r>
+          </a:p>
+        </p:txBody>
+      </p:sp>
+      <p:sp>
+        <p:nvSpPr>
+          <p:cNvPr id="23" name="TextBox 22">
+            <a:extLst>
+              <a:ext uri="{FF2B5EF4-FFF2-40B4-BE49-F238E27FC236}">
+                <a16:creationId xmlns:a16="http://schemas.microsoft.com/office/drawing/2014/main" id="{EAD9A8BB-38D7-BAE9-76C4-61C17589400D}"/>
+              </a:ext>
+            </a:extLst>
+          </p:cNvPr>
+          <p:cNvSpPr txBox="1"/>
+          <p:nvPr/>
+        </p:nvSpPr>
+        <p:spPr>
+          <a:xfrm>
+            <a:off x="68226" y="1792491"/>
+            <a:ext cx="3164842" cy="3323987"/>
+          </a:xfrm>
+          <a:prstGeom prst="rect">
+            <a:avLst/>
+          </a:prstGeom>
+          <a:noFill/>
+        </p:spPr>
+        <p:txBody>
+          <a:bodyPr wrap="square" rtlCol="0">
+            <a:spAutoFit/>
+          </a:bodyPr>
+          <a:lstStyle/>
+          <a:p>
+            <a:r>
+              <a:rPr lang="en-US" sz="1400" dirty="0"/>
+              <a:t>conclusions:</a:t>
+            </a:r>
+          </a:p>
+          <a:p>
+            <a:pPr marL="342900" indent="-342900">
+              <a:buFont typeface="+mj-lt"/>
+              <a:buAutoNum type="arabicPeriod"/>
+            </a:pPr>
+            <a:r>
+              <a:rPr lang="en-US" sz="1400" dirty="0"/>
+              <a:t>multiplicative formula detects novel </a:t>
+            </a:r>
+            <a:r>
+              <a:rPr lang="en-US" sz="1400" dirty="0" err="1"/>
+              <a:t>trigenic</a:t>
+            </a:r>
+            <a:r>
+              <a:rPr lang="en-US" sz="1400" dirty="0"/>
+              <a:t> interactions (not detected as significant by cumulant formula) that are significantly enriched for physical interactions (compare “</a:t>
+            </a:r>
+            <a:r>
+              <a:rPr lang="en-US" sz="1400" dirty="0" err="1"/>
+              <a:t>only_mult</a:t>
+            </a:r>
+            <a:r>
+              <a:rPr lang="en-US" sz="1400" dirty="0"/>
+              <a:t>” category with “</a:t>
+            </a:r>
+            <a:r>
+              <a:rPr lang="en-US" sz="1400" dirty="0" err="1"/>
+              <a:t>genome_wide</a:t>
+            </a:r>
+            <a:r>
+              <a:rPr lang="en-US" sz="1400" dirty="0"/>
+              <a:t>”). Biologists may care about these!</a:t>
+            </a:r>
+          </a:p>
+          <a:p>
+            <a:pPr marL="342900" indent="-342900">
+              <a:buFont typeface="+mj-lt"/>
+              <a:buAutoNum type="arabicPeriod"/>
+            </a:pPr>
+            <a:r>
+              <a:rPr lang="en-US" sz="1400" dirty="0"/>
+              <a:t>OVERALL, multiplicative formula does better than the cumulant for negative outliers but NOT for positive outliers (compare “</a:t>
+            </a:r>
+            <a:r>
+              <a:rPr lang="en-US" sz="1400" dirty="0" err="1"/>
+              <a:t>all_reported</a:t>
+            </a:r>
+            <a:r>
+              <a:rPr lang="en-US" sz="1400" dirty="0"/>
+              <a:t>” category with “</a:t>
+            </a:r>
+            <a:r>
+              <a:rPr lang="en-US" sz="1400" dirty="0" err="1"/>
+              <a:t>all_mult</a:t>
+            </a:r>
+            <a:r>
+              <a:rPr lang="en-US" sz="1400" dirty="0"/>
+              <a:t>”)</a:t>
+            </a:r>
+          </a:p>
+        </p:txBody>
+      </p:sp>
+      <p:sp>
+        <p:nvSpPr>
+          <p:cNvPr id="24" name="Right Brace 23">
+            <a:extLst>
+              <a:ext uri="{FF2B5EF4-FFF2-40B4-BE49-F238E27FC236}">
+                <a16:creationId xmlns:a16="http://schemas.microsoft.com/office/drawing/2014/main" id="{8A971AEF-290F-5796-79DC-34437FD1006D}"/>
+              </a:ext>
+            </a:extLst>
+          </p:cNvPr>
+          <p:cNvSpPr/>
+          <p:nvPr/>
+        </p:nvSpPr>
+        <p:spPr>
+          <a:xfrm>
+            <a:off x="11232379" y="2184102"/>
+            <a:ext cx="165718" cy="504735"/>
+          </a:xfrm>
+          <a:prstGeom prst="rightBrace">
+            <a:avLst/>
+          </a:prstGeom>
+          <a:ln w="25400">
+            <a:solidFill>
+              <a:srgbClr val="FF0000"/>
+            </a:solidFill>
+          </a:ln>
+        </p:spPr>
+        <p:style>
+          <a:lnRef idx="1">
+            <a:schemeClr val="accent1"/>
+          </a:lnRef>
+          <a:fillRef idx="0">
+            <a:schemeClr val="accent1"/>
+          </a:fillRef>
+          <a:effectRef idx="0">
+            <a:schemeClr val="accent1"/>
+          </a:effectRef>
+          <a:fontRef idx="minor">
+            <a:schemeClr val="tx1"/>
+          </a:fontRef>
+        </p:style>
+        <p:txBody>
+          <a:bodyPr rtlCol="0" anchor="ctr"/>
+          <a:lstStyle/>
+          <a:p>
+            <a:pPr algn="ctr"/>
+            <a:endParaRPr lang="en-US"/>
+          </a:p>
+        </p:txBody>
+      </p:sp>
+      <p:sp>
+        <p:nvSpPr>
+          <p:cNvPr id="25" name="TextBox 24">
+            <a:extLst>
+              <a:ext uri="{FF2B5EF4-FFF2-40B4-BE49-F238E27FC236}">
+                <a16:creationId xmlns:a16="http://schemas.microsoft.com/office/drawing/2014/main" id="{C7A2C70C-B5AB-A0D1-CFEE-6BB564B88721}"/>
+              </a:ext>
+            </a:extLst>
+          </p:cNvPr>
+          <p:cNvSpPr txBox="1"/>
+          <p:nvPr/>
+        </p:nvSpPr>
+        <p:spPr>
+          <a:xfrm>
+            <a:off x="11398096" y="2184103"/>
+            <a:ext cx="646773" cy="461665"/>
+          </a:xfrm>
+          <a:prstGeom prst="rect">
+            <a:avLst/>
+          </a:prstGeom>
+          <a:noFill/>
+        </p:spPr>
+        <p:txBody>
+          <a:bodyPr wrap="square" rtlCol="0">
+            <a:spAutoFit/>
+          </a:bodyPr>
+          <a:lstStyle/>
+          <a:p>
+            <a:r>
+              <a:rPr lang="en-US" sz="1200" dirty="0">
+                <a:solidFill>
+                  <a:srgbClr val="FF0000"/>
+                </a:solidFill>
+              </a:rPr>
+              <a:t>pretty big diff</a:t>
+            </a:r>
+          </a:p>
+        </p:txBody>
+      </p:sp>
+      <p:sp>
+        <p:nvSpPr>
+          <p:cNvPr id="26" name="Right Brace 25">
+            <a:extLst>
+              <a:ext uri="{FF2B5EF4-FFF2-40B4-BE49-F238E27FC236}">
+                <a16:creationId xmlns:a16="http://schemas.microsoft.com/office/drawing/2014/main" id="{2349769F-1668-D71A-99C1-4547F88784AC}"/>
+              </a:ext>
+            </a:extLst>
+          </p:cNvPr>
+          <p:cNvSpPr/>
+          <p:nvPr/>
+        </p:nvSpPr>
+        <p:spPr>
+          <a:xfrm>
+            <a:off x="11066660" y="5397189"/>
+            <a:ext cx="219927" cy="455497"/>
+          </a:xfrm>
+          <a:prstGeom prst="rightBrace">
+            <a:avLst/>
+          </a:prstGeom>
+          <a:ln w="25400">
+            <a:solidFill>
+              <a:srgbClr val="FF0000"/>
+            </a:solidFill>
+          </a:ln>
+        </p:spPr>
+        <p:style>
+          <a:lnRef idx="1">
+            <a:schemeClr val="accent1"/>
+          </a:lnRef>
+          <a:fillRef idx="0">
+            <a:schemeClr val="accent1"/>
+          </a:fillRef>
+          <a:effectRef idx="0">
+            <a:schemeClr val="accent1"/>
+          </a:effectRef>
+          <a:fontRef idx="minor">
+            <a:schemeClr val="tx1"/>
+          </a:fontRef>
+        </p:style>
+        <p:txBody>
+          <a:bodyPr rtlCol="0" anchor="ctr"/>
+          <a:lstStyle/>
+          <a:p>
+            <a:pPr algn="ctr"/>
+            <a:endParaRPr lang="en-US"/>
+          </a:p>
+        </p:txBody>
+      </p:sp>
+      <p:sp>
+        <p:nvSpPr>
+          <p:cNvPr id="27" name="TextBox 26">
+            <a:extLst>
+              <a:ext uri="{FF2B5EF4-FFF2-40B4-BE49-F238E27FC236}">
+                <a16:creationId xmlns:a16="http://schemas.microsoft.com/office/drawing/2014/main" id="{DA43AB8A-93E5-59ED-1E53-BF270E1A3734}"/>
+              </a:ext>
+            </a:extLst>
+          </p:cNvPr>
+          <p:cNvSpPr txBox="1"/>
+          <p:nvPr/>
+        </p:nvSpPr>
+        <p:spPr>
+          <a:xfrm>
+            <a:off x="11232378" y="5269772"/>
+            <a:ext cx="902319" cy="646331"/>
+          </a:xfrm>
+          <a:prstGeom prst="rect">
+            <a:avLst/>
+          </a:prstGeom>
+          <a:noFill/>
+        </p:spPr>
+        <p:txBody>
+          <a:bodyPr wrap="square" rtlCol="0">
+            <a:spAutoFit/>
+          </a:bodyPr>
+          <a:lstStyle/>
+          <a:p>
+            <a:r>
+              <a:rPr lang="en-US" sz="1200" dirty="0">
+                <a:solidFill>
+                  <a:srgbClr val="FF0000"/>
+                </a:solidFill>
+              </a:rPr>
+              <a:t>diff, but </a:t>
+            </a:r>
+            <a:r>
+              <a:rPr lang="en-US" sz="1200" i="1" dirty="0">
+                <a:solidFill>
+                  <a:srgbClr val="FF0000"/>
+                </a:solidFill>
+              </a:rPr>
+              <a:t>somewhat </a:t>
+            </a:r>
+            <a:r>
+              <a:rPr lang="en-US" sz="1200" dirty="0">
+                <a:solidFill>
+                  <a:srgbClr val="FF0000"/>
+                </a:solidFill>
+              </a:rPr>
+              <a:t>similar</a:t>
+            </a:r>
+          </a:p>
+        </p:txBody>
+      </p:sp>
+    </p:spTree>
+    <p:extLst>
+      <p:ext uri="{BB962C8B-B14F-4D97-AF65-F5344CB8AC3E}">
+        <p14:creationId xmlns:p14="http://schemas.microsoft.com/office/powerpoint/2010/main" val="2065590478"/>
+      </p:ext>
+    </p:extLst>
+  </p:cSld>
+  <p:clrMapOvr>
+    <a:masterClrMapping/>
+  </p:clrMapOvr>
+</p:sld>
+</file>
+
+<file path=ppt/slides/slide33.xml><?xml version="1.0" encoding="utf-8"?>
+<p:sld xmlns:a="http://schemas.openxmlformats.org/drawingml/2006/main" xmlns:r="http://schemas.openxmlformats.org/officeDocument/2006/relationships" xmlns:p="http://schemas.openxmlformats.org/presentationml/2006/main">
+  <p:cSld>
+    <p:spTree>
+      <p:nvGrpSpPr>
+        <p:cNvPr id="1" name=""/>
+        <p:cNvGrpSpPr/>
+        <p:nvPr/>
+      </p:nvGrpSpPr>
+      <p:grpSpPr>
+        <a:xfrm>
+          <a:off x="0" y="0"/>
+          <a:ext cx="0" cy="0"/>
+          <a:chOff x="0" y="0"/>
+          <a:chExt cx="0" cy="0"/>
+        </a:xfrm>
+      </p:grpSpPr>
+      <p:pic>
+        <p:nvPicPr>
+          <p:cNvPr id="2" name="Picture 1">
+            <a:extLst>
+              <a:ext uri="{FF2B5EF4-FFF2-40B4-BE49-F238E27FC236}">
+                <a16:creationId xmlns:a16="http://schemas.microsoft.com/office/drawing/2014/main" id="{0AC62CF7-3D47-6E8F-CF13-33850F5225E2}"/>
+              </a:ext>
+            </a:extLst>
+          </p:cNvPr>
+          <p:cNvPicPr>
+            <a:picLocks noChangeAspect="1"/>
+          </p:cNvPicPr>
+          <p:nvPr/>
+        </p:nvPicPr>
+        <p:blipFill>
+          <a:blip r:embed="rId3"/>
+          <a:stretch>
+            <a:fillRect/>
+          </a:stretch>
+        </p:blipFill>
+        <p:spPr>
+          <a:xfrm>
+            <a:off x="3813276" y="523219"/>
+            <a:ext cx="4289776" cy="6106623"/>
+          </a:xfrm>
+          <a:prstGeom prst="rect">
+            <a:avLst/>
+          </a:prstGeom>
+        </p:spPr>
+      </p:pic>
+      <p:sp>
+        <p:nvSpPr>
+          <p:cNvPr id="10" name="TextBox 9">
+            <a:extLst>
+              <a:ext uri="{FF2B5EF4-FFF2-40B4-BE49-F238E27FC236}">
+                <a16:creationId xmlns:a16="http://schemas.microsoft.com/office/drawing/2014/main" id="{1DDB49DC-3E24-A3B4-B593-B20004B33851}"/>
+              </a:ext>
+            </a:extLst>
+          </p:cNvPr>
+          <p:cNvSpPr txBox="1"/>
+          <p:nvPr/>
+        </p:nvSpPr>
+        <p:spPr>
+          <a:xfrm rot="16200000">
+            <a:off x="726147" y="2999439"/>
+            <a:ext cx="5511445" cy="646331"/>
+          </a:xfrm>
+          <a:prstGeom prst="rect">
+            <a:avLst/>
+          </a:prstGeom>
+          <a:noFill/>
+        </p:spPr>
+        <p:txBody>
+          <a:bodyPr wrap="none" rtlCol="0">
+            <a:spAutoFit/>
+          </a:bodyPr>
+          <a:lstStyle/>
+          <a:p>
+            <a:pPr algn="ctr"/>
+            <a:r>
+              <a:rPr lang="en-US" dirty="0"/>
+              <a:t>proportion </a:t>
+            </a:r>
+          </a:p>
+          <a:p>
+            <a:pPr algn="ctr"/>
+            <a:r>
+              <a:rPr lang="en-US" dirty="0"/>
+              <a:t>(triplets with ALL 3 pairs belonging to same GO category)</a:t>
+            </a:r>
+          </a:p>
+        </p:txBody>
+      </p:sp>
+      <p:sp>
+        <p:nvSpPr>
+          <p:cNvPr id="11" name="TextBox 10">
+            <a:extLst>
+              <a:ext uri="{FF2B5EF4-FFF2-40B4-BE49-F238E27FC236}">
+                <a16:creationId xmlns:a16="http://schemas.microsoft.com/office/drawing/2014/main" id="{9449C095-C019-B9A5-32BA-7FD20CA3BF62}"/>
+              </a:ext>
+            </a:extLst>
+          </p:cNvPr>
+          <p:cNvSpPr txBox="1"/>
+          <p:nvPr/>
+        </p:nvSpPr>
+        <p:spPr>
+          <a:xfrm>
+            <a:off x="5515397" y="6519446"/>
+            <a:ext cx="993605" cy="369332"/>
+          </a:xfrm>
+          <a:prstGeom prst="rect">
+            <a:avLst/>
+          </a:prstGeom>
+          <a:noFill/>
+        </p:spPr>
+        <p:txBody>
+          <a:bodyPr wrap="none" rtlCol="0">
+            <a:spAutoFit/>
+          </a:bodyPr>
+          <a:lstStyle/>
+          <a:p>
+            <a:r>
+              <a:rPr lang="en-US" dirty="0"/>
+              <a:t>category</a:t>
+            </a:r>
+          </a:p>
+        </p:txBody>
+      </p:sp>
+      <p:sp>
+        <p:nvSpPr>
+          <p:cNvPr id="13" name="TextBox 12">
+            <a:extLst>
+              <a:ext uri="{FF2B5EF4-FFF2-40B4-BE49-F238E27FC236}">
+                <a16:creationId xmlns:a16="http://schemas.microsoft.com/office/drawing/2014/main" id="{D52A6592-1E92-7E0F-1BB1-058CC8A3521C}"/>
+              </a:ext>
+            </a:extLst>
+          </p:cNvPr>
+          <p:cNvSpPr txBox="1"/>
+          <p:nvPr/>
+        </p:nvSpPr>
+        <p:spPr>
+          <a:xfrm>
+            <a:off x="0" y="0"/>
+            <a:ext cx="2222340" cy="523220"/>
+          </a:xfrm>
+          <a:prstGeom prst="rect">
+            <a:avLst/>
+          </a:prstGeom>
+          <a:noFill/>
+        </p:spPr>
+        <p:txBody>
+          <a:bodyPr wrap="none" rtlCol="0">
+            <a:spAutoFit/>
+          </a:bodyPr>
+          <a:lstStyle/>
+          <a:p>
+            <a:r>
+              <a:rPr lang="en-US" sz="2800" dirty="0"/>
+              <a:t>GO categories</a:t>
+            </a:r>
+          </a:p>
+        </p:txBody>
+      </p:sp>
+      <p:sp>
+        <p:nvSpPr>
+          <p:cNvPr id="14" name="TextBox 13">
+            <a:extLst>
+              <a:ext uri="{FF2B5EF4-FFF2-40B4-BE49-F238E27FC236}">
+                <a16:creationId xmlns:a16="http://schemas.microsoft.com/office/drawing/2014/main" id="{D146B385-18A8-C5EC-2231-8D9480A2778F}"/>
+              </a:ext>
+            </a:extLst>
+          </p:cNvPr>
+          <p:cNvSpPr txBox="1"/>
+          <p:nvPr/>
+        </p:nvSpPr>
+        <p:spPr>
+          <a:xfrm>
+            <a:off x="5140711" y="174080"/>
+            <a:ext cx="1742978" cy="369332"/>
+          </a:xfrm>
+          <a:prstGeom prst="rect">
+            <a:avLst/>
+          </a:prstGeom>
+          <a:noFill/>
+        </p:spPr>
+        <p:txBody>
+          <a:bodyPr wrap="none" rtlCol="0">
+            <a:spAutoFit/>
+          </a:bodyPr>
+          <a:lstStyle/>
+          <a:p>
+            <a:r>
+              <a:rPr lang="en-US" dirty="0">
+                <a:solidFill>
+                  <a:schemeClr val="bg1">
+                    <a:lumMod val="65000"/>
+                  </a:schemeClr>
+                </a:solidFill>
+              </a:rPr>
+              <a:t>negative outliers</a:t>
+            </a:r>
+          </a:p>
+        </p:txBody>
+      </p:sp>
+      <p:sp>
+        <p:nvSpPr>
+          <p:cNvPr id="15" name="TextBox 14">
+            <a:extLst>
+              <a:ext uri="{FF2B5EF4-FFF2-40B4-BE49-F238E27FC236}">
+                <a16:creationId xmlns:a16="http://schemas.microsoft.com/office/drawing/2014/main" id="{8D445862-768D-812E-BED6-56E500BD1123}"/>
+              </a:ext>
+            </a:extLst>
+          </p:cNvPr>
+          <p:cNvSpPr txBox="1"/>
+          <p:nvPr/>
+        </p:nvSpPr>
+        <p:spPr>
+          <a:xfrm>
+            <a:off x="5172771" y="3346763"/>
+            <a:ext cx="1678858" cy="369332"/>
+          </a:xfrm>
+          <a:prstGeom prst="rect">
+            <a:avLst/>
+          </a:prstGeom>
+          <a:noFill/>
+        </p:spPr>
+        <p:txBody>
+          <a:bodyPr wrap="none" rtlCol="0">
+            <a:spAutoFit/>
+          </a:bodyPr>
+          <a:lstStyle/>
+          <a:p>
+            <a:r>
+              <a:rPr lang="en-US" dirty="0">
+                <a:solidFill>
+                  <a:schemeClr val="bg1">
+                    <a:lumMod val="65000"/>
+                  </a:schemeClr>
+                </a:solidFill>
+              </a:rPr>
+              <a:t>positive outliers</a:t>
+            </a:r>
+          </a:p>
+        </p:txBody>
+      </p:sp>
+      <p:sp>
+        <p:nvSpPr>
+          <p:cNvPr id="19" name="TextBox 18">
+            <a:extLst>
+              <a:ext uri="{FF2B5EF4-FFF2-40B4-BE49-F238E27FC236}">
+                <a16:creationId xmlns:a16="http://schemas.microsoft.com/office/drawing/2014/main" id="{87CF8216-8FC7-2388-DA12-ED9123FC02EC}"/>
+              </a:ext>
+            </a:extLst>
+          </p:cNvPr>
+          <p:cNvSpPr txBox="1"/>
+          <p:nvPr/>
+        </p:nvSpPr>
+        <p:spPr>
+          <a:xfrm>
+            <a:off x="9294706" y="549540"/>
+            <a:ext cx="1742978" cy="646331"/>
+          </a:xfrm>
+          <a:prstGeom prst="rect">
+            <a:avLst/>
+          </a:prstGeom>
+          <a:noFill/>
+        </p:spPr>
+        <p:txBody>
+          <a:bodyPr wrap="none" rtlCol="0">
+            <a:spAutoFit/>
+          </a:bodyPr>
+          <a:lstStyle/>
+          <a:p>
+            <a:pPr algn="ctr"/>
+            <a:r>
+              <a:rPr lang="en-US" dirty="0"/>
+              <a:t>negative outliers</a:t>
+            </a:r>
+          </a:p>
+          <a:p>
+            <a:pPr algn="ctr"/>
+            <a:r>
+              <a:rPr lang="en-US" dirty="0" err="1"/>
+              <a:t>hypergeom</a:t>
+            </a:r>
+            <a:r>
+              <a:rPr lang="en-US" dirty="0"/>
+              <a:t> test</a:t>
+            </a:r>
+          </a:p>
+        </p:txBody>
+      </p:sp>
+      <p:sp>
+        <p:nvSpPr>
+          <p:cNvPr id="22" name="TextBox 21">
+            <a:extLst>
+              <a:ext uri="{FF2B5EF4-FFF2-40B4-BE49-F238E27FC236}">
+                <a16:creationId xmlns:a16="http://schemas.microsoft.com/office/drawing/2014/main" id="{E836CC0E-9D6A-58D0-C213-D65807154B91}"/>
+              </a:ext>
+            </a:extLst>
+          </p:cNvPr>
+          <p:cNvSpPr txBox="1"/>
+          <p:nvPr/>
+        </p:nvSpPr>
+        <p:spPr>
+          <a:xfrm>
+            <a:off x="9370287" y="3716095"/>
+            <a:ext cx="1678858" cy="646331"/>
+          </a:xfrm>
+          <a:prstGeom prst="rect">
+            <a:avLst/>
+          </a:prstGeom>
+          <a:noFill/>
+        </p:spPr>
+        <p:txBody>
+          <a:bodyPr wrap="none" rtlCol="0">
+            <a:spAutoFit/>
+          </a:bodyPr>
+          <a:lstStyle/>
+          <a:p>
+            <a:pPr algn="ctr"/>
+            <a:r>
+              <a:rPr lang="en-US" dirty="0"/>
+              <a:t>positive outliers</a:t>
+            </a:r>
+          </a:p>
+          <a:p>
+            <a:pPr algn="ctr"/>
+            <a:r>
+              <a:rPr lang="en-US" dirty="0" err="1"/>
+              <a:t>hypergeom</a:t>
+            </a:r>
+            <a:r>
+              <a:rPr lang="en-US" dirty="0"/>
+              <a:t> test</a:t>
+            </a:r>
+          </a:p>
+        </p:txBody>
+      </p:sp>
+      <p:sp>
+        <p:nvSpPr>
+          <p:cNvPr id="23" name="TextBox 22">
+            <a:extLst>
+              <a:ext uri="{FF2B5EF4-FFF2-40B4-BE49-F238E27FC236}">
+                <a16:creationId xmlns:a16="http://schemas.microsoft.com/office/drawing/2014/main" id="{EAD9A8BB-38D7-BAE9-76C4-61C17589400D}"/>
+              </a:ext>
+            </a:extLst>
+          </p:cNvPr>
+          <p:cNvSpPr txBox="1"/>
+          <p:nvPr/>
+        </p:nvSpPr>
+        <p:spPr>
+          <a:xfrm>
+            <a:off x="14817" y="1917448"/>
+            <a:ext cx="3164842" cy="3539430"/>
+          </a:xfrm>
+          <a:prstGeom prst="rect">
+            <a:avLst/>
+          </a:prstGeom>
+          <a:noFill/>
+        </p:spPr>
+        <p:txBody>
+          <a:bodyPr wrap="square" rtlCol="0">
+            <a:spAutoFit/>
+          </a:bodyPr>
+          <a:lstStyle/>
+          <a:p>
+            <a:r>
+              <a:rPr lang="en-US" sz="1400" dirty="0"/>
+              <a:t>conclusions </a:t>
+            </a:r>
+            <a:r>
+              <a:rPr lang="en-US" sz="1400" b="1" dirty="0"/>
+              <a:t>identical to those for physical interactions</a:t>
+            </a:r>
+            <a:r>
+              <a:rPr lang="en-US" sz="1400" dirty="0"/>
+              <a:t>:</a:t>
+            </a:r>
+          </a:p>
+          <a:p>
+            <a:pPr marL="342900" indent="-342900">
+              <a:buFont typeface="+mj-lt"/>
+              <a:buAutoNum type="arabicPeriod"/>
+            </a:pPr>
+            <a:r>
+              <a:rPr lang="en-US" sz="1400" dirty="0"/>
+              <a:t>multiplicative formula detects novel </a:t>
+            </a:r>
+            <a:r>
+              <a:rPr lang="en-US" sz="1400" dirty="0" err="1"/>
+              <a:t>trigenic</a:t>
+            </a:r>
+            <a:r>
+              <a:rPr lang="en-US" sz="1400" dirty="0"/>
+              <a:t> interactions (not detected as significant by cumulant formula) that are significantly enriched for physical interactions (compare “</a:t>
+            </a:r>
+            <a:r>
+              <a:rPr lang="en-US" sz="1400" dirty="0" err="1"/>
+              <a:t>only_mult</a:t>
+            </a:r>
+            <a:r>
+              <a:rPr lang="en-US" sz="1400" dirty="0"/>
+              <a:t>” category with “</a:t>
+            </a:r>
+            <a:r>
+              <a:rPr lang="en-US" sz="1400" dirty="0" err="1"/>
+              <a:t>genome_wide</a:t>
+            </a:r>
+            <a:r>
+              <a:rPr lang="en-US" sz="1400" dirty="0"/>
+              <a:t>”). Biologists may care about these!</a:t>
+            </a:r>
+          </a:p>
+          <a:p>
+            <a:pPr marL="342900" indent="-342900">
+              <a:buFont typeface="+mj-lt"/>
+              <a:buAutoNum type="arabicPeriod"/>
+            </a:pPr>
+            <a:r>
+              <a:rPr lang="en-US" sz="1400" dirty="0"/>
+              <a:t>OVERALL, multiplicative formula does better than the cumulant for negative outliers but NOT for positive outliers (compare “</a:t>
+            </a:r>
+            <a:r>
+              <a:rPr lang="en-US" sz="1400" dirty="0" err="1"/>
+              <a:t>all_reported</a:t>
+            </a:r>
+            <a:r>
+              <a:rPr lang="en-US" sz="1400" dirty="0"/>
+              <a:t>” category with “</a:t>
+            </a:r>
+            <a:r>
+              <a:rPr lang="en-US" sz="1400" dirty="0" err="1"/>
+              <a:t>all_mult</a:t>
+            </a:r>
+            <a:r>
+              <a:rPr lang="en-US" sz="1400" dirty="0"/>
+              <a:t>”)</a:t>
+            </a:r>
+          </a:p>
+        </p:txBody>
+      </p:sp>
+      <p:pic>
+        <p:nvPicPr>
+          <p:cNvPr id="4" name="Picture 3">
+            <a:extLst>
+              <a:ext uri="{FF2B5EF4-FFF2-40B4-BE49-F238E27FC236}">
+                <a16:creationId xmlns:a16="http://schemas.microsoft.com/office/drawing/2014/main" id="{3E319AAD-759C-8D13-898C-1EE2205B3C28}"/>
+              </a:ext>
+            </a:extLst>
+          </p:cNvPr>
+          <p:cNvPicPr>
+            <a:picLocks noChangeAspect="1"/>
+          </p:cNvPicPr>
+          <p:nvPr/>
+        </p:nvPicPr>
+        <p:blipFill>
+          <a:blip r:embed="rId4"/>
+          <a:stretch>
+            <a:fillRect/>
+          </a:stretch>
+        </p:blipFill>
+        <p:spPr>
+          <a:xfrm>
+            <a:off x="8826035" y="1212598"/>
+            <a:ext cx="2501900" cy="1409700"/>
+          </a:xfrm>
+          <a:prstGeom prst="rect">
+            <a:avLst/>
+          </a:prstGeom>
+        </p:spPr>
+      </p:pic>
+      <p:pic>
+        <p:nvPicPr>
+          <p:cNvPr id="6" name="Picture 5">
+            <a:extLst>
+              <a:ext uri="{FF2B5EF4-FFF2-40B4-BE49-F238E27FC236}">
+                <a16:creationId xmlns:a16="http://schemas.microsoft.com/office/drawing/2014/main" id="{D5ED41A3-16A1-ED9A-E7D1-C48D94F4F936}"/>
+              </a:ext>
+            </a:extLst>
+          </p:cNvPr>
+          <p:cNvPicPr>
+            <a:picLocks noChangeAspect="1"/>
+          </p:cNvPicPr>
+          <p:nvPr/>
+        </p:nvPicPr>
+        <p:blipFill>
+          <a:blip r:embed="rId5"/>
+          <a:stretch>
+            <a:fillRect/>
+          </a:stretch>
+        </p:blipFill>
+        <p:spPr>
+          <a:xfrm>
+            <a:off x="8826035" y="4478143"/>
+            <a:ext cx="2501900" cy="1667933"/>
+          </a:xfrm>
+          <a:prstGeom prst="rect">
+            <a:avLst/>
+          </a:prstGeom>
+        </p:spPr>
+      </p:pic>
+    </p:spTree>
+    <p:extLst>
+      <p:ext uri="{BB962C8B-B14F-4D97-AF65-F5344CB8AC3E}">
+        <p14:creationId xmlns:p14="http://schemas.microsoft.com/office/powerpoint/2010/main" val="2664926578"/>
+      </p:ext>
+    </p:extLst>
+  </p:cSld>
+  <p:clrMapOvr>
+    <a:masterClrMapping/>
+  </p:clrMapOvr>
+</p:sld>
+</file>
+
+<file path=ppt/slides/slide34.xml><?xml version="1.0" encoding="utf-8"?>
+<p:sld xmlns:a="http://schemas.openxmlformats.org/drawingml/2006/main" xmlns:r="http://schemas.openxmlformats.org/officeDocument/2006/relationships" xmlns:p="http://schemas.openxmlformats.org/presentationml/2006/main">
+  <p:cSld>
+    <p:spTree>
+      <p:nvGrpSpPr>
+        <p:cNvPr id="1" name=""/>
+        <p:cNvGrpSpPr/>
+        <p:nvPr/>
+      </p:nvGrpSpPr>
+      <p:grpSpPr>
+        <a:xfrm>
+          <a:off x="0" y="0"/>
+          <a:ext cx="0" cy="0"/>
+          <a:chOff x="0" y="0"/>
+          <a:chExt cx="0" cy="0"/>
+        </a:xfrm>
+      </p:grpSpPr>
+      <p:sp>
+        <p:nvSpPr>
+          <p:cNvPr id="2" name="Title 1">
+            <a:extLst>
+              <a:ext uri="{FF2B5EF4-FFF2-40B4-BE49-F238E27FC236}">
+                <a16:creationId xmlns:a16="http://schemas.microsoft.com/office/drawing/2014/main" id="{8A4254BD-CE95-959E-4A41-994F0BFA02EB}"/>
+              </a:ext>
+            </a:extLst>
+          </p:cNvPr>
+          <p:cNvSpPr>
+            <a:spLocks noGrp="1"/>
+          </p:cNvSpPr>
+          <p:nvPr>
+            <p:ph type="title"/>
+          </p:nvPr>
+        </p:nvSpPr>
+        <p:spPr>
+          <a:xfrm>
+            <a:off x="0" y="-4207"/>
+            <a:ext cx="10515600" cy="740188"/>
+          </a:xfrm>
+        </p:spPr>
+        <p:txBody>
+          <a:bodyPr/>
+          <a:lstStyle/>
+          <a:p>
+            <a:r>
+              <a:rPr lang="en-US" dirty="0" err="1"/>
+              <a:t>Kuzmin</a:t>
+            </a:r>
+            <a:r>
+              <a:rPr lang="en-US" dirty="0"/>
+              <a:t> 2020 outlier analyses</a:t>
+            </a:r>
+          </a:p>
+        </p:txBody>
+      </p:sp>
+      <p:sp>
+        <p:nvSpPr>
+          <p:cNvPr id="14" name="TextBox 13">
+            <a:extLst>
+              <a:ext uri="{FF2B5EF4-FFF2-40B4-BE49-F238E27FC236}">
+                <a16:creationId xmlns:a16="http://schemas.microsoft.com/office/drawing/2014/main" id="{1372CBCE-8CE5-C0A5-C0CC-D5D7755AAEE4}"/>
+              </a:ext>
+            </a:extLst>
+          </p:cNvPr>
+          <p:cNvSpPr txBox="1"/>
+          <p:nvPr/>
+        </p:nvSpPr>
+        <p:spPr>
+          <a:xfrm>
+            <a:off x="213042" y="1446693"/>
+            <a:ext cx="9856509" cy="2308324"/>
+          </a:xfrm>
+          <a:prstGeom prst="rect">
+            <a:avLst/>
+          </a:prstGeom>
+          <a:noFill/>
+        </p:spPr>
+        <p:txBody>
+          <a:bodyPr wrap="square" rtlCol="0">
+            <a:spAutoFit/>
+          </a:bodyPr>
+          <a:lstStyle/>
+          <a:p>
+            <a:r>
+              <a:rPr lang="en-US" dirty="0"/>
+              <a:t>TO DO:</a:t>
+            </a:r>
+          </a:p>
+          <a:p>
+            <a:pPr marL="285750" indent="-285750">
+              <a:buFont typeface="Arial" panose="020B0604020202020204" pitchFamily="34" charset="0"/>
+              <a:buChar char="•"/>
+            </a:pPr>
+            <a:r>
+              <a:rPr lang="en-US" dirty="0"/>
+              <a:t>revisit original data tables to investigate why measured values of </a:t>
+            </a:r>
+            <a:r>
+              <a:rPr lang="en-US" dirty="0" err="1"/>
+              <a:t>f_jk</a:t>
+            </a:r>
+            <a:r>
+              <a:rPr lang="en-US" dirty="0"/>
+              <a:t> != </a:t>
+            </a:r>
+            <a:r>
+              <a:rPr lang="en-US" dirty="0" err="1"/>
+              <a:t>f_j</a:t>
+            </a:r>
+            <a:r>
+              <a:rPr lang="en-US" dirty="0"/>
+              <a:t>*</a:t>
+            </a:r>
+            <a:r>
+              <a:rPr lang="en-US" dirty="0" err="1"/>
+              <a:t>f_k</a:t>
+            </a:r>
+            <a:r>
+              <a:rPr lang="en-US" dirty="0"/>
+              <a:t> + </a:t>
+            </a:r>
+            <a:r>
+              <a:rPr lang="en-US" dirty="0" err="1"/>
+              <a:t>e_jk</a:t>
+            </a:r>
+            <a:r>
+              <a:rPr lang="en-US" dirty="0"/>
+              <a:t>?</a:t>
+            </a:r>
+          </a:p>
+          <a:p>
+            <a:pPr marL="285750" indent="-285750">
+              <a:buFont typeface="Arial" panose="020B0604020202020204" pitchFamily="34" charset="0"/>
+              <a:buChar char="•"/>
+            </a:pPr>
+            <a:r>
+              <a:rPr lang="en-US" dirty="0"/>
+              <a:t>I was only to find fitness values to recalculate </a:t>
+            </a:r>
+            <a:r>
+              <a:rPr lang="en-US" dirty="0" err="1"/>
+              <a:t>trigenic</a:t>
+            </a:r>
+            <a:r>
+              <a:rPr lang="en-US" dirty="0"/>
+              <a:t> scores for ~70% of their data, I could go back and dig a little more to see why 30% is missing and where I might find it</a:t>
+            </a:r>
+          </a:p>
+          <a:p>
+            <a:pPr marL="742950" lvl="1" indent="-285750">
+              <a:buFont typeface="Arial" panose="020B0604020202020204" pitchFamily="34" charset="0"/>
+              <a:buChar char="•"/>
+            </a:pPr>
+            <a:r>
+              <a:rPr lang="en-US" dirty="0"/>
+              <a:t>this could also affect degree to which outliers enriched for physical interactions </a:t>
+            </a:r>
+            <a:r>
+              <a:rPr lang="en-US" dirty="0" err="1"/>
+              <a:t>etc</a:t>
+            </a:r>
+            <a:r>
+              <a:rPr lang="en-US" dirty="0"/>
+              <a:t>…</a:t>
+            </a:r>
+          </a:p>
+          <a:p>
+            <a:pPr marL="285750" indent="-285750">
+              <a:buFont typeface="Arial" panose="020B0604020202020204" pitchFamily="34" charset="0"/>
+              <a:buChar char="•"/>
+            </a:pPr>
+            <a:r>
+              <a:rPr lang="en-US" dirty="0"/>
+              <a:t>repeat some of their other analyses in 2020 paper</a:t>
+            </a:r>
+          </a:p>
+          <a:p>
+            <a:pPr marL="742950" lvl="1" indent="-285750">
+              <a:buFont typeface="Arial" panose="020B0604020202020204" pitchFamily="34" charset="0"/>
+              <a:buChar char="•"/>
+            </a:pPr>
+            <a:r>
+              <a:rPr lang="en-US" dirty="0"/>
+              <a:t>fraction of </a:t>
+            </a:r>
+            <a:r>
+              <a:rPr lang="en-US" dirty="0" err="1"/>
+              <a:t>trigenic</a:t>
+            </a:r>
+            <a:r>
+              <a:rPr lang="en-US" dirty="0"/>
+              <a:t> interactions story could change for an exemplary paralog pair they highlight throughout their paper</a:t>
+            </a:r>
+          </a:p>
+        </p:txBody>
+      </p:sp>
+    </p:spTree>
+    <p:extLst>
+      <p:ext uri="{BB962C8B-B14F-4D97-AF65-F5344CB8AC3E}">
+        <p14:creationId xmlns:p14="http://schemas.microsoft.com/office/powerpoint/2010/main" val="1923522827"/>
+      </p:ext>
+    </p:extLst>
+  </p:cSld>
+  <p:clrMapOvr>
+    <a:masterClrMapping/>
+  </p:clrMapOvr>
+</p:sld>
+</file>
+
+<file path=ppt/slides/slide35.xml><?xml version="1.0" encoding="utf-8"?>
+<p:sld xmlns:a="http://schemas.openxmlformats.org/drawingml/2006/main" xmlns:r="http://schemas.openxmlformats.org/officeDocument/2006/relationships" xmlns:p="http://schemas.openxmlformats.org/presentationml/2006/main">
+  <p:cSld>
+    <p:spTree>
+      <p:nvGrpSpPr>
+        <p:cNvPr id="1" name=""/>
+        <p:cNvGrpSpPr/>
+        <p:nvPr/>
+      </p:nvGrpSpPr>
+      <p:grpSpPr>
+        <a:xfrm>
+          <a:off x="0" y="0"/>
+          <a:ext cx="0" cy="0"/>
+          <a:chOff x="0" y="0"/>
+          <a:chExt cx="0" cy="0"/>
+        </a:xfrm>
+      </p:grpSpPr>
+      <p:sp>
+        <p:nvSpPr>
+          <p:cNvPr id="2" name="Title 1">
+            <a:extLst>
+              <a:ext uri="{FF2B5EF4-FFF2-40B4-BE49-F238E27FC236}">
+                <a16:creationId xmlns:a16="http://schemas.microsoft.com/office/drawing/2014/main" id="{F4C2146A-8CD7-350D-6452-EC66E903FF78}"/>
+              </a:ext>
+            </a:extLst>
+          </p:cNvPr>
+          <p:cNvSpPr>
+            <a:spLocks noGrp="1"/>
+          </p:cNvSpPr>
+          <p:nvPr>
+            <p:ph type="title"/>
+          </p:nvPr>
+        </p:nvSpPr>
+        <p:spPr>
+          <a:xfrm>
+            <a:off x="0" y="164158"/>
+            <a:ext cx="12192000" cy="655239"/>
+          </a:xfrm>
+        </p:spPr>
+        <p:txBody>
+          <a:bodyPr>
+            <a:normAutofit fontScale="90000"/>
+          </a:bodyPr>
+          <a:lstStyle/>
+          <a:p>
+            <a:r>
+              <a:rPr lang="en-US" dirty="0" err="1"/>
+              <a:t>Kuzmin</a:t>
+            </a:r>
+            <a:r>
+              <a:rPr lang="en-US" dirty="0"/>
+              <a:t> 2020 summary</a:t>
+            </a:r>
+          </a:p>
+        </p:txBody>
+      </p:sp>
+      <p:sp>
+        <p:nvSpPr>
+          <p:cNvPr id="3" name="Content Placeholder 2">
+            <a:extLst>
+              <a:ext uri="{FF2B5EF4-FFF2-40B4-BE49-F238E27FC236}">
+                <a16:creationId xmlns:a16="http://schemas.microsoft.com/office/drawing/2014/main" id="{B5EAA94B-C95D-C707-E5AE-CFBD146B3DE9}"/>
+              </a:ext>
+            </a:extLst>
+          </p:cNvPr>
+          <p:cNvSpPr>
+            <a:spLocks noGrp="1"/>
+          </p:cNvSpPr>
+          <p:nvPr>
+            <p:ph idx="1"/>
+          </p:nvPr>
+        </p:nvSpPr>
+        <p:spPr>
+          <a:xfrm>
+            <a:off x="0" y="944573"/>
+            <a:ext cx="10515600" cy="4351338"/>
+          </a:xfrm>
+        </p:spPr>
+        <p:txBody>
+          <a:bodyPr>
+            <a:normAutofit fontScale="85000" lnSpcReduction="10000"/>
+          </a:bodyPr>
+          <a:lstStyle/>
+          <a:p>
+            <a:pPr lvl="1"/>
+            <a:r>
+              <a:rPr lang="en-US" dirty="0"/>
+              <a:t>Goal: </a:t>
+            </a:r>
+          </a:p>
+          <a:p>
+            <a:pPr lvl="2"/>
+            <a:r>
+              <a:rPr lang="en-US" dirty="0"/>
+              <a:t>use genetic interaction analysis to study functional divergence of duplicated genes to understand duplicate gene retention</a:t>
+            </a:r>
+          </a:p>
+          <a:p>
+            <a:pPr lvl="1"/>
+            <a:r>
+              <a:rPr lang="en-US" dirty="0"/>
+              <a:t>Background</a:t>
+            </a:r>
+          </a:p>
+          <a:p>
+            <a:pPr lvl="2"/>
+            <a:r>
+              <a:rPr lang="en-US" dirty="0"/>
+              <a:t>budding yeast arose from WGD</a:t>
+            </a:r>
+          </a:p>
+          <a:p>
+            <a:pPr lvl="2"/>
+            <a:r>
+              <a:rPr lang="en-US" dirty="0"/>
+              <a:t>following much gene loss, 551 duplicate gene pairs were retained</a:t>
+            </a:r>
+          </a:p>
+          <a:p>
+            <a:pPr lvl="2"/>
+            <a:r>
+              <a:rPr lang="en-US" dirty="0"/>
+              <a:t>b/c of strong selection against functional redundancy, interesting to study functional divergence</a:t>
+            </a:r>
+          </a:p>
+          <a:p>
+            <a:pPr lvl="3"/>
+            <a:r>
+              <a:rPr lang="en-US" dirty="0"/>
+              <a:t>previous approaches used evolutionary divergence, GO, co-expression, metabolic flux analysis etc.</a:t>
+            </a:r>
+          </a:p>
+          <a:p>
+            <a:pPr lvl="3"/>
+            <a:r>
+              <a:rPr lang="en-US" dirty="0"/>
+              <a:t>here they use genetic interactions</a:t>
+            </a:r>
+          </a:p>
+          <a:p>
+            <a:pPr lvl="1"/>
+            <a:r>
+              <a:rPr lang="en-US" dirty="0"/>
+              <a:t>Approach</a:t>
+            </a:r>
+          </a:p>
+          <a:p>
+            <a:pPr lvl="2"/>
+            <a:r>
+              <a:rPr lang="en-US" dirty="0"/>
+              <a:t>240 double mutants deleted for pair of nonessential WGD paralog genes</a:t>
+            </a:r>
+          </a:p>
+          <a:p>
+            <a:pPr lvl="3"/>
+            <a:r>
+              <a:rPr lang="en-US" dirty="0"/>
+              <a:t>240 of 551 total (above); others hard to work with</a:t>
+            </a:r>
+          </a:p>
+          <a:p>
+            <a:pPr lvl="2"/>
+            <a:r>
+              <a:rPr lang="en-US" dirty="0"/>
+              <a:t>480 corresponding single mutants</a:t>
+            </a:r>
+          </a:p>
+          <a:p>
+            <a:pPr lvl="2"/>
+            <a:r>
+              <a:rPr lang="en-US" dirty="0"/>
+              <a:t>colony size ~ fitness</a:t>
+            </a:r>
+          </a:p>
+          <a:p>
+            <a:pPr lvl="2"/>
+            <a:r>
+              <a:rPr lang="en-US" dirty="0"/>
+              <a:t>240 </a:t>
+            </a:r>
+            <a:r>
+              <a:rPr lang="en-US" dirty="0" err="1"/>
+              <a:t>dbl</a:t>
+            </a:r>
+            <a:r>
+              <a:rPr lang="en-US" dirty="0"/>
+              <a:t> mutant queries crossed into “diagnostic array” ~1.2k genes (</a:t>
+            </a:r>
+            <a:r>
+              <a:rPr lang="en-US" dirty="0" err="1"/>
+              <a:t>Kuzmin</a:t>
+            </a:r>
+            <a:r>
+              <a:rPr lang="en-US" dirty="0"/>
+              <a:t> et al 2018)</a:t>
+            </a:r>
+          </a:p>
+          <a:p>
+            <a:pPr lvl="3"/>
+            <a:r>
+              <a:rPr lang="en-US" dirty="0"/>
+              <a:t>examined &gt; 530k double and &gt; 250k tiple  mutants</a:t>
+            </a:r>
+          </a:p>
+        </p:txBody>
+      </p:sp>
+    </p:spTree>
+    <p:extLst>
+      <p:ext uri="{BB962C8B-B14F-4D97-AF65-F5344CB8AC3E}">
+        <p14:creationId xmlns:p14="http://schemas.microsoft.com/office/powerpoint/2010/main" val="2877169669"/>
+      </p:ext>
+    </p:extLst>
+  </p:cSld>
+  <p:clrMapOvr>
+    <a:masterClrMapping/>
+  </p:clrMapOvr>
+</p:sld>
+</file>
+
+<file path=ppt/slides/slide36.xml><?xml version="1.0" encoding="utf-8"?>
+<p:sld xmlns:a="http://schemas.openxmlformats.org/drawingml/2006/main" xmlns:r="http://schemas.openxmlformats.org/officeDocument/2006/relationships" xmlns:p="http://schemas.openxmlformats.org/presentationml/2006/main">
+  <p:cSld>
+    <p:spTree>
+      <p:nvGrpSpPr>
+        <p:cNvPr id="1" name=""/>
+        <p:cNvGrpSpPr/>
+        <p:nvPr/>
+      </p:nvGrpSpPr>
+      <p:grpSpPr>
+        <a:xfrm>
+          <a:off x="0" y="0"/>
+          <a:ext cx="0" cy="0"/>
+          <a:chOff x="0" y="0"/>
+          <a:chExt cx="0" cy="0"/>
+        </a:xfrm>
+      </p:grpSpPr>
+      <p:sp>
+        <p:nvSpPr>
+          <p:cNvPr id="2" name="Title 1">
+            <a:extLst>
+              <a:ext uri="{FF2B5EF4-FFF2-40B4-BE49-F238E27FC236}">
+                <a16:creationId xmlns:a16="http://schemas.microsoft.com/office/drawing/2014/main" id="{F4C2146A-8CD7-350D-6452-EC66E903FF78}"/>
+              </a:ext>
+            </a:extLst>
+          </p:cNvPr>
+          <p:cNvSpPr>
+            <a:spLocks noGrp="1"/>
+          </p:cNvSpPr>
+          <p:nvPr>
+            <p:ph type="title"/>
+          </p:nvPr>
+        </p:nvSpPr>
+        <p:spPr>
+          <a:xfrm>
+            <a:off x="0" y="164158"/>
+            <a:ext cx="12192000" cy="655239"/>
+          </a:xfrm>
+        </p:spPr>
+        <p:txBody>
+          <a:bodyPr>
+            <a:normAutofit fontScale="90000"/>
+          </a:bodyPr>
+          <a:lstStyle/>
+          <a:p>
+            <a:r>
+              <a:rPr lang="en-US" dirty="0" err="1"/>
+              <a:t>Kuzmin</a:t>
+            </a:r>
+            <a:r>
+              <a:rPr lang="en-US" dirty="0"/>
+              <a:t> 2020 summary</a:t>
+            </a:r>
+          </a:p>
+        </p:txBody>
+      </p:sp>
+      <p:sp>
+        <p:nvSpPr>
+          <p:cNvPr id="3" name="Content Placeholder 2">
+            <a:extLst>
+              <a:ext uri="{FF2B5EF4-FFF2-40B4-BE49-F238E27FC236}">
+                <a16:creationId xmlns:a16="http://schemas.microsoft.com/office/drawing/2014/main" id="{B5EAA94B-C95D-C707-E5AE-CFBD146B3DE9}"/>
+              </a:ext>
+            </a:extLst>
+          </p:cNvPr>
+          <p:cNvSpPr>
+            <a:spLocks noGrp="1"/>
+          </p:cNvSpPr>
+          <p:nvPr>
+            <p:ph idx="1"/>
+          </p:nvPr>
+        </p:nvSpPr>
+        <p:spPr>
+          <a:xfrm>
+            <a:off x="0" y="944573"/>
+            <a:ext cx="10515600" cy="1192985"/>
+          </a:xfrm>
+        </p:spPr>
+        <p:txBody>
+          <a:bodyPr>
+            <a:normAutofit/>
+          </a:bodyPr>
+          <a:lstStyle/>
+          <a:p>
+            <a:pPr lvl="1"/>
+            <a:r>
+              <a:rPr lang="en-US" dirty="0"/>
+              <a:t>Results</a:t>
+            </a:r>
+          </a:p>
+          <a:p>
+            <a:pPr lvl="2"/>
+            <a:r>
+              <a:rPr lang="en-US" dirty="0"/>
+              <a:t>gave descriptive overview of </a:t>
+            </a:r>
+            <a:r>
+              <a:rPr lang="en-US" dirty="0" err="1"/>
+              <a:t>pos.+neg</a:t>
+            </a:r>
+            <a:r>
+              <a:rPr lang="en-US" dirty="0"/>
+              <a:t>. </a:t>
+            </a:r>
+            <a:r>
+              <a:rPr lang="en-US" dirty="0" err="1"/>
+              <a:t>digenic+trigenic</a:t>
+            </a:r>
+            <a:r>
+              <a:rPr lang="en-US" dirty="0"/>
+              <a:t> interactions, </a:t>
+            </a:r>
+            <a:r>
+              <a:rPr lang="en-US" b="1" dirty="0"/>
+              <a:t>then focus on negative interactions for all downstream conclusions</a:t>
+            </a:r>
+          </a:p>
+        </p:txBody>
+      </p:sp>
+      <p:grpSp>
+        <p:nvGrpSpPr>
+          <p:cNvPr id="42" name="Group 41">
+            <a:extLst>
+              <a:ext uri="{FF2B5EF4-FFF2-40B4-BE49-F238E27FC236}">
+                <a16:creationId xmlns:a16="http://schemas.microsoft.com/office/drawing/2014/main" id="{31CE96B7-FDAC-0A1C-ED12-470ADA1D1C61}"/>
+              </a:ext>
+            </a:extLst>
+          </p:cNvPr>
+          <p:cNvGrpSpPr/>
+          <p:nvPr/>
+        </p:nvGrpSpPr>
+        <p:grpSpPr>
+          <a:xfrm>
+            <a:off x="8599552" y="2547366"/>
+            <a:ext cx="3449075" cy="2858061"/>
+            <a:chOff x="7692809" y="3429000"/>
+            <a:chExt cx="3449075" cy="2858061"/>
+          </a:xfrm>
+        </p:grpSpPr>
+        <p:sp>
+          <p:nvSpPr>
+            <p:cNvPr id="12" name="TextBox 11">
+              <a:extLst>
+                <a:ext uri="{FF2B5EF4-FFF2-40B4-BE49-F238E27FC236}">
+                  <a16:creationId xmlns:a16="http://schemas.microsoft.com/office/drawing/2014/main" id="{F28E50F9-EF4D-9DFB-048F-5347DCAADB71}"/>
+                </a:ext>
+              </a:extLst>
+            </p:cNvPr>
+            <p:cNvSpPr txBox="1"/>
+            <p:nvPr/>
+          </p:nvSpPr>
+          <p:spPr>
+            <a:xfrm>
+              <a:off x="7692809" y="4145508"/>
+              <a:ext cx="1140056" cy="369332"/>
+            </a:xfrm>
+            <a:prstGeom prst="rect">
+              <a:avLst/>
+            </a:prstGeom>
+            <a:noFill/>
+          </p:spPr>
+          <p:txBody>
+            <a:bodyPr wrap="none" rtlCol="0">
+              <a:spAutoFit/>
+            </a:bodyPr>
+            <a:lstStyle/>
+            <a:p>
+              <a:r>
+                <a:rPr lang="en-US" dirty="0">
+                  <a:solidFill>
+                    <a:srgbClr val="FF0000"/>
+                  </a:solidFill>
+                </a:rPr>
+                <a:t>function 1</a:t>
+              </a:r>
+            </a:p>
+          </p:txBody>
+        </p:sp>
+        <p:grpSp>
+          <p:nvGrpSpPr>
+            <p:cNvPr id="17" name="Group 16">
+              <a:extLst>
+                <a:ext uri="{FF2B5EF4-FFF2-40B4-BE49-F238E27FC236}">
+                  <a16:creationId xmlns:a16="http://schemas.microsoft.com/office/drawing/2014/main" id="{92254A37-3FC0-F62B-8E51-AD967FA20DAD}"/>
+                </a:ext>
+              </a:extLst>
+            </p:cNvPr>
+            <p:cNvGrpSpPr/>
+            <p:nvPr/>
+          </p:nvGrpSpPr>
+          <p:grpSpPr>
+            <a:xfrm>
+              <a:off x="8177755" y="3429000"/>
+              <a:ext cx="2964129" cy="2858061"/>
+              <a:chOff x="8100725" y="1206188"/>
+              <a:chExt cx="2964129" cy="2858061"/>
+            </a:xfrm>
+          </p:grpSpPr>
+          <p:sp>
+            <p:nvSpPr>
+              <p:cNvPr id="18" name="Arc 17">
+                <a:extLst>
+                  <a:ext uri="{FF2B5EF4-FFF2-40B4-BE49-F238E27FC236}">
+                    <a16:creationId xmlns:a16="http://schemas.microsoft.com/office/drawing/2014/main" id="{98C7EA97-0096-4F16-DBE9-9F3D5D89B866}"/>
+                  </a:ext>
+                </a:extLst>
+              </p:cNvPr>
+              <p:cNvSpPr/>
+              <p:nvPr/>
+            </p:nvSpPr>
+            <p:spPr>
+              <a:xfrm rot="7985765">
+                <a:off x="8232235" y="1147275"/>
+                <a:ext cx="2527021" cy="2644848"/>
+              </a:xfrm>
+              <a:prstGeom prst="arc">
+                <a:avLst/>
+              </a:prstGeom>
+              <a:ln>
+                <a:solidFill>
+                  <a:schemeClr val="tx1"/>
+                </a:solidFill>
+              </a:ln>
+            </p:spPr>
+            <p:style>
+              <a:lnRef idx="1">
+                <a:schemeClr val="accent1"/>
+              </a:lnRef>
+              <a:fillRef idx="0">
+                <a:schemeClr val="accent1"/>
+              </a:fillRef>
+              <a:effectRef idx="0">
+                <a:schemeClr val="accent1"/>
+              </a:effectRef>
+              <a:fontRef idx="minor">
+                <a:schemeClr val="tx1"/>
+              </a:fontRef>
+            </p:style>
+            <p:txBody>
+              <a:bodyPr rtlCol="0" anchor="ctr"/>
+              <a:lstStyle/>
+              <a:p>
+                <a:pPr algn="ctr"/>
+                <a:endParaRPr lang="en-US" dirty="0"/>
+              </a:p>
+            </p:txBody>
+          </p:sp>
+          <p:sp>
+            <p:nvSpPr>
+              <p:cNvPr id="19" name="Oval 18">
+                <a:extLst>
+                  <a:ext uri="{FF2B5EF4-FFF2-40B4-BE49-F238E27FC236}">
+                    <a16:creationId xmlns:a16="http://schemas.microsoft.com/office/drawing/2014/main" id="{7C40BCD3-7BD5-774B-0F81-417A631D469B}"/>
+                  </a:ext>
+                </a:extLst>
+              </p:cNvPr>
+              <p:cNvSpPr>
+                <a:spLocks noChangeAspect="1"/>
+              </p:cNvSpPr>
+              <p:nvPr/>
+            </p:nvSpPr>
+            <p:spPr>
+              <a:xfrm>
+                <a:off x="8348870" y="2938483"/>
+                <a:ext cx="457200" cy="438150"/>
+              </a:xfrm>
+              <a:prstGeom prst="ellipse">
+                <a:avLst/>
+              </a:prstGeom>
+              <a:noFill/>
+              <a:ln>
+                <a:solidFill>
+                  <a:schemeClr val="tx1"/>
+                </a:solidFill>
+              </a:ln>
+            </p:spPr>
+            <p:style>
+              <a:lnRef idx="2">
+                <a:schemeClr val="accent1">
+                  <a:shade val="50000"/>
+                </a:schemeClr>
+              </a:lnRef>
+              <a:fillRef idx="1">
+                <a:schemeClr val="accent1"/>
+              </a:fillRef>
+              <a:effectRef idx="0">
+                <a:schemeClr val="accent1"/>
+              </a:effectRef>
+              <a:fontRef idx="minor">
+                <a:schemeClr val="lt1"/>
+              </a:fontRef>
+            </p:style>
+            <p:txBody>
+              <a:bodyPr rtlCol="0" anchor="ctr"/>
+              <a:lstStyle/>
+              <a:p>
+                <a:pPr algn="ctr"/>
+                <a:endParaRPr lang="en-US" dirty="0"/>
+              </a:p>
+            </p:txBody>
+          </p:sp>
+          <mc:AlternateContent xmlns:mc="http://schemas.openxmlformats.org/markup-compatibility/2006">
+            <mc:Choice xmlns:a14="http://schemas.microsoft.com/office/drawing/2010/main" Requires="a14">
+              <p:sp>
+                <p:nvSpPr>
+                  <p:cNvPr id="20" name="TextBox 19">
+                    <a:extLst>
+                      <a:ext uri="{FF2B5EF4-FFF2-40B4-BE49-F238E27FC236}">
+                        <a16:creationId xmlns:a16="http://schemas.microsoft.com/office/drawing/2014/main" id="{81A48A13-F358-2836-F2EE-CB257F93778A}"/>
+                      </a:ext>
+                    </a:extLst>
+                  </p:cNvPr>
+                  <p:cNvSpPr txBox="1"/>
+                  <p:nvPr/>
+                </p:nvSpPr>
+                <p:spPr>
+                  <a:xfrm>
+                    <a:off x="8427363" y="2981040"/>
+                    <a:ext cx="318612" cy="369332"/>
+                  </a:xfrm>
+                  <a:prstGeom prst="rect">
+                    <a:avLst/>
+                  </a:prstGeom>
+                  <a:noFill/>
+                </p:spPr>
+                <p:txBody>
+                  <a:bodyPr wrap="none" rtlCol="0">
+                    <a:spAutoFit/>
+                  </a:bodyPr>
+                  <a:lstStyle/>
+                  <a:p>
+                    <a:pPr/>
+                    <a14:m>
+                      <m:oMathPara xmlns:m="http://schemas.openxmlformats.org/officeDocument/2006/math">
+                        <m:oMathParaPr>
+                          <m:jc m:val="centerGroup"/>
+                        </m:oMathParaPr>
+                        <m:oMath xmlns:m="http://schemas.openxmlformats.org/officeDocument/2006/math">
+                          <m:r>
+                            <a:rPr lang="en-US" b="0" i="1" smtClean="0">
+                              <a:latin typeface="Cambria Math" panose="02040503050406030204" pitchFamily="18" charset="0"/>
+                            </a:rPr>
+                            <m:t>𝑖</m:t>
+                          </m:r>
+                        </m:oMath>
+                      </m:oMathPara>
+                    </a14:m>
+                    <a:endParaRPr lang="en-US" dirty="0"/>
+                  </a:p>
+                </p:txBody>
+              </p:sp>
+            </mc:Choice>
+            <mc:Fallback>
+              <p:sp>
+                <p:nvSpPr>
+                  <p:cNvPr id="20" name="TextBox 19">
+                    <a:extLst>
+                      <a:ext uri="{FF2B5EF4-FFF2-40B4-BE49-F238E27FC236}">
+                        <a16:creationId xmlns:a16="http://schemas.microsoft.com/office/drawing/2014/main" id="{81A48A13-F358-2836-F2EE-CB257F93778A}"/>
+                      </a:ext>
+                    </a:extLst>
+                  </p:cNvPr>
+                  <p:cNvSpPr txBox="1">
+                    <a:spLocks noRot="1" noChangeAspect="1" noMove="1" noResize="1" noEditPoints="1" noAdjustHandles="1" noChangeArrowheads="1" noChangeShapeType="1" noTextEdit="1"/>
+                  </p:cNvSpPr>
+                  <p:nvPr/>
+                </p:nvSpPr>
+                <p:spPr>
+                  <a:xfrm>
+                    <a:off x="8427363" y="2981040"/>
+                    <a:ext cx="318612" cy="369332"/>
+                  </a:xfrm>
+                  <a:prstGeom prst="rect">
+                    <a:avLst/>
+                  </a:prstGeom>
+                  <a:blipFill>
+                    <a:blip r:embed="rId2"/>
+                    <a:stretch>
+                      <a:fillRect/>
+                    </a:stretch>
+                  </a:blipFill>
+                </p:spPr>
+                <p:txBody>
+                  <a:bodyPr/>
+                  <a:lstStyle/>
+                  <a:p>
+                    <a:r>
+                      <a:rPr lang="en-US">
+                        <a:noFill/>
+                      </a:rPr>
+                      <a:t> </a:t>
+                    </a:r>
+                  </a:p>
+                </p:txBody>
+              </p:sp>
+            </mc:Fallback>
+          </mc:AlternateContent>
+          <p:sp>
+            <p:nvSpPr>
+              <p:cNvPr id="21" name="Oval 20">
+                <a:extLst>
+                  <a:ext uri="{FF2B5EF4-FFF2-40B4-BE49-F238E27FC236}">
+                    <a16:creationId xmlns:a16="http://schemas.microsoft.com/office/drawing/2014/main" id="{AF096243-4BBB-FEFC-DCA1-FBE3DB833EEF}"/>
+                  </a:ext>
+                </a:extLst>
+              </p:cNvPr>
+              <p:cNvSpPr>
+                <a:spLocks noChangeAspect="1"/>
+              </p:cNvSpPr>
+              <p:nvPr/>
+            </p:nvSpPr>
+            <p:spPr>
+              <a:xfrm>
+                <a:off x="9342645" y="2938483"/>
+                <a:ext cx="457200" cy="438150"/>
+              </a:xfrm>
+              <a:prstGeom prst="ellipse">
+                <a:avLst/>
+              </a:prstGeom>
+              <a:noFill/>
+              <a:ln>
+                <a:solidFill>
+                  <a:schemeClr val="tx1"/>
+                </a:solidFill>
+              </a:ln>
+            </p:spPr>
+            <p:style>
+              <a:lnRef idx="2">
+                <a:schemeClr val="accent1">
+                  <a:shade val="50000"/>
+                </a:schemeClr>
+              </a:lnRef>
+              <a:fillRef idx="1">
+                <a:schemeClr val="accent1"/>
+              </a:fillRef>
+              <a:effectRef idx="0">
+                <a:schemeClr val="accent1"/>
+              </a:effectRef>
+              <a:fontRef idx="minor">
+                <a:schemeClr val="lt1"/>
+              </a:fontRef>
+            </p:style>
+            <p:txBody>
+              <a:bodyPr rtlCol="0" anchor="ctr"/>
+              <a:lstStyle/>
+              <a:p>
+                <a:pPr algn="ctr"/>
+                <a:endParaRPr lang="en-US" dirty="0"/>
+              </a:p>
+            </p:txBody>
+          </p:sp>
+          <p:sp>
+            <p:nvSpPr>
+              <p:cNvPr id="22" name="TextBox 21">
+                <a:extLst>
+                  <a:ext uri="{FF2B5EF4-FFF2-40B4-BE49-F238E27FC236}">
+                    <a16:creationId xmlns:a16="http://schemas.microsoft.com/office/drawing/2014/main" id="{22021518-673E-C3FA-5CC8-F1A1DDDC8621}"/>
+                  </a:ext>
+                </a:extLst>
+              </p:cNvPr>
+              <p:cNvSpPr txBox="1"/>
+              <p:nvPr/>
+            </p:nvSpPr>
+            <p:spPr>
+              <a:xfrm>
+                <a:off x="9490335" y="2938696"/>
+                <a:ext cx="239168" cy="369332"/>
+              </a:xfrm>
+              <a:prstGeom prst="rect">
+                <a:avLst/>
+              </a:prstGeom>
+              <a:noFill/>
+            </p:spPr>
+            <p:txBody>
+              <a:bodyPr wrap="none" rtlCol="0">
+                <a:spAutoFit/>
+              </a:bodyPr>
+              <a:lstStyle/>
+              <a:p>
+                <a:pPr/>
+                <a:r>
+                  <a:rPr lang="en-US" i="1" dirty="0"/>
+                  <a:t>j</a:t>
+                </a:r>
+              </a:p>
+            </p:txBody>
+          </p:sp>
+          <p:sp>
+            <p:nvSpPr>
+              <p:cNvPr id="23" name="Oval 22">
+                <a:extLst>
+                  <a:ext uri="{FF2B5EF4-FFF2-40B4-BE49-F238E27FC236}">
+                    <a16:creationId xmlns:a16="http://schemas.microsoft.com/office/drawing/2014/main" id="{C1D57260-7EB6-E313-F80A-8028BADCB9BB}"/>
+                  </a:ext>
+                </a:extLst>
+              </p:cNvPr>
+              <p:cNvSpPr>
+                <a:spLocks noChangeAspect="1"/>
+              </p:cNvSpPr>
+              <p:nvPr/>
+            </p:nvSpPr>
+            <p:spPr>
+              <a:xfrm>
+                <a:off x="10336420" y="2938483"/>
+                <a:ext cx="457200" cy="438150"/>
+              </a:xfrm>
+              <a:prstGeom prst="ellipse">
+                <a:avLst/>
+              </a:prstGeom>
+              <a:noFill/>
+              <a:ln>
+                <a:solidFill>
+                  <a:schemeClr val="tx1"/>
+                </a:solidFill>
+              </a:ln>
+            </p:spPr>
+            <p:style>
+              <a:lnRef idx="2">
+                <a:schemeClr val="accent1">
+                  <a:shade val="50000"/>
+                </a:schemeClr>
+              </a:lnRef>
+              <a:fillRef idx="1">
+                <a:schemeClr val="accent1"/>
+              </a:fillRef>
+              <a:effectRef idx="0">
+                <a:schemeClr val="accent1"/>
+              </a:effectRef>
+              <a:fontRef idx="minor">
+                <a:schemeClr val="lt1"/>
+              </a:fontRef>
+            </p:style>
+            <p:txBody>
+              <a:bodyPr rtlCol="0" anchor="ctr"/>
+              <a:lstStyle/>
+              <a:p>
+                <a:pPr algn="ctr"/>
+                <a:endParaRPr lang="en-US" dirty="0"/>
+              </a:p>
+            </p:txBody>
+          </p:sp>
+          <p:sp>
+            <p:nvSpPr>
+              <p:cNvPr id="24" name="Arc 23">
+                <a:extLst>
+                  <a:ext uri="{FF2B5EF4-FFF2-40B4-BE49-F238E27FC236}">
+                    <a16:creationId xmlns:a16="http://schemas.microsoft.com/office/drawing/2014/main" id="{27BFCACC-302C-859D-8184-89604F789688}"/>
+                  </a:ext>
+                </a:extLst>
+              </p:cNvPr>
+              <p:cNvSpPr/>
+              <p:nvPr/>
+            </p:nvSpPr>
+            <p:spPr>
+              <a:xfrm rot="18877889">
+                <a:off x="8564963" y="2826349"/>
+                <a:ext cx="1010623" cy="1031749"/>
+              </a:xfrm>
+              <a:prstGeom prst="arc">
+                <a:avLst/>
+              </a:prstGeom>
+              <a:ln>
+                <a:solidFill>
+                  <a:schemeClr val="tx1"/>
+                </a:solidFill>
+              </a:ln>
+            </p:spPr>
+            <p:style>
+              <a:lnRef idx="1">
+                <a:schemeClr val="accent1"/>
+              </a:lnRef>
+              <a:fillRef idx="0">
+                <a:schemeClr val="accent1"/>
+              </a:fillRef>
+              <a:effectRef idx="0">
+                <a:schemeClr val="accent1"/>
+              </a:effectRef>
+              <a:fontRef idx="minor">
+                <a:schemeClr val="tx1"/>
+              </a:fontRef>
+            </p:style>
+            <p:txBody>
+              <a:bodyPr rtlCol="0" anchor="ctr"/>
+              <a:lstStyle/>
+              <a:p>
+                <a:pPr algn="ctr"/>
+                <a:endParaRPr lang="en-US" dirty="0"/>
+              </a:p>
+            </p:txBody>
+          </p:sp>
+          <p:sp>
+            <p:nvSpPr>
+              <p:cNvPr id="25" name="Arc 24">
+                <a:extLst>
+                  <a:ext uri="{FF2B5EF4-FFF2-40B4-BE49-F238E27FC236}">
+                    <a16:creationId xmlns:a16="http://schemas.microsoft.com/office/drawing/2014/main" id="{9954167E-6323-1476-BF41-2C275B89B324}"/>
+                  </a:ext>
+                </a:extLst>
+              </p:cNvPr>
+              <p:cNvSpPr/>
+              <p:nvPr/>
+            </p:nvSpPr>
+            <p:spPr>
+              <a:xfrm rot="8098124">
+                <a:off x="9562821" y="2472724"/>
+                <a:ext cx="1010623" cy="1031749"/>
+              </a:xfrm>
+              <a:prstGeom prst="arc">
+                <a:avLst/>
+              </a:prstGeom>
+              <a:ln>
+                <a:solidFill>
+                  <a:schemeClr val="tx1"/>
+                </a:solidFill>
+              </a:ln>
+            </p:spPr>
+            <p:style>
+              <a:lnRef idx="1">
+                <a:schemeClr val="accent1"/>
+              </a:lnRef>
+              <a:fillRef idx="0">
+                <a:schemeClr val="accent1"/>
+              </a:fillRef>
+              <a:effectRef idx="0">
+                <a:schemeClr val="accent1"/>
+              </a:effectRef>
+              <a:fontRef idx="minor">
+                <a:schemeClr val="tx1"/>
+              </a:fontRef>
+            </p:style>
+            <p:txBody>
+              <a:bodyPr rtlCol="0" anchor="ctr"/>
+              <a:lstStyle/>
+              <a:p>
+                <a:pPr algn="ctr"/>
+                <a:endParaRPr lang="en-US" dirty="0"/>
+              </a:p>
+            </p:txBody>
+          </p:sp>
+          <p:sp>
+            <p:nvSpPr>
+              <p:cNvPr id="26" name="Oval 25">
+                <a:extLst>
+                  <a:ext uri="{FF2B5EF4-FFF2-40B4-BE49-F238E27FC236}">
+                    <a16:creationId xmlns:a16="http://schemas.microsoft.com/office/drawing/2014/main" id="{3BBE255A-7B7B-927B-C7CE-AB64FFD930F1}"/>
+                  </a:ext>
+                </a:extLst>
+              </p:cNvPr>
+              <p:cNvSpPr/>
+              <p:nvPr/>
+            </p:nvSpPr>
+            <p:spPr>
+              <a:xfrm>
+                <a:off x="8100725" y="2368070"/>
+                <a:ext cx="2964129" cy="1696179"/>
+              </a:xfrm>
+              <a:prstGeom prst="ellipse">
+                <a:avLst/>
+              </a:prstGeom>
+              <a:noFill/>
+              <a:ln>
+                <a:solidFill>
+                  <a:schemeClr val="tx1"/>
+                </a:solidFill>
+              </a:ln>
+            </p:spPr>
+            <p:style>
+              <a:lnRef idx="2">
+                <a:schemeClr val="accent1">
+                  <a:shade val="50000"/>
+                </a:schemeClr>
+              </a:lnRef>
+              <a:fillRef idx="1">
+                <a:schemeClr val="accent1"/>
+              </a:fillRef>
+              <a:effectRef idx="0">
+                <a:schemeClr val="accent1"/>
+              </a:effectRef>
+              <a:fontRef idx="minor">
+                <a:schemeClr val="lt1"/>
+              </a:fontRef>
+            </p:style>
+            <p:txBody>
+              <a:bodyPr rtlCol="0" anchor="ctr"/>
+              <a:lstStyle/>
+              <a:p>
+                <a:pPr algn="ctr"/>
+                <a:endParaRPr lang="en-US"/>
+              </a:p>
+            </p:txBody>
+          </p:sp>
+          <mc:AlternateContent xmlns:mc="http://schemas.openxmlformats.org/markup-compatibility/2006">
+            <mc:Choice xmlns:a14="http://schemas.microsoft.com/office/drawing/2010/main" Requires="a14">
+              <p:sp>
+                <p:nvSpPr>
+                  <p:cNvPr id="27" name="TextBox 26">
+                    <a:extLst>
+                      <a:ext uri="{FF2B5EF4-FFF2-40B4-BE49-F238E27FC236}">
+                        <a16:creationId xmlns:a16="http://schemas.microsoft.com/office/drawing/2014/main" id="{947C3011-248B-75BB-6144-62DD0E7FF427}"/>
+                      </a:ext>
+                    </a:extLst>
+                  </p:cNvPr>
+                  <p:cNvSpPr txBox="1"/>
+                  <p:nvPr/>
+                </p:nvSpPr>
+                <p:spPr>
+                  <a:xfrm>
+                    <a:off x="10379572" y="2977605"/>
+                    <a:ext cx="370934" cy="369332"/>
+                  </a:xfrm>
+                  <a:prstGeom prst="rect">
+                    <a:avLst/>
+                  </a:prstGeom>
+                  <a:noFill/>
+                </p:spPr>
+                <p:txBody>
+                  <a:bodyPr wrap="none" rtlCol="0">
+                    <a:spAutoFit/>
+                  </a:bodyPr>
+                  <a:lstStyle/>
+                  <a:p>
+                    <a:pPr/>
+                    <a14:m>
+                      <m:oMathPara xmlns:m="http://schemas.openxmlformats.org/officeDocument/2006/math">
+                        <m:oMathParaPr>
+                          <m:jc m:val="centerGroup"/>
+                        </m:oMathParaPr>
+                        <m:oMath xmlns:m="http://schemas.openxmlformats.org/officeDocument/2006/math">
+                          <m:r>
+                            <a:rPr lang="en-US" b="0" i="1" smtClean="0">
+                              <a:latin typeface="Cambria Math" panose="02040503050406030204" pitchFamily="18" charset="0"/>
+                            </a:rPr>
+                            <m:t>𝑘</m:t>
+                          </m:r>
+                        </m:oMath>
+                      </m:oMathPara>
+                    </a14:m>
+                    <a:endParaRPr lang="en-US" dirty="0"/>
+                  </a:p>
+                </p:txBody>
+              </p:sp>
+            </mc:Choice>
+            <mc:Fallback>
+              <p:sp>
+                <p:nvSpPr>
+                  <p:cNvPr id="27" name="TextBox 26">
+                    <a:extLst>
+                      <a:ext uri="{FF2B5EF4-FFF2-40B4-BE49-F238E27FC236}">
+                        <a16:creationId xmlns:a16="http://schemas.microsoft.com/office/drawing/2014/main" id="{947C3011-248B-75BB-6144-62DD0E7FF427}"/>
+                      </a:ext>
+                    </a:extLst>
+                  </p:cNvPr>
+                  <p:cNvSpPr txBox="1">
+                    <a:spLocks noRot="1" noChangeAspect="1" noMove="1" noResize="1" noEditPoints="1" noAdjustHandles="1" noChangeArrowheads="1" noChangeShapeType="1" noTextEdit="1"/>
+                  </p:cNvSpPr>
+                  <p:nvPr/>
+                </p:nvSpPr>
+                <p:spPr>
+                  <a:xfrm>
+                    <a:off x="10379572" y="2977605"/>
+                    <a:ext cx="370934" cy="369332"/>
+                  </a:xfrm>
+                  <a:prstGeom prst="rect">
+                    <a:avLst/>
+                  </a:prstGeom>
+                  <a:blipFill>
+                    <a:blip r:embed="rId3"/>
+                    <a:stretch>
+                      <a:fillRect/>
+                    </a:stretch>
+                  </a:blipFill>
+                </p:spPr>
+                <p:txBody>
+                  <a:bodyPr/>
+                  <a:lstStyle/>
+                  <a:p>
+                    <a:r>
+                      <a:rPr lang="en-US">
+                        <a:noFill/>
+                      </a:rPr>
+                      <a:t> </a:t>
+                    </a:r>
+                  </a:p>
+                </p:txBody>
+              </p:sp>
+            </mc:Fallback>
+          </mc:AlternateContent>
+          <mc:AlternateContent xmlns:mc="http://schemas.openxmlformats.org/markup-compatibility/2006" xmlns:a14="http://schemas.microsoft.com/office/drawing/2010/main">
+            <mc:Choice Requires="a14">
+              <p:sp>
+                <p:nvSpPr>
+                  <p:cNvPr id="28" name="TextBox 27">
+                    <a:extLst>
+                      <a:ext uri="{FF2B5EF4-FFF2-40B4-BE49-F238E27FC236}">
+                        <a16:creationId xmlns:a16="http://schemas.microsoft.com/office/drawing/2014/main" id="{ADB7DEE8-BE67-ADDA-42A3-138A645B095A}"/>
+                      </a:ext>
+                    </a:extLst>
+                  </p:cNvPr>
+                  <p:cNvSpPr txBox="1"/>
+                  <p:nvPr/>
+                </p:nvSpPr>
+                <p:spPr>
+                  <a:xfrm>
+                    <a:off x="8820567" y="2480820"/>
+                    <a:ext cx="497829" cy="391646"/>
+                  </a:xfrm>
+                  <a:prstGeom prst="rect">
+                    <a:avLst/>
+                  </a:prstGeom>
+                  <a:noFill/>
+                </p:spPr>
+                <p:txBody>
+                  <a:bodyPr wrap="none" rtlCol="0">
+                    <a:spAutoFit/>
+                  </a:bodyPr>
+                  <a:lstStyle/>
+                  <a:p>
+                    <a:pPr/>
+                    <a14:m>
+                      <m:oMathPara xmlns:m="http://schemas.openxmlformats.org/officeDocument/2006/math">
+                        <m:oMathParaPr>
+                          <m:jc m:val="centerGroup"/>
+                        </m:oMathParaPr>
+                        <m:oMath xmlns:m="http://schemas.openxmlformats.org/officeDocument/2006/math">
+                          <m:sSub>
+                            <m:sSubPr>
+                              <m:ctrlPr>
+                                <a:rPr lang="en-US" b="0" i="1" smtClean="0">
+                                  <a:latin typeface="Cambria Math" panose="02040503050406030204" pitchFamily="18" charset="0"/>
+                                </a:rPr>
+                              </m:ctrlPr>
+                            </m:sSubPr>
+                            <m:e>
+                              <m:r>
+                                <a:rPr lang="en-US" b="0" i="1" smtClean="0">
+                                  <a:latin typeface="Cambria Math" panose="02040503050406030204" pitchFamily="18" charset="0"/>
+                                </a:rPr>
+                                <m:t>𝑒</m:t>
+                              </m:r>
+                            </m:e>
+                            <m:sub>
+                              <m:r>
+                                <a:rPr lang="en-US" b="0" i="1" smtClean="0">
+                                  <a:latin typeface="Cambria Math" panose="02040503050406030204" pitchFamily="18" charset="0"/>
+                                </a:rPr>
+                                <m:t>𝑖𝑗</m:t>
+                              </m:r>
+                            </m:sub>
+                          </m:sSub>
+                        </m:oMath>
+                      </m:oMathPara>
+                    </a14:m>
+                    <a:endParaRPr lang="en-US" dirty="0"/>
+                  </a:p>
+                </p:txBody>
+              </p:sp>
+            </mc:Choice>
+            <mc:Fallback xmlns="">
+              <p:sp>
+                <p:nvSpPr>
+                  <p:cNvPr id="46" name="TextBox 45">
+                    <a:extLst>
+                      <a:ext uri="{FF2B5EF4-FFF2-40B4-BE49-F238E27FC236}">
+                        <a16:creationId xmlns:a16="http://schemas.microsoft.com/office/drawing/2014/main" id="{AE751837-B2F8-4725-7D3B-914D0B0A67C1}"/>
+                      </a:ext>
+                    </a:extLst>
+                  </p:cNvPr>
+                  <p:cNvSpPr txBox="1">
+                    <a:spLocks noRot="1" noChangeAspect="1" noMove="1" noResize="1" noEditPoints="1" noAdjustHandles="1" noChangeArrowheads="1" noChangeShapeType="1" noTextEdit="1"/>
+                  </p:cNvSpPr>
+                  <p:nvPr/>
+                </p:nvSpPr>
+                <p:spPr>
+                  <a:xfrm>
+                    <a:off x="8820567" y="2480820"/>
+                    <a:ext cx="497829" cy="391646"/>
+                  </a:xfrm>
+                  <a:prstGeom prst="rect">
+                    <a:avLst/>
+                  </a:prstGeom>
+                  <a:blipFill>
+                    <a:blip r:embed="rId9"/>
+                    <a:stretch>
+                      <a:fillRect b="-9677"/>
+                    </a:stretch>
+                  </a:blipFill>
+                </p:spPr>
+                <p:txBody>
+                  <a:bodyPr/>
+                  <a:lstStyle/>
+                  <a:p>
+                    <a:r>
+                      <a:rPr lang="en-US">
+                        <a:noFill/>
+                      </a:rPr>
+                      <a:t> </a:t>
+                    </a:r>
+                  </a:p>
+                </p:txBody>
+              </p:sp>
+            </mc:Fallback>
+          </mc:AlternateContent>
+          <mc:AlternateContent xmlns:mc="http://schemas.openxmlformats.org/markup-compatibility/2006" xmlns:a14="http://schemas.microsoft.com/office/drawing/2010/main">
+            <mc:Choice Requires="a14">
+              <p:sp>
+                <p:nvSpPr>
+                  <p:cNvPr id="29" name="TextBox 28">
+                    <a:extLst>
+                      <a:ext uri="{FF2B5EF4-FFF2-40B4-BE49-F238E27FC236}">
+                        <a16:creationId xmlns:a16="http://schemas.microsoft.com/office/drawing/2014/main" id="{0FEDCB9E-F555-19EF-5AF9-461A7BABBDF7}"/>
+                      </a:ext>
+                    </a:extLst>
+                  </p:cNvPr>
+                  <p:cNvSpPr txBox="1"/>
+                  <p:nvPr/>
+                </p:nvSpPr>
+                <p:spPr>
+                  <a:xfrm>
+                    <a:off x="9504617" y="3282325"/>
+                    <a:ext cx="519758" cy="391646"/>
+                  </a:xfrm>
+                  <a:prstGeom prst="rect">
+                    <a:avLst/>
+                  </a:prstGeom>
+                  <a:noFill/>
+                </p:spPr>
+                <p:txBody>
+                  <a:bodyPr wrap="none" rtlCol="0">
+                    <a:spAutoFit/>
+                  </a:bodyPr>
+                  <a:lstStyle/>
+                  <a:p>
+                    <a:pPr/>
+                    <a14:m>
+                      <m:oMathPara xmlns:m="http://schemas.openxmlformats.org/officeDocument/2006/math">
+                        <m:oMathParaPr>
+                          <m:jc m:val="centerGroup"/>
+                        </m:oMathParaPr>
+                        <m:oMath xmlns:m="http://schemas.openxmlformats.org/officeDocument/2006/math">
+                          <m:sSub>
+                            <m:sSubPr>
+                              <m:ctrlPr>
+                                <a:rPr lang="en-US" b="0" i="1" smtClean="0">
+                                  <a:latin typeface="Cambria Math" panose="02040503050406030204" pitchFamily="18" charset="0"/>
+                                </a:rPr>
+                              </m:ctrlPr>
+                            </m:sSubPr>
+                            <m:e>
+                              <m:r>
+                                <a:rPr lang="en-US" b="0" i="1" smtClean="0">
+                                  <a:latin typeface="Cambria Math" panose="02040503050406030204" pitchFamily="18" charset="0"/>
+                                </a:rPr>
+                                <m:t>𝑒</m:t>
+                              </m:r>
+                            </m:e>
+                            <m:sub>
+                              <m:r>
+                                <a:rPr lang="en-US" b="0" i="1" smtClean="0">
+                                  <a:latin typeface="Cambria Math" panose="02040503050406030204" pitchFamily="18" charset="0"/>
+                                </a:rPr>
+                                <m:t>𝑗𝑘</m:t>
+                              </m:r>
+                            </m:sub>
+                          </m:sSub>
+                        </m:oMath>
+                      </m:oMathPara>
+                    </a14:m>
+                    <a:endParaRPr lang="en-US" dirty="0"/>
+                  </a:p>
+                </p:txBody>
+              </p:sp>
+            </mc:Choice>
+            <mc:Fallback xmlns="">
+              <p:sp>
+                <p:nvSpPr>
+                  <p:cNvPr id="47" name="TextBox 46">
+                    <a:extLst>
+                      <a:ext uri="{FF2B5EF4-FFF2-40B4-BE49-F238E27FC236}">
+                        <a16:creationId xmlns:a16="http://schemas.microsoft.com/office/drawing/2014/main" id="{821FE1B4-8EDE-3A72-78E3-D918015EA40E}"/>
+                      </a:ext>
+                    </a:extLst>
+                  </p:cNvPr>
+                  <p:cNvSpPr txBox="1">
+                    <a:spLocks noRot="1" noChangeAspect="1" noMove="1" noResize="1" noEditPoints="1" noAdjustHandles="1" noChangeArrowheads="1" noChangeShapeType="1" noTextEdit="1"/>
+                  </p:cNvSpPr>
+                  <p:nvPr/>
+                </p:nvSpPr>
+                <p:spPr>
+                  <a:xfrm>
+                    <a:off x="9504617" y="3282325"/>
+                    <a:ext cx="519758" cy="391646"/>
+                  </a:xfrm>
+                  <a:prstGeom prst="rect">
+                    <a:avLst/>
+                  </a:prstGeom>
+                  <a:blipFill>
+                    <a:blip r:embed="rId10"/>
+                    <a:stretch>
+                      <a:fillRect b="-9677"/>
+                    </a:stretch>
+                  </a:blipFill>
+                </p:spPr>
+                <p:txBody>
+                  <a:bodyPr/>
+                  <a:lstStyle/>
+                  <a:p>
+                    <a:r>
+                      <a:rPr lang="en-US">
+                        <a:noFill/>
+                      </a:rPr>
+                      <a:t> </a:t>
+                    </a:r>
+                  </a:p>
+                </p:txBody>
+              </p:sp>
+            </mc:Fallback>
+          </mc:AlternateContent>
+          <mc:AlternateContent xmlns:mc="http://schemas.openxmlformats.org/markup-compatibility/2006" xmlns:a14="http://schemas.microsoft.com/office/drawing/2010/main">
+            <mc:Choice Requires="a14">
+              <p:sp>
+                <p:nvSpPr>
+                  <p:cNvPr id="30" name="TextBox 29">
+                    <a:extLst>
+                      <a:ext uri="{FF2B5EF4-FFF2-40B4-BE49-F238E27FC236}">
+                        <a16:creationId xmlns:a16="http://schemas.microsoft.com/office/drawing/2014/main" id="{0C651283-4775-B87A-3FA4-1240309B2E2F}"/>
+                      </a:ext>
+                    </a:extLst>
+                  </p:cNvPr>
+                  <p:cNvSpPr txBox="1"/>
+                  <p:nvPr/>
+                </p:nvSpPr>
+                <p:spPr>
+                  <a:xfrm>
+                    <a:off x="8586791" y="3458681"/>
+                    <a:ext cx="521040" cy="369332"/>
+                  </a:xfrm>
+                  <a:prstGeom prst="rect">
+                    <a:avLst/>
+                  </a:prstGeom>
+                  <a:noFill/>
+                </p:spPr>
+                <p:txBody>
+                  <a:bodyPr wrap="none" rtlCol="0">
+                    <a:spAutoFit/>
+                  </a:bodyPr>
+                  <a:lstStyle/>
+                  <a:p>
+                    <a:pPr/>
+                    <a14:m>
+                      <m:oMathPara xmlns:m="http://schemas.openxmlformats.org/officeDocument/2006/math">
+                        <m:oMathParaPr>
+                          <m:jc m:val="centerGroup"/>
+                        </m:oMathParaPr>
+                        <m:oMath xmlns:m="http://schemas.openxmlformats.org/officeDocument/2006/math">
+                          <m:sSub>
+                            <m:sSubPr>
+                              <m:ctrlPr>
+                                <a:rPr lang="en-US" b="0" i="1" smtClean="0">
+                                  <a:latin typeface="Cambria Math" panose="02040503050406030204" pitchFamily="18" charset="0"/>
+                                </a:rPr>
+                              </m:ctrlPr>
+                            </m:sSubPr>
+                            <m:e>
+                              <m:r>
+                                <a:rPr lang="en-US" b="0" i="1" smtClean="0">
+                                  <a:latin typeface="Cambria Math" panose="02040503050406030204" pitchFamily="18" charset="0"/>
+                                </a:rPr>
+                                <m:t>𝑒</m:t>
+                              </m:r>
+                            </m:e>
+                            <m:sub>
+                              <m:r>
+                                <a:rPr lang="en-US" b="0" i="1" smtClean="0">
+                                  <a:latin typeface="Cambria Math" panose="02040503050406030204" pitchFamily="18" charset="0"/>
+                                </a:rPr>
+                                <m:t>𝑖𝑘</m:t>
+                              </m:r>
+                            </m:sub>
+                          </m:sSub>
+                        </m:oMath>
+                      </m:oMathPara>
+                    </a14:m>
+                    <a:endParaRPr lang="en-US" dirty="0"/>
+                  </a:p>
+                </p:txBody>
+              </p:sp>
+            </mc:Choice>
+            <mc:Fallback xmlns="">
+              <p:sp>
+                <p:nvSpPr>
+                  <p:cNvPr id="48" name="TextBox 47">
+                    <a:extLst>
+                      <a:ext uri="{FF2B5EF4-FFF2-40B4-BE49-F238E27FC236}">
+                        <a16:creationId xmlns:a16="http://schemas.microsoft.com/office/drawing/2014/main" id="{CD1F4931-F19B-457E-A906-46A86560425E}"/>
+                      </a:ext>
+                    </a:extLst>
+                  </p:cNvPr>
+                  <p:cNvSpPr txBox="1">
+                    <a:spLocks noRot="1" noChangeAspect="1" noMove="1" noResize="1" noEditPoints="1" noAdjustHandles="1" noChangeArrowheads="1" noChangeShapeType="1" noTextEdit="1"/>
+                  </p:cNvSpPr>
+                  <p:nvPr/>
+                </p:nvSpPr>
+                <p:spPr>
+                  <a:xfrm>
+                    <a:off x="8586791" y="3458681"/>
+                    <a:ext cx="521040" cy="369332"/>
+                  </a:xfrm>
+                  <a:prstGeom prst="rect">
+                    <a:avLst/>
+                  </a:prstGeom>
+                  <a:blipFill>
+                    <a:blip r:embed="rId11"/>
+                    <a:stretch>
+                      <a:fillRect/>
+                    </a:stretch>
+                  </a:blipFill>
+                </p:spPr>
+                <p:txBody>
+                  <a:bodyPr/>
+                  <a:lstStyle/>
+                  <a:p>
+                    <a:r>
+                      <a:rPr lang="en-US">
+                        <a:noFill/>
+                      </a:rPr>
+                      <a:t> </a:t>
+                    </a:r>
+                  </a:p>
+                </p:txBody>
+              </p:sp>
+            </mc:Fallback>
+          </mc:AlternateContent>
+          <mc:AlternateContent xmlns:mc="http://schemas.openxmlformats.org/markup-compatibility/2006" xmlns:a14="http://schemas.microsoft.com/office/drawing/2010/main">
+            <mc:Choice Requires="a14">
+              <p:sp>
+                <p:nvSpPr>
+                  <p:cNvPr id="31" name="TextBox 30">
+                    <a:extLst>
+                      <a:ext uri="{FF2B5EF4-FFF2-40B4-BE49-F238E27FC236}">
+                        <a16:creationId xmlns:a16="http://schemas.microsoft.com/office/drawing/2014/main" id="{7B53C3CA-DE6D-FFB7-2290-4FD52FF5B289}"/>
+                      </a:ext>
+                    </a:extLst>
+                  </p:cNvPr>
+                  <p:cNvSpPr txBox="1"/>
+                  <p:nvPr/>
+                </p:nvSpPr>
+                <p:spPr>
+                  <a:xfrm>
+                    <a:off x="9285563" y="1999643"/>
+                    <a:ext cx="598305" cy="391646"/>
+                  </a:xfrm>
+                  <a:prstGeom prst="rect">
+                    <a:avLst/>
+                  </a:prstGeom>
+                  <a:noFill/>
+                </p:spPr>
+                <p:txBody>
+                  <a:bodyPr wrap="none" rtlCol="0">
+                    <a:spAutoFit/>
+                  </a:bodyPr>
+                  <a:lstStyle/>
+                  <a:p>
+                    <a:pPr/>
+                    <a14:m>
+                      <m:oMathPara xmlns:m="http://schemas.openxmlformats.org/officeDocument/2006/math">
+                        <m:oMathParaPr>
+                          <m:jc m:val="centerGroup"/>
+                        </m:oMathParaPr>
+                        <m:oMath xmlns:m="http://schemas.openxmlformats.org/officeDocument/2006/math">
+                          <m:sSub>
+                            <m:sSubPr>
+                              <m:ctrlPr>
+                                <a:rPr lang="en-US" i="1" smtClean="0">
+                                  <a:latin typeface="Cambria Math" panose="02040503050406030204" pitchFamily="18" charset="0"/>
+                                </a:rPr>
+                              </m:ctrlPr>
+                            </m:sSubPr>
+                            <m:e>
+                              <m:r>
+                                <a:rPr lang="en-US" i="1" smtClean="0">
+                                  <a:latin typeface="Cambria Math" panose="02040503050406030204" pitchFamily="18" charset="0"/>
+                                  <a:ea typeface="Cambria Math" panose="02040503050406030204" pitchFamily="18" charset="0"/>
+                                </a:rPr>
+                                <m:t>𝜏</m:t>
+                              </m:r>
+                            </m:e>
+                            <m:sub>
+                              <m:r>
+                                <a:rPr lang="en-US" b="0" i="1" smtClean="0">
+                                  <a:latin typeface="Cambria Math" panose="02040503050406030204" pitchFamily="18" charset="0"/>
+                                </a:rPr>
+                                <m:t>𝑖𝑗𝑘</m:t>
+                              </m:r>
+                            </m:sub>
+                          </m:sSub>
+                        </m:oMath>
+                      </m:oMathPara>
+                    </a14:m>
+                    <a:endParaRPr lang="en-US" dirty="0"/>
+                  </a:p>
+                </p:txBody>
+              </p:sp>
+            </mc:Choice>
+            <mc:Fallback xmlns="">
+              <p:sp>
+                <p:nvSpPr>
+                  <p:cNvPr id="49" name="TextBox 48">
+                    <a:extLst>
+                      <a:ext uri="{FF2B5EF4-FFF2-40B4-BE49-F238E27FC236}">
+                        <a16:creationId xmlns:a16="http://schemas.microsoft.com/office/drawing/2014/main" id="{EAD3421E-6088-CF35-038C-5ED6ADDC6225}"/>
+                      </a:ext>
+                    </a:extLst>
+                  </p:cNvPr>
+                  <p:cNvSpPr txBox="1">
+                    <a:spLocks noRot="1" noChangeAspect="1" noMove="1" noResize="1" noEditPoints="1" noAdjustHandles="1" noChangeArrowheads="1" noChangeShapeType="1" noTextEdit="1"/>
+                  </p:cNvSpPr>
+                  <p:nvPr/>
+                </p:nvSpPr>
+                <p:spPr>
+                  <a:xfrm>
+                    <a:off x="9285563" y="1999643"/>
+                    <a:ext cx="598305" cy="391646"/>
+                  </a:xfrm>
+                  <a:prstGeom prst="rect">
+                    <a:avLst/>
+                  </a:prstGeom>
+                  <a:blipFill>
+                    <a:blip r:embed="rId12"/>
+                    <a:stretch>
+                      <a:fillRect b="-9677"/>
+                    </a:stretch>
+                  </a:blipFill>
+                </p:spPr>
+                <p:txBody>
+                  <a:bodyPr/>
+                  <a:lstStyle/>
+                  <a:p>
+                    <a:r>
+                      <a:rPr lang="en-US">
+                        <a:noFill/>
+                      </a:rPr>
+                      <a:t> </a:t>
+                    </a:r>
+                  </a:p>
+                </p:txBody>
+              </p:sp>
+            </mc:Fallback>
+          </mc:AlternateContent>
+        </p:grpSp>
+        <p:sp>
+          <p:nvSpPr>
+            <p:cNvPr id="32" name="Oval 31">
+              <a:extLst>
+                <a:ext uri="{FF2B5EF4-FFF2-40B4-BE49-F238E27FC236}">
+                  <a16:creationId xmlns:a16="http://schemas.microsoft.com/office/drawing/2014/main" id="{A15A8ECB-542C-8AF9-854D-D9A336F2D429}"/>
+                </a:ext>
+              </a:extLst>
+            </p:cNvPr>
+            <p:cNvSpPr/>
+            <p:nvPr/>
+          </p:nvSpPr>
+          <p:spPr>
+            <a:xfrm>
+              <a:off x="8327070" y="4976709"/>
+              <a:ext cx="1644714" cy="831981"/>
+            </a:xfrm>
+            <a:prstGeom prst="ellipse">
+              <a:avLst/>
+            </a:prstGeom>
+            <a:noFill/>
+            <a:ln>
+              <a:solidFill>
+                <a:srgbClr val="FF0000"/>
+              </a:solidFill>
+            </a:ln>
+          </p:spPr>
+          <p:style>
+            <a:lnRef idx="2">
+              <a:schemeClr val="accent1">
+                <a:shade val="50000"/>
+              </a:schemeClr>
+            </a:lnRef>
+            <a:fillRef idx="1">
+              <a:schemeClr val="accent1"/>
+            </a:fillRef>
+            <a:effectRef idx="0">
+              <a:schemeClr val="accent1"/>
+            </a:effectRef>
+            <a:fontRef idx="minor">
+              <a:schemeClr val="lt1"/>
+            </a:fontRef>
+          </p:style>
+          <p:txBody>
+            <a:bodyPr rtlCol="0" anchor="ctr"/>
+            <a:lstStyle/>
+            <a:p>
+              <a:pPr algn="ctr"/>
+              <a:endParaRPr lang="en-US"/>
+            </a:p>
+          </p:txBody>
+        </p:sp>
+        <p:cxnSp>
+          <p:nvCxnSpPr>
+            <p:cNvPr id="34" name="Straight Arrow Connector 33">
+              <a:extLst>
+                <a:ext uri="{FF2B5EF4-FFF2-40B4-BE49-F238E27FC236}">
+                  <a16:creationId xmlns:a16="http://schemas.microsoft.com/office/drawing/2014/main" id="{68485475-B3CD-BEB0-7BA3-662385844174}"/>
+                </a:ext>
+              </a:extLst>
+            </p:cNvPr>
+            <p:cNvCxnSpPr>
+              <a:cxnSpLocks/>
+              <a:stCxn id="12" idx="2"/>
+            </p:cNvCxnSpPr>
+            <p:nvPr/>
+          </p:nvCxnSpPr>
+          <p:spPr>
+            <a:xfrm>
+              <a:off x="8262837" y="4514840"/>
+              <a:ext cx="259743" cy="519795"/>
+            </a:xfrm>
+            <a:prstGeom prst="straightConnector1">
+              <a:avLst/>
+            </a:prstGeom>
+            <a:ln w="25400">
+              <a:solidFill>
+                <a:srgbClr val="FF0000"/>
+              </a:solidFill>
+              <a:tailEnd type="triangle"/>
+            </a:ln>
+          </p:spPr>
+          <p:style>
+            <a:lnRef idx="1">
+              <a:schemeClr val="accent1"/>
+            </a:lnRef>
+            <a:fillRef idx="0">
+              <a:schemeClr val="accent1"/>
+            </a:fillRef>
+            <a:effectRef idx="0">
+              <a:schemeClr val="accent1"/>
+            </a:effectRef>
+            <a:fontRef idx="minor">
+              <a:schemeClr val="tx1"/>
+            </a:fontRef>
+          </p:style>
+        </p:cxnSp>
+      </p:grpSp>
+      <mc:AlternateContent xmlns:mc="http://schemas.openxmlformats.org/markup-compatibility/2006">
+        <mc:Choice xmlns:a14="http://schemas.microsoft.com/office/drawing/2010/main" Requires="a14">
+          <p:sp>
+            <p:nvSpPr>
+              <p:cNvPr id="39" name="TextBox 38">
+                <a:extLst>
+                  <a:ext uri="{FF2B5EF4-FFF2-40B4-BE49-F238E27FC236}">
+                    <a16:creationId xmlns:a16="http://schemas.microsoft.com/office/drawing/2014/main" id="{4BABAD3D-E4E7-E234-10B6-718DF90EB13B}"/>
+                  </a:ext>
+                </a:extLst>
+              </p:cNvPr>
+              <p:cNvSpPr txBox="1"/>
+              <p:nvPr/>
+            </p:nvSpPr>
+            <p:spPr>
+              <a:xfrm>
+                <a:off x="664595" y="2078016"/>
+                <a:ext cx="7484712" cy="4348306"/>
+              </a:xfrm>
+              <a:prstGeom prst="rect">
+                <a:avLst/>
+              </a:prstGeom>
+              <a:noFill/>
+            </p:spPr>
+            <p:txBody>
+              <a:bodyPr wrap="square" rtlCol="0">
+                <a:spAutoFit/>
+              </a:bodyPr>
+              <a:lstStyle/>
+              <a:p>
+                <a:pPr/>
+                <a:r>
+                  <a:rPr lang="en-US" b="1" dirty="0"/>
+                  <a:t>if</a:t>
+                </a:r>
+                <a:r>
+                  <a:rPr lang="en-US" b="0" dirty="0"/>
+                  <a:t> </a:t>
+                </a:r>
+              </a:p>
+              <a:p>
+                <a:pPr marL="285750" indent="-285750">
+                  <a:buFont typeface="Arial" panose="020B0604020202020204" pitchFamily="34" charset="0"/>
+                  <a:buChar char="•"/>
+                </a:pPr>
+                <a:r>
+                  <a:rPr lang="en-US" b="0" dirty="0"/>
+                  <a:t>paralogs</a:t>
+                </a:r>
+                <a:r>
+                  <a:rPr lang="en-US" b="0" i="1" dirty="0"/>
+                  <a:t> </a:t>
+                </a:r>
+                <a:r>
+                  <a:rPr lang="en-US" b="0" i="1" dirty="0" err="1"/>
+                  <a:t>i</a:t>
+                </a:r>
+                <a:r>
+                  <a:rPr lang="en-US" b="0" dirty="0"/>
+                  <a:t> and</a:t>
+                </a:r>
+                <a:r>
+                  <a:rPr lang="en-US" b="0" i="1" dirty="0"/>
+                  <a:t> j </a:t>
+                </a:r>
+                <a:r>
+                  <a:rPr lang="en-US" dirty="0"/>
+                  <a:t>redundantly encode function 1</a:t>
+                </a:r>
+              </a:p>
+              <a:p>
+                <a:pPr marL="285750" indent="-285750">
+                  <a:buFont typeface="Arial" panose="020B0604020202020204" pitchFamily="34" charset="0"/>
+                  <a:buChar char="•"/>
+                </a:pPr>
+                <a:r>
+                  <a:rPr lang="en-US" dirty="0"/>
+                  <a:t>removing function 1 and gene </a:t>
+                </a:r>
+                <a:r>
+                  <a:rPr lang="en-US" i="1" dirty="0"/>
+                  <a:t>k potentially</a:t>
+                </a:r>
+                <a:r>
+                  <a:rPr lang="en-US" dirty="0"/>
+                  <a:t> synergistically deleterious</a:t>
+                </a:r>
+              </a:p>
+              <a:p>
+                <a:pPr/>
+                <a:r>
+                  <a:rPr lang="en-US" b="1" dirty="0"/>
+                  <a:t>then</a:t>
+                </a:r>
+              </a:p>
+              <a:p>
+                <a:pPr marL="285750" indent="-285750">
+                  <a:buFont typeface="Arial" panose="020B0604020202020204" pitchFamily="34" charset="0"/>
+                  <a:buChar char="•"/>
+                </a:pPr>
+                <a14:m>
+                  <m:oMath xmlns:m="http://schemas.openxmlformats.org/officeDocument/2006/math">
+                    <m:sSub>
+                      <m:sSubPr>
+                        <m:ctrlPr>
+                          <a:rPr lang="en-US" b="0" i="1" smtClean="0"/>
+                        </m:ctrlPr>
+                      </m:sSubPr>
+                      <m:e>
+                        <m:r>
+                          <a:rPr lang="en-US" b="0" i="1" smtClean="0"/>
+                          <m:t>𝑒</m:t>
+                        </m:r>
+                      </m:e>
+                      <m:sub>
+                        <m:r>
+                          <a:rPr lang="en-US" b="0" i="1" smtClean="0"/>
+                          <m:t>𝑖𝑘</m:t>
+                        </m:r>
+                      </m:sub>
+                    </m:sSub>
+                  </m:oMath>
+                </a14:m>
+                <a:r>
+                  <a:rPr lang="en-US" dirty="0"/>
+                  <a:t> and </a:t>
+                </a:r>
+                <a14:m>
+                  <m:oMath xmlns:m="http://schemas.openxmlformats.org/officeDocument/2006/math">
+                    <m:sSub>
+                      <m:sSubPr>
+                        <m:ctrlPr>
+                          <a:rPr lang="en-US" i="1"/>
+                        </m:ctrlPr>
+                      </m:sSubPr>
+                      <m:e>
+                        <m:r>
+                          <a:rPr lang="en-US" i="1"/>
+                          <m:t>𝑒</m:t>
+                        </m:r>
+                      </m:e>
+                      <m:sub>
+                        <m:r>
+                          <a:rPr lang="en-US" b="0" i="1" smtClean="0"/>
+                          <m:t>𝑗</m:t>
+                        </m:r>
+                        <m:r>
+                          <a:rPr lang="en-US" i="1"/>
+                          <m:t>𝑘</m:t>
+                        </m:r>
+                      </m:sub>
+                    </m:sSub>
+                    <m:r>
+                      <a:rPr lang="en-US" i="1" smtClean="0">
+                        <a:ea typeface="Cambria Math" panose="02040503050406030204" pitchFamily="18" charset="0"/>
+                      </a:rPr>
+                      <m:t>≈</m:t>
+                    </m:r>
+                  </m:oMath>
+                </a14:m>
+                <a:r>
+                  <a:rPr lang="en-US" dirty="0"/>
+                  <a:t> 0</a:t>
+                </a:r>
+              </a:p>
+              <a:p>
+                <a:pPr marL="742950" lvl="1" indent="-285750">
+                  <a:buFont typeface="Arial" panose="020B0604020202020204" pitchFamily="34" charset="0"/>
+                  <a:buChar char="•"/>
+                </a:pPr>
+                <a:r>
+                  <a:rPr lang="en-US" dirty="0"/>
+                  <a:t>other paralog remains (</a:t>
+                </a:r>
+                <a:r>
+                  <a:rPr lang="en-US" i="1" dirty="0" err="1"/>
+                  <a:t>i</a:t>
+                </a:r>
+                <a:r>
+                  <a:rPr lang="en-US" dirty="0"/>
+                  <a:t> or </a:t>
+                </a:r>
+                <a:r>
+                  <a:rPr lang="en-US" i="1" dirty="0"/>
+                  <a:t>j</a:t>
+                </a:r>
+                <a:r>
+                  <a:rPr lang="en-US" dirty="0"/>
+                  <a:t>), function 1 still intact</a:t>
+                </a:r>
+              </a:p>
+              <a:p>
+                <a:pPr marL="742950" lvl="1" indent="-285750">
+                  <a:buFont typeface="Arial" panose="020B0604020202020204" pitchFamily="34" charset="0"/>
+                  <a:buChar char="•"/>
+                </a:pPr>
+                <a:r>
+                  <a:rPr lang="en-US" i="1" dirty="0"/>
+                  <a:t>f</a:t>
+                </a:r>
+                <a:r>
+                  <a:rPr lang="en-US" i="1" baseline="-25000" dirty="0"/>
+                  <a:t>k </a:t>
+                </a:r>
+                <a14:m>
+                  <m:oMath xmlns:m="http://schemas.openxmlformats.org/officeDocument/2006/math">
+                    <m:r>
+                      <a:rPr lang="en-US" i="1">
+                        <a:latin typeface="Cambria Math" panose="02040503050406030204" pitchFamily="18" charset="0"/>
+                        <a:ea typeface="Cambria Math" panose="02040503050406030204" pitchFamily="18" charset="0"/>
+                      </a:rPr>
+                      <m:t>≈</m:t>
+                    </m:r>
+                  </m:oMath>
+                </a14:m>
+                <a:r>
+                  <a:rPr lang="en-US" i="1" baseline="-25000" dirty="0"/>
+                  <a:t> </a:t>
+                </a:r>
+                <a:r>
+                  <a:rPr lang="en-US" i="1" dirty="0" err="1"/>
+                  <a:t>f</a:t>
+                </a:r>
+                <a:r>
+                  <a:rPr lang="en-US" i="1" baseline="-25000" dirty="0" err="1"/>
+                  <a:t>ik</a:t>
+                </a:r>
+                <a:r>
+                  <a:rPr lang="en-US" i="1" baseline="-25000" dirty="0"/>
+                  <a:t> </a:t>
+                </a:r>
+                <a14:m>
+                  <m:oMath xmlns:m="http://schemas.openxmlformats.org/officeDocument/2006/math">
+                    <m:r>
+                      <a:rPr lang="en-US" i="1">
+                        <a:latin typeface="Cambria Math" panose="02040503050406030204" pitchFamily="18" charset="0"/>
+                        <a:ea typeface="Cambria Math" panose="02040503050406030204" pitchFamily="18" charset="0"/>
+                      </a:rPr>
+                      <m:t>≈</m:t>
+                    </m:r>
+                  </m:oMath>
+                </a14:m>
+                <a:r>
+                  <a:rPr lang="en-US" i="1" dirty="0"/>
+                  <a:t> f</a:t>
+                </a:r>
+                <a:r>
+                  <a:rPr lang="en-US" i="1" baseline="-25000" dirty="0"/>
+                  <a:t>jk</a:t>
+                </a:r>
+                <a:endParaRPr lang="en-US" dirty="0"/>
+              </a:p>
+              <a:p>
+                <a:pPr marL="285750" indent="-285750">
+                  <a:buFont typeface="Arial" panose="020B0604020202020204" pitchFamily="34" charset="0"/>
+                  <a:buChar char="•"/>
+                </a:pPr>
+                <a14:m>
+                  <m:oMath xmlns:m="http://schemas.openxmlformats.org/officeDocument/2006/math">
+                    <m:sSub>
+                      <m:sSubPr>
+                        <m:ctrlPr>
+                          <a:rPr lang="en-US" i="1"/>
+                        </m:ctrlPr>
+                      </m:sSubPr>
+                      <m:e>
+                        <m:r>
+                          <a:rPr lang="en-US" i="1"/>
+                          <m:t>𝑒</m:t>
+                        </m:r>
+                      </m:e>
+                      <m:sub>
+                        <m:r>
+                          <a:rPr lang="en-US" i="1"/>
+                          <m:t>𝑖</m:t>
+                        </m:r>
+                        <m:r>
+                          <a:rPr lang="en-US" b="0" i="1" smtClean="0"/>
+                          <m:t>𝑗</m:t>
+                        </m:r>
+                      </m:sub>
+                    </m:sSub>
+                  </m:oMath>
+                </a14:m>
+                <a:r>
+                  <a:rPr lang="en-US" dirty="0"/>
+                  <a:t> &lt; 0; deleting both paralogs exposes cost of losing function 1</a:t>
+                </a:r>
+              </a:p>
+              <a:p>
+                <a:pPr marL="285750" indent="-285750">
+                  <a:buFont typeface="Arial" panose="020B0604020202020204" pitchFamily="34" charset="0"/>
+                  <a:buChar char="•"/>
+                </a:pPr>
+                <a14:m>
+                  <m:oMath xmlns:m="http://schemas.openxmlformats.org/officeDocument/2006/math">
+                    <m:sSub>
+                      <m:sSubPr>
+                        <m:ctrlPr>
+                          <a:rPr lang="en-US" i="1"/>
+                        </m:ctrlPr>
+                      </m:sSubPr>
+                      <m:e>
+                        <m:r>
+                          <a:rPr lang="en-US" i="1">
+                            <a:ea typeface="Cambria Math" panose="02040503050406030204" pitchFamily="18" charset="0"/>
+                          </a:rPr>
+                          <m:t>𝜏</m:t>
+                        </m:r>
+                      </m:e>
+                      <m:sub>
+                        <m:r>
+                          <a:rPr lang="en-US" i="1"/>
+                          <m:t>𝑖𝑗𝑘</m:t>
+                        </m:r>
+                      </m:sub>
+                    </m:sSub>
+                  </m:oMath>
+                </a14:m>
+                <a:r>
+                  <a:rPr lang="en-US" dirty="0"/>
+                  <a:t> potentially&lt; 0</a:t>
+                </a:r>
+              </a:p>
+              <a:p>
+                <a:pPr marL="742950" lvl="1" indent="-285750">
+                  <a:buFont typeface="Arial" panose="020B0604020202020204" pitchFamily="34" charset="0"/>
+                  <a:buChar char="•"/>
+                </a:pPr>
+                <a:r>
+                  <a:rPr lang="en-US" dirty="0"/>
+                  <a:t>deleting all 3 exposes synergism between function 1 and gene </a:t>
+                </a:r>
+                <a:r>
+                  <a:rPr lang="en-US" i="1" dirty="0"/>
+                  <a:t>k</a:t>
+                </a:r>
+              </a:p>
+              <a:p>
+                <a:pPr marL="742950" lvl="1" indent="-285750">
+                  <a:buFont typeface="Arial" panose="020B0604020202020204" pitchFamily="34" charset="0"/>
+                  <a:buChar char="•"/>
+                </a:pPr>
+                <a:r>
+                  <a:rPr lang="en-US" dirty="0"/>
+                  <a:t>also possible all 3 genes redundant (large gene family), need to remove all to observe effect</a:t>
+                </a:r>
+              </a:p>
+              <a:p>
+                <a:r>
+                  <a:rPr lang="en-US" b="1" dirty="0"/>
+                  <a:t>thus</a:t>
+                </a:r>
+              </a:p>
+              <a:p>
+                <a:pPr marL="285750" indent="-285750">
+                  <a:buFont typeface="Arial" panose="020B0604020202020204" pitchFamily="34" charset="0"/>
+                  <a:buChar char="•"/>
+                </a:pPr>
+                <a:r>
+                  <a:rPr lang="en-US" dirty="0"/>
+                  <a:t>for functionally redundant paralog pairs, bias towards </a:t>
+                </a:r>
+                <a:r>
+                  <a:rPr lang="en-US" dirty="0" err="1"/>
+                  <a:t>trigenic</a:t>
+                </a:r>
+                <a:r>
+                  <a:rPr lang="en-US" dirty="0"/>
+                  <a:t> interactions b/c expect </a:t>
+                </a:r>
+                <a14:m>
+                  <m:oMath xmlns:m="http://schemas.openxmlformats.org/officeDocument/2006/math">
+                    <m:sSub>
+                      <m:sSubPr>
+                        <m:ctrlPr>
+                          <a:rPr lang="en-US" i="1">
+                            <a:latin typeface="Cambria Math" panose="02040503050406030204" pitchFamily="18" charset="0"/>
+                          </a:rPr>
+                        </m:ctrlPr>
+                      </m:sSubPr>
+                      <m:e>
+                        <m:r>
+                          <a:rPr lang="en-US" i="1">
+                            <a:latin typeface="Cambria Math" panose="02040503050406030204" pitchFamily="18" charset="0"/>
+                          </a:rPr>
+                          <m:t>𝑒</m:t>
+                        </m:r>
+                      </m:e>
+                      <m:sub>
+                        <m:r>
+                          <a:rPr lang="en-US" i="1">
+                            <a:latin typeface="Cambria Math" panose="02040503050406030204" pitchFamily="18" charset="0"/>
+                          </a:rPr>
+                          <m:t>𝑖𝑘</m:t>
+                        </m:r>
+                      </m:sub>
+                    </m:sSub>
+                  </m:oMath>
+                </a14:m>
+                <a:r>
+                  <a:rPr lang="en-US" dirty="0"/>
+                  <a:t> and </a:t>
+                </a:r>
+                <a14:m>
+                  <m:oMath xmlns:m="http://schemas.openxmlformats.org/officeDocument/2006/math">
+                    <m:sSub>
+                      <m:sSubPr>
+                        <m:ctrlPr>
+                          <a:rPr lang="en-US" i="1">
+                            <a:latin typeface="Cambria Math" panose="02040503050406030204" pitchFamily="18" charset="0"/>
+                          </a:rPr>
+                        </m:ctrlPr>
+                      </m:sSubPr>
+                      <m:e>
+                        <m:r>
+                          <a:rPr lang="en-US" i="1">
+                            <a:latin typeface="Cambria Math" panose="02040503050406030204" pitchFamily="18" charset="0"/>
+                          </a:rPr>
+                          <m:t>𝑒</m:t>
+                        </m:r>
+                      </m:e>
+                      <m:sub>
+                        <m:r>
+                          <a:rPr lang="en-US" i="1">
+                            <a:latin typeface="Cambria Math" panose="02040503050406030204" pitchFamily="18" charset="0"/>
+                          </a:rPr>
+                          <m:t>𝑗</m:t>
+                        </m:r>
+                        <m:r>
+                          <a:rPr lang="en-US" i="1">
+                            <a:latin typeface="Cambria Math" panose="02040503050406030204" pitchFamily="18" charset="0"/>
+                          </a:rPr>
+                          <m:t>𝑘</m:t>
+                        </m:r>
+                      </m:sub>
+                    </m:sSub>
+                    <m:r>
+                      <a:rPr lang="en-US" i="1">
+                        <a:latin typeface="Cambria Math" panose="02040503050406030204" pitchFamily="18" charset="0"/>
+                        <a:ea typeface="Cambria Math" panose="02040503050406030204" pitchFamily="18" charset="0"/>
+                      </a:rPr>
+                      <m:t>≈</m:t>
+                    </m:r>
+                  </m:oMath>
+                </a14:m>
+                <a:r>
+                  <a:rPr lang="en-US" dirty="0"/>
+                  <a:t> 0</a:t>
+                </a:r>
+              </a:p>
+            </p:txBody>
+          </p:sp>
+        </mc:Choice>
+        <mc:Fallback>
+          <p:sp>
+            <p:nvSpPr>
+              <p:cNvPr id="39" name="TextBox 38">
+                <a:extLst>
+                  <a:ext uri="{FF2B5EF4-FFF2-40B4-BE49-F238E27FC236}">
+                    <a16:creationId xmlns:a16="http://schemas.microsoft.com/office/drawing/2014/main" id="{4BABAD3D-E4E7-E234-10B6-718DF90EB13B}"/>
+                  </a:ext>
+                </a:extLst>
+              </p:cNvPr>
+              <p:cNvSpPr txBox="1">
+                <a:spLocks noRot="1" noChangeAspect="1" noMove="1" noResize="1" noEditPoints="1" noAdjustHandles="1" noChangeArrowheads="1" noChangeShapeType="1" noTextEdit="1"/>
+              </p:cNvSpPr>
+              <p:nvPr/>
+            </p:nvSpPr>
+            <p:spPr>
+              <a:xfrm>
+                <a:off x="664595" y="2078016"/>
+                <a:ext cx="7484712" cy="4348306"/>
+              </a:xfrm>
+              <a:prstGeom prst="rect">
+                <a:avLst/>
+              </a:prstGeom>
+              <a:blipFill>
+                <a:blip r:embed="rId13"/>
+                <a:stretch>
+                  <a:fillRect l="-678" t="-583" b="-1166"/>
+                </a:stretch>
+              </a:blipFill>
+            </p:spPr>
+            <p:txBody>
+              <a:bodyPr/>
+              <a:lstStyle/>
+              <a:p>
+                <a:r>
+                  <a:rPr lang="en-US">
+                    <a:noFill/>
+                  </a:rPr>
+                  <a:t> </a:t>
+                </a:r>
+              </a:p>
+            </p:txBody>
+          </p:sp>
+        </mc:Fallback>
+      </mc:AlternateContent>
+    </p:spTree>
+    <p:extLst>
+      <p:ext uri="{BB962C8B-B14F-4D97-AF65-F5344CB8AC3E}">
+        <p14:creationId xmlns:p14="http://schemas.microsoft.com/office/powerpoint/2010/main" val="1923155140"/>
+      </p:ext>
+    </p:extLst>
+  </p:cSld>
+  <p:clrMapOvr>
+    <a:masterClrMapping/>
+  </p:clrMapOvr>
+</p:sld>
+</file>
+
+<file path=ppt/slides/slide37.xml><?xml version="1.0" encoding="utf-8"?>
+<p:sld xmlns:a="http://schemas.openxmlformats.org/drawingml/2006/main" xmlns:r="http://schemas.openxmlformats.org/officeDocument/2006/relationships" xmlns:p="http://schemas.openxmlformats.org/presentationml/2006/main">
+  <p:cSld>
+    <p:spTree>
+      <p:nvGrpSpPr>
+        <p:cNvPr id="1" name=""/>
+        <p:cNvGrpSpPr/>
+        <p:nvPr/>
+      </p:nvGrpSpPr>
+      <p:grpSpPr>
+        <a:xfrm>
+          <a:off x="0" y="0"/>
+          <a:ext cx="0" cy="0"/>
+          <a:chOff x="0" y="0"/>
+          <a:chExt cx="0" cy="0"/>
+        </a:xfrm>
+      </p:grpSpPr>
+      <p:sp>
+        <p:nvSpPr>
+          <p:cNvPr id="2" name="Title 1">
+            <a:extLst>
+              <a:ext uri="{FF2B5EF4-FFF2-40B4-BE49-F238E27FC236}">
+                <a16:creationId xmlns:a16="http://schemas.microsoft.com/office/drawing/2014/main" id="{F4C2146A-8CD7-350D-6452-EC66E903FF78}"/>
+              </a:ext>
+            </a:extLst>
+          </p:cNvPr>
+          <p:cNvSpPr>
+            <a:spLocks noGrp="1"/>
+          </p:cNvSpPr>
+          <p:nvPr>
+            <p:ph type="title"/>
+          </p:nvPr>
+        </p:nvSpPr>
+        <p:spPr>
+          <a:xfrm>
+            <a:off x="0" y="164158"/>
+            <a:ext cx="12192000" cy="655239"/>
+          </a:xfrm>
+        </p:spPr>
+        <p:txBody>
+          <a:bodyPr>
+            <a:normAutofit fontScale="90000"/>
+          </a:bodyPr>
+          <a:lstStyle/>
+          <a:p>
+            <a:r>
+              <a:rPr lang="en-US" dirty="0" err="1"/>
+              <a:t>Kuzmin</a:t>
+            </a:r>
+            <a:r>
+              <a:rPr lang="en-US" dirty="0"/>
+              <a:t> 2020 summary</a:t>
+            </a:r>
+          </a:p>
+        </p:txBody>
+      </p:sp>
+      <p:sp>
+        <p:nvSpPr>
+          <p:cNvPr id="3" name="Content Placeholder 2">
+            <a:extLst>
+              <a:ext uri="{FF2B5EF4-FFF2-40B4-BE49-F238E27FC236}">
+                <a16:creationId xmlns:a16="http://schemas.microsoft.com/office/drawing/2014/main" id="{B5EAA94B-C95D-C707-E5AE-CFBD146B3DE9}"/>
+              </a:ext>
+            </a:extLst>
+          </p:cNvPr>
+          <p:cNvSpPr>
+            <a:spLocks noGrp="1"/>
+          </p:cNvSpPr>
+          <p:nvPr>
+            <p:ph idx="1"/>
+          </p:nvPr>
+        </p:nvSpPr>
+        <p:spPr>
+          <a:xfrm>
+            <a:off x="0" y="944573"/>
+            <a:ext cx="10515600" cy="1192985"/>
+          </a:xfrm>
+        </p:spPr>
+        <p:txBody>
+          <a:bodyPr>
+            <a:normAutofit/>
+          </a:bodyPr>
+          <a:lstStyle/>
+          <a:p>
+            <a:pPr lvl="1"/>
+            <a:r>
+              <a:rPr lang="en-US" dirty="0"/>
+              <a:t>Results</a:t>
+            </a:r>
+          </a:p>
+          <a:p>
+            <a:pPr lvl="2"/>
+            <a:r>
+              <a:rPr lang="en-US" dirty="0" err="1"/>
+              <a:t>trigenic</a:t>
+            </a:r>
+            <a:r>
+              <a:rPr lang="en-US" dirty="0"/>
+              <a:t> interaction fraction of paralog pairs associated with several fundamental physiological and evolutionary properties</a:t>
+            </a:r>
+          </a:p>
+        </p:txBody>
+      </p:sp>
+      <p:pic>
+        <p:nvPicPr>
+          <p:cNvPr id="5" name="Picture 4">
+            <a:extLst>
+              <a:ext uri="{FF2B5EF4-FFF2-40B4-BE49-F238E27FC236}">
+                <a16:creationId xmlns:a16="http://schemas.microsoft.com/office/drawing/2014/main" id="{F5025B82-B2CC-BF7C-516F-2C9881502748}"/>
+              </a:ext>
+            </a:extLst>
+          </p:cNvPr>
+          <p:cNvPicPr>
+            <a:picLocks noChangeAspect="1"/>
+          </p:cNvPicPr>
+          <p:nvPr/>
+        </p:nvPicPr>
+        <p:blipFill>
+          <a:blip r:embed="rId2"/>
+          <a:stretch>
+            <a:fillRect/>
+          </a:stretch>
+        </p:blipFill>
+        <p:spPr>
+          <a:xfrm>
+            <a:off x="5699119" y="1936020"/>
+            <a:ext cx="2077412" cy="4873262"/>
+          </a:xfrm>
+          <a:prstGeom prst="rect">
+            <a:avLst/>
+          </a:prstGeom>
+        </p:spPr>
+      </p:pic>
+    </p:spTree>
+    <p:extLst>
+      <p:ext uri="{BB962C8B-B14F-4D97-AF65-F5344CB8AC3E}">
+        <p14:creationId xmlns:p14="http://schemas.microsoft.com/office/powerpoint/2010/main" val="2673800127"/>
+      </p:ext>
+    </p:extLst>
+  </p:cSld>
+  <p:clrMapOvr>
+    <a:masterClrMapping/>
+  </p:clrMapOvr>
+</p:sld>
+</file>
+
+<file path=ppt/slides/slide38.xml><?xml version="1.0" encoding="utf-8"?>
+<p:sld xmlns:a="http://schemas.openxmlformats.org/drawingml/2006/main" xmlns:r="http://schemas.openxmlformats.org/officeDocument/2006/relationships" xmlns:p="http://schemas.openxmlformats.org/presentationml/2006/main">
+  <p:cSld>
+    <p:spTree>
+      <p:nvGrpSpPr>
+        <p:cNvPr id="1" name=""/>
+        <p:cNvGrpSpPr/>
+        <p:nvPr/>
+      </p:nvGrpSpPr>
+      <p:grpSpPr>
+        <a:xfrm>
+          <a:off x="0" y="0"/>
+          <a:ext cx="0" cy="0"/>
+          <a:chOff x="0" y="0"/>
+          <a:chExt cx="0" cy="0"/>
+        </a:xfrm>
+      </p:grpSpPr>
+      <p:sp>
+        <p:nvSpPr>
+          <p:cNvPr id="2" name="Title 1">
+            <a:extLst>
+              <a:ext uri="{FF2B5EF4-FFF2-40B4-BE49-F238E27FC236}">
+                <a16:creationId xmlns:a16="http://schemas.microsoft.com/office/drawing/2014/main" id="{F4C2146A-8CD7-350D-6452-EC66E903FF78}"/>
+              </a:ext>
+            </a:extLst>
+          </p:cNvPr>
+          <p:cNvSpPr>
+            <a:spLocks noGrp="1"/>
+          </p:cNvSpPr>
+          <p:nvPr>
+            <p:ph type="title"/>
+          </p:nvPr>
+        </p:nvSpPr>
+        <p:spPr>
+          <a:xfrm>
+            <a:off x="0" y="164158"/>
+            <a:ext cx="12192000" cy="1325563"/>
+          </a:xfrm>
+        </p:spPr>
+        <p:txBody>
+          <a:bodyPr>
+            <a:normAutofit/>
+          </a:bodyPr>
+          <a:lstStyle/>
+          <a:p>
+            <a:r>
+              <a:rPr lang="en-US" dirty="0"/>
+              <a:t>Understand negative interactions biologically</a:t>
+            </a:r>
+            <a:br>
+              <a:rPr lang="en-US" dirty="0"/>
+            </a:br>
+            <a:endParaRPr lang="en-US" dirty="0"/>
+          </a:p>
+        </p:txBody>
+      </p:sp>
+      <p:sp>
+        <p:nvSpPr>
+          <p:cNvPr id="3" name="Content Placeholder 2">
+            <a:extLst>
+              <a:ext uri="{FF2B5EF4-FFF2-40B4-BE49-F238E27FC236}">
+                <a16:creationId xmlns:a16="http://schemas.microsoft.com/office/drawing/2014/main" id="{B5EAA94B-C95D-C707-E5AE-CFBD146B3DE9}"/>
+              </a:ext>
+            </a:extLst>
+          </p:cNvPr>
+          <p:cNvSpPr>
+            <a:spLocks noGrp="1"/>
+          </p:cNvSpPr>
+          <p:nvPr>
+            <p:ph idx="1"/>
+          </p:nvPr>
+        </p:nvSpPr>
         <p:spPr/>
         <p:txBody>
           <a:bodyPr>
@@ -19293,64 +23949,241 @@
           <a:p>
             <a:r>
               <a:rPr lang="en-US" dirty="0"/>
-              <a:t>“</a:t>
-            </a:r>
-            <a:r>
-              <a:rPr lang="en-US" dirty="0" err="1"/>
-              <a:t>trigenic</a:t>
-            </a:r>
+              <a:t>From Hartman et al 2001:</a:t>
+            </a:r>
+          </a:p>
+          <a:p>
+            <a:pPr lvl="1"/>
             <a:r>
               <a:rPr lang="en-US" dirty="0"/>
-              <a:t> interactions are enriched for functionally related genes”</a:t>
+              <a:t>Gene interactions underlie buffering</a:t>
+            </a:r>
+          </a:p>
+          <a:p>
+            <a:pPr lvl="2"/>
+            <a:r>
+              <a:rPr lang="en-US" dirty="0"/>
+              <a:t>the buffering of variation in one gene is most often due to a small number of other genes that function in the same biochemical process</a:t>
             </a:r>
           </a:p>
           <a:p>
             <a:pPr lvl="1"/>
-            <a:r>
-              <a:rPr lang="en-US" dirty="0"/>
-              <a:t>﻿Digenic and </a:t>
-            </a:r>
-            <a:r>
-              <a:rPr lang="en-US" dirty="0" err="1"/>
-              <a:t>trigenic</a:t>
-            </a:r>
-            <a:r>
-              <a:rPr lang="en-US" dirty="0"/>
-              <a:t> interactions were tested for overlap with several functional standards: protein-protein interactions, GO biological process, co-expression and co- localization. A hypergeometric test of the overlap between interactions and functional annotations, in the space of gene pairs that are both in the standard and have a valid (non- </a:t>
-            </a:r>
-            <a:r>
-              <a:rPr lang="en-US" dirty="0" err="1"/>
-              <a:t>NaN</a:t>
-            </a:r>
-            <a:r>
-              <a:rPr lang="en-US" dirty="0"/>
-              <a:t>) SGA score, was used to evaluate statistical significance (Fig. 2B, S8B).</a:t>
-            </a:r>
-          </a:p>
-          <a:p>
-            <a:r>
-              <a:rPr lang="en-US" dirty="0"/>
-              <a:t>I can get PPI and GO from </a:t>
-            </a:r>
-            <a:r>
-              <a:rPr lang="en-US" dirty="0" err="1"/>
-              <a:t>yeastgenome.org</a:t>
-            </a:r>
             <a:endParaRPr lang="en-US" dirty="0"/>
-          </a:p>
-          <a:p>
-            <a:pPr lvl="1"/>
-            <a:r>
-              <a:rPr lang="en-US" dirty="0"/>
-              <a:t>fit logistic regression model of interaction score vs. PPI/in same GO?</a:t>
-            </a:r>
           </a:p>
         </p:txBody>
       </p:sp>
     </p:spTree>
     <p:extLst>
       <p:ext uri="{BB962C8B-B14F-4D97-AF65-F5344CB8AC3E}">
-        <p14:creationId xmlns:p14="http://schemas.microsoft.com/office/powerpoint/2010/main" val="522964684"/>
+        <p14:creationId xmlns:p14="http://schemas.microsoft.com/office/powerpoint/2010/main" val="2648495532"/>
+      </p:ext>
+    </p:extLst>
+  </p:cSld>
+  <p:clrMapOvr>
+    <a:masterClrMapping/>
+  </p:clrMapOvr>
+</p:sld>
+</file>
+
+<file path=ppt/slides/slide39.xml><?xml version="1.0" encoding="utf-8"?>
+<p:sld xmlns:a="http://schemas.openxmlformats.org/drawingml/2006/main" xmlns:r="http://schemas.openxmlformats.org/officeDocument/2006/relationships" xmlns:p="http://schemas.openxmlformats.org/presentationml/2006/main">
+  <p:cSld>
+    <p:spTree>
+      <p:nvGrpSpPr>
+        <p:cNvPr id="1" name=""/>
+        <p:cNvGrpSpPr/>
+        <p:nvPr/>
+      </p:nvGrpSpPr>
+      <p:grpSpPr>
+        <a:xfrm>
+          <a:off x="0" y="0"/>
+          <a:ext cx="0" cy="0"/>
+          <a:chOff x="0" y="0"/>
+          <a:chExt cx="0" cy="0"/>
+        </a:xfrm>
+      </p:grpSpPr>
+      <p:sp>
+        <p:nvSpPr>
+          <p:cNvPr id="2" name="Title 1">
+            <a:extLst>
+              <a:ext uri="{FF2B5EF4-FFF2-40B4-BE49-F238E27FC236}">
+                <a16:creationId xmlns:a16="http://schemas.microsoft.com/office/drawing/2014/main" id="{F4C2146A-8CD7-350D-6452-EC66E903FF78}"/>
+              </a:ext>
+            </a:extLst>
+          </p:cNvPr>
+          <p:cNvSpPr>
+            <a:spLocks noGrp="1"/>
+          </p:cNvSpPr>
+          <p:nvPr>
+            <p:ph type="title"/>
+          </p:nvPr>
+        </p:nvSpPr>
+        <p:spPr>
+          <a:xfrm>
+            <a:off x="0" y="164158"/>
+            <a:ext cx="12192000" cy="1325563"/>
+          </a:xfrm>
+        </p:spPr>
+        <p:txBody>
+          <a:bodyPr>
+            <a:normAutofit/>
+          </a:bodyPr>
+          <a:lstStyle/>
+          <a:p>
+            <a:r>
+              <a:rPr lang="en-US" dirty="0"/>
+              <a:t>Understand positive interactions biologically</a:t>
+            </a:r>
+            <a:br>
+              <a:rPr lang="en-US" dirty="0"/>
+            </a:br>
+            <a:endParaRPr lang="en-US" dirty="0"/>
+          </a:p>
+        </p:txBody>
+      </p:sp>
+      <p:sp>
+        <p:nvSpPr>
+          <p:cNvPr id="3" name="Content Placeholder 2">
+            <a:extLst>
+              <a:ext uri="{FF2B5EF4-FFF2-40B4-BE49-F238E27FC236}">
+                <a16:creationId xmlns:a16="http://schemas.microsoft.com/office/drawing/2014/main" id="{B5EAA94B-C95D-C707-E5AE-CFBD146B3DE9}"/>
+              </a:ext>
+            </a:extLst>
+          </p:cNvPr>
+          <p:cNvSpPr>
+            <a:spLocks noGrp="1"/>
+          </p:cNvSpPr>
+          <p:nvPr>
+            <p:ph idx="1"/>
+          </p:nvPr>
+        </p:nvSpPr>
+        <p:spPr/>
+        <p:txBody>
+          <a:bodyPr>
+            <a:normAutofit lnSpcReduction="10000"/>
+          </a:bodyPr>
+          <a:lstStyle/>
+          <a:p>
+            <a:r>
+              <a:rPr lang="en-US" dirty="0"/>
+              <a:t>From Hartman et al 2001:</a:t>
+            </a:r>
+          </a:p>
+          <a:p>
+            <a:pPr lvl="1"/>
+            <a:r>
+              <a:rPr lang="en-US" dirty="0"/>
+              <a:t>Gene interactions underlie buffering</a:t>
+            </a:r>
+          </a:p>
+          <a:p>
+            <a:pPr lvl="2"/>
+            <a:r>
+              <a:rPr lang="en-US" dirty="0"/>
+              <a:t>the buffering of variation in one gene is most often due to a small number of other genes that function in the same biochemical process</a:t>
+            </a:r>
+          </a:p>
+          <a:p>
+            <a:r>
+              <a:rPr lang="en-US" dirty="0"/>
+              <a:t>Collins et al 2007</a:t>
+            </a:r>
+          </a:p>
+          <a:p>
+            <a:pPr lvl="1"/>
+            <a:r>
+              <a:rPr lang="en-US" dirty="0"/>
+              <a:t>if 2 proteins carry out common function, expect positive interaction b/c in context of 1</a:t>
+            </a:r>
+            <a:r>
+              <a:rPr lang="en-US" baseline="30000" dirty="0"/>
+              <a:t>st</a:t>
+            </a:r>
+            <a:r>
+              <a:rPr lang="en-US" dirty="0"/>
+              <a:t> deletion, 2</a:t>
+            </a:r>
+            <a:r>
+              <a:rPr lang="en-US" baseline="30000" dirty="0"/>
+              <a:t>nd</a:t>
+            </a:r>
+            <a:r>
+              <a:rPr lang="en-US" dirty="0"/>
+              <a:t> deletion incurs no additional cost</a:t>
+            </a:r>
+          </a:p>
+          <a:p>
+            <a:pPr lvl="1"/>
+            <a:r>
+              <a:rPr lang="en-US" dirty="0"/>
+              <a:t>for genes encoding physically interacting proteins, interaction effects bimodal</a:t>
+            </a:r>
+          </a:p>
+          <a:p>
+            <a:pPr lvl="2"/>
+            <a:r>
+              <a:rPr lang="en-US" dirty="0"/>
+              <a:t>positive interactions for proteins that function coherently</a:t>
+            </a:r>
+          </a:p>
+          <a:p>
+            <a:pPr lvl="2"/>
+            <a:r>
+              <a:rPr lang="en-US" dirty="0"/>
+              <a:t>no genetic interaction for proteins that carry out distinct/opposing functions</a:t>
+            </a:r>
+          </a:p>
+          <a:p>
+            <a:pPr lvl="1"/>
+            <a:r>
+              <a:rPr lang="en-US" dirty="0"/>
+              <a:t>﻿many cases where proteins cooperate with each other even when they do not physically interact</a:t>
+            </a:r>
+          </a:p>
+          <a:p>
+            <a:pPr lvl="1"/>
+            <a:endParaRPr lang="en-US" dirty="0"/>
+          </a:p>
+          <a:p>
+            <a:pPr lvl="1"/>
+            <a:endParaRPr lang="en-US" dirty="0"/>
+          </a:p>
+        </p:txBody>
+      </p:sp>
+      <p:pic>
+        <p:nvPicPr>
+          <p:cNvPr id="5" name="Picture 4">
+            <a:extLst>
+              <a:ext uri="{FF2B5EF4-FFF2-40B4-BE49-F238E27FC236}">
+                <a16:creationId xmlns:a16="http://schemas.microsoft.com/office/drawing/2014/main" id="{1E057BE1-FE0D-568C-ECD8-09580F224260}"/>
+              </a:ext>
+            </a:extLst>
+          </p:cNvPr>
+          <p:cNvPicPr>
+            <a:picLocks noChangeAspect="1"/>
+          </p:cNvPicPr>
+          <p:nvPr/>
+        </p:nvPicPr>
+        <p:blipFill>
+          <a:blip r:embed="rId2"/>
+          <a:stretch>
+            <a:fillRect/>
+          </a:stretch>
+        </p:blipFill>
+        <p:spPr>
+          <a:xfrm>
+            <a:off x="9528352" y="826939"/>
+            <a:ext cx="2230244" cy="1810053"/>
+          </a:xfrm>
+          <a:prstGeom prst="rect">
+            <a:avLst/>
+          </a:prstGeom>
+        </p:spPr>
+      </p:pic>
+    </p:spTree>
+    <p:extLst>
+      <p:ext uri="{BB962C8B-B14F-4D97-AF65-F5344CB8AC3E}">
+        <p14:creationId xmlns:p14="http://schemas.microsoft.com/office/powerpoint/2010/main" val="582319559"/>
       </p:ext>
     </p:extLst>
   </p:cSld>
